--- a/MPEG 4-LosSeless audio coding.pptx
+++ b/MPEG 4-LosSeless audio coding.pptx
@@ -17,6 +17,7 @@
     <p:sldId id="268" r:id="rId11"/>
     <p:sldId id="269" r:id="rId12"/>
     <p:sldId id="261" r:id="rId13"/>
+    <p:sldId id="270" r:id="rId14"/>
   </p:sldIdLst>
   <p:sldSz cx="12192000" cy="6858000"/>
   <p:notesSz cx="6858000" cy="9144000"/>
@@ -121,6 +122,1393 @@
     </p:ext>
   </p:extLst>
 </p:presentation>
+</file>
+
+<file path=ppt/charts/chart1.xml><?xml version="1.0" encoding="utf-8"?>
+<c:chartSpace xmlns:c="http://schemas.openxmlformats.org/drawingml/2006/chart" xmlns:a="http://schemas.openxmlformats.org/drawingml/2006/main" xmlns:r="http://schemas.openxmlformats.org/officeDocument/2006/relationships" xmlns:c16r2="http://schemas.microsoft.com/office/drawing/2015/06/chart">
+  <c:date1904 val="1"/>
+  <c:lang val="en-US"/>
+  <c:roundedCorners val="0"/>
+  <mc:AlternateContent xmlns:mc="http://schemas.openxmlformats.org/markup-compatibility/2006">
+    <mc:Choice xmlns:c14="http://schemas.microsoft.com/office/drawing/2007/8/2/chart" Requires="c14">
+      <c14:style val="102"/>
+    </mc:Choice>
+    <mc:Fallback>
+      <c:style val="2"/>
+    </mc:Fallback>
+  </mc:AlternateContent>
+  <c:chart>
+    <c:title>
+      <c:tx>
+        <c:rich>
+          <a:bodyPr rot="0" spcFirstLastPara="1" vertOverflow="ellipsis" vert="horz" wrap="square" anchor="ctr" anchorCtr="1"/>
+          <a:lstStyle/>
+          <a:p>
+            <a:pPr>
+              <a:defRPr sz="2800" b="0" i="0" u="none" strike="noStrike" kern="1200" spc="0" baseline="0">
+                <a:solidFill>
+                  <a:schemeClr val="tx1">
+                    <a:lumMod val="65000"/>
+                    <a:lumOff val="35000"/>
+                  </a:schemeClr>
+                </a:solidFill>
+                <a:latin typeface="+mn-lt"/>
+                <a:ea typeface="+mn-ea"/>
+                <a:cs typeface="+mn-cs"/>
+              </a:defRPr>
+            </a:pPr>
+            <a:r>
+              <a:rPr lang="en-GB" sz="2800" dirty="0"/>
+              <a:t>Compression ratio / Predictor</a:t>
+            </a:r>
+            <a:r>
+              <a:rPr lang="en-GB" sz="2800" baseline="0" dirty="0"/>
+              <a:t> order</a:t>
+            </a:r>
+            <a:endParaRPr lang="en-GB" sz="2800" dirty="0"/>
+          </a:p>
+        </c:rich>
+      </c:tx>
+      <c:overlay val="0"/>
+      <c:spPr>
+        <a:noFill/>
+        <a:ln>
+          <a:noFill/>
+        </a:ln>
+        <a:effectLst/>
+      </c:spPr>
+      <c:txPr>
+        <a:bodyPr rot="0" spcFirstLastPara="1" vertOverflow="ellipsis" vert="horz" wrap="square" anchor="ctr" anchorCtr="1"/>
+        <a:lstStyle/>
+        <a:p>
+          <a:pPr>
+            <a:defRPr sz="2800" b="0" i="0" u="none" strike="noStrike" kern="1200" spc="0" baseline="0">
+              <a:solidFill>
+                <a:schemeClr val="tx1">
+                  <a:lumMod val="65000"/>
+                  <a:lumOff val="35000"/>
+                </a:schemeClr>
+              </a:solidFill>
+              <a:latin typeface="+mn-lt"/>
+              <a:ea typeface="+mn-ea"/>
+              <a:cs typeface="+mn-cs"/>
+            </a:defRPr>
+          </a:pPr>
+          <a:endParaRPr lang="ca-ES"/>
+        </a:p>
+      </c:txPr>
+    </c:title>
+    <c:autoTitleDeleted val="0"/>
+    <c:plotArea>
+      <c:layout/>
+      <c:scatterChart>
+        <c:scatterStyle val="smoothMarker"/>
+        <c:varyColors val="0"/>
+        <c:ser>
+          <c:idx val="0"/>
+          <c:order val="0"/>
+          <c:tx>
+            <c:strRef>
+              <c:f>Sheet2!$D$3</c:f>
+              <c:strCache>
+                <c:ptCount val="1"/>
+                <c:pt idx="0">
+                  <c:v>Classical</c:v>
+                </c:pt>
+              </c:strCache>
+            </c:strRef>
+          </c:tx>
+          <c:spPr>
+            <a:ln w="57150" cap="rnd">
+              <a:solidFill>
+                <a:schemeClr val="accent1"/>
+              </a:solidFill>
+              <a:round/>
+            </a:ln>
+            <a:effectLst/>
+          </c:spPr>
+          <c:marker>
+            <c:symbol val="none"/>
+          </c:marker>
+          <c:xVal>
+            <c:numRef>
+              <c:f>Sheet2!$C$4:$C$8</c:f>
+              <c:numCache>
+                <c:formatCode>General</c:formatCode>
+                <c:ptCount val="5"/>
+                <c:pt idx="0">
+                  <c:v>2</c:v>
+                </c:pt>
+                <c:pt idx="1">
+                  <c:v>4</c:v>
+                </c:pt>
+                <c:pt idx="2">
+                  <c:v>8</c:v>
+                </c:pt>
+                <c:pt idx="3">
+                  <c:v>12</c:v>
+                </c:pt>
+                <c:pt idx="4">
+                  <c:v>16</c:v>
+                </c:pt>
+              </c:numCache>
+            </c:numRef>
+          </c:xVal>
+          <c:yVal>
+            <c:numRef>
+              <c:f>Sheet2!$D$4:$D$8</c:f>
+              <c:numCache>
+                <c:formatCode>General</c:formatCode>
+                <c:ptCount val="5"/>
+                <c:pt idx="0">
+                  <c:v>52.74</c:v>
+                </c:pt>
+                <c:pt idx="1">
+                  <c:v>48.8</c:v>
+                </c:pt>
+                <c:pt idx="2">
+                  <c:v>47.09</c:v>
+                </c:pt>
+                <c:pt idx="3">
+                  <c:v>47.19</c:v>
+                </c:pt>
+                <c:pt idx="4">
+                  <c:v>47.33</c:v>
+                </c:pt>
+              </c:numCache>
+            </c:numRef>
+          </c:yVal>
+          <c:smooth val="1"/>
+          <c:extLst>
+            <c:ext xmlns:c16="http://schemas.microsoft.com/office/drawing/2014/chart" uri="{C3380CC4-5D6E-409C-BE32-E72D297353CC}">
+              <c16:uniqueId val="{00000000-0AEF-450C-8290-928BAB006783}"/>
+            </c:ext>
+          </c:extLst>
+        </c:ser>
+        <c:ser>
+          <c:idx val="1"/>
+          <c:order val="1"/>
+          <c:tx>
+            <c:strRef>
+              <c:f>Sheet2!$E$3</c:f>
+              <c:strCache>
+                <c:ptCount val="1"/>
+                <c:pt idx="0">
+                  <c:v>Pop</c:v>
+                </c:pt>
+              </c:strCache>
+            </c:strRef>
+          </c:tx>
+          <c:spPr>
+            <a:ln w="57150" cap="rnd">
+              <a:solidFill>
+                <a:schemeClr val="accent2"/>
+              </a:solidFill>
+              <a:round/>
+            </a:ln>
+            <a:effectLst/>
+          </c:spPr>
+          <c:marker>
+            <c:symbol val="none"/>
+          </c:marker>
+          <c:xVal>
+            <c:numRef>
+              <c:f>Sheet2!$C$4:$C$8</c:f>
+              <c:numCache>
+                <c:formatCode>General</c:formatCode>
+                <c:ptCount val="5"/>
+                <c:pt idx="0">
+                  <c:v>2</c:v>
+                </c:pt>
+                <c:pt idx="1">
+                  <c:v>4</c:v>
+                </c:pt>
+                <c:pt idx="2">
+                  <c:v>8</c:v>
+                </c:pt>
+                <c:pt idx="3">
+                  <c:v>12</c:v>
+                </c:pt>
+                <c:pt idx="4">
+                  <c:v>16</c:v>
+                </c:pt>
+              </c:numCache>
+            </c:numRef>
+          </c:xVal>
+          <c:yVal>
+            <c:numRef>
+              <c:f>Sheet2!$E$4:$E$8</c:f>
+              <c:numCache>
+                <c:formatCode>General</c:formatCode>
+                <c:ptCount val="5"/>
+                <c:pt idx="0">
+                  <c:v>77.430000000000007</c:v>
+                </c:pt>
+                <c:pt idx="1">
+                  <c:v>73.290000000000006</c:v>
+                </c:pt>
+                <c:pt idx="2">
+                  <c:v>73.08</c:v>
+                </c:pt>
+                <c:pt idx="3">
+                  <c:v>73.13</c:v>
+                </c:pt>
+                <c:pt idx="4">
+                  <c:v>73.22</c:v>
+                </c:pt>
+              </c:numCache>
+            </c:numRef>
+          </c:yVal>
+          <c:smooth val="1"/>
+          <c:extLst>
+            <c:ext xmlns:c16="http://schemas.microsoft.com/office/drawing/2014/chart" uri="{C3380CC4-5D6E-409C-BE32-E72D297353CC}">
+              <c16:uniqueId val="{00000001-0AEF-450C-8290-928BAB006783}"/>
+            </c:ext>
+          </c:extLst>
+        </c:ser>
+        <c:ser>
+          <c:idx val="2"/>
+          <c:order val="2"/>
+          <c:tx>
+            <c:strRef>
+              <c:f>Sheet2!$F$3</c:f>
+              <c:strCache>
+                <c:ptCount val="1"/>
+                <c:pt idx="0">
+                  <c:v>Punk</c:v>
+                </c:pt>
+              </c:strCache>
+            </c:strRef>
+          </c:tx>
+          <c:spPr>
+            <a:ln w="57150" cap="rnd">
+              <a:solidFill>
+                <a:schemeClr val="accent3"/>
+              </a:solidFill>
+              <a:round/>
+            </a:ln>
+            <a:effectLst/>
+          </c:spPr>
+          <c:marker>
+            <c:symbol val="none"/>
+          </c:marker>
+          <c:xVal>
+            <c:numRef>
+              <c:f>Sheet2!$C$4:$C$8</c:f>
+              <c:numCache>
+                <c:formatCode>General</c:formatCode>
+                <c:ptCount val="5"/>
+                <c:pt idx="0">
+                  <c:v>2</c:v>
+                </c:pt>
+                <c:pt idx="1">
+                  <c:v>4</c:v>
+                </c:pt>
+                <c:pt idx="2">
+                  <c:v>8</c:v>
+                </c:pt>
+                <c:pt idx="3">
+                  <c:v>12</c:v>
+                </c:pt>
+                <c:pt idx="4">
+                  <c:v>16</c:v>
+                </c:pt>
+              </c:numCache>
+            </c:numRef>
+          </c:xVal>
+          <c:yVal>
+            <c:numRef>
+              <c:f>Sheet2!$F$4:$F$8</c:f>
+              <c:numCache>
+                <c:formatCode>General</c:formatCode>
+                <c:ptCount val="5"/>
+                <c:pt idx="0">
+                  <c:v>79.349999999999994</c:v>
+                </c:pt>
+                <c:pt idx="1">
+                  <c:v>76.989999999999995</c:v>
+                </c:pt>
+                <c:pt idx="2">
+                  <c:v>76.760000000000005</c:v>
+                </c:pt>
+                <c:pt idx="3">
+                  <c:v>76.86</c:v>
+                </c:pt>
+                <c:pt idx="4">
+                  <c:v>76.91</c:v>
+                </c:pt>
+              </c:numCache>
+            </c:numRef>
+          </c:yVal>
+          <c:smooth val="1"/>
+          <c:extLst>
+            <c:ext xmlns:c16="http://schemas.microsoft.com/office/drawing/2014/chart" uri="{C3380CC4-5D6E-409C-BE32-E72D297353CC}">
+              <c16:uniqueId val="{00000002-0AEF-450C-8290-928BAB006783}"/>
+            </c:ext>
+          </c:extLst>
+        </c:ser>
+        <c:ser>
+          <c:idx val="3"/>
+          <c:order val="3"/>
+          <c:tx>
+            <c:strRef>
+              <c:f>Sheet2!$G$3</c:f>
+              <c:strCache>
+                <c:ptCount val="1"/>
+                <c:pt idx="0">
+                  <c:v>Soul</c:v>
+                </c:pt>
+              </c:strCache>
+            </c:strRef>
+          </c:tx>
+          <c:spPr>
+            <a:ln w="57150" cap="rnd">
+              <a:solidFill>
+                <a:schemeClr val="accent4"/>
+              </a:solidFill>
+              <a:round/>
+            </a:ln>
+            <a:effectLst/>
+          </c:spPr>
+          <c:marker>
+            <c:symbol val="none"/>
+          </c:marker>
+          <c:xVal>
+            <c:numRef>
+              <c:f>Sheet2!$C$4:$C$8</c:f>
+              <c:numCache>
+                <c:formatCode>General</c:formatCode>
+                <c:ptCount val="5"/>
+                <c:pt idx="0">
+                  <c:v>2</c:v>
+                </c:pt>
+                <c:pt idx="1">
+                  <c:v>4</c:v>
+                </c:pt>
+                <c:pt idx="2">
+                  <c:v>8</c:v>
+                </c:pt>
+                <c:pt idx="3">
+                  <c:v>12</c:v>
+                </c:pt>
+                <c:pt idx="4">
+                  <c:v>16</c:v>
+                </c:pt>
+              </c:numCache>
+            </c:numRef>
+          </c:xVal>
+          <c:yVal>
+            <c:numRef>
+              <c:f>Sheet2!$G$4:$G$8</c:f>
+              <c:numCache>
+                <c:formatCode>General</c:formatCode>
+                <c:ptCount val="5"/>
+                <c:pt idx="0">
+                  <c:v>68.489999999999995</c:v>
+                </c:pt>
+                <c:pt idx="1">
+                  <c:v>67.69</c:v>
+                </c:pt>
+                <c:pt idx="2">
+                  <c:v>66.59</c:v>
+                </c:pt>
+                <c:pt idx="3">
+                  <c:v>66.180000000000007</c:v>
+                </c:pt>
+                <c:pt idx="4">
+                  <c:v>66.180000000000007</c:v>
+                </c:pt>
+              </c:numCache>
+            </c:numRef>
+          </c:yVal>
+          <c:smooth val="1"/>
+          <c:extLst>
+            <c:ext xmlns:c16="http://schemas.microsoft.com/office/drawing/2014/chart" uri="{C3380CC4-5D6E-409C-BE32-E72D297353CC}">
+              <c16:uniqueId val="{00000003-0AEF-450C-8290-928BAB006783}"/>
+            </c:ext>
+          </c:extLst>
+        </c:ser>
+        <c:ser>
+          <c:idx val="4"/>
+          <c:order val="4"/>
+          <c:tx>
+            <c:strRef>
+              <c:f>Sheet2!$H$3</c:f>
+              <c:strCache>
+                <c:ptCount val="1"/>
+                <c:pt idx="0">
+                  <c:v>Reggae</c:v>
+                </c:pt>
+              </c:strCache>
+            </c:strRef>
+          </c:tx>
+          <c:spPr>
+            <a:ln w="57150" cap="rnd">
+              <a:solidFill>
+                <a:schemeClr val="accent5"/>
+              </a:solidFill>
+              <a:round/>
+            </a:ln>
+            <a:effectLst/>
+          </c:spPr>
+          <c:marker>
+            <c:symbol val="none"/>
+          </c:marker>
+          <c:xVal>
+            <c:numRef>
+              <c:f>Sheet2!$C$4:$C$8</c:f>
+              <c:numCache>
+                <c:formatCode>General</c:formatCode>
+                <c:ptCount val="5"/>
+                <c:pt idx="0">
+                  <c:v>2</c:v>
+                </c:pt>
+                <c:pt idx="1">
+                  <c:v>4</c:v>
+                </c:pt>
+                <c:pt idx="2">
+                  <c:v>8</c:v>
+                </c:pt>
+                <c:pt idx="3">
+                  <c:v>12</c:v>
+                </c:pt>
+                <c:pt idx="4">
+                  <c:v>16</c:v>
+                </c:pt>
+              </c:numCache>
+            </c:numRef>
+          </c:xVal>
+          <c:yVal>
+            <c:numRef>
+              <c:f>Sheet2!$H$4:$H$8</c:f>
+              <c:numCache>
+                <c:formatCode>General</c:formatCode>
+                <c:ptCount val="5"/>
+                <c:pt idx="0">
+                  <c:v>65.11</c:v>
+                </c:pt>
+                <c:pt idx="1">
+                  <c:v>63.72</c:v>
+                </c:pt>
+                <c:pt idx="2">
+                  <c:v>63.02</c:v>
+                </c:pt>
+                <c:pt idx="3">
+                  <c:v>62.72</c:v>
+                </c:pt>
+                <c:pt idx="4">
+                  <c:v>62.61</c:v>
+                </c:pt>
+              </c:numCache>
+            </c:numRef>
+          </c:yVal>
+          <c:smooth val="1"/>
+          <c:extLst>
+            <c:ext xmlns:c16="http://schemas.microsoft.com/office/drawing/2014/chart" uri="{C3380CC4-5D6E-409C-BE32-E72D297353CC}">
+              <c16:uniqueId val="{00000004-0AEF-450C-8290-928BAB006783}"/>
+            </c:ext>
+          </c:extLst>
+        </c:ser>
+        <c:dLbls>
+          <c:showLegendKey val="0"/>
+          <c:showVal val="0"/>
+          <c:showCatName val="0"/>
+          <c:showSerName val="0"/>
+          <c:showPercent val="0"/>
+          <c:showBubbleSize val="0"/>
+        </c:dLbls>
+        <c:axId val="556382824"/>
+        <c:axId val="556382168"/>
+      </c:scatterChart>
+      <c:valAx>
+        <c:axId val="556382824"/>
+        <c:scaling>
+          <c:orientation val="minMax"/>
+          <c:max val="16"/>
+          <c:min val="2"/>
+        </c:scaling>
+        <c:delete val="0"/>
+        <c:axPos val="b"/>
+        <c:majorGridlines>
+          <c:spPr>
+            <a:ln w="9525" cap="flat" cmpd="sng" algn="ctr">
+              <a:solidFill>
+                <a:schemeClr val="tx1">
+                  <a:lumMod val="15000"/>
+                  <a:lumOff val="85000"/>
+                </a:schemeClr>
+              </a:solidFill>
+              <a:round/>
+            </a:ln>
+            <a:effectLst/>
+          </c:spPr>
+        </c:majorGridlines>
+        <c:minorGridlines>
+          <c:spPr>
+            <a:ln w="9525" cap="flat" cmpd="sng" algn="ctr">
+              <a:solidFill>
+                <a:schemeClr val="tx1">
+                  <a:lumMod val="5000"/>
+                  <a:lumOff val="95000"/>
+                </a:schemeClr>
+              </a:solidFill>
+              <a:round/>
+            </a:ln>
+            <a:effectLst/>
+          </c:spPr>
+        </c:minorGridlines>
+        <c:title>
+          <c:tx>
+            <c:rich>
+              <a:bodyPr rot="0" spcFirstLastPara="1" vertOverflow="ellipsis" vert="horz" wrap="square" anchor="ctr" anchorCtr="1"/>
+              <a:lstStyle/>
+              <a:p>
+                <a:pPr>
+                  <a:defRPr sz="1800" b="0" i="0" u="none" strike="noStrike" kern="1200" baseline="0">
+                    <a:solidFill>
+                      <a:schemeClr val="tx1">
+                        <a:lumMod val="65000"/>
+                        <a:lumOff val="35000"/>
+                      </a:schemeClr>
+                    </a:solidFill>
+                    <a:latin typeface="+mn-lt"/>
+                    <a:ea typeface="+mn-ea"/>
+                    <a:cs typeface="+mn-cs"/>
+                  </a:defRPr>
+                </a:pPr>
+                <a:r>
+                  <a:rPr lang="en-US" sz="1800"/>
+                  <a:t>Predictor</a:t>
+                </a:r>
+                <a:r>
+                  <a:rPr lang="en-US" sz="1800" baseline="0"/>
+                  <a:t> Order</a:t>
+                </a:r>
+                <a:endParaRPr lang="en-US" sz="1800"/>
+              </a:p>
+            </c:rich>
+          </c:tx>
+          <c:overlay val="0"/>
+          <c:spPr>
+            <a:noFill/>
+            <a:ln>
+              <a:noFill/>
+            </a:ln>
+            <a:effectLst/>
+          </c:spPr>
+          <c:txPr>
+            <a:bodyPr rot="0" spcFirstLastPara="1" vertOverflow="ellipsis" vert="horz" wrap="square" anchor="ctr" anchorCtr="1"/>
+            <a:lstStyle/>
+            <a:p>
+              <a:pPr>
+                <a:defRPr sz="1800" b="0" i="0" u="none" strike="noStrike" kern="1200" baseline="0">
+                  <a:solidFill>
+                    <a:schemeClr val="tx1">
+                      <a:lumMod val="65000"/>
+                      <a:lumOff val="35000"/>
+                    </a:schemeClr>
+                  </a:solidFill>
+                  <a:latin typeface="+mn-lt"/>
+                  <a:ea typeface="+mn-ea"/>
+                  <a:cs typeface="+mn-cs"/>
+                </a:defRPr>
+              </a:pPr>
+              <a:endParaRPr lang="ca-ES"/>
+            </a:p>
+          </c:txPr>
+        </c:title>
+        <c:numFmt formatCode="General" sourceLinked="1"/>
+        <c:majorTickMark val="none"/>
+        <c:minorTickMark val="none"/>
+        <c:tickLblPos val="nextTo"/>
+        <c:spPr>
+          <a:noFill/>
+          <a:ln w="9525" cap="flat" cmpd="sng" algn="ctr">
+            <a:solidFill>
+              <a:schemeClr val="tx1">
+                <a:lumMod val="25000"/>
+                <a:lumOff val="75000"/>
+              </a:schemeClr>
+            </a:solidFill>
+            <a:round/>
+          </a:ln>
+          <a:effectLst/>
+        </c:spPr>
+        <c:txPr>
+          <a:bodyPr rot="-60000000" spcFirstLastPara="1" vertOverflow="ellipsis" vert="horz" wrap="square" anchor="ctr" anchorCtr="1"/>
+          <a:lstStyle/>
+          <a:p>
+            <a:pPr>
+              <a:defRPr sz="900" b="0" i="0" u="none" strike="noStrike" kern="1200" baseline="0">
+                <a:solidFill>
+                  <a:schemeClr val="tx1">
+                    <a:lumMod val="65000"/>
+                    <a:lumOff val="35000"/>
+                  </a:schemeClr>
+                </a:solidFill>
+                <a:latin typeface="+mn-lt"/>
+                <a:ea typeface="+mn-ea"/>
+                <a:cs typeface="+mn-cs"/>
+              </a:defRPr>
+            </a:pPr>
+            <a:endParaRPr lang="ca-ES"/>
+          </a:p>
+        </c:txPr>
+        <c:crossAx val="556382168"/>
+        <c:crosses val="autoZero"/>
+        <c:crossBetween val="midCat"/>
+      </c:valAx>
+      <c:valAx>
+        <c:axId val="556382168"/>
+        <c:scaling>
+          <c:orientation val="minMax"/>
+        </c:scaling>
+        <c:delete val="0"/>
+        <c:axPos val="l"/>
+        <c:majorGridlines>
+          <c:spPr>
+            <a:ln w="9525" cap="flat" cmpd="sng" algn="ctr">
+              <a:solidFill>
+                <a:schemeClr val="tx1">
+                  <a:lumMod val="15000"/>
+                  <a:lumOff val="85000"/>
+                </a:schemeClr>
+              </a:solidFill>
+              <a:round/>
+            </a:ln>
+            <a:effectLst/>
+          </c:spPr>
+        </c:majorGridlines>
+        <c:minorGridlines>
+          <c:spPr>
+            <a:ln w="9525" cap="flat" cmpd="sng" algn="ctr">
+              <a:solidFill>
+                <a:schemeClr val="tx1">
+                  <a:lumMod val="5000"/>
+                  <a:lumOff val="95000"/>
+                </a:schemeClr>
+              </a:solidFill>
+              <a:round/>
+            </a:ln>
+            <a:effectLst/>
+          </c:spPr>
+        </c:minorGridlines>
+        <c:title>
+          <c:tx>
+            <c:rich>
+              <a:bodyPr rot="-5400000" spcFirstLastPara="1" vertOverflow="ellipsis" vert="horz" wrap="square" anchor="ctr" anchorCtr="1"/>
+              <a:lstStyle/>
+              <a:p>
+                <a:pPr>
+                  <a:defRPr lang="en-GB" sz="1800" b="0" i="0" u="none" strike="noStrike" kern="1200" baseline="0" noProof="0">
+                    <a:solidFill>
+                      <a:schemeClr val="tx1">
+                        <a:lumMod val="65000"/>
+                        <a:lumOff val="35000"/>
+                      </a:schemeClr>
+                    </a:solidFill>
+                    <a:latin typeface="+mn-lt"/>
+                    <a:ea typeface="+mn-ea"/>
+                    <a:cs typeface="+mn-cs"/>
+                  </a:defRPr>
+                </a:pPr>
+                <a:r>
+                  <a:rPr lang="en-GB" sz="1800" noProof="0" dirty="0"/>
+                  <a:t>Compression Ratio</a:t>
+                </a:r>
+              </a:p>
+            </c:rich>
+          </c:tx>
+          <c:overlay val="0"/>
+          <c:spPr>
+            <a:noFill/>
+            <a:ln>
+              <a:noFill/>
+            </a:ln>
+            <a:effectLst/>
+          </c:spPr>
+          <c:txPr>
+            <a:bodyPr rot="-5400000" spcFirstLastPara="1" vertOverflow="ellipsis" vert="horz" wrap="square" anchor="ctr" anchorCtr="1"/>
+            <a:lstStyle/>
+            <a:p>
+              <a:pPr>
+                <a:defRPr lang="en-GB" sz="1800" b="0" i="0" u="none" strike="noStrike" kern="1200" baseline="0" noProof="0">
+                  <a:solidFill>
+                    <a:schemeClr val="tx1">
+                      <a:lumMod val="65000"/>
+                      <a:lumOff val="35000"/>
+                    </a:schemeClr>
+                  </a:solidFill>
+                  <a:latin typeface="+mn-lt"/>
+                  <a:ea typeface="+mn-ea"/>
+                  <a:cs typeface="+mn-cs"/>
+                </a:defRPr>
+              </a:pPr>
+              <a:endParaRPr lang="ca-ES"/>
+            </a:p>
+          </c:txPr>
+        </c:title>
+        <c:numFmt formatCode="General" sourceLinked="1"/>
+        <c:majorTickMark val="out"/>
+        <c:minorTickMark val="none"/>
+        <c:tickLblPos val="nextTo"/>
+        <c:spPr>
+          <a:noFill/>
+          <a:ln w="9525" cap="flat" cmpd="sng" algn="ctr">
+            <a:solidFill>
+              <a:schemeClr val="tx1">
+                <a:lumMod val="25000"/>
+                <a:lumOff val="75000"/>
+              </a:schemeClr>
+            </a:solidFill>
+            <a:round/>
+          </a:ln>
+          <a:effectLst/>
+        </c:spPr>
+        <c:txPr>
+          <a:bodyPr rot="-60000000" spcFirstLastPara="1" vertOverflow="ellipsis" vert="horz" wrap="square" anchor="ctr" anchorCtr="1"/>
+          <a:lstStyle/>
+          <a:p>
+            <a:pPr>
+              <a:defRPr sz="900" b="0" i="0" u="none" strike="noStrike" kern="1200" baseline="0">
+                <a:solidFill>
+                  <a:schemeClr val="tx1">
+                    <a:lumMod val="65000"/>
+                    <a:lumOff val="35000"/>
+                  </a:schemeClr>
+                </a:solidFill>
+                <a:latin typeface="+mn-lt"/>
+                <a:ea typeface="+mn-ea"/>
+                <a:cs typeface="+mn-cs"/>
+              </a:defRPr>
+            </a:pPr>
+            <a:endParaRPr lang="ca-ES"/>
+          </a:p>
+        </c:txPr>
+        <c:crossAx val="556382824"/>
+        <c:crosses val="autoZero"/>
+        <c:crossBetween val="midCat"/>
+      </c:valAx>
+      <c:spPr>
+        <a:noFill/>
+        <a:ln>
+          <a:noFill/>
+        </a:ln>
+        <a:effectLst/>
+      </c:spPr>
+    </c:plotArea>
+    <c:legend>
+      <c:legendPos val="r"/>
+      <c:overlay val="0"/>
+      <c:spPr>
+        <a:noFill/>
+        <a:ln>
+          <a:noFill/>
+        </a:ln>
+        <a:effectLst/>
+      </c:spPr>
+      <c:txPr>
+        <a:bodyPr rot="0" spcFirstLastPara="1" vertOverflow="ellipsis" vert="horz" wrap="square" anchor="ctr" anchorCtr="1"/>
+        <a:lstStyle/>
+        <a:p>
+          <a:pPr>
+            <a:defRPr sz="2000" b="0" i="0" u="none" strike="noStrike" kern="1200" baseline="0">
+              <a:solidFill>
+                <a:schemeClr val="tx1">
+                  <a:lumMod val="65000"/>
+                  <a:lumOff val="35000"/>
+                </a:schemeClr>
+              </a:solidFill>
+              <a:latin typeface="+mn-lt"/>
+              <a:ea typeface="+mn-ea"/>
+              <a:cs typeface="+mn-cs"/>
+            </a:defRPr>
+          </a:pPr>
+          <a:endParaRPr lang="ca-ES"/>
+        </a:p>
+      </c:txPr>
+    </c:legend>
+    <c:plotVisOnly val="1"/>
+    <c:dispBlanksAs val="gap"/>
+    <c:showDLblsOverMax val="0"/>
+  </c:chart>
+  <c:spPr>
+    <a:noFill/>
+    <a:ln>
+      <a:noFill/>
+    </a:ln>
+    <a:effectLst/>
+  </c:spPr>
+  <c:txPr>
+    <a:bodyPr/>
+    <a:lstStyle/>
+    <a:p>
+      <a:pPr>
+        <a:defRPr/>
+      </a:pPr>
+      <a:endParaRPr lang="ca-ES"/>
+    </a:p>
+  </c:txPr>
+  <c:externalData r:id="rId3">
+    <c:autoUpdate val="0"/>
+  </c:externalData>
+</c:chartSpace>
+</file>
+
+<file path=ppt/charts/colors1.xml><?xml version="1.0" encoding="utf-8"?>
+<cs:colorStyle xmlns:cs="http://schemas.microsoft.com/office/drawing/2012/chartStyle" xmlns:a="http://schemas.openxmlformats.org/drawingml/2006/main" meth="cycle" id="10">
+  <a:schemeClr val="accent1"/>
+  <a:schemeClr val="accent2"/>
+  <a:schemeClr val="accent3"/>
+  <a:schemeClr val="accent4"/>
+  <a:schemeClr val="accent5"/>
+  <a:schemeClr val="accent6"/>
+  <cs:variation/>
+  <cs:variation>
+    <a:lumMod val="60000"/>
+  </cs:variation>
+  <cs:variation>
+    <a:lumMod val="80000"/>
+    <a:lumOff val="20000"/>
+  </cs:variation>
+  <cs:variation>
+    <a:lumMod val="80000"/>
+  </cs:variation>
+  <cs:variation>
+    <a:lumMod val="60000"/>
+    <a:lumOff val="40000"/>
+  </cs:variation>
+  <cs:variation>
+    <a:lumMod val="50000"/>
+  </cs:variation>
+  <cs:variation>
+    <a:lumMod val="70000"/>
+    <a:lumOff val="30000"/>
+  </cs:variation>
+  <cs:variation>
+    <a:lumMod val="70000"/>
+  </cs:variation>
+  <cs:variation>
+    <a:lumMod val="50000"/>
+    <a:lumOff val="50000"/>
+  </cs:variation>
+</cs:colorStyle>
+</file>
+
+<file path=ppt/charts/style1.xml><?xml version="1.0" encoding="utf-8"?>
+<cs:chartStyle xmlns:cs="http://schemas.microsoft.com/office/drawing/2012/chartStyle" xmlns:a="http://schemas.openxmlformats.org/drawingml/2006/main" id="240">
+  <cs:axisTitle>
+    <cs:lnRef idx="0"/>
+    <cs:fillRef idx="0"/>
+    <cs:effectRef idx="0"/>
+    <cs:fontRef idx="minor">
+      <a:schemeClr val="tx1">
+        <a:lumMod val="65000"/>
+        <a:lumOff val="35000"/>
+      </a:schemeClr>
+    </cs:fontRef>
+    <cs:defRPr sz="1000" kern="1200"/>
+  </cs:axisTitle>
+  <cs:categoryAxis>
+    <cs:lnRef idx="0"/>
+    <cs:fillRef idx="0"/>
+    <cs:effectRef idx="0"/>
+    <cs:fontRef idx="minor">
+      <a:schemeClr val="tx1">
+        <a:lumMod val="65000"/>
+        <a:lumOff val="35000"/>
+      </a:schemeClr>
+    </cs:fontRef>
+    <cs:spPr>
+      <a:ln w="9525" cap="flat" cmpd="sng" algn="ctr">
+        <a:solidFill>
+          <a:schemeClr val="tx1">
+            <a:lumMod val="25000"/>
+            <a:lumOff val="75000"/>
+          </a:schemeClr>
+        </a:solidFill>
+        <a:round/>
+      </a:ln>
+    </cs:spPr>
+    <cs:defRPr sz="900" kern="1200"/>
+  </cs:categoryAxis>
+  <cs:chartArea mods="allowNoFillOverride allowNoLineOverride">
+    <cs:lnRef idx="0"/>
+    <cs:fillRef idx="0"/>
+    <cs:effectRef idx="0"/>
+    <cs:fontRef idx="minor">
+      <a:schemeClr val="tx1"/>
+    </cs:fontRef>
+    <cs:spPr>
+      <a:solidFill>
+        <a:schemeClr val="bg1"/>
+      </a:solidFill>
+      <a:ln w="9525" cap="flat" cmpd="sng" algn="ctr">
+        <a:solidFill>
+          <a:schemeClr val="tx1">
+            <a:lumMod val="15000"/>
+            <a:lumOff val="85000"/>
+          </a:schemeClr>
+        </a:solidFill>
+        <a:round/>
+      </a:ln>
+    </cs:spPr>
+    <cs:defRPr sz="1000" kern="1200"/>
+  </cs:chartArea>
+  <cs:dataLabel>
+    <cs:lnRef idx="0"/>
+    <cs:fillRef idx="0"/>
+    <cs:effectRef idx="0"/>
+    <cs:fontRef idx="minor">
+      <a:schemeClr val="tx1">
+        <a:lumMod val="75000"/>
+        <a:lumOff val="25000"/>
+      </a:schemeClr>
+    </cs:fontRef>
+    <cs:defRPr sz="900" kern="1200"/>
+  </cs:dataLabel>
+  <cs:dataLabelCallout>
+    <cs:lnRef idx="0"/>
+    <cs:fillRef idx="0"/>
+    <cs:effectRef idx="0"/>
+    <cs:fontRef idx="minor">
+      <a:schemeClr val="dk1">
+        <a:lumMod val="65000"/>
+        <a:lumOff val="35000"/>
+      </a:schemeClr>
+    </cs:fontRef>
+    <cs:spPr>
+      <a:solidFill>
+        <a:schemeClr val="lt1"/>
+      </a:solidFill>
+      <a:ln>
+        <a:solidFill>
+          <a:schemeClr val="dk1">
+            <a:lumMod val="25000"/>
+            <a:lumOff val="75000"/>
+          </a:schemeClr>
+        </a:solidFill>
+      </a:ln>
+    </cs:spPr>
+    <cs:defRPr sz="900" kern="1200"/>
+    <cs:bodyPr rot="0" spcFirstLastPara="1" vertOverflow="clip" horzOverflow="clip" vert="horz" wrap="square" lIns="36576" tIns="18288" rIns="36576" bIns="18288" anchor="ctr" anchorCtr="1">
+      <a:spAutoFit/>
+    </cs:bodyPr>
+  </cs:dataLabelCallout>
+  <cs:dataPoint>
+    <cs:lnRef idx="0"/>
+    <cs:fillRef idx="1">
+      <cs:styleClr val="auto"/>
+    </cs:fillRef>
+    <cs:effectRef idx="0"/>
+    <cs:fontRef idx="minor">
+      <a:schemeClr val="tx1"/>
+    </cs:fontRef>
+  </cs:dataPoint>
+  <cs:dataPoint3D>
+    <cs:lnRef idx="0"/>
+    <cs:fillRef idx="1">
+      <cs:styleClr val="auto"/>
+    </cs:fillRef>
+    <cs:effectRef idx="0"/>
+    <cs:fontRef idx="minor">
+      <a:schemeClr val="tx1"/>
+    </cs:fontRef>
+  </cs:dataPoint3D>
+  <cs:dataPointLine>
+    <cs:lnRef idx="0">
+      <cs:styleClr val="auto"/>
+    </cs:lnRef>
+    <cs:fillRef idx="1"/>
+    <cs:effectRef idx="0"/>
+    <cs:fontRef idx="minor">
+      <a:schemeClr val="tx1"/>
+    </cs:fontRef>
+    <cs:spPr>
+      <a:ln w="19050" cap="rnd">
+        <a:solidFill>
+          <a:schemeClr val="phClr"/>
+        </a:solidFill>
+        <a:round/>
+      </a:ln>
+    </cs:spPr>
+  </cs:dataPointLine>
+  <cs:dataPointMarker>
+    <cs:lnRef idx="0">
+      <cs:styleClr val="auto"/>
+    </cs:lnRef>
+    <cs:fillRef idx="1">
+      <cs:styleClr val="auto"/>
+    </cs:fillRef>
+    <cs:effectRef idx="0"/>
+    <cs:fontRef idx="minor">
+      <a:schemeClr val="tx1"/>
+    </cs:fontRef>
+    <cs:spPr>
+      <a:ln w="9525">
+        <a:solidFill>
+          <a:schemeClr val="phClr"/>
+        </a:solidFill>
+      </a:ln>
+    </cs:spPr>
+  </cs:dataPointMarker>
+  <cs:dataPointMarkerLayout symbol="circle" size="5"/>
+  <cs:dataPointWireframe>
+    <cs:lnRef idx="0">
+      <cs:styleClr val="auto"/>
+    </cs:lnRef>
+    <cs:fillRef idx="0"/>
+    <cs:effectRef idx="0"/>
+    <cs:fontRef idx="minor">
+      <a:schemeClr val="dk1"/>
+    </cs:fontRef>
+    <cs:spPr>
+      <a:ln w="9525" cap="rnd">
+        <a:solidFill>
+          <a:schemeClr val="phClr"/>
+        </a:solidFill>
+        <a:round/>
+      </a:ln>
+    </cs:spPr>
+  </cs:dataPointWireframe>
+  <cs:dataTable>
+    <cs:lnRef idx="0"/>
+    <cs:fillRef idx="0"/>
+    <cs:effectRef idx="0"/>
+    <cs:fontRef idx="minor">
+      <a:schemeClr val="tx1">
+        <a:lumMod val="65000"/>
+        <a:lumOff val="35000"/>
+      </a:schemeClr>
+    </cs:fontRef>
+    <cs:spPr>
+      <a:noFill/>
+      <a:ln w="9525" cap="flat" cmpd="sng" algn="ctr">
+        <a:solidFill>
+          <a:schemeClr val="tx1">
+            <a:lumMod val="15000"/>
+            <a:lumOff val="85000"/>
+          </a:schemeClr>
+        </a:solidFill>
+        <a:round/>
+      </a:ln>
+    </cs:spPr>
+    <cs:defRPr sz="900" kern="1200"/>
+  </cs:dataTable>
+  <cs:downBar>
+    <cs:lnRef idx="0"/>
+    <cs:fillRef idx="0"/>
+    <cs:effectRef idx="0"/>
+    <cs:fontRef idx="minor">
+      <a:schemeClr val="tx1"/>
+    </cs:fontRef>
+    <cs:spPr>
+      <a:solidFill>
+        <a:schemeClr val="dk1">
+          <a:lumMod val="75000"/>
+          <a:lumOff val="25000"/>
+        </a:schemeClr>
+      </a:solidFill>
+      <a:ln w="9525" cap="flat" cmpd="sng" algn="ctr">
+        <a:solidFill>
+          <a:schemeClr val="tx1">
+            <a:lumMod val="65000"/>
+            <a:lumOff val="35000"/>
+          </a:schemeClr>
+        </a:solidFill>
+        <a:round/>
+      </a:ln>
+    </cs:spPr>
+  </cs:downBar>
+  <cs:dropLine>
+    <cs:lnRef idx="0"/>
+    <cs:fillRef idx="0"/>
+    <cs:effectRef idx="0"/>
+    <cs:fontRef idx="minor">
+      <a:schemeClr val="tx1"/>
+    </cs:fontRef>
+    <cs:spPr>
+      <a:ln w="9525" cap="flat" cmpd="sng" algn="ctr">
+        <a:solidFill>
+          <a:schemeClr val="tx1">
+            <a:lumMod val="35000"/>
+            <a:lumOff val="65000"/>
+          </a:schemeClr>
+        </a:solidFill>
+        <a:round/>
+      </a:ln>
+    </cs:spPr>
+  </cs:dropLine>
+  <cs:errorBar>
+    <cs:lnRef idx="0"/>
+    <cs:fillRef idx="0"/>
+    <cs:effectRef idx="0"/>
+    <cs:fontRef idx="minor">
+      <a:schemeClr val="tx1"/>
+    </cs:fontRef>
+    <cs:spPr>
+      <a:ln w="9525" cap="flat" cmpd="sng" algn="ctr">
+        <a:solidFill>
+          <a:schemeClr val="tx1">
+            <a:lumMod val="65000"/>
+            <a:lumOff val="35000"/>
+          </a:schemeClr>
+        </a:solidFill>
+        <a:round/>
+      </a:ln>
+    </cs:spPr>
+  </cs:errorBar>
+  <cs:floor>
+    <cs:lnRef idx="0"/>
+    <cs:fillRef idx="0"/>
+    <cs:effectRef idx="0"/>
+    <cs:fontRef idx="minor">
+      <a:schemeClr val="tx1"/>
+    </cs:fontRef>
+    <cs:spPr>
+      <a:noFill/>
+      <a:ln>
+        <a:noFill/>
+      </a:ln>
+    </cs:spPr>
+  </cs:floor>
+  <cs:gridlineMajor>
+    <cs:lnRef idx="0"/>
+    <cs:fillRef idx="0"/>
+    <cs:effectRef idx="0"/>
+    <cs:fontRef idx="minor">
+      <a:schemeClr val="tx1"/>
+    </cs:fontRef>
+    <cs:spPr>
+      <a:ln w="9525" cap="flat" cmpd="sng" algn="ctr">
+        <a:solidFill>
+          <a:schemeClr val="tx1">
+            <a:lumMod val="15000"/>
+            <a:lumOff val="85000"/>
+          </a:schemeClr>
+        </a:solidFill>
+        <a:round/>
+      </a:ln>
+    </cs:spPr>
+  </cs:gridlineMajor>
+  <cs:gridlineMinor>
+    <cs:lnRef idx="0"/>
+    <cs:fillRef idx="0"/>
+    <cs:effectRef idx="0"/>
+    <cs:fontRef idx="minor">
+      <a:schemeClr val="tx1"/>
+    </cs:fontRef>
+    <cs:spPr>
+      <a:ln w="9525" cap="flat" cmpd="sng" algn="ctr">
+        <a:solidFill>
+          <a:schemeClr val="tx1">
+            <a:lumMod val="5000"/>
+            <a:lumOff val="95000"/>
+          </a:schemeClr>
+        </a:solidFill>
+        <a:round/>
+      </a:ln>
+    </cs:spPr>
+  </cs:gridlineMinor>
+  <cs:hiLoLine>
+    <cs:lnRef idx="0"/>
+    <cs:fillRef idx="0"/>
+    <cs:effectRef idx="0"/>
+    <cs:fontRef idx="minor">
+      <a:schemeClr val="tx1"/>
+    </cs:fontRef>
+    <cs:spPr>
+      <a:ln w="9525" cap="flat" cmpd="sng" algn="ctr">
+        <a:solidFill>
+          <a:schemeClr val="tx1">
+            <a:lumMod val="50000"/>
+            <a:lumOff val="50000"/>
+          </a:schemeClr>
+        </a:solidFill>
+        <a:round/>
+      </a:ln>
+    </cs:spPr>
+  </cs:hiLoLine>
+  <cs:leaderLine>
+    <cs:lnRef idx="0"/>
+    <cs:fillRef idx="0"/>
+    <cs:effectRef idx="0"/>
+    <cs:fontRef idx="minor">
+      <a:schemeClr val="tx1"/>
+    </cs:fontRef>
+    <cs:spPr>
+      <a:ln w="9525" cap="flat" cmpd="sng" algn="ctr">
+        <a:solidFill>
+          <a:schemeClr val="tx1">
+            <a:lumMod val="35000"/>
+            <a:lumOff val="65000"/>
+          </a:schemeClr>
+        </a:solidFill>
+        <a:round/>
+      </a:ln>
+    </cs:spPr>
+  </cs:leaderLine>
+  <cs:legend>
+    <cs:lnRef idx="0"/>
+    <cs:fillRef idx="0"/>
+    <cs:effectRef idx="0"/>
+    <cs:fontRef idx="minor">
+      <a:schemeClr val="tx1">
+        <a:lumMod val="65000"/>
+        <a:lumOff val="35000"/>
+      </a:schemeClr>
+    </cs:fontRef>
+    <cs:defRPr sz="900" kern="1200"/>
+  </cs:legend>
+  <cs:plotArea mods="allowNoFillOverride allowNoLineOverride">
+    <cs:lnRef idx="0"/>
+    <cs:fillRef idx="0"/>
+    <cs:effectRef idx="0"/>
+    <cs:fontRef idx="minor">
+      <a:schemeClr val="tx1"/>
+    </cs:fontRef>
+  </cs:plotArea>
+  <cs:plotArea3D mods="allowNoFillOverride allowNoLineOverride">
+    <cs:lnRef idx="0"/>
+    <cs:fillRef idx="0"/>
+    <cs:effectRef idx="0"/>
+    <cs:fontRef idx="minor">
+      <a:schemeClr val="tx1"/>
+    </cs:fontRef>
+  </cs:plotArea3D>
+  <cs:seriesAxis>
+    <cs:lnRef idx="0"/>
+    <cs:fillRef idx="0"/>
+    <cs:effectRef idx="0"/>
+    <cs:fontRef idx="minor">
+      <a:schemeClr val="tx1">
+        <a:lumMod val="65000"/>
+        <a:lumOff val="35000"/>
+      </a:schemeClr>
+    </cs:fontRef>
+    <cs:defRPr sz="900" kern="1200"/>
+  </cs:seriesAxis>
+  <cs:seriesLine>
+    <cs:lnRef idx="0"/>
+    <cs:fillRef idx="0"/>
+    <cs:effectRef idx="0"/>
+    <cs:fontRef idx="minor">
+      <a:schemeClr val="tx1"/>
+    </cs:fontRef>
+    <cs:spPr>
+      <a:ln w="9525" cap="flat" cmpd="sng" algn="ctr">
+        <a:solidFill>
+          <a:schemeClr val="tx1">
+            <a:lumMod val="35000"/>
+            <a:lumOff val="65000"/>
+          </a:schemeClr>
+        </a:solidFill>
+        <a:round/>
+      </a:ln>
+    </cs:spPr>
+  </cs:seriesLine>
+  <cs:title>
+    <cs:lnRef idx="0"/>
+    <cs:fillRef idx="0"/>
+    <cs:effectRef idx="0"/>
+    <cs:fontRef idx="minor">
+      <a:schemeClr val="tx1">
+        <a:lumMod val="65000"/>
+        <a:lumOff val="35000"/>
+      </a:schemeClr>
+    </cs:fontRef>
+    <cs:defRPr sz="1400" b="0" kern="1200" spc="0" baseline="0"/>
+  </cs:title>
+  <cs:trendline>
+    <cs:lnRef idx="0">
+      <cs:styleClr val="auto"/>
+    </cs:lnRef>
+    <cs:fillRef idx="0"/>
+    <cs:effectRef idx="0"/>
+    <cs:fontRef idx="minor">
+      <a:schemeClr val="tx1"/>
+    </cs:fontRef>
+    <cs:spPr>
+      <a:ln w="19050" cap="rnd">
+        <a:solidFill>
+          <a:schemeClr val="phClr"/>
+        </a:solidFill>
+        <a:prstDash val="sysDot"/>
+      </a:ln>
+    </cs:spPr>
+  </cs:trendline>
+  <cs:trendlineLabel>
+    <cs:lnRef idx="0"/>
+    <cs:fillRef idx="0"/>
+    <cs:effectRef idx="0"/>
+    <cs:fontRef idx="minor">
+      <a:schemeClr val="tx1">
+        <a:lumMod val="65000"/>
+        <a:lumOff val="35000"/>
+      </a:schemeClr>
+    </cs:fontRef>
+    <cs:defRPr sz="900" kern="1200"/>
+  </cs:trendlineLabel>
+  <cs:upBar>
+    <cs:lnRef idx="0"/>
+    <cs:fillRef idx="0"/>
+    <cs:effectRef idx="0"/>
+    <cs:fontRef idx="minor">
+      <a:schemeClr val="tx1"/>
+    </cs:fontRef>
+    <cs:spPr>
+      <a:solidFill>
+        <a:schemeClr val="lt1"/>
+      </a:solidFill>
+      <a:ln w="9525" cap="flat" cmpd="sng" algn="ctr">
+        <a:solidFill>
+          <a:schemeClr val="tx1">
+            <a:lumMod val="65000"/>
+            <a:lumOff val="35000"/>
+          </a:schemeClr>
+        </a:solidFill>
+        <a:round/>
+      </a:ln>
+    </cs:spPr>
+  </cs:upBar>
+  <cs:valueAxis>
+    <cs:lnRef idx="0"/>
+    <cs:fillRef idx="0"/>
+    <cs:effectRef idx="0"/>
+    <cs:fontRef idx="minor">
+      <a:schemeClr val="tx1">
+        <a:lumMod val="65000"/>
+        <a:lumOff val="35000"/>
+      </a:schemeClr>
+    </cs:fontRef>
+    <cs:spPr>
+      <a:ln w="9525" cap="flat" cmpd="sng" algn="ctr">
+        <a:solidFill>
+          <a:schemeClr val="tx1">
+            <a:lumMod val="25000"/>
+            <a:lumOff val="75000"/>
+          </a:schemeClr>
+        </a:solidFill>
+        <a:round/>
+      </a:ln>
+    </cs:spPr>
+    <cs:defRPr sz="900" kern="1200"/>
+  </cs:valueAxis>
+  <cs:wall>
+    <cs:lnRef idx="0"/>
+    <cs:fillRef idx="0"/>
+    <cs:effectRef idx="0"/>
+    <cs:fontRef idx="minor">
+      <a:schemeClr val="tx1"/>
+    </cs:fontRef>
+    <cs:spPr>
+      <a:noFill/>
+      <a:ln>
+        <a:noFill/>
+      </a:ln>
+    </cs:spPr>
+  </cs:wall>
+</cs:chartStyle>
 </file>
 
 <file path=ppt/slideLayouts/slideLayout1.xml><?xml version="1.0" encoding="utf-8"?>
@@ -3498,31 +4886,6 @@
           </a:p>
         </p:txBody>
       </p:sp>
-      <p:sp>
-        <p:nvSpPr>
-          <p:cNvPr id="3" name="Content Placeholder 2">
-            <a:extLst>
-              <a:ext uri="{FF2B5EF4-FFF2-40B4-BE49-F238E27FC236}">
-                <a16:creationId xmlns:a16="http://schemas.microsoft.com/office/drawing/2014/main" id="{AD165CA1-A16A-40A9-B211-7CCD3DD76A4F}"/>
-              </a:ext>
-            </a:extLst>
-          </p:cNvPr>
-          <p:cNvSpPr>
-            <a:spLocks noGrp="1"/>
-          </p:cNvSpPr>
-          <p:nvPr>
-            <p:ph idx="1"/>
-          </p:nvPr>
-        </p:nvSpPr>
-        <p:spPr/>
-        <p:txBody>
-          <a:bodyPr/>
-          <a:lstStyle/>
-          <a:p>
-            <a:endParaRPr lang="en-GB"/>
-          </a:p>
-        </p:txBody>
-      </p:sp>
       <p:pic>
         <p:nvPicPr>
           <p:cNvPr id="4" name="Content Placeholder 6">
@@ -3607,6 +4970,270 @@
           </a:p>
         </p:txBody>
       </p:sp>
+      <mc:AlternateContent xmlns:mc="http://schemas.openxmlformats.org/markup-compatibility/2006">
+        <mc:Choice xmlns:a14="http://schemas.microsoft.com/office/drawing/2010/main" Requires="a14">
+          <p:sp>
+            <p:nvSpPr>
+              <p:cNvPr id="6" name="Content Placeholder 2">
+                <a:extLst>
+                  <a:ext uri="{FF2B5EF4-FFF2-40B4-BE49-F238E27FC236}">
+                    <a16:creationId xmlns:a16="http://schemas.microsoft.com/office/drawing/2014/main" id="{34D22F2E-B3E5-4FDF-82FC-99E31FBEFC0D}"/>
+                  </a:ext>
+                </a:extLst>
+              </p:cNvPr>
+              <p:cNvSpPr>
+                <a:spLocks noGrp="1"/>
+              </p:cNvSpPr>
+              <p:nvPr>
+                <p:ph idx="1"/>
+              </p:nvPr>
+            </p:nvSpPr>
+            <p:spPr>
+              <a:xfrm>
+                <a:off x="1024128" y="2286000"/>
+                <a:ext cx="10598377" cy="4023360"/>
+              </a:xfrm>
+            </p:spPr>
+            <p:txBody>
+              <a:bodyPr>
+                <a:normAutofit/>
+              </a:bodyPr>
+              <a:lstStyle/>
+              <a:p>
+                <a:pPr lvl="1"/>
+                <a:r>
+                  <a:rPr lang="en-GB" sz="2800" dirty="0"/>
+                  <a:t> Get </a:t>
+                </a:r>
+                <a:r>
+                  <a:rPr lang="en-GB" sz="2800" i="1" dirty="0">
+                    <a:solidFill>
+                      <a:schemeClr val="accent2">
+                        <a:lumMod val="75000"/>
+                      </a:schemeClr>
+                    </a:solidFill>
+                  </a:rPr>
+                  <a:t>m</a:t>
+                </a:r>
+                <a:r>
+                  <a:rPr lang="en-GB" sz="2800" dirty="0"/>
+                  <a:t> as side information</a:t>
+                </a:r>
+              </a:p>
+              <a:p>
+                <a:pPr lvl="1"/>
+                <a:r>
+                  <a:rPr lang="en-GB" sz="2800" dirty="0"/>
+                  <a:t> Splits codeword getting </a:t>
+                </a:r>
+                <a:r>
+                  <a:rPr lang="en-GB" sz="2800" i="1" dirty="0">
+                    <a:solidFill>
+                      <a:schemeClr val="accent2">
+                        <a:lumMod val="75000"/>
+                      </a:schemeClr>
+                    </a:solidFill>
+                  </a:rPr>
+                  <a:t>q</a:t>
+                </a:r>
+                <a:r>
+                  <a:rPr lang="en-GB" sz="2800" dirty="0"/>
+                  <a:t> and</a:t>
+                </a:r>
+                <a:r>
+                  <a:rPr lang="en-GB" sz="2800" i="1" dirty="0"/>
+                  <a:t> </a:t>
+                </a:r>
+                <a:r>
+                  <a:rPr lang="en-GB" sz="2800" i="1" dirty="0">
+                    <a:solidFill>
+                      <a:schemeClr val="accent2">
+                        <a:lumMod val="75000"/>
+                      </a:schemeClr>
+                    </a:solidFill>
+                  </a:rPr>
+                  <a:t>rem</a:t>
+                </a:r>
+                <a:r>
+                  <a:rPr lang="en-GB" sz="2800" i="1" dirty="0"/>
+                  <a:t>.</a:t>
+                </a:r>
+              </a:p>
+              <a:p>
+                <a:pPr lvl="2"/>
+                <a:r>
+                  <a:rPr lang="en-GB" sz="2400" dirty="0"/>
+                  <a:t>As we know </a:t>
+                </a:r>
+                <a:r>
+                  <a:rPr lang="en-GB" sz="2400" i="1" dirty="0">
+                    <a:solidFill>
+                      <a:schemeClr val="accent2">
+                        <a:lumMod val="75000"/>
+                      </a:schemeClr>
+                    </a:solidFill>
+                  </a:rPr>
+                  <a:t>m</a:t>
+                </a:r>
+                <a:r>
+                  <a:rPr lang="en-GB" sz="2400" dirty="0"/>
+                  <a:t> we know how many bits </a:t>
+                </a:r>
+                <a:r>
+                  <a:rPr lang="en-GB" sz="2400" i="1" dirty="0">
+                    <a:solidFill>
+                      <a:schemeClr val="accent2">
+                        <a:lumMod val="75000"/>
+                      </a:schemeClr>
+                    </a:solidFill>
+                  </a:rPr>
+                  <a:t>rem</a:t>
+                </a:r>
+                <a:r>
+                  <a:rPr lang="en-GB" sz="2400" dirty="0"/>
+                  <a:t> has.</a:t>
+                </a:r>
+              </a:p>
+              <a:p>
+                <a:pPr lvl="2"/>
+                <a:r>
+                  <a:rPr lang="en-GB" sz="2400" dirty="0"/>
+                  <a:t>We get </a:t>
+                </a:r>
+                <a:r>
+                  <a:rPr lang="en-GB" sz="2400" i="1" dirty="0">
+                    <a:solidFill>
+                      <a:schemeClr val="accent2">
+                        <a:lumMod val="75000"/>
+                      </a:schemeClr>
+                    </a:solidFill>
+                  </a:rPr>
+                  <a:t>q</a:t>
+                </a:r>
+                <a:r>
+                  <a:rPr lang="en-GB" sz="2400" dirty="0"/>
+                  <a:t> counting 1 until we find a 0.  </a:t>
+                </a:r>
+              </a:p>
+              <a:p>
+                <a:pPr lvl="1"/>
+                <a:r>
+                  <a:rPr lang="en-GB" sz="2800" i="1" dirty="0"/>
+                  <a:t> </a:t>
+                </a:r>
+                <a:r>
+                  <a:rPr lang="en-GB" sz="2800" dirty="0"/>
+                  <a:t>Calculate residual → </a:t>
+                </a:r>
+                <a14:m>
+                  <m:oMath xmlns:m="http://schemas.openxmlformats.org/officeDocument/2006/math">
+                    <m:r>
+                      <a:rPr lang="ca-ES" sz="2000" b="0" i="1" smtClean="0">
+                        <a:latin typeface="Cambria Math" panose="02040503050406030204" pitchFamily="18" charset="0"/>
+                      </a:rPr>
+                      <m:t>𝑟𝑒𝑠</m:t>
+                    </m:r>
+                    <m:r>
+                      <a:rPr lang="ca-ES" sz="2000" b="0" i="1" smtClean="0">
+                        <a:latin typeface="Cambria Math" panose="02040503050406030204" pitchFamily="18" charset="0"/>
+                      </a:rPr>
+                      <m:t>=</m:t>
+                    </m:r>
+                    <m:r>
+                      <a:rPr lang="ca-ES" sz="2000" b="0" i="1" smtClean="0">
+                        <a:latin typeface="Cambria Math" panose="02040503050406030204" pitchFamily="18" charset="0"/>
+                      </a:rPr>
+                      <m:t>𝑞</m:t>
+                    </m:r>
+                    <m:r>
+                      <a:rPr lang="ca-ES" sz="2000" b="0" i="1" smtClean="0">
+                        <a:latin typeface="Cambria Math" panose="02040503050406030204" pitchFamily="18" charset="0"/>
+                      </a:rPr>
+                      <m:t>+</m:t>
+                    </m:r>
+                    <m:r>
+                      <a:rPr lang="ca-ES" sz="2000" b="0" i="1" smtClean="0">
+                        <a:latin typeface="Cambria Math" panose="02040503050406030204" pitchFamily="18" charset="0"/>
+                      </a:rPr>
+                      <m:t>𝑟𝑒𝑚</m:t>
+                    </m:r>
+                    <m:r>
+                      <a:rPr lang="ca-ES" sz="2000" b="0" i="1" smtClean="0">
+                        <a:latin typeface="Cambria Math" panose="02040503050406030204" pitchFamily="18" charset="0"/>
+                      </a:rPr>
+                      <m:t> ∙</m:t>
+                    </m:r>
+                    <m:r>
+                      <a:rPr lang="ca-ES" sz="2000" b="0" i="1" smtClean="0">
+                        <a:latin typeface="Cambria Math" panose="02040503050406030204" pitchFamily="18" charset="0"/>
+                        <a:ea typeface="Cambria Math" panose="02040503050406030204" pitchFamily="18" charset="0"/>
+                      </a:rPr>
+                      <m:t>𝑚</m:t>
+                    </m:r>
+                  </m:oMath>
+                </a14:m>
+                <a:endParaRPr lang="ca-ES" sz="2000" b="0" dirty="0">
+                  <a:ea typeface="Cambria Math" panose="02040503050406030204" pitchFamily="18" charset="0"/>
+                </a:endParaRPr>
+              </a:p>
+              <a:p>
+                <a:pPr lvl="1"/>
+                <a:r>
+                  <a:rPr lang="en-GB" sz="2800" dirty="0"/>
+                  <a:t> Split negative and positive values. </a:t>
+                </a:r>
+              </a:p>
+              <a:p>
+                <a:pPr lvl="1"/>
+                <a:endParaRPr lang="ca-ES" sz="2800" dirty="0"/>
+              </a:p>
+            </p:txBody>
+          </p:sp>
+        </mc:Choice>
+        <mc:Fallback>
+          <p:sp>
+            <p:nvSpPr>
+              <p:cNvPr id="6" name="Content Placeholder 2">
+                <a:extLst>
+                  <a:ext uri="{FF2B5EF4-FFF2-40B4-BE49-F238E27FC236}">
+                    <a16:creationId xmlns:a16="http://schemas.microsoft.com/office/drawing/2014/main" id="{34D22F2E-B3E5-4FDF-82FC-99E31FBEFC0D}"/>
+                  </a:ext>
+                </a:extLst>
+              </p:cNvPr>
+              <p:cNvSpPr>
+                <a:spLocks noGrp="1" noRot="1" noChangeAspect="1" noMove="1" noResize="1" noEditPoints="1" noAdjustHandles="1" noChangeArrowheads="1" noChangeShapeType="1" noTextEdit="1"/>
+              </p:cNvSpPr>
+              <p:nvPr>
+                <p:ph idx="1"/>
+              </p:nvPr>
+            </p:nvSpPr>
+            <p:spPr>
+              <a:xfrm>
+                <a:off x="1024128" y="2286000"/>
+                <a:ext cx="10598377" cy="4023360"/>
+              </a:xfrm>
+              <a:blipFill>
+                <a:blip r:embed="rId3"/>
+                <a:stretch>
+                  <a:fillRect l="-288" t="-2576"/>
+                </a:stretch>
+              </a:blipFill>
+            </p:spPr>
+            <p:txBody>
+              <a:bodyPr/>
+              <a:lstStyle/>
+              <a:p>
+                <a:r>
+                  <a:rPr lang="en-GB">
+                    <a:noFill/>
+                  </a:rPr>
+                  <a:t> </a:t>
+                </a:r>
+              </a:p>
+            </p:txBody>
+          </p:sp>
+        </mc:Fallback>
+      </mc:AlternateContent>
     </p:spTree>
     <p:extLst>
       <p:ext uri="{BB962C8B-B14F-4D97-AF65-F5344CB8AC3E}">
@@ -3662,32 +5289,6 @@
               <a:rPr lang="en-GB" dirty="0"/>
               <a:t>Predictor</a:t>
             </a:r>
-          </a:p>
-        </p:txBody>
-      </p:sp>
-      <p:sp>
-        <p:nvSpPr>
-          <p:cNvPr id="3" name="Content Placeholder 2">
-            <a:extLst>
-              <a:ext uri="{FF2B5EF4-FFF2-40B4-BE49-F238E27FC236}">
-                <a16:creationId xmlns:a16="http://schemas.microsoft.com/office/drawing/2014/main" id="{DE85B520-723A-41B1-8204-AC8A39F2CC5E}"/>
-              </a:ext>
-            </a:extLst>
-          </p:cNvPr>
-          <p:cNvSpPr>
-            <a:spLocks noGrp="1"/>
-          </p:cNvSpPr>
-          <p:nvPr>
-            <p:ph idx="1"/>
-          </p:nvPr>
-        </p:nvSpPr>
-        <p:spPr/>
-        <p:txBody>
-          <a:bodyPr/>
-          <a:lstStyle/>
-          <a:p>
-            <a:pPr lvl="1"/>
-            <a:endParaRPr lang="en-GB" dirty="0"/>
           </a:p>
         </p:txBody>
       </p:sp>
@@ -3775,6 +5376,417 @@
           </a:p>
         </p:txBody>
       </p:sp>
+      <mc:AlternateContent xmlns:mc="http://schemas.openxmlformats.org/markup-compatibility/2006">
+        <mc:Choice xmlns:a14="http://schemas.microsoft.com/office/drawing/2010/main" Requires="a14">
+          <p:sp>
+            <p:nvSpPr>
+              <p:cNvPr id="6" name="Content Placeholder 2">
+                <a:extLst>
+                  <a:ext uri="{FF2B5EF4-FFF2-40B4-BE49-F238E27FC236}">
+                    <a16:creationId xmlns:a16="http://schemas.microsoft.com/office/drawing/2014/main" id="{95338637-33D7-4F5E-AE9E-33C6E170C18F}"/>
+                  </a:ext>
+                </a:extLst>
+              </p:cNvPr>
+              <p:cNvSpPr>
+                <a:spLocks noGrp="1"/>
+              </p:cNvSpPr>
+              <p:nvPr>
+                <p:ph idx="1"/>
+              </p:nvPr>
+            </p:nvSpPr>
+            <p:spPr>
+              <a:xfrm>
+                <a:off x="1024128" y="2286000"/>
+                <a:ext cx="10598377" cy="4023360"/>
+              </a:xfrm>
+            </p:spPr>
+            <p:txBody>
+              <a:bodyPr>
+                <a:normAutofit/>
+              </a:bodyPr>
+              <a:lstStyle/>
+              <a:p>
+                <a:pPr lvl="1"/>
+                <a:r>
+                  <a:rPr lang="en-GB" sz="2800" dirty="0"/>
+                  <a:t> It does the same as the predictor in the coder but with the main difference that input values update for each iteration. </a:t>
+                </a:r>
+              </a:p>
+              <a:p>
+                <a:pPr lvl="1"/>
+                <a:endParaRPr lang="en-GB" sz="2800" dirty="0"/>
+              </a:p>
+              <a:p>
+                <a:pPr marL="128016" lvl="1" indent="0">
+                  <a:buNone/>
+                </a:pPr>
+                <a14:m>
+                  <m:oMathPara xmlns:m="http://schemas.openxmlformats.org/officeDocument/2006/math">
+                    <m:oMathParaPr>
+                      <m:jc m:val="centerGroup"/>
+                    </m:oMathParaPr>
+                    <m:oMath xmlns:m="http://schemas.openxmlformats.org/officeDocument/2006/math">
+                      <m:sSub>
+                        <m:sSubPr>
+                          <m:ctrlPr>
+                            <a:rPr lang="ca-ES" sz="2800" b="0" i="1" smtClean="0">
+                              <a:latin typeface="Cambria Math" panose="02040503050406030204" pitchFamily="18" charset="0"/>
+                            </a:rPr>
+                          </m:ctrlPr>
+                        </m:sSubPr>
+                        <m:e>
+                          <m:acc>
+                            <m:accPr>
+                              <m:chr m:val="̂"/>
+                              <m:ctrlPr>
+                                <a:rPr lang="ca-ES" sz="2800" b="0" i="1" smtClean="0">
+                                  <a:latin typeface="Cambria Math" panose="02040503050406030204" pitchFamily="18" charset="0"/>
+                                </a:rPr>
+                              </m:ctrlPr>
+                            </m:accPr>
+                            <m:e>
+                              <m:r>
+                                <a:rPr lang="ca-ES" sz="2800" b="0" i="1" smtClean="0">
+                                  <a:latin typeface="Cambria Math" panose="02040503050406030204" pitchFamily="18" charset="0"/>
+                                </a:rPr>
+                                <m:t>𝑥</m:t>
+                              </m:r>
+                            </m:e>
+                          </m:acc>
+                        </m:e>
+                        <m:sub>
+                          <m:r>
+                            <a:rPr lang="ca-ES" sz="2800" b="0" i="1" smtClean="0">
+                              <a:latin typeface="Cambria Math" panose="02040503050406030204" pitchFamily="18" charset="0"/>
+                            </a:rPr>
+                            <m:t>𝑖</m:t>
+                          </m:r>
+                        </m:sub>
+                      </m:sSub>
+                      <m:r>
+                        <a:rPr lang="ca-ES" sz="2800" b="0" i="1" smtClean="0">
+                          <a:latin typeface="Cambria Math" panose="02040503050406030204" pitchFamily="18" charset="0"/>
+                        </a:rPr>
+                        <m:t>=</m:t>
+                      </m:r>
+                      <m:sSub>
+                        <m:sSubPr>
+                          <m:ctrlPr>
+                            <a:rPr lang="ca-ES" sz="2800" b="0" i="1" smtClean="0">
+                              <a:latin typeface="Cambria Math" panose="02040503050406030204" pitchFamily="18" charset="0"/>
+                            </a:rPr>
+                          </m:ctrlPr>
+                        </m:sSubPr>
+                        <m:e>
+                          <m:r>
+                            <a:rPr lang="ca-ES" sz="2800" b="0" i="1" smtClean="0">
+                              <a:latin typeface="Cambria Math" panose="02040503050406030204" pitchFamily="18" charset="0"/>
+                            </a:rPr>
+                            <m:t>𝑟</m:t>
+                          </m:r>
+                        </m:e>
+                        <m:sub>
+                          <m:r>
+                            <a:rPr lang="ca-ES" sz="2800" b="0" i="1" smtClean="0">
+                              <a:latin typeface="Cambria Math" panose="02040503050406030204" pitchFamily="18" charset="0"/>
+                            </a:rPr>
+                            <m:t>𝑖</m:t>
+                          </m:r>
+                        </m:sub>
+                      </m:sSub>
+                      <m:r>
+                        <a:rPr lang="ca-ES" sz="2800" b="0" i="1" smtClean="0">
+                          <a:latin typeface="Cambria Math" panose="02040503050406030204" pitchFamily="18" charset="0"/>
+                        </a:rPr>
+                        <m:t> −</m:t>
+                      </m:r>
+                      <m:d>
+                        <m:dPr>
+                          <m:begChr m:val="⌊"/>
+                          <m:endChr m:val="⌋"/>
+                          <m:ctrlPr>
+                            <a:rPr lang="pt-BR" sz="2800" i="1">
+                              <a:latin typeface="Cambria Math" panose="02040503050406030204" pitchFamily="18" charset="0"/>
+                            </a:rPr>
+                          </m:ctrlPr>
+                        </m:dPr>
+                        <m:e>
+                          <m:nary>
+                            <m:naryPr>
+                              <m:chr m:val="∑"/>
+                              <m:ctrlPr>
+                                <a:rPr lang="pt-BR" sz="2800" i="1">
+                                  <a:latin typeface="Cambria Math" panose="02040503050406030204" pitchFamily="18" charset="0"/>
+                                </a:rPr>
+                              </m:ctrlPr>
+                            </m:naryPr>
+                            <m:sub>
+                              <m:r>
+                                <a:rPr lang="pt-BR" sz="2800" i="1">
+                                  <a:latin typeface="Cambria Math" panose="02040503050406030204" pitchFamily="18" charset="0"/>
+                                </a:rPr>
+                                <m:t>𝑘</m:t>
+                              </m:r>
+                              <m:r>
+                                <a:rPr lang="pt-BR" sz="2800" i="1">
+                                  <a:latin typeface="Cambria Math" panose="02040503050406030204" pitchFamily="18" charset="0"/>
+                                </a:rPr>
+                                <m:t>=1</m:t>
+                              </m:r>
+                            </m:sub>
+                            <m:sup>
+                              <m:r>
+                                <a:rPr lang="ca-ES" sz="2800" i="1">
+                                  <a:latin typeface="Cambria Math" panose="02040503050406030204" pitchFamily="18" charset="0"/>
+                                </a:rPr>
+                                <m:t>𝑝</m:t>
+                              </m:r>
+                            </m:sup>
+                            <m:e>
+                              <m:sSub>
+                                <m:sSubPr>
+                                  <m:ctrlPr>
+                                    <a:rPr lang="ca-ES" sz="2800" i="1">
+                                      <a:latin typeface="Cambria Math" panose="02040503050406030204" pitchFamily="18" charset="0"/>
+                                    </a:rPr>
+                                  </m:ctrlPr>
+                                </m:sSubPr>
+                                <m:e>
+                                  <m:r>
+                                    <a:rPr lang="ca-ES" sz="2800" i="1">
+                                      <a:latin typeface="Cambria Math" panose="02040503050406030204" pitchFamily="18" charset="0"/>
+                                    </a:rPr>
+                                    <m:t>𝑎</m:t>
+                                  </m:r>
+                                </m:e>
+                                <m:sub>
+                                  <m:r>
+                                    <a:rPr lang="ca-ES" sz="2800" i="1">
+                                      <a:latin typeface="Cambria Math" panose="02040503050406030204" pitchFamily="18" charset="0"/>
+                                    </a:rPr>
+                                    <m:t>𝑘</m:t>
+                                  </m:r>
+                                </m:sub>
+                              </m:sSub>
+                              <m:sSub>
+                                <m:sSubPr>
+                                  <m:ctrlPr>
+                                    <a:rPr lang="ca-ES" sz="2800" i="1">
+                                      <a:latin typeface="Cambria Math" panose="02040503050406030204" pitchFamily="18" charset="0"/>
+                                    </a:rPr>
+                                  </m:ctrlPr>
+                                </m:sSubPr>
+                                <m:e>
+                                  <m:r>
+                                    <a:rPr lang="ca-ES" sz="2800" b="0" i="1" smtClean="0">
+                                      <a:latin typeface="Cambria Math" panose="02040503050406030204" pitchFamily="18" charset="0"/>
+                                    </a:rPr>
+                                    <m:t>𝑥</m:t>
+                                  </m:r>
+                                </m:e>
+                                <m:sub>
+                                  <m:r>
+                                    <a:rPr lang="ca-ES" sz="2800" i="1">
+                                      <a:latin typeface="Cambria Math" panose="02040503050406030204" pitchFamily="18" charset="0"/>
+                                    </a:rPr>
+                                    <m:t>𝑖</m:t>
+                                  </m:r>
+                                  <m:r>
+                                    <a:rPr lang="ca-ES" sz="2800" i="1">
+                                      <a:latin typeface="Cambria Math" panose="02040503050406030204" pitchFamily="18" charset="0"/>
+                                    </a:rPr>
+                                    <m:t>−</m:t>
+                                  </m:r>
+                                  <m:r>
+                                    <a:rPr lang="ca-ES" sz="2800" i="1">
+                                      <a:latin typeface="Cambria Math" panose="02040503050406030204" pitchFamily="18" charset="0"/>
+                                    </a:rPr>
+                                    <m:t>𝑘</m:t>
+                                  </m:r>
+                                </m:sub>
+                              </m:sSub>
+                            </m:e>
+                          </m:nary>
+                        </m:e>
+                      </m:d>
+                    </m:oMath>
+                  </m:oMathPara>
+                </a14:m>
+                <a:endParaRPr lang="ca-ES" sz="2800" dirty="0"/>
+              </a:p>
+              <a:p>
+                <a:pPr marL="128016" lvl="1" indent="0">
+                  <a:buNone/>
+                </a:pPr>
+                <a:r>
+                  <a:rPr lang="ca-ES" sz="2800" dirty="0"/>
+                  <a:t>As </a:t>
+                </a:r>
+                <a:r>
+                  <a:rPr lang="ca-ES" sz="2800" dirty="0" err="1"/>
+                  <a:t>it</a:t>
+                </a:r>
+                <a:r>
+                  <a:rPr lang="ca-ES" sz="2800" dirty="0"/>
+                  <a:t> is </a:t>
+                </a:r>
+                <a:r>
+                  <a:rPr lang="ca-ES" sz="2800" dirty="0">
+                    <a:solidFill>
+                      <a:schemeClr val="accent2">
+                        <a:lumMod val="75000"/>
+                      </a:schemeClr>
+                    </a:solidFill>
+                  </a:rPr>
+                  <a:t>LOSSELESS</a:t>
+                </a:r>
+                <a:r>
+                  <a:rPr lang="ca-ES" sz="2800" dirty="0"/>
+                  <a:t>: </a:t>
+                </a:r>
+              </a:p>
+              <a:p>
+                <a:pPr marL="128016" lvl="1" indent="0">
+                  <a:buNone/>
+                </a:pPr>
+                <a14:m>
+                  <m:oMathPara xmlns:m="http://schemas.openxmlformats.org/officeDocument/2006/math">
+                    <m:oMathParaPr>
+                      <m:jc m:val="centerGroup"/>
+                    </m:oMathParaPr>
+                    <m:oMath xmlns:m="http://schemas.openxmlformats.org/officeDocument/2006/math">
+                      <m:sSub>
+                        <m:sSubPr>
+                          <m:ctrlPr>
+                            <a:rPr lang="ca-ES" sz="2800" b="0" i="1" smtClean="0">
+                              <a:latin typeface="Cambria Math" panose="02040503050406030204" pitchFamily="18" charset="0"/>
+                            </a:rPr>
+                          </m:ctrlPr>
+                        </m:sSubPr>
+                        <m:e>
+                          <m:acc>
+                            <m:accPr>
+                              <m:chr m:val="̂"/>
+                              <m:ctrlPr>
+                                <a:rPr lang="ca-ES" sz="2800" i="1" smtClean="0">
+                                  <a:latin typeface="Cambria Math" panose="02040503050406030204" pitchFamily="18" charset="0"/>
+                                </a:rPr>
+                              </m:ctrlPr>
+                            </m:accPr>
+                            <m:e>
+                              <m:r>
+                                <a:rPr lang="ca-ES" sz="2800" b="0" i="1" smtClean="0">
+                                  <a:latin typeface="Cambria Math" panose="02040503050406030204" pitchFamily="18" charset="0"/>
+                                </a:rPr>
+                                <m:t>𝑥</m:t>
+                              </m:r>
+                            </m:e>
+                          </m:acc>
+                        </m:e>
+                        <m:sub>
+                          <m:r>
+                            <a:rPr lang="ca-ES" sz="2800" b="0" i="1" smtClean="0">
+                              <a:latin typeface="Cambria Math" panose="02040503050406030204" pitchFamily="18" charset="0"/>
+                            </a:rPr>
+                            <m:t>𝑖</m:t>
+                          </m:r>
+                        </m:sub>
+                      </m:sSub>
+                      <m:r>
+                        <a:rPr lang="ca-ES" sz="2800" b="0" i="1" smtClean="0">
+                          <a:latin typeface="Cambria Math" panose="02040503050406030204" pitchFamily="18" charset="0"/>
+                        </a:rPr>
+                        <m:t>=</m:t>
+                      </m:r>
+                      <m:sSub>
+                        <m:sSubPr>
+                          <m:ctrlPr>
+                            <a:rPr lang="ca-ES" sz="2800" b="0" i="1" smtClean="0">
+                              <a:latin typeface="Cambria Math" panose="02040503050406030204" pitchFamily="18" charset="0"/>
+                            </a:rPr>
+                          </m:ctrlPr>
+                        </m:sSubPr>
+                        <m:e>
+                          <m:r>
+                            <a:rPr lang="ca-ES" sz="2800" b="0" i="1" smtClean="0">
+                              <a:latin typeface="Cambria Math" panose="02040503050406030204" pitchFamily="18" charset="0"/>
+                            </a:rPr>
+                            <m:t>𝑥</m:t>
+                          </m:r>
+                        </m:e>
+                        <m:sub>
+                          <m:r>
+                            <a:rPr lang="ca-ES" sz="2800" b="0" i="1" smtClean="0">
+                              <a:latin typeface="Cambria Math" panose="02040503050406030204" pitchFamily="18" charset="0"/>
+                            </a:rPr>
+                            <m:t>𝑖</m:t>
+                          </m:r>
+                        </m:sub>
+                      </m:sSub>
+                    </m:oMath>
+                  </m:oMathPara>
+                </a14:m>
+                <a:endParaRPr lang="ca-ES" sz="2800" b="0" dirty="0"/>
+              </a:p>
+              <a:p>
+                <a:pPr marL="128016" lvl="1" indent="0">
+                  <a:buNone/>
+                </a:pPr>
+                <a:endParaRPr lang="ca-ES" sz="2800" b="0" dirty="0"/>
+              </a:p>
+              <a:p>
+                <a:pPr marL="128016" lvl="1" indent="0">
+                  <a:buNone/>
+                </a:pPr>
+                <a:endParaRPr lang="ca-ES" sz="2800" dirty="0"/>
+              </a:p>
+            </p:txBody>
+          </p:sp>
+        </mc:Choice>
+        <mc:Fallback>
+          <p:sp>
+            <p:nvSpPr>
+              <p:cNvPr id="6" name="Content Placeholder 2">
+                <a:extLst>
+                  <a:ext uri="{FF2B5EF4-FFF2-40B4-BE49-F238E27FC236}">
+                    <a16:creationId xmlns:a16="http://schemas.microsoft.com/office/drawing/2014/main" id="{95338637-33D7-4F5E-AE9E-33C6E170C18F}"/>
+                  </a:ext>
+                </a:extLst>
+              </p:cNvPr>
+              <p:cNvSpPr>
+                <a:spLocks noGrp="1" noRot="1" noChangeAspect="1" noMove="1" noResize="1" noEditPoints="1" noAdjustHandles="1" noChangeArrowheads="1" noChangeShapeType="1" noTextEdit="1"/>
+              </p:cNvSpPr>
+              <p:nvPr>
+                <p:ph idx="1"/>
+              </p:nvPr>
+            </p:nvSpPr>
+            <p:spPr>
+              <a:xfrm>
+                <a:off x="1024128" y="2286000"/>
+                <a:ext cx="10598377" cy="4023360"/>
+              </a:xfrm>
+              <a:blipFill>
+                <a:blip r:embed="rId3"/>
+                <a:stretch>
+                  <a:fillRect l="-403" t="-2576"/>
+                </a:stretch>
+              </a:blipFill>
+            </p:spPr>
+            <p:txBody>
+              <a:bodyPr/>
+              <a:lstStyle/>
+              <a:p>
+                <a:r>
+                  <a:rPr lang="en-GB">
+                    <a:noFill/>
+                  </a:rPr>
+                  <a:t> </a:t>
+                </a:r>
+              </a:p>
+            </p:txBody>
+          </p:sp>
+        </mc:Fallback>
+      </mc:AlternateContent>
     </p:spTree>
     <p:extLst>
       <p:ext uri="{BB962C8B-B14F-4D97-AF65-F5344CB8AC3E}">
@@ -3833,12 +5845,571 @@
           </a:p>
         </p:txBody>
       </p:sp>
+      <p:pic>
+        <p:nvPicPr>
+          <p:cNvPr id="10" name="Content Placeholder 9">
+            <a:extLst>
+              <a:ext uri="{FF2B5EF4-FFF2-40B4-BE49-F238E27FC236}">
+                <a16:creationId xmlns:a16="http://schemas.microsoft.com/office/drawing/2014/main" id="{7EB2189D-2E06-4B59-838A-98A8034FB9E2}"/>
+              </a:ext>
+            </a:extLst>
+          </p:cNvPr>
+          <p:cNvPicPr>
+            <a:picLocks noGrp="1" noChangeAspect="1"/>
+          </p:cNvPicPr>
+          <p:nvPr>
+            <p:ph idx="1"/>
+          </p:nvPr>
+        </p:nvPicPr>
+        <p:blipFill>
+          <a:blip r:embed="rId6"/>
+          <a:stretch>
+            <a:fillRect/>
+          </a:stretch>
+        </p:blipFill>
+        <p:spPr>
+          <a:xfrm>
+            <a:off x="1024128" y="1718277"/>
+            <a:ext cx="7796908" cy="4554507"/>
+          </a:xfrm>
+          <a:prstGeom prst="rect">
+            <a:avLst/>
+          </a:prstGeom>
+        </p:spPr>
+      </p:pic>
+      <p:pic>
+        <p:nvPicPr>
+          <p:cNvPr id="12" name="Sunshine_1">
+            <a:hlinkClick r:id="" action="ppaction://media"/>
+            <a:extLst>
+              <a:ext uri="{FF2B5EF4-FFF2-40B4-BE49-F238E27FC236}">
+                <a16:creationId xmlns:a16="http://schemas.microsoft.com/office/drawing/2014/main" id="{BCE6E012-D9B2-4B83-A816-4924E05197B4}"/>
+              </a:ext>
+            </a:extLst>
+          </p:cNvPr>
+          <p:cNvPicPr>
+            <a:picLocks noChangeAspect="1"/>
+          </p:cNvPicPr>
+          <p:nvPr>
+            <a:audioFile r:link="rId2"/>
+            <p:extLst>
+              <p:ext uri="{DAA4B4D4-6D71-4841-9C94-3DE7FCFB9230}">
+                <p14:media xmlns:p14="http://schemas.microsoft.com/office/powerpoint/2010/main" r:embed="rId1"/>
+              </p:ext>
+            </p:extLst>
+          </p:nvPr>
+        </p:nvPicPr>
+        <p:blipFill>
+          <a:blip r:embed="rId7"/>
+          <a:stretch>
+            <a:fillRect/>
+          </a:stretch>
+        </p:blipFill>
+        <p:spPr>
+          <a:xfrm>
+            <a:off x="10134600" y="2246708"/>
+            <a:ext cx="609600" cy="609600"/>
+          </a:xfrm>
+          <a:prstGeom prst="rect">
+            <a:avLst/>
+          </a:prstGeom>
+        </p:spPr>
+      </p:pic>
+      <p:pic>
+        <p:nvPicPr>
+          <p:cNvPr id="13" name="Dec_Sunshine_1">
+            <a:hlinkClick r:id="" action="ppaction://media"/>
+            <a:extLst>
+              <a:ext uri="{FF2B5EF4-FFF2-40B4-BE49-F238E27FC236}">
+                <a16:creationId xmlns:a16="http://schemas.microsoft.com/office/drawing/2014/main" id="{F0021A22-4A53-4473-A84A-532AC783BB7C}"/>
+              </a:ext>
+            </a:extLst>
+          </p:cNvPr>
+          <p:cNvPicPr>
+            <a:picLocks noChangeAspect="1"/>
+          </p:cNvPicPr>
+          <p:nvPr>
+            <a:audioFile r:link="rId4"/>
+            <p:extLst>
+              <p:ext uri="{DAA4B4D4-6D71-4841-9C94-3DE7FCFB9230}">
+                <p14:media xmlns:p14="http://schemas.microsoft.com/office/powerpoint/2010/main" r:embed="rId3"/>
+              </p:ext>
+            </p:extLst>
+          </p:nvPr>
+        </p:nvPicPr>
+        <p:blipFill>
+          <a:blip r:embed="rId7"/>
+          <a:stretch>
+            <a:fillRect/>
+          </a:stretch>
+        </p:blipFill>
+        <p:spPr>
+          <a:xfrm>
+            <a:off x="10134600" y="3627784"/>
+            <a:ext cx="609600" cy="609600"/>
+          </a:xfrm>
+          <a:prstGeom prst="rect">
+            <a:avLst/>
+          </a:prstGeom>
+        </p:spPr>
+      </p:pic>
       <p:sp>
         <p:nvSpPr>
-          <p:cNvPr id="3" name="Content Placeholder 2">
+          <p:cNvPr id="14" name="Content Placeholder 2">
             <a:extLst>
               <a:ext uri="{FF2B5EF4-FFF2-40B4-BE49-F238E27FC236}">
-                <a16:creationId xmlns:a16="http://schemas.microsoft.com/office/drawing/2014/main" id="{9EA9EC67-F2A0-4E75-AF16-7A344C264B95}"/>
+                <a16:creationId xmlns:a16="http://schemas.microsoft.com/office/drawing/2014/main" id="{E8454749-71F7-4AE4-A6F5-97D48C799012}"/>
+              </a:ext>
+            </a:extLst>
+          </p:cNvPr>
+          <p:cNvSpPr txBox="1">
+            <a:spLocks/>
+          </p:cNvSpPr>
+          <p:nvPr/>
+        </p:nvSpPr>
+        <p:spPr>
+          <a:xfrm>
+            <a:off x="8441635" y="708991"/>
+            <a:ext cx="3259112" cy="1225826"/>
+          </a:xfrm>
+          <a:prstGeom prst="rect">
+            <a:avLst/>
+          </a:prstGeom>
+        </p:spPr>
+        <p:txBody>
+          <a:bodyPr vert="horz" lIns="45720" tIns="45720" rIns="45720" bIns="45720" rtlCol="0">
+            <a:normAutofit/>
+          </a:bodyPr>
+          <a:lstStyle>
+            <a:lvl1pPr marL="91440" indent="-91440" algn="l" defTabSz="914400" rtl="0" eaLnBrk="1" latinLnBrk="0" hangingPunct="1">
+              <a:lnSpc>
+                <a:spcPct val="90000"/>
+              </a:lnSpc>
+              <a:spcBef>
+                <a:spcPts val="1200"/>
+              </a:spcBef>
+              <a:spcAft>
+                <a:spcPts val="200"/>
+              </a:spcAft>
+              <a:buClr>
+                <a:schemeClr val="accent2"/>
+              </a:buClr>
+              <a:buSzPct val="100000"/>
+              <a:buFont typeface="Tw Cen MT" panose="020B0602020104020603" pitchFamily="34" charset="0"/>
+              <a:buChar char=" "/>
+              <a:defRPr sz="2200" kern="1200">
+                <a:solidFill>
+                  <a:schemeClr val="tx1"/>
+                </a:solidFill>
+                <a:latin typeface="+mn-lt"/>
+                <a:ea typeface="+mn-ea"/>
+                <a:cs typeface="+mn-cs"/>
+              </a:defRPr>
+            </a:lvl1pPr>
+            <a:lvl2pPr marL="265176" indent="-137160" algn="l" defTabSz="914400" rtl="0" eaLnBrk="1" latinLnBrk="0" hangingPunct="1">
+              <a:lnSpc>
+                <a:spcPct val="90000"/>
+              </a:lnSpc>
+              <a:spcBef>
+                <a:spcPts val="200"/>
+              </a:spcBef>
+              <a:spcAft>
+                <a:spcPts val="400"/>
+              </a:spcAft>
+              <a:buClr>
+                <a:schemeClr val="accent2"/>
+              </a:buClr>
+              <a:buFont typeface="Wingdings 3" pitchFamily="18" charset="2"/>
+              <a:buChar char=""/>
+              <a:defRPr sz="1800" kern="1200">
+                <a:solidFill>
+                  <a:schemeClr val="tx1"/>
+                </a:solidFill>
+                <a:latin typeface="+mn-lt"/>
+                <a:ea typeface="+mn-ea"/>
+                <a:cs typeface="+mn-cs"/>
+              </a:defRPr>
+            </a:lvl2pPr>
+            <a:lvl3pPr marL="448056" indent="-137160" algn="l" defTabSz="914400" rtl="0" eaLnBrk="1" latinLnBrk="0" hangingPunct="1">
+              <a:lnSpc>
+                <a:spcPct val="90000"/>
+              </a:lnSpc>
+              <a:spcBef>
+                <a:spcPts val="200"/>
+              </a:spcBef>
+              <a:spcAft>
+                <a:spcPts val="400"/>
+              </a:spcAft>
+              <a:buClr>
+                <a:schemeClr val="accent2"/>
+              </a:buClr>
+              <a:buFont typeface="Wingdings 3" pitchFamily="18" charset="2"/>
+              <a:buChar char=""/>
+              <a:defRPr sz="1400" kern="1200">
+                <a:solidFill>
+                  <a:schemeClr val="tx1"/>
+                </a:solidFill>
+                <a:latin typeface="+mn-lt"/>
+                <a:ea typeface="+mn-ea"/>
+                <a:cs typeface="+mn-cs"/>
+              </a:defRPr>
+            </a:lvl3pPr>
+            <a:lvl4pPr marL="594360" indent="-137160" algn="l" defTabSz="914400" rtl="0" eaLnBrk="1" latinLnBrk="0" hangingPunct="1">
+              <a:lnSpc>
+                <a:spcPct val="90000"/>
+              </a:lnSpc>
+              <a:spcBef>
+                <a:spcPts val="200"/>
+              </a:spcBef>
+              <a:spcAft>
+                <a:spcPts val="400"/>
+              </a:spcAft>
+              <a:buClr>
+                <a:schemeClr val="accent2"/>
+              </a:buClr>
+              <a:buFont typeface="Wingdings 3" pitchFamily="18" charset="2"/>
+              <a:buChar char=""/>
+              <a:defRPr sz="1400" kern="1200">
+                <a:solidFill>
+                  <a:schemeClr val="tx1"/>
+                </a:solidFill>
+                <a:latin typeface="+mn-lt"/>
+                <a:ea typeface="+mn-ea"/>
+                <a:cs typeface="+mn-cs"/>
+              </a:defRPr>
+            </a:lvl4pPr>
+            <a:lvl5pPr marL="777240" indent="-137160" algn="l" defTabSz="914400" rtl="0" eaLnBrk="1" latinLnBrk="0" hangingPunct="1">
+              <a:lnSpc>
+                <a:spcPct val="90000"/>
+              </a:lnSpc>
+              <a:spcBef>
+                <a:spcPts val="200"/>
+              </a:spcBef>
+              <a:spcAft>
+                <a:spcPts val="400"/>
+              </a:spcAft>
+              <a:buClr>
+                <a:schemeClr val="accent2"/>
+              </a:buClr>
+              <a:buFont typeface="Wingdings 3" pitchFamily="18" charset="2"/>
+              <a:buChar char=""/>
+              <a:defRPr sz="1400" kern="1200">
+                <a:solidFill>
+                  <a:schemeClr val="tx1"/>
+                </a:solidFill>
+                <a:latin typeface="+mn-lt"/>
+                <a:ea typeface="+mn-ea"/>
+                <a:cs typeface="+mn-cs"/>
+              </a:defRPr>
+            </a:lvl5pPr>
+            <a:lvl6pPr marL="914400" indent="-137160" algn="l" defTabSz="914400" rtl="0" eaLnBrk="1" latinLnBrk="0" hangingPunct="1">
+              <a:lnSpc>
+                <a:spcPct val="90000"/>
+              </a:lnSpc>
+              <a:spcBef>
+                <a:spcPts val="200"/>
+              </a:spcBef>
+              <a:spcAft>
+                <a:spcPts val="400"/>
+              </a:spcAft>
+              <a:buClr>
+                <a:schemeClr val="accent2"/>
+              </a:buClr>
+              <a:buFont typeface="Wingdings 3" pitchFamily="18" charset="2"/>
+              <a:buChar char=""/>
+              <a:defRPr sz="1400" kern="1200">
+                <a:solidFill>
+                  <a:schemeClr val="tx1"/>
+                </a:solidFill>
+                <a:latin typeface="+mn-lt"/>
+                <a:ea typeface="+mn-ea"/>
+                <a:cs typeface="+mn-cs"/>
+              </a:defRPr>
+            </a:lvl6pPr>
+            <a:lvl7pPr marL="1060704" indent="-137160" algn="l" defTabSz="914400" rtl="0" eaLnBrk="1" latinLnBrk="0" hangingPunct="1">
+              <a:lnSpc>
+                <a:spcPct val="90000"/>
+              </a:lnSpc>
+              <a:spcBef>
+                <a:spcPts val="200"/>
+              </a:spcBef>
+              <a:spcAft>
+                <a:spcPts val="400"/>
+              </a:spcAft>
+              <a:buClr>
+                <a:schemeClr val="accent2"/>
+              </a:buClr>
+              <a:buFont typeface="Wingdings 3" pitchFamily="18" charset="2"/>
+              <a:buChar char=""/>
+              <a:defRPr sz="1400" kern="1200">
+                <a:solidFill>
+                  <a:schemeClr val="tx1"/>
+                </a:solidFill>
+                <a:latin typeface="+mn-lt"/>
+                <a:ea typeface="+mn-ea"/>
+                <a:cs typeface="+mn-cs"/>
+              </a:defRPr>
+            </a:lvl7pPr>
+            <a:lvl8pPr marL="1216152" indent="-137160" algn="l" defTabSz="914400" rtl="0" eaLnBrk="1" latinLnBrk="0" hangingPunct="1">
+              <a:lnSpc>
+                <a:spcPct val="90000"/>
+              </a:lnSpc>
+              <a:spcBef>
+                <a:spcPts val="200"/>
+              </a:spcBef>
+              <a:spcAft>
+                <a:spcPts val="400"/>
+              </a:spcAft>
+              <a:buClr>
+                <a:schemeClr val="accent2"/>
+              </a:buClr>
+              <a:buFont typeface="Wingdings 3" pitchFamily="18" charset="2"/>
+              <a:buChar char=""/>
+              <a:defRPr sz="1400" kern="1200">
+                <a:solidFill>
+                  <a:schemeClr val="tx1"/>
+                </a:solidFill>
+                <a:latin typeface="+mn-lt"/>
+                <a:ea typeface="+mn-ea"/>
+                <a:cs typeface="+mn-cs"/>
+              </a:defRPr>
+            </a:lvl8pPr>
+            <a:lvl9pPr marL="1362456" indent="-137160" algn="l" defTabSz="914400" rtl="0" eaLnBrk="1" latinLnBrk="0" hangingPunct="1">
+              <a:lnSpc>
+                <a:spcPct val="90000"/>
+              </a:lnSpc>
+              <a:spcBef>
+                <a:spcPts val="200"/>
+              </a:spcBef>
+              <a:spcAft>
+                <a:spcPts val="400"/>
+              </a:spcAft>
+              <a:buClr>
+                <a:schemeClr val="accent2"/>
+              </a:buClr>
+              <a:buFont typeface="Wingdings 3" pitchFamily="18" charset="2"/>
+              <a:buChar char=""/>
+              <a:defRPr sz="1400" kern="1200">
+                <a:solidFill>
+                  <a:schemeClr val="tx1"/>
+                </a:solidFill>
+                <a:latin typeface="+mn-lt"/>
+                <a:ea typeface="+mn-ea"/>
+                <a:cs typeface="+mn-cs"/>
+              </a:defRPr>
+            </a:lvl9pPr>
+          </a:lstStyle>
+          <a:p>
+            <a:pPr marL="128016" lvl="1" indent="0">
+              <a:buNone/>
+            </a:pPr>
+            <a:r>
+              <a:rPr lang="en-GB" dirty="0"/>
+              <a:t>Fragment:</a:t>
+            </a:r>
+          </a:p>
+          <a:p>
+            <a:pPr marL="128016" lvl="1" indent="0" algn="r">
+              <a:buNone/>
+            </a:pPr>
+            <a:r>
+              <a:rPr lang="en-GB" sz="1600" dirty="0"/>
+              <a:t>You Are The Sunshine Of My Life </a:t>
+            </a:r>
+          </a:p>
+          <a:p>
+            <a:pPr marL="128016" lvl="1" indent="0" algn="r">
+              <a:buNone/>
+            </a:pPr>
+            <a:r>
+              <a:rPr lang="en-GB" sz="1600" dirty="0"/>
+              <a:t>Stevie Wonder</a:t>
+            </a:r>
+            <a:endParaRPr lang="ca-ES" dirty="0"/>
+          </a:p>
+          <a:p>
+            <a:pPr marL="128016" lvl="1" indent="0">
+              <a:buFont typeface="Wingdings 3" pitchFamily="18" charset="2"/>
+              <a:buNone/>
+            </a:pPr>
+            <a:endParaRPr lang="ca-ES" sz="2800" dirty="0"/>
+          </a:p>
+        </p:txBody>
+      </p:sp>
+    </p:spTree>
+    <p:extLst>
+      <p:ext uri="{BB962C8B-B14F-4D97-AF65-F5344CB8AC3E}">
+        <p14:creationId xmlns:p14="http://schemas.microsoft.com/office/powerpoint/2010/main" val="395292449"/>
+      </p:ext>
+    </p:extLst>
+  </p:cSld>
+  <p:clrMapOvr>
+    <a:masterClrMapping/>
+  </p:clrMapOvr>
+  <p:timing>
+    <p:tnLst>
+      <p:par>
+        <p:cTn id="1" dur="indefinite" restart="never" nodeType="tmRoot">
+          <p:childTnLst>
+            <p:seq concurrent="1" nextAc="seek">
+              <p:cTn id="2" dur="indefinite" nodeType="mainSeq">
+                <p:childTnLst>
+                  <p:par>
+                    <p:cTn id="3" fill="hold">
+                      <p:stCondLst>
+                        <p:cond delay="indefinite"/>
+                      </p:stCondLst>
+                      <p:childTnLst>
+                        <p:par>
+                          <p:cTn id="4" fill="hold">
+                            <p:stCondLst>
+                              <p:cond delay="0"/>
+                            </p:stCondLst>
+                            <p:childTnLst>
+                              <p:par>
+                                <p:cTn id="5" presetID="1" presetClass="mediacall" presetSubtype="0" fill="hold" nodeType="clickEffect">
+                                  <p:stCondLst>
+                                    <p:cond delay="0"/>
+                                  </p:stCondLst>
+                                  <p:childTnLst>
+                                    <p:cmd type="call" cmd="playFrom(0.0)">
+                                      <p:cBhvr>
+                                        <p:cTn id="6" dur="10000" fill="hold"/>
+                                        <p:tgtEl>
+                                          <p:spTgt spid="12"/>
+                                        </p:tgtEl>
+                                      </p:cBhvr>
+                                    </p:cmd>
+                                  </p:childTnLst>
+                                </p:cTn>
+                              </p:par>
+                            </p:childTnLst>
+                          </p:cTn>
+                        </p:par>
+                      </p:childTnLst>
+                    </p:cTn>
+                  </p:par>
+                  <p:par>
+                    <p:cTn id="7" fill="hold">
+                      <p:stCondLst>
+                        <p:cond delay="indefinite"/>
+                      </p:stCondLst>
+                      <p:childTnLst>
+                        <p:par>
+                          <p:cTn id="8" fill="hold">
+                            <p:stCondLst>
+                              <p:cond delay="0"/>
+                            </p:stCondLst>
+                            <p:childTnLst>
+                              <p:par>
+                                <p:cTn id="9" presetID="1" presetClass="mediacall" presetSubtype="0" fill="hold" nodeType="clickEffect">
+                                  <p:stCondLst>
+                                    <p:cond delay="0"/>
+                                  </p:stCondLst>
+                                  <p:childTnLst>
+                                    <p:cmd type="call" cmd="playFrom(0.0)">
+                                      <p:cBhvr>
+                                        <p:cTn id="10" dur="10000" fill="hold"/>
+                                        <p:tgtEl>
+                                          <p:spTgt spid="13"/>
+                                        </p:tgtEl>
+                                      </p:cBhvr>
+                                    </p:cmd>
+                                  </p:childTnLst>
+                                </p:cTn>
+                              </p:par>
+                            </p:childTnLst>
+                          </p:cTn>
+                        </p:par>
+                      </p:childTnLst>
+                    </p:cTn>
+                  </p:par>
+                </p:childTnLst>
+              </p:cTn>
+              <p:prevCondLst>
+                <p:cond evt="onPrev" delay="0">
+                  <p:tgtEl>
+                    <p:sldTgt/>
+                  </p:tgtEl>
+                </p:cond>
+              </p:prevCondLst>
+              <p:nextCondLst>
+                <p:cond evt="onNext" delay="0">
+                  <p:tgtEl>
+                    <p:sldTgt/>
+                  </p:tgtEl>
+                </p:cond>
+              </p:nextCondLst>
+            </p:seq>
+            <p:audio>
+              <p:cMediaNode vol="80000">
+                <p:cTn id="11" fill="hold" display="0">
+                  <p:stCondLst>
+                    <p:cond delay="indefinite"/>
+                  </p:stCondLst>
+                  <p:endCondLst>
+                    <p:cond evt="onStopAudio" delay="0">
+                      <p:tgtEl>
+                        <p:sldTgt/>
+                      </p:tgtEl>
+                    </p:cond>
+                  </p:endCondLst>
+                </p:cTn>
+                <p:tgtEl>
+                  <p:spTgt spid="12"/>
+                </p:tgtEl>
+              </p:cMediaNode>
+            </p:audio>
+            <p:audio>
+              <p:cMediaNode vol="80000">
+                <p:cTn id="12" fill="hold" display="0">
+                  <p:stCondLst>
+                    <p:cond delay="indefinite"/>
+                  </p:stCondLst>
+                  <p:endCondLst>
+                    <p:cond evt="onStopAudio" delay="0">
+                      <p:tgtEl>
+                        <p:sldTgt/>
+                      </p:tgtEl>
+                    </p:cond>
+                  </p:endCondLst>
+                </p:cTn>
+                <p:tgtEl>
+                  <p:spTgt spid="13"/>
+                </p:tgtEl>
+              </p:cMediaNode>
+            </p:audio>
+          </p:childTnLst>
+        </p:cTn>
+      </p:par>
+    </p:tnLst>
+  </p:timing>
+</p:sld>
+</file>
+
+<file path=ppt/slides/slide13.xml><?xml version="1.0" encoding="utf-8"?>
+<p:sld xmlns:a="http://schemas.openxmlformats.org/drawingml/2006/main" xmlns:r="http://schemas.openxmlformats.org/officeDocument/2006/relationships" xmlns:p="http://schemas.openxmlformats.org/presentationml/2006/main">
+  <p:cSld>
+    <p:spTree>
+      <p:nvGrpSpPr>
+        <p:cNvPr id="1" name=""/>
+        <p:cNvGrpSpPr/>
+        <p:nvPr/>
+      </p:nvGrpSpPr>
+      <p:grpSpPr>
+        <a:xfrm>
+          <a:off x="0" y="0"/>
+          <a:ext cx="0" cy="0"/>
+          <a:chOff x="0" y="0"/>
+          <a:chExt cx="0" cy="0"/>
+        </a:xfrm>
+      </p:grpSpPr>
+      <p:sp>
+        <p:nvSpPr>
+          <p:cNvPr id="2" name="Title 1">
+            <a:extLst>
+              <a:ext uri="{FF2B5EF4-FFF2-40B4-BE49-F238E27FC236}">
+                <a16:creationId xmlns:a16="http://schemas.microsoft.com/office/drawing/2014/main" id="{3DA715D8-12C8-4C95-A92A-3B0D4A376944}"/>
               </a:ext>
             </a:extLst>
           </p:cNvPr>
@@ -3846,7 +6417,7 @@
             <a:spLocks noGrp="1"/>
           </p:cNvSpPr>
           <p:nvPr>
-            <p:ph idx="1"/>
+            <p:ph type="title"/>
           </p:nvPr>
         </p:nvSpPr>
         <p:spPr/>
@@ -3854,14 +6425,243 @@
           <a:bodyPr/>
           <a:lstStyle/>
           <a:p>
-            <a:endParaRPr lang="ca-ES" dirty="0"/>
+            <a:r>
+              <a:rPr lang="en-GB" dirty="0"/>
+              <a:t>results</a:t>
+            </a:r>
           </a:p>
         </p:txBody>
       </p:sp>
+      <mc:AlternateContent xmlns:mc="http://schemas.openxmlformats.org/markup-compatibility/2006">
+        <mc:Choice xmlns:a14="http://schemas.microsoft.com/office/drawing/2010/main" Requires="a14">
+          <p:sp>
+            <p:nvSpPr>
+              <p:cNvPr id="5" name="Content Placeholder 2">
+                <a:extLst>
+                  <a:ext uri="{FF2B5EF4-FFF2-40B4-BE49-F238E27FC236}">
+                    <a16:creationId xmlns:a16="http://schemas.microsoft.com/office/drawing/2014/main" id="{860B51A3-14A7-4AD7-88C7-2CBA107B6A94}"/>
+                  </a:ext>
+                </a:extLst>
+              </p:cNvPr>
+              <p:cNvSpPr>
+                <a:spLocks noGrp="1"/>
+              </p:cNvSpPr>
+              <p:nvPr>
+                <p:ph idx="1"/>
+              </p:nvPr>
+            </p:nvSpPr>
+            <p:spPr>
+              <a:xfrm>
+                <a:off x="5884164" y="708991"/>
+                <a:ext cx="5816583" cy="1133061"/>
+              </a:xfrm>
+            </p:spPr>
+            <p:txBody>
+              <a:bodyPr>
+                <a:normAutofit/>
+              </a:bodyPr>
+              <a:lstStyle/>
+              <a:p>
+                <a:pPr lvl="1"/>
+                <a:r>
+                  <a:rPr lang="en-GB" sz="2400" dirty="0"/>
+                  <a:t>Original audio: 44.1 kHz / 16-bit</a:t>
+                </a:r>
+              </a:p>
+              <a:p>
+                <a:pPr lvl="1"/>
+                <a:r>
+                  <a:rPr lang="en-GB" sz="2400" dirty="0"/>
+                  <a:t>Compression ratio </a:t>
+                </a:r>
+                <a:r>
+                  <a:rPr lang="en-GB" sz="2800" dirty="0"/>
+                  <a:t>→ </a:t>
+                </a:r>
+                <a14:m>
+                  <m:oMath xmlns:m="http://schemas.openxmlformats.org/officeDocument/2006/math">
+                    <m:r>
+                      <a:rPr lang="ca-ES" sz="2000" b="0" i="1" smtClean="0">
+                        <a:latin typeface="Cambria Math" panose="02040503050406030204" pitchFamily="18" charset="0"/>
+                      </a:rPr>
+                      <m:t>𝐶</m:t>
+                    </m:r>
+                    <m:r>
+                      <a:rPr lang="ca-ES" sz="2000" b="0" i="1" smtClean="0">
+                        <a:latin typeface="Cambria Math" panose="02040503050406030204" pitchFamily="18" charset="0"/>
+                      </a:rPr>
+                      <m:t>= </m:t>
+                    </m:r>
+                    <m:f>
+                      <m:fPr>
+                        <m:ctrlPr>
+                          <a:rPr lang="ca-ES" sz="2000" b="0" i="1" smtClean="0">
+                            <a:latin typeface="Cambria Math" panose="02040503050406030204" pitchFamily="18" charset="0"/>
+                          </a:rPr>
+                        </m:ctrlPr>
+                      </m:fPr>
+                      <m:num>
+                        <m:r>
+                          <a:rPr lang="ca-ES" sz="2000" b="0" i="1" smtClean="0">
+                            <a:latin typeface="Cambria Math" panose="02040503050406030204" pitchFamily="18" charset="0"/>
+                          </a:rPr>
+                          <m:t>𝐶𝑜𝑚𝑝𝑟𝑒𝑠𝑠𝑒𝑑</m:t>
+                        </m:r>
+                        <m:r>
+                          <a:rPr lang="ca-ES" sz="2000" b="0" i="1" smtClean="0">
+                            <a:latin typeface="Cambria Math" panose="02040503050406030204" pitchFamily="18" charset="0"/>
+                          </a:rPr>
+                          <m:t> </m:t>
+                        </m:r>
+                        <m:r>
+                          <a:rPr lang="ca-ES" sz="2000" b="0" i="1" smtClean="0">
+                            <a:latin typeface="Cambria Math" panose="02040503050406030204" pitchFamily="18" charset="0"/>
+                          </a:rPr>
+                          <m:t>𝐹𝑖𝑙𝑒</m:t>
+                        </m:r>
+                        <m:r>
+                          <a:rPr lang="ca-ES" sz="2000" b="0" i="1" smtClean="0">
+                            <a:latin typeface="Cambria Math" panose="02040503050406030204" pitchFamily="18" charset="0"/>
+                          </a:rPr>
+                          <m:t> </m:t>
+                        </m:r>
+                        <m:r>
+                          <a:rPr lang="ca-ES" sz="2000" b="0" i="1" smtClean="0">
+                            <a:latin typeface="Cambria Math" panose="02040503050406030204" pitchFamily="18" charset="0"/>
+                          </a:rPr>
+                          <m:t>𝑆𝑖𝑧𝑒</m:t>
+                        </m:r>
+                      </m:num>
+                      <m:den>
+                        <m:r>
+                          <a:rPr lang="ca-ES" sz="2000" b="0" i="1" smtClean="0">
+                            <a:latin typeface="Cambria Math" panose="02040503050406030204" pitchFamily="18" charset="0"/>
+                          </a:rPr>
+                          <m:t>𝑂𝑟𝑖𝑔𝑖𝑛𝑎𝑙</m:t>
+                        </m:r>
+                        <m:r>
+                          <a:rPr lang="ca-ES" sz="2000" b="0" i="1" smtClean="0">
+                            <a:latin typeface="Cambria Math" panose="02040503050406030204" pitchFamily="18" charset="0"/>
+                          </a:rPr>
+                          <m:t> </m:t>
+                        </m:r>
+                        <m:r>
+                          <a:rPr lang="ca-ES" sz="2000" b="0" i="1" smtClean="0">
+                            <a:latin typeface="Cambria Math" panose="02040503050406030204" pitchFamily="18" charset="0"/>
+                          </a:rPr>
+                          <m:t>𝐹𝑖𝑙𝑒</m:t>
+                        </m:r>
+                        <m:r>
+                          <a:rPr lang="ca-ES" sz="2000" b="0" i="1" smtClean="0">
+                            <a:latin typeface="Cambria Math" panose="02040503050406030204" pitchFamily="18" charset="0"/>
+                          </a:rPr>
+                          <m:t> </m:t>
+                        </m:r>
+                        <m:r>
+                          <a:rPr lang="ca-ES" sz="2000" b="0" i="1" smtClean="0">
+                            <a:latin typeface="Cambria Math" panose="02040503050406030204" pitchFamily="18" charset="0"/>
+                          </a:rPr>
+                          <m:t>𝑆𝑖𝑧𝑒</m:t>
+                        </m:r>
+                      </m:den>
+                    </m:f>
+                  </m:oMath>
+                </a14:m>
+                <a:endParaRPr lang="ca-ES" sz="2800" b="0" dirty="0"/>
+              </a:p>
+              <a:p>
+                <a:pPr marL="128016" lvl="1" indent="0">
+                  <a:buNone/>
+                </a:pPr>
+                <a:endParaRPr lang="ca-ES" sz="2800" b="0" dirty="0"/>
+              </a:p>
+              <a:p>
+                <a:pPr marL="128016" lvl="1" indent="0">
+                  <a:buNone/>
+                </a:pPr>
+                <a:endParaRPr lang="ca-ES" sz="2800" dirty="0"/>
+              </a:p>
+            </p:txBody>
+          </p:sp>
+        </mc:Choice>
+        <mc:Fallback>
+          <p:sp>
+            <p:nvSpPr>
+              <p:cNvPr id="5" name="Content Placeholder 2">
+                <a:extLst>
+                  <a:ext uri="{FF2B5EF4-FFF2-40B4-BE49-F238E27FC236}">
+                    <a16:creationId xmlns:a16="http://schemas.microsoft.com/office/drawing/2014/main" id="{860B51A3-14A7-4AD7-88C7-2CBA107B6A94}"/>
+                  </a:ext>
+                </a:extLst>
+              </p:cNvPr>
+              <p:cNvSpPr>
+                <a:spLocks noGrp="1" noRot="1" noChangeAspect="1" noMove="1" noResize="1" noEditPoints="1" noAdjustHandles="1" noChangeArrowheads="1" noChangeShapeType="1" noTextEdit="1"/>
+              </p:cNvSpPr>
+              <p:nvPr>
+                <p:ph idx="1"/>
+              </p:nvPr>
+            </p:nvSpPr>
+            <p:spPr>
+              <a:xfrm>
+                <a:off x="5884164" y="708991"/>
+                <a:ext cx="5816583" cy="1133061"/>
+              </a:xfrm>
+              <a:blipFill>
+                <a:blip r:embed="rId2"/>
+                <a:stretch>
+                  <a:fillRect t="-7527"/>
+                </a:stretch>
+              </a:blipFill>
+            </p:spPr>
+            <p:txBody>
+              <a:bodyPr/>
+              <a:lstStyle/>
+              <a:p>
+                <a:r>
+                  <a:rPr lang="en-GB">
+                    <a:noFill/>
+                  </a:rPr>
+                  <a:t> </a:t>
+                </a:r>
+              </a:p>
+            </p:txBody>
+          </p:sp>
+        </mc:Fallback>
+      </mc:AlternateContent>
+      <p:graphicFrame>
+        <p:nvGraphicFramePr>
+          <p:cNvPr id="7" name="Chart 6">
+            <a:extLst>
+              <a:ext uri="{FF2B5EF4-FFF2-40B4-BE49-F238E27FC236}">
+                <a16:creationId xmlns:a16="http://schemas.microsoft.com/office/drawing/2014/main" id="{B0482D55-B2E7-4F9B-9235-A84044E57D12}"/>
+              </a:ext>
+            </a:extLst>
+          </p:cNvPr>
+          <p:cNvGraphicFramePr>
+            <a:graphicFrameLocks/>
+          </p:cNvGraphicFramePr>
+          <p:nvPr>
+            <p:extLst>
+              <p:ext uri="{D42A27DB-BD31-4B8C-83A1-F6EECF244321}">
+                <p14:modId xmlns:p14="http://schemas.microsoft.com/office/powerpoint/2010/main" val="3050910171"/>
+              </p:ext>
+            </p:extLst>
+          </p:nvPr>
+        </p:nvGraphicFramePr>
+        <p:xfrm>
+          <a:off x="1024128" y="1965827"/>
+          <a:ext cx="10143743" cy="4448225"/>
+        </p:xfrm>
+        <a:graphic>
+          <a:graphicData uri="http://schemas.openxmlformats.org/drawingml/2006/chart">
+            <c:chart xmlns:c="http://schemas.openxmlformats.org/drawingml/2006/chart" xmlns:r="http://schemas.openxmlformats.org/officeDocument/2006/relationships" r:id="rId3"/>
+          </a:graphicData>
+        </a:graphic>
+      </p:graphicFrame>
     </p:spTree>
     <p:extLst>
       <p:ext uri="{BB962C8B-B14F-4D97-AF65-F5344CB8AC3E}">
-        <p14:creationId xmlns:p14="http://schemas.microsoft.com/office/powerpoint/2010/main" val="395292449"/>
+        <p14:creationId xmlns:p14="http://schemas.microsoft.com/office/powerpoint/2010/main" val="3893090786"/>
       </p:ext>
     </p:extLst>
   </p:cSld>
@@ -3941,109 +6741,78 @@
           <a:p>
             <a:pPr lvl="1"/>
             <a:r>
-              <a:rPr lang="ca-ES" sz="2400" dirty="0" err="1"/>
+              <a:rPr lang="en-GB" sz="2400" dirty="0"/>
               <a:t>Introduction</a:t>
             </a:r>
-            <a:endParaRPr lang="ca-ES" sz="2400" dirty="0"/>
           </a:p>
           <a:p>
             <a:pPr lvl="1"/>
             <a:r>
-              <a:rPr lang="ca-ES" sz="2400" dirty="0" err="1"/>
+              <a:rPr lang="en-GB" sz="2400" dirty="0"/>
               <a:t>Encoder</a:t>
             </a:r>
-            <a:endParaRPr lang="ca-ES" sz="2400" dirty="0"/>
           </a:p>
           <a:p>
             <a:pPr lvl="2"/>
             <a:r>
-              <a:rPr lang="ca-ES" sz="1800" dirty="0"/>
-              <a:t>Parcor </a:t>
-            </a:r>
-            <a:r>
-              <a:rPr lang="ca-ES" sz="1800" dirty="0" err="1"/>
-              <a:t>Values</a:t>
-            </a:r>
-            <a:endParaRPr lang="ca-ES" sz="1800" dirty="0"/>
+              <a:rPr lang="en-GB" sz="1800" dirty="0"/>
+              <a:t>Parcor Values</a:t>
+            </a:r>
           </a:p>
           <a:p>
             <a:pPr lvl="2"/>
             <a:r>
-              <a:rPr lang="ca-ES" sz="1800" dirty="0" err="1"/>
-              <a:t>Quantify</a:t>
-            </a:r>
-            <a:r>
-              <a:rPr lang="ca-ES" sz="1800" dirty="0"/>
-              <a:t> + </a:t>
-            </a:r>
-            <a:r>
-              <a:rPr lang="ca-ES" sz="1800" dirty="0" err="1"/>
+              <a:rPr lang="en-GB" sz="1800" dirty="0"/>
+              <a:t>Quantify + </a:t>
+            </a:r>
+            <a:r>
+              <a:rPr lang="en-GB" sz="1800" dirty="0" err="1"/>
               <a:t>Dequantify</a:t>
             </a:r>
-            <a:endParaRPr lang="ca-ES" sz="1800" dirty="0"/>
+            <a:endParaRPr lang="en-GB" sz="1800" dirty="0"/>
           </a:p>
           <a:p>
             <a:pPr lvl="2"/>
             <a:r>
-              <a:rPr lang="ca-ES" sz="1800" dirty="0"/>
+              <a:rPr lang="en-GB" sz="1800" dirty="0"/>
               <a:t>Parcor to LPC + Predictor</a:t>
             </a:r>
           </a:p>
           <a:p>
             <a:pPr lvl="2"/>
             <a:r>
-              <a:rPr lang="ca-ES" sz="1800" dirty="0" err="1"/>
-              <a:t>Golomb</a:t>
-            </a:r>
-            <a:r>
-              <a:rPr lang="ca-ES" sz="1800" dirty="0"/>
-              <a:t> Rice </a:t>
-            </a:r>
-            <a:r>
-              <a:rPr lang="ca-ES" sz="1800" dirty="0" err="1"/>
-              <a:t>Coding</a:t>
-            </a:r>
-            <a:endParaRPr lang="ca-ES" sz="1800" dirty="0"/>
+              <a:rPr lang="en-GB" sz="1800" dirty="0"/>
+              <a:t>Golomb Rice Coding</a:t>
+            </a:r>
           </a:p>
           <a:p>
             <a:pPr lvl="1"/>
             <a:r>
-              <a:rPr lang="ca-ES" sz="2400" dirty="0" err="1"/>
+              <a:rPr lang="en-GB" sz="2400" dirty="0"/>
               <a:t>Decoder</a:t>
             </a:r>
-            <a:endParaRPr lang="ca-ES" sz="2400" dirty="0"/>
           </a:p>
           <a:p>
             <a:pPr lvl="2"/>
             <a:r>
-              <a:rPr lang="ca-ES" sz="1800" dirty="0" err="1"/>
-              <a:t>Golomb</a:t>
-            </a:r>
-            <a:r>
-              <a:rPr lang="ca-ES" sz="1800" dirty="0"/>
-              <a:t> Rice </a:t>
-            </a:r>
-            <a:r>
-              <a:rPr lang="ca-ES" sz="1800" dirty="0" err="1"/>
-              <a:t>Decoder</a:t>
-            </a:r>
-            <a:endParaRPr lang="ca-ES" sz="1800" dirty="0"/>
+              <a:rPr lang="en-GB" sz="1800" dirty="0"/>
+              <a:t>Golomb Rice Decoder</a:t>
+            </a:r>
           </a:p>
           <a:p>
             <a:pPr lvl="2"/>
             <a:r>
-              <a:rPr lang="ca-ES" sz="1800" dirty="0"/>
+              <a:rPr lang="en-GB" sz="1800" dirty="0"/>
               <a:t>Predictor</a:t>
             </a:r>
-            <a:endParaRPr lang="ca-ES" sz="2400" dirty="0"/>
+            <a:endParaRPr lang="en-GB" sz="2400" dirty="0"/>
           </a:p>
           <a:p>
             <a:pPr lvl="1"/>
             <a:r>
-              <a:rPr lang="ca-ES" sz="2400" dirty="0" err="1"/>
+              <a:rPr lang="en-GB" sz="2400" dirty="0"/>
               <a:t>Results</a:t>
             </a:r>
-            <a:endParaRPr lang="ca-ES" sz="2400" dirty="0"/>
           </a:p>
           <a:p>
             <a:pPr lvl="2"/>
@@ -4816,7 +7585,7 @@
           <a:p>
             <a:pPr lvl="2"/>
             <a:r>
-              <a:rPr lang="en-GB" sz="1800" dirty="0">
+              <a:rPr lang="en-GB" sz="2000" dirty="0">
                 <a:sym typeface="Wingdings" panose="05000000000000000000" pitchFamily="2" charset="2"/>
               </a:rPr>
               <a:t>Initialization</a:t>
@@ -4827,7 +7596,7 @@
               <a:buNone/>
             </a:pPr>
             <a:r>
-              <a:rPr lang="en-GB" sz="1800" dirty="0">
+              <a:rPr lang="en-GB" sz="2000" dirty="0">
                 <a:sym typeface="Wingdings" panose="05000000000000000000" pitchFamily="2" charset="2"/>
               </a:rPr>
               <a:t>	R(0) = R(0)*257/256  to stabilize the predicted values</a:t>
@@ -4836,7 +7605,7 @@
           <a:p>
             <a:pPr lvl="2"/>
             <a:r>
-              <a:rPr lang="en-GB" sz="1800" dirty="0">
+              <a:rPr lang="en-GB" sz="2000" dirty="0">
                 <a:sym typeface="Wingdings" panose="05000000000000000000" pitchFamily="2" charset="2"/>
               </a:rPr>
               <a:t>Iterate</a:t>
@@ -4950,8 +7719,8 @@
           </a:prstGeom>
         </p:spPr>
       </p:pic>
-      <mc:AlternateContent xmlns:mc="http://schemas.openxmlformats.org/markup-compatibility/2006">
-        <mc:Choice xmlns:a14="http://schemas.microsoft.com/office/drawing/2010/main" Requires="a14">
+      <mc:AlternateContent xmlns:mc="http://schemas.openxmlformats.org/markup-compatibility/2006" xmlns:a14="http://schemas.microsoft.com/office/drawing/2010/main">
+        <mc:Choice Requires="a14">
           <p:sp>
             <p:nvSpPr>
               <p:cNvPr id="4" name="Content Placeholder 3">
@@ -5185,7 +7954,7 @@
             </p:txBody>
           </p:sp>
         </mc:Choice>
-        <mc:Fallback>
+        <mc:Fallback xmlns="">
           <p:sp>
             <p:nvSpPr>
               <p:cNvPr id="4" name="Content Placeholder 3">
@@ -5992,18 +8761,9 @@
           <a:lstStyle/>
           <a:p>
             <a:r>
-              <a:rPr lang="en-GB" dirty="0" err="1"/>
-              <a:t>Golomb</a:t>
-            </a:r>
-            <a:r>
               <a:rPr lang="en-GB" dirty="0"/>
-              <a:t>-rice </a:t>
-            </a:r>
-            <a:r>
-              <a:rPr lang="en-GB" dirty="0" err="1"/>
-              <a:t>codER</a:t>
-            </a:r>
-            <a:endParaRPr lang="en-GB" dirty="0"/>
+              <a:t>Golomb-rice coder</a:t>
+            </a:r>
           </a:p>
         </p:txBody>
       </p:sp>
@@ -6622,10 +9382,10 @@
                       </m:sub>
                     </m:sSub>
                     <m:r>
-                      <a:rPr lang="en-GB" sz="2000" b="0" i="1" smtClean="0">
+                      <a:rPr lang="ca-ES" sz="2000" b="0" i="1" smtClean="0">
                         <a:latin typeface="Cambria Math" panose="02040503050406030204" pitchFamily="18" charset="0"/>
                       </a:rPr>
-                      <m:t>+</m:t>
+                      <m:t>−</m:t>
                     </m:r>
                     <m:r>
                       <a:rPr lang="en-GB" sz="2000" b="0" i="1" smtClean="0">
@@ -6860,8 +9620,8 @@
         </p:nvSpPr>
         <p:spPr>
           <a:xfrm>
-            <a:off x="10503568" y="548640"/>
-            <a:ext cx="664304" cy="618423"/>
+            <a:off x="10503568" y="476616"/>
+            <a:ext cx="664304" cy="650692"/>
           </a:xfrm>
           <a:prstGeom prst="rect">
             <a:avLst/>

--- a/MPEG 4-LosSeless audio coding.pptx
+++ b/MPEG 4-LosSeless audio coding.pptx
@@ -677,14 +677,14 @@
                   </a:defRPr>
                 </a:pPr>
                 <a:r>
-                  <a:rPr lang="en-US" sz="1800"/>
+                  <a:rPr lang="en-US" sz="1800" dirty="0"/>
                   <a:t>Predictor</a:t>
                 </a:r>
                 <a:r>
-                  <a:rPr lang="en-US" sz="1800" baseline="0"/>
+                  <a:rPr lang="en-US" sz="1800" baseline="0" dirty="0"/>
                   <a:t> Order</a:t>
                 </a:r>
-                <a:endParaRPr lang="en-US" sz="1800"/>
+                <a:endParaRPr lang="en-US" sz="1800" dirty="0"/>
               </a:p>
             </c:rich>
           </c:tx>
@@ -814,7 +814,7 @@
                 </a:pPr>
                 <a:r>
                   <a:rPr lang="en-GB" sz="1800" noProof="0" dirty="0"/>
-                  <a:t>Compression Ratio</a:t>
+                  <a:t>Compression Ratio (%)</a:t>
                 </a:r>
               </a:p>
             </c:rich>
@@ -4771,7 +4771,7 @@
           <a:p>
             <a:r>
               <a:rPr lang="ca-ES" dirty="0"/>
-              <a:t>MPEG 4-LosSeless </a:t>
+              <a:t>MPEG 4-LosSless </a:t>
             </a:r>
             <a:r>
               <a:rPr lang="en-GB" dirty="0"/>
@@ -4970,8 +4970,8 @@
           </a:p>
         </p:txBody>
       </p:sp>
-      <mc:AlternateContent xmlns:mc="http://schemas.openxmlformats.org/markup-compatibility/2006">
-        <mc:Choice xmlns:a14="http://schemas.microsoft.com/office/drawing/2010/main" Requires="a14">
+      <mc:AlternateContent xmlns:mc="http://schemas.openxmlformats.org/markup-compatibility/2006" xmlns:a14="http://schemas.microsoft.com/office/drawing/2010/main">
+        <mc:Choice Requires="a14">
           <p:sp>
             <p:nvSpPr>
               <p:cNvPr id="6" name="Content Placeholder 2">
@@ -5190,7 +5190,7 @@
             </p:txBody>
           </p:sp>
         </mc:Choice>
-        <mc:Fallback>
+        <mc:Fallback xmlns="">
           <p:sp>
             <p:nvSpPr>
               <p:cNvPr id="6" name="Content Placeholder 2">
@@ -5376,8 +5376,8 @@
           </a:p>
         </p:txBody>
       </p:sp>
-      <mc:AlternateContent xmlns:mc="http://schemas.openxmlformats.org/markup-compatibility/2006">
-        <mc:Choice xmlns:a14="http://schemas.microsoft.com/office/drawing/2010/main" Requires="a14">
+      <mc:AlternateContent xmlns:mc="http://schemas.openxmlformats.org/markup-compatibility/2006" xmlns:a14="http://schemas.microsoft.com/office/drawing/2010/main">
+        <mc:Choice Requires="a14">
           <p:sp>
             <p:nvSpPr>
               <p:cNvPr id="6" name="Content Placeholder 2">
@@ -5743,7 +5743,7 @@
             </p:txBody>
           </p:sp>
         </mc:Choice>
-        <mc:Fallback>
+        <mc:Fallback xmlns="">
           <p:sp>
             <p:nvSpPr>
               <p:cNvPr id="6" name="Content Placeholder 2">
@@ -6432,8 +6432,8 @@
           </a:p>
         </p:txBody>
       </p:sp>
-      <mc:AlternateContent xmlns:mc="http://schemas.openxmlformats.org/markup-compatibility/2006">
-        <mc:Choice xmlns:a14="http://schemas.microsoft.com/office/drawing/2010/main" Requires="a14">
+      <mc:AlternateContent xmlns:mc="http://schemas.openxmlformats.org/markup-compatibility/2006" xmlns:a14="http://schemas.microsoft.com/office/drawing/2010/main">
+        <mc:Choice Requires="a14">
           <p:sp>
             <p:nvSpPr>
               <p:cNvPr id="5" name="Content Placeholder 2">
@@ -6584,7 +6584,7 @@
             </p:txBody>
           </p:sp>
         </mc:Choice>
-        <mc:Fallback>
+        <mc:Fallback xmlns="">
           <p:sp>
             <p:nvSpPr>
               <p:cNvPr id="5" name="Content Placeholder 2">
@@ -6643,7 +6643,7 @@
           <p:nvPr>
             <p:extLst>
               <p:ext uri="{D42A27DB-BD31-4B8C-83A1-F6EECF244321}">
-                <p14:modId xmlns:p14="http://schemas.microsoft.com/office/powerpoint/2010/main" val="3050910171"/>
+                <p14:modId xmlns:p14="http://schemas.microsoft.com/office/powerpoint/2010/main" val="3036680789"/>
               </p:ext>
             </p:extLst>
           </p:nvPr>
@@ -6894,12 +6894,103 @@
             <p:ph idx="1"/>
           </p:nvPr>
         </p:nvSpPr>
-        <p:spPr/>
+        <p:spPr>
+          <a:xfrm>
+            <a:off x="550164" y="2249423"/>
+            <a:ext cx="10667999" cy="4217637"/>
+          </a:xfrm>
+        </p:spPr>
         <p:txBody>
-          <a:bodyPr/>
+          <a:bodyPr>
+            <a:normAutofit/>
+          </a:bodyPr>
           <a:lstStyle/>
           <a:p>
-            <a:endParaRPr lang="ca-ES" dirty="0"/>
+            <a:pPr marL="128016" lvl="1" indent="0">
+              <a:buNone/>
+            </a:pPr>
+            <a:r>
+              <a:rPr lang="en-GB" sz="2800" dirty="0"/>
+              <a:t>MPEG-4 ALS: an Emerging Standard for Lossless Audio Coding by Tilman </a:t>
+            </a:r>
+            <a:r>
+              <a:rPr lang="en-GB" sz="2800" dirty="0" err="1"/>
+              <a:t>Liebchen</a:t>
+            </a:r>
+            <a:r>
+              <a:rPr lang="en-GB" sz="2800" dirty="0"/>
+              <a:t> and </a:t>
+            </a:r>
+            <a:r>
+              <a:rPr lang="en-GB" sz="2800" dirty="0" err="1"/>
+              <a:t>Yuriy</a:t>
+            </a:r>
+            <a:r>
+              <a:rPr lang="en-GB" sz="2800" dirty="0"/>
+              <a:t> A. Reznik.</a:t>
+            </a:r>
+          </a:p>
+          <a:p>
+            <a:pPr lvl="1"/>
+            <a:r>
+              <a:rPr lang="en-GB" sz="2400" dirty="0"/>
+              <a:t>Many applications in recording and distribution of audio → Studio operations, collaborative work or music distribution over the Internet, etc.</a:t>
+            </a:r>
+          </a:p>
+          <a:p>
+            <a:pPr lvl="1"/>
+            <a:r>
+              <a:rPr lang="en-GB" sz="2400" dirty="0"/>
+              <a:t>Standard introduced in March 2003 </a:t>
+            </a:r>
+            <a:endParaRPr lang="ca-ES" sz="2000" dirty="0"/>
+          </a:p>
+          <a:p>
+            <a:pPr marL="310896" lvl="2" indent="0">
+              <a:buNone/>
+            </a:pPr>
+            <a:endParaRPr lang="ca-ES" sz="2000" b="1" dirty="0"/>
+          </a:p>
+          <a:p>
+            <a:pPr marL="310896" lvl="2" indent="0">
+              <a:buNone/>
+            </a:pPr>
+            <a:r>
+              <a:rPr lang="ca-ES" sz="2000" b="1" dirty="0"/>
+              <a:t>Objectives: </a:t>
+            </a:r>
+          </a:p>
+          <a:p>
+            <a:pPr lvl="3"/>
+            <a:r>
+              <a:rPr lang="en-GB" sz="2000" dirty="0"/>
+              <a:t>Provide lossless reconstruction of PCM audio signals at different sampling rates and word lengths</a:t>
+            </a:r>
+            <a:endParaRPr lang="en-GB" sz="2000" dirty="0">
+              <a:solidFill>
+                <a:schemeClr val="accent2">
+                  <a:lumMod val="75000"/>
+                </a:schemeClr>
+              </a:solidFill>
+            </a:endParaRPr>
+          </a:p>
+          <a:p>
+            <a:pPr lvl="3"/>
+            <a:r>
+              <a:rPr lang="en-GB" sz="2000" dirty="0"/>
+              <a:t>Achieve superior compression efficiency to other algorithms</a:t>
+            </a:r>
+          </a:p>
+          <a:p>
+            <a:pPr lvl="3"/>
+            <a:r>
+              <a:rPr lang="en-GB" sz="2000" dirty="0"/>
+              <a:t>Provide means for editing, manipulation and random access to the compressed audio</a:t>
+            </a:r>
+          </a:p>
+          <a:p>
+            <a:pPr lvl="1"/>
+            <a:endParaRPr lang="en-GB" sz="2000" dirty="0"/>
           </a:p>
         </p:txBody>
       </p:sp>
@@ -7599,7 +7690,17 @@
               <a:rPr lang="en-GB" sz="2000" dirty="0">
                 <a:sym typeface="Wingdings" panose="05000000000000000000" pitchFamily="2" charset="2"/>
               </a:rPr>
-              <a:t>	R(0) = R(0)*257/256  to stabilize the predicted values</a:t>
+              <a:t>	R(0) = R(0)*257/256 </a:t>
+            </a:r>
+            <a:r>
+              <a:rPr lang="ca-ES" sz="2000" dirty="0"/>
+              <a:t>→</a:t>
+            </a:r>
+            <a:r>
+              <a:rPr lang="en-GB" sz="2000" dirty="0">
+                <a:sym typeface="Wingdings" panose="05000000000000000000" pitchFamily="2" charset="2"/>
+              </a:rPr>
+              <a:t> to stabilize the predicted values</a:t>
             </a:r>
           </a:p>
           <a:p>
@@ -8767,8 +8868,8 @@
           </a:p>
         </p:txBody>
       </p:sp>
-      <mc:AlternateContent xmlns:mc="http://schemas.openxmlformats.org/markup-compatibility/2006">
-        <mc:Choice xmlns:a14="http://schemas.microsoft.com/office/drawing/2010/main" Requires="a14">
+      <mc:AlternateContent xmlns:mc="http://schemas.openxmlformats.org/markup-compatibility/2006" xmlns:a14="http://schemas.microsoft.com/office/drawing/2010/main">
+        <mc:Choice Requires="a14">
           <p:sp>
             <p:nvSpPr>
               <p:cNvPr id="3" name="Content Placeholder 2">
@@ -9439,7 +9540,7 @@
                 <a:pPr lvl="3"/>
                 <a:r>
                   <a:rPr lang="en-GB" sz="1800" dirty="0"/>
-                  <a:t>Remainder Code → Binary encoding using b bits </a:t>
+                  <a:t>Remainder code → Binary encoding using b bits </a:t>
                 </a:r>
                 <a14:m>
                   <m:oMath xmlns:m="http://schemas.openxmlformats.org/officeDocument/2006/math">
@@ -9532,7 +9633,7 @@
             </p:txBody>
           </p:sp>
         </mc:Choice>
-        <mc:Fallback>
+        <mc:Fallback xmlns="">
           <p:sp>
             <p:nvSpPr>
               <p:cNvPr id="3" name="Content Placeholder 2">

--- a/MPEG 4-LosSeless audio coding.pptx
+++ b/MPEG 4-LosSeless audio coding.pptx
@@ -202,7 +202,7 @@
     <c:plotArea>
       <c:layout/>
       <c:scatterChart>
-        <c:scatterStyle val="smoothMarker"/>
+        <c:scatterStyle val="lineMarker"/>
         <c:varyColors val="0"/>
         <c:ser>
           <c:idx val="0"/>
@@ -219,16 +219,29 @@
             </c:strRef>
           </c:tx>
           <c:spPr>
-            <a:ln w="57150" cap="rnd">
+            <a:ln w="25400" cap="rnd">
               <a:solidFill>
                 <a:schemeClr val="accent1"/>
               </a:solidFill>
+              <a:prstDash val="lgDash"/>
               <a:round/>
             </a:ln>
             <a:effectLst/>
           </c:spPr>
           <c:marker>
-            <c:symbol val="none"/>
+            <c:symbol val="circle"/>
+            <c:size val="5"/>
+            <c:spPr>
+              <a:solidFill>
+                <a:schemeClr val="accent1"/>
+              </a:solidFill>
+              <a:ln w="88900">
+                <a:solidFill>
+                  <a:schemeClr val="accent1"/>
+                </a:solidFill>
+              </a:ln>
+              <a:effectLst/>
+            </c:spPr>
           </c:marker>
           <c:xVal>
             <c:numRef>
@@ -278,7 +291,7 @@
               </c:numCache>
             </c:numRef>
           </c:yVal>
-          <c:smooth val="1"/>
+          <c:smooth val="0"/>
           <c:extLst>
             <c:ext xmlns:c16="http://schemas.microsoft.com/office/drawing/2014/chart" uri="{C3380CC4-5D6E-409C-BE32-E72D297353CC}">
               <c16:uniqueId val="{00000000-0AEF-450C-8290-928BAB006783}"/>
@@ -300,16 +313,29 @@
             </c:strRef>
           </c:tx>
           <c:spPr>
-            <a:ln w="57150" cap="rnd">
+            <a:ln w="25400" cap="rnd">
               <a:solidFill>
                 <a:schemeClr val="accent2"/>
               </a:solidFill>
+              <a:prstDash val="sysDash"/>
               <a:round/>
             </a:ln>
             <a:effectLst/>
           </c:spPr>
           <c:marker>
-            <c:symbol val="none"/>
+            <c:symbol val="circle"/>
+            <c:size val="5"/>
+            <c:spPr>
+              <a:solidFill>
+                <a:schemeClr val="accent2"/>
+              </a:solidFill>
+              <a:ln w="88900">
+                <a:solidFill>
+                  <a:schemeClr val="accent2"/>
+                </a:solidFill>
+              </a:ln>
+              <a:effectLst/>
+            </c:spPr>
           </c:marker>
           <c:xVal>
             <c:numRef>
@@ -359,7 +385,7 @@
               </c:numCache>
             </c:numRef>
           </c:yVal>
-          <c:smooth val="1"/>
+          <c:smooth val="0"/>
           <c:extLst>
             <c:ext xmlns:c16="http://schemas.microsoft.com/office/drawing/2014/chart" uri="{C3380CC4-5D6E-409C-BE32-E72D297353CC}">
               <c16:uniqueId val="{00000001-0AEF-450C-8290-928BAB006783}"/>
@@ -381,16 +407,29 @@
             </c:strRef>
           </c:tx>
           <c:spPr>
-            <a:ln w="57150" cap="rnd">
+            <a:ln w="25400" cap="rnd">
               <a:solidFill>
                 <a:schemeClr val="accent3"/>
               </a:solidFill>
+              <a:prstDash val="sysDot"/>
               <a:round/>
             </a:ln>
             <a:effectLst/>
           </c:spPr>
           <c:marker>
-            <c:symbol val="none"/>
+            <c:symbol val="circle"/>
+            <c:size val="5"/>
+            <c:spPr>
+              <a:solidFill>
+                <a:schemeClr val="accent3"/>
+              </a:solidFill>
+              <a:ln w="88900">
+                <a:solidFill>
+                  <a:schemeClr val="accent3"/>
+                </a:solidFill>
+              </a:ln>
+              <a:effectLst/>
+            </c:spPr>
           </c:marker>
           <c:xVal>
             <c:numRef>
@@ -440,7 +479,7 @@
               </c:numCache>
             </c:numRef>
           </c:yVal>
-          <c:smooth val="1"/>
+          <c:smooth val="0"/>
           <c:extLst>
             <c:ext xmlns:c16="http://schemas.microsoft.com/office/drawing/2014/chart" uri="{C3380CC4-5D6E-409C-BE32-E72D297353CC}">
               <c16:uniqueId val="{00000002-0AEF-450C-8290-928BAB006783}"/>
@@ -462,16 +501,29 @@
             </c:strRef>
           </c:tx>
           <c:spPr>
-            <a:ln w="57150" cap="rnd">
+            <a:ln w="25400" cap="rnd">
               <a:solidFill>
                 <a:schemeClr val="accent4"/>
               </a:solidFill>
+              <a:prstDash val="dash"/>
               <a:round/>
             </a:ln>
             <a:effectLst/>
           </c:spPr>
           <c:marker>
-            <c:symbol val="none"/>
+            <c:symbol val="circle"/>
+            <c:size val="5"/>
+            <c:spPr>
+              <a:solidFill>
+                <a:schemeClr val="accent4"/>
+              </a:solidFill>
+              <a:ln w="88900">
+                <a:solidFill>
+                  <a:schemeClr val="accent4"/>
+                </a:solidFill>
+              </a:ln>
+              <a:effectLst/>
+            </c:spPr>
           </c:marker>
           <c:xVal>
             <c:numRef>
@@ -521,7 +573,7 @@
               </c:numCache>
             </c:numRef>
           </c:yVal>
-          <c:smooth val="1"/>
+          <c:smooth val="0"/>
           <c:extLst>
             <c:ext xmlns:c16="http://schemas.microsoft.com/office/drawing/2014/chart" uri="{C3380CC4-5D6E-409C-BE32-E72D297353CC}">
               <c16:uniqueId val="{00000003-0AEF-450C-8290-928BAB006783}"/>
@@ -543,16 +595,29 @@
             </c:strRef>
           </c:tx>
           <c:spPr>
-            <a:ln w="57150" cap="rnd">
+            <a:ln w="25400" cap="rnd">
               <a:solidFill>
                 <a:schemeClr val="accent5"/>
               </a:solidFill>
+              <a:prstDash val="dashDot"/>
               <a:round/>
             </a:ln>
             <a:effectLst/>
           </c:spPr>
           <c:marker>
-            <c:symbol val="none"/>
+            <c:symbol val="circle"/>
+            <c:size val="5"/>
+            <c:spPr>
+              <a:solidFill>
+                <a:schemeClr val="accent5"/>
+              </a:solidFill>
+              <a:ln w="88900">
+                <a:solidFill>
+                  <a:schemeClr val="accent5"/>
+                </a:solidFill>
+              </a:ln>
+              <a:effectLst/>
+            </c:spPr>
           </c:marker>
           <c:xVal>
             <c:numRef>
@@ -602,7 +667,7 @@
               </c:numCache>
             </c:numRef>
           </c:yVal>
-          <c:smooth val="1"/>
+          <c:smooth val="0"/>
           <c:extLst>
             <c:ext xmlns:c16="http://schemas.microsoft.com/office/drawing/2014/chart" uri="{C3380CC4-5D6E-409C-BE32-E72D297353CC}">
               <c16:uniqueId val="{00000004-0AEF-450C-8290-928BAB006783}"/>
@@ -6643,7 +6708,7 @@
           <p:nvPr>
             <p:extLst>
               <p:ext uri="{D42A27DB-BD31-4B8C-83A1-F6EECF244321}">
-                <p14:modId xmlns:p14="http://schemas.microsoft.com/office/powerpoint/2010/main" val="3036680789"/>
+                <p14:modId xmlns:p14="http://schemas.microsoft.com/office/powerpoint/2010/main" val="1514015541"/>
               </p:ext>
             </p:extLst>
           </p:nvPr>

--- a/MPEG 4-LosSeless audio coding.pptx
+++ b/MPEG 4-LosSeless audio coding.pptx
@@ -219,29 +219,17 @@
             </c:strRef>
           </c:tx>
           <c:spPr>
-            <a:ln w="25400" cap="rnd">
+            <a:ln w="38100" cap="rnd">
               <a:solidFill>
                 <a:schemeClr val="accent1"/>
               </a:solidFill>
-              <a:prstDash val="lgDash"/>
+              <a:prstDash val="solid"/>
               <a:round/>
             </a:ln>
             <a:effectLst/>
           </c:spPr>
           <c:marker>
-            <c:symbol val="circle"/>
-            <c:size val="5"/>
-            <c:spPr>
-              <a:solidFill>
-                <a:schemeClr val="accent1"/>
-              </a:solidFill>
-              <a:ln w="88900">
-                <a:solidFill>
-                  <a:schemeClr val="accent1"/>
-                </a:solidFill>
-              </a:ln>
-              <a:effectLst/>
-            </c:spPr>
+            <c:symbol val="none"/>
           </c:marker>
           <c:xVal>
             <c:numRef>
@@ -313,29 +301,17 @@
             </c:strRef>
           </c:tx>
           <c:spPr>
-            <a:ln w="25400" cap="rnd">
+            <a:ln w="38100" cap="rnd">
               <a:solidFill>
                 <a:schemeClr val="accent2"/>
               </a:solidFill>
-              <a:prstDash val="sysDash"/>
+              <a:prstDash val="solid"/>
               <a:round/>
             </a:ln>
             <a:effectLst/>
           </c:spPr>
           <c:marker>
-            <c:symbol val="circle"/>
-            <c:size val="5"/>
-            <c:spPr>
-              <a:solidFill>
-                <a:schemeClr val="accent2"/>
-              </a:solidFill>
-              <a:ln w="88900">
-                <a:solidFill>
-                  <a:schemeClr val="accent2"/>
-                </a:solidFill>
-              </a:ln>
-              <a:effectLst/>
-            </c:spPr>
+            <c:symbol val="none"/>
           </c:marker>
           <c:xVal>
             <c:numRef>
@@ -407,29 +383,17 @@
             </c:strRef>
           </c:tx>
           <c:spPr>
-            <a:ln w="25400" cap="rnd">
+            <a:ln w="38100" cap="rnd">
               <a:solidFill>
                 <a:schemeClr val="accent3"/>
               </a:solidFill>
-              <a:prstDash val="sysDot"/>
+              <a:prstDash val="solid"/>
               <a:round/>
             </a:ln>
             <a:effectLst/>
           </c:spPr>
           <c:marker>
-            <c:symbol val="circle"/>
-            <c:size val="5"/>
-            <c:spPr>
-              <a:solidFill>
-                <a:schemeClr val="accent3"/>
-              </a:solidFill>
-              <a:ln w="88900">
-                <a:solidFill>
-                  <a:schemeClr val="accent3"/>
-                </a:solidFill>
-              </a:ln>
-              <a:effectLst/>
-            </c:spPr>
+            <c:symbol val="none"/>
           </c:marker>
           <c:xVal>
             <c:numRef>
@@ -501,29 +465,17 @@
             </c:strRef>
           </c:tx>
           <c:spPr>
-            <a:ln w="25400" cap="rnd">
+            <a:ln w="38100" cap="rnd">
               <a:solidFill>
                 <a:schemeClr val="accent4"/>
               </a:solidFill>
-              <a:prstDash val="dash"/>
+              <a:prstDash val="solid"/>
               <a:round/>
             </a:ln>
             <a:effectLst/>
           </c:spPr>
           <c:marker>
-            <c:symbol val="circle"/>
-            <c:size val="5"/>
-            <c:spPr>
-              <a:solidFill>
-                <a:schemeClr val="accent4"/>
-              </a:solidFill>
-              <a:ln w="88900">
-                <a:solidFill>
-                  <a:schemeClr val="accent4"/>
-                </a:solidFill>
-              </a:ln>
-              <a:effectLst/>
-            </c:spPr>
+            <c:symbol val="none"/>
           </c:marker>
           <c:xVal>
             <c:numRef>
@@ -595,29 +547,17 @@
             </c:strRef>
           </c:tx>
           <c:spPr>
-            <a:ln w="25400" cap="rnd">
+            <a:ln w="38100" cap="rnd">
               <a:solidFill>
                 <a:schemeClr val="accent5"/>
               </a:solidFill>
-              <a:prstDash val="dashDot"/>
+              <a:prstDash val="solid"/>
               <a:round/>
             </a:ln>
             <a:effectLst/>
           </c:spPr>
           <c:marker>
-            <c:symbol val="circle"/>
-            <c:size val="5"/>
-            <c:spPr>
-              <a:solidFill>
-                <a:schemeClr val="accent5"/>
-              </a:solidFill>
-              <a:ln w="88900">
-                <a:solidFill>
-                  <a:schemeClr val="accent5"/>
-                </a:solidFill>
-              </a:ln>
-              <a:effectLst/>
-            </c:spPr>
+            <c:symbol val="none"/>
           </c:marker>
           <c:xVal>
             <c:numRef>
@@ -6708,7 +6648,7 @@
           <p:nvPr>
             <p:extLst>
               <p:ext uri="{D42A27DB-BD31-4B8C-83A1-F6EECF244321}">
-                <p14:modId xmlns:p14="http://schemas.microsoft.com/office/powerpoint/2010/main" val="1514015541"/>
+                <p14:modId xmlns:p14="http://schemas.microsoft.com/office/powerpoint/2010/main" val="1399999872"/>
               </p:ext>
             </p:extLst>
           </p:nvPr>

--- a/MPEG 4-LosSeless audio coding.pptx
+++ b/MPEG 4-LosSeless audio coding.pptx
@@ -10,14 +10,19 @@
     <p:sldId id="258" r:id="rId4"/>
     <p:sldId id="259" r:id="rId5"/>
     <p:sldId id="262" r:id="rId6"/>
-    <p:sldId id="266" r:id="rId7"/>
-    <p:sldId id="264" r:id="rId8"/>
-    <p:sldId id="267" r:id="rId9"/>
-    <p:sldId id="260" r:id="rId10"/>
-    <p:sldId id="268" r:id="rId11"/>
-    <p:sldId id="269" r:id="rId12"/>
-    <p:sldId id="261" r:id="rId13"/>
-    <p:sldId id="270" r:id="rId14"/>
+    <p:sldId id="272" r:id="rId7"/>
+    <p:sldId id="266" r:id="rId8"/>
+    <p:sldId id="264" r:id="rId9"/>
+    <p:sldId id="271" r:id="rId10"/>
+    <p:sldId id="273" r:id="rId11"/>
+    <p:sldId id="274" r:id="rId12"/>
+    <p:sldId id="267" r:id="rId13"/>
+    <p:sldId id="260" r:id="rId14"/>
+    <p:sldId id="268" r:id="rId15"/>
+    <p:sldId id="269" r:id="rId16"/>
+    <p:sldId id="261" r:id="rId17"/>
+    <p:sldId id="270" r:id="rId18"/>
+    <p:sldId id="275" r:id="rId19"/>
   </p:sldIdLst>
   <p:sldSz cx="12192000" cy="6858000"/>
   <p:notesSz cx="6858000" cy="9144000"/>
@@ -1707,7 +1712,7 @@
             <a:fld id="{96DFF08F-DC6B-4601-B491-B0F83F6DD2DA}" type="datetimeFigureOut">
               <a:rPr lang="en-US" dirty="0"/>
               <a:pPr/>
-              <a:t>4/15/2018</a:t>
+              <a:t>4/16/2018</a:t>
             </a:fld>
             <a:endParaRPr lang="en-US" dirty="0"/>
           </a:p>
@@ -1907,7 +1912,7 @@
           <a:p>
             <a:fld id="{96DFF08F-DC6B-4601-B491-B0F83F6DD2DA}" type="datetimeFigureOut">
               <a:rPr lang="en-US" dirty="0"/>
-              <a:t>4/15/2018</a:t>
+              <a:t>4/16/2018</a:t>
             </a:fld>
             <a:endParaRPr lang="en-US" dirty="0"/>
           </a:p>
@@ -2082,7 +2087,7 @@
           <a:p>
             <a:fld id="{96DFF08F-DC6B-4601-B491-B0F83F6DD2DA}" type="datetimeFigureOut">
               <a:rPr lang="en-US" dirty="0"/>
-              <a:t>4/15/2018</a:t>
+              <a:t>4/16/2018</a:t>
             </a:fld>
             <a:endParaRPr lang="en-US" dirty="0"/>
           </a:p>
@@ -2282,7 +2287,7 @@
           <a:p>
             <a:fld id="{96DFF08F-DC6B-4601-B491-B0F83F6DD2DA}" type="datetimeFigureOut">
               <a:rPr lang="en-US" dirty="0"/>
-              <a:t>4/15/2018</a:t>
+              <a:t>4/16/2018</a:t>
             </a:fld>
             <a:endParaRPr lang="en-US" dirty="0"/>
           </a:p>
@@ -2572,7 +2577,7 @@
           <a:p>
             <a:fld id="{96DFF08F-DC6B-4601-B491-B0F83F6DD2DA}" type="datetimeFigureOut">
               <a:rPr lang="en-US" dirty="0"/>
-              <a:t>4/15/2018</a:t>
+              <a:t>4/16/2018</a:t>
             </a:fld>
             <a:endParaRPr lang="en-US" dirty="0"/>
           </a:p>
@@ -2839,7 +2844,7 @@
           <a:p>
             <a:fld id="{96DFF08F-DC6B-4601-B491-B0F83F6DD2DA}" type="datetimeFigureOut">
               <a:rPr lang="en-US" dirty="0"/>
-              <a:t>4/15/2018</a:t>
+              <a:t>4/16/2018</a:t>
             </a:fld>
             <a:endParaRPr lang="en-US" dirty="0"/>
           </a:p>
@@ -3241,7 +3246,7 @@
           <a:p>
             <a:fld id="{96DFF08F-DC6B-4601-B491-B0F83F6DD2DA}" type="datetimeFigureOut">
               <a:rPr lang="en-US" dirty="0"/>
-              <a:t>4/15/2018</a:t>
+              <a:t>4/16/2018</a:t>
             </a:fld>
             <a:endParaRPr lang="en-US" dirty="0"/>
           </a:p>
@@ -3354,7 +3359,7 @@
           <a:p>
             <a:fld id="{96DFF08F-DC6B-4601-B491-B0F83F6DD2DA}" type="datetimeFigureOut">
               <a:rPr lang="en-US" dirty="0"/>
-              <a:t>4/15/2018</a:t>
+              <a:t>4/16/2018</a:t>
             </a:fld>
             <a:endParaRPr lang="en-US" dirty="0"/>
           </a:p>
@@ -3444,7 +3449,7 @@
           <a:p>
             <a:fld id="{96DFF08F-DC6B-4601-B491-B0F83F6DD2DA}" type="datetimeFigureOut">
               <a:rPr lang="en-US" dirty="0"/>
-              <a:t>4/15/2018</a:t>
+              <a:t>4/16/2018</a:t>
             </a:fld>
             <a:endParaRPr lang="en-US" dirty="0"/>
           </a:p>
@@ -3729,7 +3734,7 @@
           <a:p>
             <a:fld id="{96DFF08F-DC6B-4601-B491-B0F83F6DD2DA}" type="datetimeFigureOut">
               <a:rPr lang="en-US" dirty="0"/>
-              <a:t>4/15/2018</a:t>
+              <a:t>4/16/2018</a:t>
             </a:fld>
             <a:endParaRPr lang="en-US" dirty="0"/>
           </a:p>
@@ -4004,7 +4009,7 @@
           <a:p>
             <a:fld id="{C7616CA0-919D-4A49-9C8A-62FDFB3A5183}" type="datetimeFigureOut">
               <a:rPr lang="en-US" dirty="0"/>
-              <a:t>4/15/2018</a:t>
+              <a:t>4/16/2018</a:t>
             </a:fld>
             <a:endParaRPr lang="en-US" dirty="0"/>
           </a:p>
@@ -4250,7 +4255,7 @@
             <a:fld id="{96DFF08F-DC6B-4601-B491-B0F83F6DD2DA}" type="datetimeFigureOut">
               <a:rPr lang="en-US" dirty="0"/>
               <a:pPr/>
-              <a:t>4/15/2018</a:t>
+              <a:t>4/16/2018</a:t>
             </a:fld>
             <a:endParaRPr lang="en-US" dirty="0"/>
           </a:p>
@@ -4868,7 +4873,7 @@
           <p:cNvPr id="2" name="Title 1">
             <a:extLst>
               <a:ext uri="{FF2B5EF4-FFF2-40B4-BE49-F238E27FC236}">
-                <a16:creationId xmlns:a16="http://schemas.microsoft.com/office/drawing/2014/main" id="{F2C63845-C16E-450C-AE50-D535830C19F4}"/>
+                <a16:creationId xmlns:a16="http://schemas.microsoft.com/office/drawing/2014/main" id="{E8F36247-F1C5-480D-B46E-5E015BFF9167}"/>
               </a:ext>
             </a:extLst>
           </p:cNvPr>
@@ -4886,17 +4891,46 @@
           <a:p>
             <a:r>
               <a:rPr lang="en-GB" dirty="0"/>
-              <a:t>GOLOMB-RICE DECODER</a:t>
+              <a:t>Predicted waveform – ORDER 8</a:t>
             </a:r>
           </a:p>
         </p:txBody>
       </p:sp>
       <p:pic>
         <p:nvPicPr>
-          <p:cNvPr id="4" name="Content Placeholder 6">
+          <p:cNvPr id="4" name="Picture 3">
             <a:extLst>
               <a:ext uri="{FF2B5EF4-FFF2-40B4-BE49-F238E27FC236}">
-                <a16:creationId xmlns:a16="http://schemas.microsoft.com/office/drawing/2014/main" id="{E196837F-04CC-4507-9C5B-F448640F20DB}"/>
+                <a16:creationId xmlns:a16="http://schemas.microsoft.com/office/drawing/2014/main" id="{F26E6B17-20E5-481A-AAA5-463A3B812942}"/>
+              </a:ext>
+            </a:extLst>
+          </p:cNvPr>
+          <p:cNvPicPr>
+            <a:picLocks noChangeAspect="1"/>
+          </p:cNvPicPr>
+          <p:nvPr/>
+        </p:nvPicPr>
+        <p:blipFill rotWithShape="1">
+          <a:blip r:embed="rId2"/>
+          <a:srcRect b="3035"/>
+          <a:stretch/>
+        </p:blipFill>
+        <p:spPr>
+          <a:xfrm>
+            <a:off x="0" y="1702285"/>
+            <a:ext cx="8216153" cy="5155715"/>
+          </a:xfrm>
+          <a:prstGeom prst="rect">
+            <a:avLst/>
+          </a:prstGeom>
+        </p:spPr>
+      </p:pic>
+      <p:pic>
+        <p:nvPicPr>
+          <p:cNvPr id="6" name="Picture 5">
+            <a:extLst>
+              <a:ext uri="{FF2B5EF4-FFF2-40B4-BE49-F238E27FC236}">
+                <a16:creationId xmlns:a16="http://schemas.microsoft.com/office/drawing/2014/main" id="{88F8E010-D478-45F4-BBF2-7B4C0E8B908B}"/>
               </a:ext>
             </a:extLst>
           </p:cNvPr>
@@ -4906,15 +4940,15 @@
           <p:nvPr/>
         </p:nvPicPr>
         <p:blipFill>
-          <a:blip r:embed="rId2"/>
+          <a:blip r:embed="rId3"/>
           <a:stretch>
             <a:fillRect/>
           </a:stretch>
         </p:blipFill>
         <p:spPr>
           <a:xfrm>
-            <a:off x="8054992" y="232033"/>
-            <a:ext cx="3854311" cy="1654488"/>
+            <a:off x="7903280" y="2467534"/>
+            <a:ext cx="3577963" cy="3106271"/>
           </a:xfrm>
           <a:prstGeom prst="rect">
             <a:avLst/>
@@ -4923,10 +4957,10 @@
       </p:pic>
       <p:sp>
         <p:nvSpPr>
-          <p:cNvPr id="5" name="Rectangle 4">
+          <p:cNvPr id="7" name="Rectangle 6">
             <a:extLst>
               <a:ext uri="{FF2B5EF4-FFF2-40B4-BE49-F238E27FC236}">
-                <a16:creationId xmlns:a16="http://schemas.microsoft.com/office/drawing/2014/main" id="{BF9BD0FF-FF06-419F-A129-9AD80E83CBDF}"/>
+                <a16:creationId xmlns:a16="http://schemas.microsoft.com/office/drawing/2014/main" id="{F9333D5C-5913-46C6-B037-6F3C033B70FE}"/>
               </a:ext>
             </a:extLst>
           </p:cNvPr>
@@ -4935,14 +4969,14 @@
         </p:nvSpPr>
         <p:spPr>
           <a:xfrm>
-            <a:off x="8966316" y="548640"/>
-            <a:ext cx="664304" cy="710317"/>
+            <a:off x="5607423" y="2770093"/>
+            <a:ext cx="1855694" cy="1264024"/>
           </a:xfrm>
           <a:prstGeom prst="rect">
             <a:avLst/>
           </a:prstGeom>
           <a:noFill/>
-          <a:ln w="76200">
+          <a:ln w="57150">
             <a:solidFill>
               <a:schemeClr val="accent2">
                 <a:lumMod val="75000"/>
@@ -4971,278 +5005,14 @@
           <a:lstStyle/>
           <a:p>
             <a:pPr algn="ctr"/>
-            <a:endParaRPr lang="ca-ES"/>
+            <a:endParaRPr lang="en-GB"/>
           </a:p>
         </p:txBody>
       </p:sp>
-      <mc:AlternateContent xmlns:mc="http://schemas.openxmlformats.org/markup-compatibility/2006" xmlns:a14="http://schemas.microsoft.com/office/drawing/2010/main">
-        <mc:Choice Requires="a14">
-          <p:sp>
-            <p:nvSpPr>
-              <p:cNvPr id="6" name="Content Placeholder 2">
-                <a:extLst>
-                  <a:ext uri="{FF2B5EF4-FFF2-40B4-BE49-F238E27FC236}">
-                    <a16:creationId xmlns:a16="http://schemas.microsoft.com/office/drawing/2014/main" id="{34D22F2E-B3E5-4FDF-82FC-99E31FBEFC0D}"/>
-                  </a:ext>
-                </a:extLst>
-              </p:cNvPr>
-              <p:cNvSpPr>
-                <a:spLocks noGrp="1"/>
-              </p:cNvSpPr>
-              <p:nvPr>
-                <p:ph idx="1"/>
-              </p:nvPr>
-            </p:nvSpPr>
-            <p:spPr>
-              <a:xfrm>
-                <a:off x="1024128" y="2286000"/>
-                <a:ext cx="10598377" cy="4023360"/>
-              </a:xfrm>
-            </p:spPr>
-            <p:txBody>
-              <a:bodyPr>
-                <a:normAutofit/>
-              </a:bodyPr>
-              <a:lstStyle/>
-              <a:p>
-                <a:pPr lvl="1"/>
-                <a:r>
-                  <a:rPr lang="en-GB" sz="2800" dirty="0"/>
-                  <a:t> Get </a:t>
-                </a:r>
-                <a:r>
-                  <a:rPr lang="en-GB" sz="2800" i="1" dirty="0">
-                    <a:solidFill>
-                      <a:schemeClr val="accent2">
-                        <a:lumMod val="75000"/>
-                      </a:schemeClr>
-                    </a:solidFill>
-                  </a:rPr>
-                  <a:t>m</a:t>
-                </a:r>
-                <a:r>
-                  <a:rPr lang="en-GB" sz="2800" dirty="0"/>
-                  <a:t> as side information</a:t>
-                </a:r>
-              </a:p>
-              <a:p>
-                <a:pPr lvl="1"/>
-                <a:r>
-                  <a:rPr lang="en-GB" sz="2800" dirty="0"/>
-                  <a:t> Splits codeword getting </a:t>
-                </a:r>
-                <a:r>
-                  <a:rPr lang="en-GB" sz="2800" i="1" dirty="0">
-                    <a:solidFill>
-                      <a:schemeClr val="accent2">
-                        <a:lumMod val="75000"/>
-                      </a:schemeClr>
-                    </a:solidFill>
-                  </a:rPr>
-                  <a:t>q</a:t>
-                </a:r>
-                <a:r>
-                  <a:rPr lang="en-GB" sz="2800" dirty="0"/>
-                  <a:t> and</a:t>
-                </a:r>
-                <a:r>
-                  <a:rPr lang="en-GB" sz="2800" i="1" dirty="0"/>
-                  <a:t> </a:t>
-                </a:r>
-                <a:r>
-                  <a:rPr lang="en-GB" sz="2800" i="1" dirty="0">
-                    <a:solidFill>
-                      <a:schemeClr val="accent2">
-                        <a:lumMod val="75000"/>
-                      </a:schemeClr>
-                    </a:solidFill>
-                  </a:rPr>
-                  <a:t>rem</a:t>
-                </a:r>
-                <a:r>
-                  <a:rPr lang="en-GB" sz="2800" i="1" dirty="0"/>
-                  <a:t>.</a:t>
-                </a:r>
-              </a:p>
-              <a:p>
-                <a:pPr lvl="2"/>
-                <a:r>
-                  <a:rPr lang="en-GB" sz="2400" dirty="0"/>
-                  <a:t>As we know </a:t>
-                </a:r>
-                <a:r>
-                  <a:rPr lang="en-GB" sz="2400" i="1" dirty="0">
-                    <a:solidFill>
-                      <a:schemeClr val="accent2">
-                        <a:lumMod val="75000"/>
-                      </a:schemeClr>
-                    </a:solidFill>
-                  </a:rPr>
-                  <a:t>m</a:t>
-                </a:r>
-                <a:r>
-                  <a:rPr lang="en-GB" sz="2400" dirty="0"/>
-                  <a:t> we know how many bits </a:t>
-                </a:r>
-                <a:r>
-                  <a:rPr lang="en-GB" sz="2400" i="1" dirty="0">
-                    <a:solidFill>
-                      <a:schemeClr val="accent2">
-                        <a:lumMod val="75000"/>
-                      </a:schemeClr>
-                    </a:solidFill>
-                  </a:rPr>
-                  <a:t>rem</a:t>
-                </a:r>
-                <a:r>
-                  <a:rPr lang="en-GB" sz="2400" dirty="0"/>
-                  <a:t> has.</a:t>
-                </a:r>
-              </a:p>
-              <a:p>
-                <a:pPr lvl="2"/>
-                <a:r>
-                  <a:rPr lang="en-GB" sz="2400" dirty="0"/>
-                  <a:t>We get </a:t>
-                </a:r>
-                <a:r>
-                  <a:rPr lang="en-GB" sz="2400" i="1" dirty="0">
-                    <a:solidFill>
-                      <a:schemeClr val="accent2">
-                        <a:lumMod val="75000"/>
-                      </a:schemeClr>
-                    </a:solidFill>
-                  </a:rPr>
-                  <a:t>q</a:t>
-                </a:r>
-                <a:r>
-                  <a:rPr lang="en-GB" sz="2400" dirty="0"/>
-                  <a:t> counting 1 until we find a 0.  </a:t>
-                </a:r>
-              </a:p>
-              <a:p>
-                <a:pPr lvl="1"/>
-                <a:r>
-                  <a:rPr lang="en-GB" sz="2800" i="1" dirty="0"/>
-                  <a:t> </a:t>
-                </a:r>
-                <a:r>
-                  <a:rPr lang="en-GB" sz="2800" dirty="0"/>
-                  <a:t>Calculate residual → </a:t>
-                </a:r>
-                <a14:m>
-                  <m:oMath xmlns:m="http://schemas.openxmlformats.org/officeDocument/2006/math">
-                    <m:r>
-                      <a:rPr lang="ca-ES" sz="2000" b="0" i="1" smtClean="0">
-                        <a:latin typeface="Cambria Math" panose="02040503050406030204" pitchFamily="18" charset="0"/>
-                      </a:rPr>
-                      <m:t>𝑟𝑒𝑠</m:t>
-                    </m:r>
-                    <m:r>
-                      <a:rPr lang="ca-ES" sz="2000" b="0" i="1" smtClean="0">
-                        <a:latin typeface="Cambria Math" panose="02040503050406030204" pitchFamily="18" charset="0"/>
-                      </a:rPr>
-                      <m:t>=</m:t>
-                    </m:r>
-                    <m:r>
-                      <a:rPr lang="ca-ES" sz="2000" b="0" i="1" smtClean="0">
-                        <a:latin typeface="Cambria Math" panose="02040503050406030204" pitchFamily="18" charset="0"/>
-                      </a:rPr>
-                      <m:t>𝑞</m:t>
-                    </m:r>
-                    <m:r>
-                      <a:rPr lang="ca-ES" sz="2000" b="0" i="1" smtClean="0">
-                        <a:latin typeface="Cambria Math" panose="02040503050406030204" pitchFamily="18" charset="0"/>
-                      </a:rPr>
-                      <m:t>+</m:t>
-                    </m:r>
-                    <m:r>
-                      <a:rPr lang="ca-ES" sz="2000" b="0" i="1" smtClean="0">
-                        <a:latin typeface="Cambria Math" panose="02040503050406030204" pitchFamily="18" charset="0"/>
-                      </a:rPr>
-                      <m:t>𝑟𝑒𝑚</m:t>
-                    </m:r>
-                    <m:r>
-                      <a:rPr lang="ca-ES" sz="2000" b="0" i="1" smtClean="0">
-                        <a:latin typeface="Cambria Math" panose="02040503050406030204" pitchFamily="18" charset="0"/>
-                      </a:rPr>
-                      <m:t> ∙</m:t>
-                    </m:r>
-                    <m:r>
-                      <a:rPr lang="ca-ES" sz="2000" b="0" i="1" smtClean="0">
-                        <a:latin typeface="Cambria Math" panose="02040503050406030204" pitchFamily="18" charset="0"/>
-                        <a:ea typeface="Cambria Math" panose="02040503050406030204" pitchFamily="18" charset="0"/>
-                      </a:rPr>
-                      <m:t>𝑚</m:t>
-                    </m:r>
-                  </m:oMath>
-                </a14:m>
-                <a:endParaRPr lang="ca-ES" sz="2000" b="0" dirty="0">
-                  <a:ea typeface="Cambria Math" panose="02040503050406030204" pitchFamily="18" charset="0"/>
-                </a:endParaRPr>
-              </a:p>
-              <a:p>
-                <a:pPr lvl="1"/>
-                <a:r>
-                  <a:rPr lang="en-GB" sz="2800" dirty="0"/>
-                  <a:t> Split negative and positive values. </a:t>
-                </a:r>
-              </a:p>
-              <a:p>
-                <a:pPr lvl="1"/>
-                <a:endParaRPr lang="ca-ES" sz="2800" dirty="0"/>
-              </a:p>
-            </p:txBody>
-          </p:sp>
-        </mc:Choice>
-        <mc:Fallback xmlns="">
-          <p:sp>
-            <p:nvSpPr>
-              <p:cNvPr id="6" name="Content Placeholder 2">
-                <a:extLst>
-                  <a:ext uri="{FF2B5EF4-FFF2-40B4-BE49-F238E27FC236}">
-                    <a16:creationId xmlns:a16="http://schemas.microsoft.com/office/drawing/2014/main" id="{34D22F2E-B3E5-4FDF-82FC-99E31FBEFC0D}"/>
-                  </a:ext>
-                </a:extLst>
-              </p:cNvPr>
-              <p:cNvSpPr>
-                <a:spLocks noGrp="1" noRot="1" noChangeAspect="1" noMove="1" noResize="1" noEditPoints="1" noAdjustHandles="1" noChangeArrowheads="1" noChangeShapeType="1" noTextEdit="1"/>
-              </p:cNvSpPr>
-              <p:nvPr>
-                <p:ph idx="1"/>
-              </p:nvPr>
-            </p:nvSpPr>
-            <p:spPr>
-              <a:xfrm>
-                <a:off x="1024128" y="2286000"/>
-                <a:ext cx="10598377" cy="4023360"/>
-              </a:xfrm>
-              <a:blipFill>
-                <a:blip r:embed="rId3"/>
-                <a:stretch>
-                  <a:fillRect l="-288" t="-2576"/>
-                </a:stretch>
-              </a:blipFill>
-            </p:spPr>
-            <p:txBody>
-              <a:bodyPr/>
-              <a:lstStyle/>
-              <a:p>
-                <a:r>
-                  <a:rPr lang="en-GB">
-                    <a:noFill/>
-                  </a:rPr>
-                  <a:t> </a:t>
-                </a:r>
-              </a:p>
-            </p:txBody>
-          </p:sp>
-        </mc:Fallback>
-      </mc:AlternateContent>
     </p:spTree>
     <p:extLst>
       <p:ext uri="{BB962C8B-B14F-4D97-AF65-F5344CB8AC3E}">
-        <p14:creationId xmlns:p14="http://schemas.microsoft.com/office/powerpoint/2010/main" val="1500930611"/>
+        <p14:creationId xmlns:p14="http://schemas.microsoft.com/office/powerpoint/2010/main" val="2988576251"/>
       </p:ext>
     </p:extLst>
   </p:cSld>
@@ -5274,7 +5044,7 @@
           <p:cNvPr id="2" name="Title 1">
             <a:extLst>
               <a:ext uri="{FF2B5EF4-FFF2-40B4-BE49-F238E27FC236}">
-                <a16:creationId xmlns:a16="http://schemas.microsoft.com/office/drawing/2014/main" id="{8998864A-4002-4E24-A186-2EBA4AA121D2}"/>
+                <a16:creationId xmlns:a16="http://schemas.microsoft.com/office/drawing/2014/main" id="{E8F36247-F1C5-480D-B46E-5E015BFF9167}"/>
               </a:ext>
             </a:extLst>
           </p:cNvPr>
@@ -5292,17 +5062,46 @@
           <a:p>
             <a:r>
               <a:rPr lang="en-GB" dirty="0"/>
-              <a:t>Predictor</a:t>
+              <a:t>Predicted waveform – ORDER 12</a:t>
             </a:r>
           </a:p>
         </p:txBody>
       </p:sp>
       <p:pic>
         <p:nvPicPr>
-          <p:cNvPr id="4" name="Content Placeholder 6">
+          <p:cNvPr id="4" name="Picture 3">
             <a:extLst>
               <a:ext uri="{FF2B5EF4-FFF2-40B4-BE49-F238E27FC236}">
-                <a16:creationId xmlns:a16="http://schemas.microsoft.com/office/drawing/2014/main" id="{18A5E99D-37A2-470B-9145-B8CBF29CB88D}"/>
+                <a16:creationId xmlns:a16="http://schemas.microsoft.com/office/drawing/2014/main" id="{D0B26053-C729-4356-9B0F-33F24CE2B513}"/>
+              </a:ext>
+            </a:extLst>
+          </p:cNvPr>
+          <p:cNvPicPr>
+            <a:picLocks noChangeAspect="1"/>
+          </p:cNvPicPr>
+          <p:nvPr/>
+        </p:nvPicPr>
+        <p:blipFill rotWithShape="1">
+          <a:blip r:embed="rId2"/>
+          <a:srcRect l="7730" t="3192" r="5913" b="6174"/>
+          <a:stretch/>
+        </p:blipFill>
+        <p:spPr>
+          <a:xfrm>
+            <a:off x="600637" y="1748117"/>
+            <a:ext cx="7265894" cy="4935072"/>
+          </a:xfrm>
+          <a:prstGeom prst="rect">
+            <a:avLst/>
+          </a:prstGeom>
+        </p:spPr>
+      </p:pic>
+      <p:pic>
+        <p:nvPicPr>
+          <p:cNvPr id="7" name="Picture 6">
+            <a:extLst>
+              <a:ext uri="{FF2B5EF4-FFF2-40B4-BE49-F238E27FC236}">
+                <a16:creationId xmlns:a16="http://schemas.microsoft.com/office/drawing/2014/main" id="{F358B5D7-9747-4297-93AA-64E33BDF501E}"/>
               </a:ext>
             </a:extLst>
           </p:cNvPr>
@@ -5312,15 +5111,15 @@
           <p:nvPr/>
         </p:nvPicPr>
         <p:blipFill>
-          <a:blip r:embed="rId2"/>
+          <a:blip r:embed="rId3"/>
           <a:stretch>
             <a:fillRect/>
           </a:stretch>
         </p:blipFill>
         <p:spPr>
           <a:xfrm>
-            <a:off x="8054992" y="271790"/>
-            <a:ext cx="3854311" cy="1654488"/>
+            <a:off x="7866531" y="2201789"/>
+            <a:ext cx="3975423" cy="3284612"/>
           </a:xfrm>
           <a:prstGeom prst="rect">
             <a:avLst/>
@@ -5329,10 +5128,10 @@
       </p:pic>
       <p:sp>
         <p:nvSpPr>
-          <p:cNvPr id="5" name="Rectangle 4">
+          <p:cNvPr id="8" name="Rectangle 7">
             <a:extLst>
               <a:ext uri="{FF2B5EF4-FFF2-40B4-BE49-F238E27FC236}">
-                <a16:creationId xmlns:a16="http://schemas.microsoft.com/office/drawing/2014/main" id="{2FAEDA04-500D-4ABF-91FD-06931A50CCAA}"/>
+                <a16:creationId xmlns:a16="http://schemas.microsoft.com/office/drawing/2014/main" id="{8595F1DC-E3AC-45CE-AAC4-72AE8930D660}"/>
               </a:ext>
             </a:extLst>
           </p:cNvPr>
@@ -5341,14 +5140,14 @@
         </p:nvSpPr>
         <p:spPr>
           <a:xfrm>
-            <a:off x="9672642" y="548640"/>
-            <a:ext cx="1976019" cy="710317"/>
+            <a:off x="5714999" y="2770093"/>
+            <a:ext cx="1855694" cy="1264024"/>
           </a:xfrm>
           <a:prstGeom prst="rect">
             <a:avLst/>
           </a:prstGeom>
           <a:noFill/>
-          <a:ln w="76200">
+          <a:ln w="57150">
             <a:solidFill>
               <a:schemeClr val="accent2">
                 <a:lumMod val="75000"/>
@@ -5377,425 +5176,14 @@
           <a:lstStyle/>
           <a:p>
             <a:pPr algn="ctr"/>
-            <a:endParaRPr lang="ca-ES"/>
+            <a:endParaRPr lang="en-GB"/>
           </a:p>
         </p:txBody>
       </p:sp>
-      <mc:AlternateContent xmlns:mc="http://schemas.openxmlformats.org/markup-compatibility/2006" xmlns:a14="http://schemas.microsoft.com/office/drawing/2010/main">
-        <mc:Choice Requires="a14">
-          <p:sp>
-            <p:nvSpPr>
-              <p:cNvPr id="6" name="Content Placeholder 2">
-                <a:extLst>
-                  <a:ext uri="{FF2B5EF4-FFF2-40B4-BE49-F238E27FC236}">
-                    <a16:creationId xmlns:a16="http://schemas.microsoft.com/office/drawing/2014/main" id="{95338637-33D7-4F5E-AE9E-33C6E170C18F}"/>
-                  </a:ext>
-                </a:extLst>
-              </p:cNvPr>
-              <p:cNvSpPr>
-                <a:spLocks noGrp="1"/>
-              </p:cNvSpPr>
-              <p:nvPr>
-                <p:ph idx="1"/>
-              </p:nvPr>
-            </p:nvSpPr>
-            <p:spPr>
-              <a:xfrm>
-                <a:off x="1024128" y="2286000"/>
-                <a:ext cx="10598377" cy="4023360"/>
-              </a:xfrm>
-            </p:spPr>
-            <p:txBody>
-              <a:bodyPr>
-                <a:normAutofit/>
-              </a:bodyPr>
-              <a:lstStyle/>
-              <a:p>
-                <a:pPr lvl="1"/>
-                <a:r>
-                  <a:rPr lang="en-GB" sz="2800" dirty="0"/>
-                  <a:t> It does the same as the predictor in the coder but with the main difference that input values update for each iteration. </a:t>
-                </a:r>
-              </a:p>
-              <a:p>
-                <a:pPr lvl="1"/>
-                <a:endParaRPr lang="en-GB" sz="2800" dirty="0"/>
-              </a:p>
-              <a:p>
-                <a:pPr marL="128016" lvl="1" indent="0">
-                  <a:buNone/>
-                </a:pPr>
-                <a14:m>
-                  <m:oMathPara xmlns:m="http://schemas.openxmlformats.org/officeDocument/2006/math">
-                    <m:oMathParaPr>
-                      <m:jc m:val="centerGroup"/>
-                    </m:oMathParaPr>
-                    <m:oMath xmlns:m="http://schemas.openxmlformats.org/officeDocument/2006/math">
-                      <m:sSub>
-                        <m:sSubPr>
-                          <m:ctrlPr>
-                            <a:rPr lang="ca-ES" sz="2800" b="0" i="1" smtClean="0">
-                              <a:latin typeface="Cambria Math" panose="02040503050406030204" pitchFamily="18" charset="0"/>
-                            </a:rPr>
-                          </m:ctrlPr>
-                        </m:sSubPr>
-                        <m:e>
-                          <m:acc>
-                            <m:accPr>
-                              <m:chr m:val="̂"/>
-                              <m:ctrlPr>
-                                <a:rPr lang="ca-ES" sz="2800" b="0" i="1" smtClean="0">
-                                  <a:latin typeface="Cambria Math" panose="02040503050406030204" pitchFamily="18" charset="0"/>
-                                </a:rPr>
-                              </m:ctrlPr>
-                            </m:accPr>
-                            <m:e>
-                              <m:r>
-                                <a:rPr lang="ca-ES" sz="2800" b="0" i="1" smtClean="0">
-                                  <a:latin typeface="Cambria Math" panose="02040503050406030204" pitchFamily="18" charset="0"/>
-                                </a:rPr>
-                                <m:t>𝑥</m:t>
-                              </m:r>
-                            </m:e>
-                          </m:acc>
-                        </m:e>
-                        <m:sub>
-                          <m:r>
-                            <a:rPr lang="ca-ES" sz="2800" b="0" i="1" smtClean="0">
-                              <a:latin typeface="Cambria Math" panose="02040503050406030204" pitchFamily="18" charset="0"/>
-                            </a:rPr>
-                            <m:t>𝑖</m:t>
-                          </m:r>
-                        </m:sub>
-                      </m:sSub>
-                      <m:r>
-                        <a:rPr lang="ca-ES" sz="2800" b="0" i="1" smtClean="0">
-                          <a:latin typeface="Cambria Math" panose="02040503050406030204" pitchFamily="18" charset="0"/>
-                        </a:rPr>
-                        <m:t>=</m:t>
-                      </m:r>
-                      <m:sSub>
-                        <m:sSubPr>
-                          <m:ctrlPr>
-                            <a:rPr lang="ca-ES" sz="2800" b="0" i="1" smtClean="0">
-                              <a:latin typeface="Cambria Math" panose="02040503050406030204" pitchFamily="18" charset="0"/>
-                            </a:rPr>
-                          </m:ctrlPr>
-                        </m:sSubPr>
-                        <m:e>
-                          <m:r>
-                            <a:rPr lang="ca-ES" sz="2800" b="0" i="1" smtClean="0">
-                              <a:latin typeface="Cambria Math" panose="02040503050406030204" pitchFamily="18" charset="0"/>
-                            </a:rPr>
-                            <m:t>𝑟</m:t>
-                          </m:r>
-                        </m:e>
-                        <m:sub>
-                          <m:r>
-                            <a:rPr lang="ca-ES" sz="2800" b="0" i="1" smtClean="0">
-                              <a:latin typeface="Cambria Math" panose="02040503050406030204" pitchFamily="18" charset="0"/>
-                            </a:rPr>
-                            <m:t>𝑖</m:t>
-                          </m:r>
-                        </m:sub>
-                      </m:sSub>
-                      <m:r>
-                        <a:rPr lang="ca-ES" sz="2800" b="0" i="1" smtClean="0">
-                          <a:latin typeface="Cambria Math" panose="02040503050406030204" pitchFamily="18" charset="0"/>
-                        </a:rPr>
-                        <m:t> −</m:t>
-                      </m:r>
-                      <m:d>
-                        <m:dPr>
-                          <m:begChr m:val="⌊"/>
-                          <m:endChr m:val="⌋"/>
-                          <m:ctrlPr>
-                            <a:rPr lang="pt-BR" sz="2800" i="1">
-                              <a:latin typeface="Cambria Math" panose="02040503050406030204" pitchFamily="18" charset="0"/>
-                            </a:rPr>
-                          </m:ctrlPr>
-                        </m:dPr>
-                        <m:e>
-                          <m:nary>
-                            <m:naryPr>
-                              <m:chr m:val="∑"/>
-                              <m:ctrlPr>
-                                <a:rPr lang="pt-BR" sz="2800" i="1">
-                                  <a:latin typeface="Cambria Math" panose="02040503050406030204" pitchFamily="18" charset="0"/>
-                                </a:rPr>
-                              </m:ctrlPr>
-                            </m:naryPr>
-                            <m:sub>
-                              <m:r>
-                                <a:rPr lang="pt-BR" sz="2800" i="1">
-                                  <a:latin typeface="Cambria Math" panose="02040503050406030204" pitchFamily="18" charset="0"/>
-                                </a:rPr>
-                                <m:t>𝑘</m:t>
-                              </m:r>
-                              <m:r>
-                                <a:rPr lang="pt-BR" sz="2800" i="1">
-                                  <a:latin typeface="Cambria Math" panose="02040503050406030204" pitchFamily="18" charset="0"/>
-                                </a:rPr>
-                                <m:t>=1</m:t>
-                              </m:r>
-                            </m:sub>
-                            <m:sup>
-                              <m:r>
-                                <a:rPr lang="ca-ES" sz="2800" i="1">
-                                  <a:latin typeface="Cambria Math" panose="02040503050406030204" pitchFamily="18" charset="0"/>
-                                </a:rPr>
-                                <m:t>𝑝</m:t>
-                              </m:r>
-                            </m:sup>
-                            <m:e>
-                              <m:sSub>
-                                <m:sSubPr>
-                                  <m:ctrlPr>
-                                    <a:rPr lang="ca-ES" sz="2800" i="1">
-                                      <a:latin typeface="Cambria Math" panose="02040503050406030204" pitchFamily="18" charset="0"/>
-                                    </a:rPr>
-                                  </m:ctrlPr>
-                                </m:sSubPr>
-                                <m:e>
-                                  <m:r>
-                                    <a:rPr lang="ca-ES" sz="2800" i="1">
-                                      <a:latin typeface="Cambria Math" panose="02040503050406030204" pitchFamily="18" charset="0"/>
-                                    </a:rPr>
-                                    <m:t>𝑎</m:t>
-                                  </m:r>
-                                </m:e>
-                                <m:sub>
-                                  <m:r>
-                                    <a:rPr lang="ca-ES" sz="2800" i="1">
-                                      <a:latin typeface="Cambria Math" panose="02040503050406030204" pitchFamily="18" charset="0"/>
-                                    </a:rPr>
-                                    <m:t>𝑘</m:t>
-                                  </m:r>
-                                </m:sub>
-                              </m:sSub>
-                              <m:sSub>
-                                <m:sSubPr>
-                                  <m:ctrlPr>
-                                    <a:rPr lang="ca-ES" sz="2800" i="1">
-                                      <a:latin typeface="Cambria Math" panose="02040503050406030204" pitchFamily="18" charset="0"/>
-                                    </a:rPr>
-                                  </m:ctrlPr>
-                                </m:sSubPr>
-                                <m:e>
-                                  <m:r>
-                                    <a:rPr lang="ca-ES" sz="2800" b="0" i="1" smtClean="0">
-                                      <a:latin typeface="Cambria Math" panose="02040503050406030204" pitchFamily="18" charset="0"/>
-                                    </a:rPr>
-                                    <m:t>𝑥</m:t>
-                                  </m:r>
-                                </m:e>
-                                <m:sub>
-                                  <m:r>
-                                    <a:rPr lang="ca-ES" sz="2800" i="1">
-                                      <a:latin typeface="Cambria Math" panose="02040503050406030204" pitchFamily="18" charset="0"/>
-                                    </a:rPr>
-                                    <m:t>𝑖</m:t>
-                                  </m:r>
-                                  <m:r>
-                                    <a:rPr lang="ca-ES" sz="2800" i="1">
-                                      <a:latin typeface="Cambria Math" panose="02040503050406030204" pitchFamily="18" charset="0"/>
-                                    </a:rPr>
-                                    <m:t>−</m:t>
-                                  </m:r>
-                                  <m:r>
-                                    <a:rPr lang="ca-ES" sz="2800" i="1">
-                                      <a:latin typeface="Cambria Math" panose="02040503050406030204" pitchFamily="18" charset="0"/>
-                                    </a:rPr>
-                                    <m:t>𝑘</m:t>
-                                  </m:r>
-                                </m:sub>
-                              </m:sSub>
-                            </m:e>
-                          </m:nary>
-                        </m:e>
-                      </m:d>
-                    </m:oMath>
-                  </m:oMathPara>
-                </a14:m>
-                <a:endParaRPr lang="ca-ES" sz="2800" dirty="0"/>
-              </a:p>
-              <a:p>
-                <a:pPr marL="128016" lvl="1" indent="0">
-                  <a:buNone/>
-                </a:pPr>
-                <a:r>
-                  <a:rPr lang="ca-ES" sz="2800" dirty="0"/>
-                  <a:t>As </a:t>
-                </a:r>
-                <a:r>
-                  <a:rPr lang="ca-ES" sz="2800" dirty="0" err="1"/>
-                  <a:t>it</a:t>
-                </a:r>
-                <a:r>
-                  <a:rPr lang="ca-ES" sz="2800" dirty="0"/>
-                  <a:t> is </a:t>
-                </a:r>
-                <a:r>
-                  <a:rPr lang="ca-ES" sz="2800" dirty="0">
-                    <a:solidFill>
-                      <a:schemeClr val="accent2">
-                        <a:lumMod val="75000"/>
-                      </a:schemeClr>
-                    </a:solidFill>
-                  </a:rPr>
-                  <a:t>LOSSELESS</a:t>
-                </a:r>
-                <a:r>
-                  <a:rPr lang="ca-ES" sz="2800" dirty="0"/>
-                  <a:t>: </a:t>
-                </a:r>
-              </a:p>
-              <a:p>
-                <a:pPr marL="128016" lvl="1" indent="0">
-                  <a:buNone/>
-                </a:pPr>
-                <a14:m>
-                  <m:oMathPara xmlns:m="http://schemas.openxmlformats.org/officeDocument/2006/math">
-                    <m:oMathParaPr>
-                      <m:jc m:val="centerGroup"/>
-                    </m:oMathParaPr>
-                    <m:oMath xmlns:m="http://schemas.openxmlformats.org/officeDocument/2006/math">
-                      <m:sSub>
-                        <m:sSubPr>
-                          <m:ctrlPr>
-                            <a:rPr lang="ca-ES" sz="2800" b="0" i="1" smtClean="0">
-                              <a:latin typeface="Cambria Math" panose="02040503050406030204" pitchFamily="18" charset="0"/>
-                            </a:rPr>
-                          </m:ctrlPr>
-                        </m:sSubPr>
-                        <m:e>
-                          <m:acc>
-                            <m:accPr>
-                              <m:chr m:val="̂"/>
-                              <m:ctrlPr>
-                                <a:rPr lang="ca-ES" sz="2800" i="1" smtClean="0">
-                                  <a:latin typeface="Cambria Math" panose="02040503050406030204" pitchFamily="18" charset="0"/>
-                                </a:rPr>
-                              </m:ctrlPr>
-                            </m:accPr>
-                            <m:e>
-                              <m:r>
-                                <a:rPr lang="ca-ES" sz="2800" b="0" i="1" smtClean="0">
-                                  <a:latin typeface="Cambria Math" panose="02040503050406030204" pitchFamily="18" charset="0"/>
-                                </a:rPr>
-                                <m:t>𝑥</m:t>
-                              </m:r>
-                            </m:e>
-                          </m:acc>
-                        </m:e>
-                        <m:sub>
-                          <m:r>
-                            <a:rPr lang="ca-ES" sz="2800" b="0" i="1" smtClean="0">
-                              <a:latin typeface="Cambria Math" panose="02040503050406030204" pitchFamily="18" charset="0"/>
-                            </a:rPr>
-                            <m:t>𝑖</m:t>
-                          </m:r>
-                        </m:sub>
-                      </m:sSub>
-                      <m:r>
-                        <a:rPr lang="ca-ES" sz="2800" b="0" i="1" smtClean="0">
-                          <a:latin typeface="Cambria Math" panose="02040503050406030204" pitchFamily="18" charset="0"/>
-                        </a:rPr>
-                        <m:t>=</m:t>
-                      </m:r>
-                      <m:sSub>
-                        <m:sSubPr>
-                          <m:ctrlPr>
-                            <a:rPr lang="ca-ES" sz="2800" b="0" i="1" smtClean="0">
-                              <a:latin typeface="Cambria Math" panose="02040503050406030204" pitchFamily="18" charset="0"/>
-                            </a:rPr>
-                          </m:ctrlPr>
-                        </m:sSubPr>
-                        <m:e>
-                          <m:r>
-                            <a:rPr lang="ca-ES" sz="2800" b="0" i="1" smtClean="0">
-                              <a:latin typeface="Cambria Math" panose="02040503050406030204" pitchFamily="18" charset="0"/>
-                            </a:rPr>
-                            <m:t>𝑥</m:t>
-                          </m:r>
-                        </m:e>
-                        <m:sub>
-                          <m:r>
-                            <a:rPr lang="ca-ES" sz="2800" b="0" i="1" smtClean="0">
-                              <a:latin typeface="Cambria Math" panose="02040503050406030204" pitchFamily="18" charset="0"/>
-                            </a:rPr>
-                            <m:t>𝑖</m:t>
-                          </m:r>
-                        </m:sub>
-                      </m:sSub>
-                    </m:oMath>
-                  </m:oMathPara>
-                </a14:m>
-                <a:endParaRPr lang="ca-ES" sz="2800" b="0" dirty="0"/>
-              </a:p>
-              <a:p>
-                <a:pPr marL="128016" lvl="1" indent="0">
-                  <a:buNone/>
-                </a:pPr>
-                <a:endParaRPr lang="ca-ES" sz="2800" b="0" dirty="0"/>
-              </a:p>
-              <a:p>
-                <a:pPr marL="128016" lvl="1" indent="0">
-                  <a:buNone/>
-                </a:pPr>
-                <a:endParaRPr lang="ca-ES" sz="2800" dirty="0"/>
-              </a:p>
-            </p:txBody>
-          </p:sp>
-        </mc:Choice>
-        <mc:Fallback xmlns="">
-          <p:sp>
-            <p:nvSpPr>
-              <p:cNvPr id="6" name="Content Placeholder 2">
-                <a:extLst>
-                  <a:ext uri="{FF2B5EF4-FFF2-40B4-BE49-F238E27FC236}">
-                    <a16:creationId xmlns:a16="http://schemas.microsoft.com/office/drawing/2014/main" id="{95338637-33D7-4F5E-AE9E-33C6E170C18F}"/>
-                  </a:ext>
-                </a:extLst>
-              </p:cNvPr>
-              <p:cNvSpPr>
-                <a:spLocks noGrp="1" noRot="1" noChangeAspect="1" noMove="1" noResize="1" noEditPoints="1" noAdjustHandles="1" noChangeArrowheads="1" noChangeShapeType="1" noTextEdit="1"/>
-              </p:cNvSpPr>
-              <p:nvPr>
-                <p:ph idx="1"/>
-              </p:nvPr>
-            </p:nvSpPr>
-            <p:spPr>
-              <a:xfrm>
-                <a:off x="1024128" y="2286000"/>
-                <a:ext cx="10598377" cy="4023360"/>
-              </a:xfrm>
-              <a:blipFill>
-                <a:blip r:embed="rId3"/>
-                <a:stretch>
-                  <a:fillRect l="-403" t="-2576"/>
-                </a:stretch>
-              </a:blipFill>
-            </p:spPr>
-            <p:txBody>
-              <a:bodyPr/>
-              <a:lstStyle/>
-              <a:p>
-                <a:r>
-                  <a:rPr lang="en-GB">
-                    <a:noFill/>
-                  </a:rPr>
-                  <a:t> </a:t>
-                </a:r>
-              </a:p>
-            </p:txBody>
-          </p:sp>
-        </mc:Fallback>
-      </mc:AlternateContent>
     </p:spTree>
     <p:extLst>
       <p:ext uri="{BB962C8B-B14F-4D97-AF65-F5344CB8AC3E}">
-        <p14:creationId xmlns:p14="http://schemas.microsoft.com/office/powerpoint/2010/main" val="3115773046"/>
+        <p14:creationId xmlns:p14="http://schemas.microsoft.com/office/powerpoint/2010/main" val="2767755093"/>
       </p:ext>
     </p:extLst>
   </p:cSld>
@@ -5806,3029 +5194,6 @@
 </file>
 
 <file path=ppt/slides/slide12.xml><?xml version="1.0" encoding="utf-8"?>
-<p:sld xmlns:a="http://schemas.openxmlformats.org/drawingml/2006/main" xmlns:r="http://schemas.openxmlformats.org/officeDocument/2006/relationships" xmlns:p="http://schemas.openxmlformats.org/presentationml/2006/main">
-  <p:cSld>
-    <p:spTree>
-      <p:nvGrpSpPr>
-        <p:cNvPr id="1" name=""/>
-        <p:cNvGrpSpPr/>
-        <p:nvPr/>
-      </p:nvGrpSpPr>
-      <p:grpSpPr>
-        <a:xfrm>
-          <a:off x="0" y="0"/>
-          <a:ext cx="0" cy="0"/>
-          <a:chOff x="0" y="0"/>
-          <a:chExt cx="0" cy="0"/>
-        </a:xfrm>
-      </p:grpSpPr>
-      <p:sp>
-        <p:nvSpPr>
-          <p:cNvPr id="2" name="Title 1">
-            <a:extLst>
-              <a:ext uri="{FF2B5EF4-FFF2-40B4-BE49-F238E27FC236}">
-                <a16:creationId xmlns:a16="http://schemas.microsoft.com/office/drawing/2014/main" id="{3DA715D8-12C8-4C95-A92A-3B0D4A376944}"/>
-              </a:ext>
-            </a:extLst>
-          </p:cNvPr>
-          <p:cNvSpPr>
-            <a:spLocks noGrp="1"/>
-          </p:cNvSpPr>
-          <p:nvPr>
-            <p:ph type="title"/>
-          </p:nvPr>
-        </p:nvSpPr>
-        <p:spPr/>
-        <p:txBody>
-          <a:bodyPr/>
-          <a:lstStyle/>
-          <a:p>
-            <a:r>
-              <a:rPr lang="en-GB" dirty="0"/>
-              <a:t>results</a:t>
-            </a:r>
-          </a:p>
-        </p:txBody>
-      </p:sp>
-      <p:pic>
-        <p:nvPicPr>
-          <p:cNvPr id="10" name="Content Placeholder 9">
-            <a:extLst>
-              <a:ext uri="{FF2B5EF4-FFF2-40B4-BE49-F238E27FC236}">
-                <a16:creationId xmlns:a16="http://schemas.microsoft.com/office/drawing/2014/main" id="{7EB2189D-2E06-4B59-838A-98A8034FB9E2}"/>
-              </a:ext>
-            </a:extLst>
-          </p:cNvPr>
-          <p:cNvPicPr>
-            <a:picLocks noGrp="1" noChangeAspect="1"/>
-          </p:cNvPicPr>
-          <p:nvPr>
-            <p:ph idx="1"/>
-          </p:nvPr>
-        </p:nvPicPr>
-        <p:blipFill>
-          <a:blip r:embed="rId6"/>
-          <a:stretch>
-            <a:fillRect/>
-          </a:stretch>
-        </p:blipFill>
-        <p:spPr>
-          <a:xfrm>
-            <a:off x="1024128" y="1718277"/>
-            <a:ext cx="7796908" cy="4554507"/>
-          </a:xfrm>
-          <a:prstGeom prst="rect">
-            <a:avLst/>
-          </a:prstGeom>
-        </p:spPr>
-      </p:pic>
-      <p:pic>
-        <p:nvPicPr>
-          <p:cNvPr id="12" name="Sunshine_1">
-            <a:hlinkClick r:id="" action="ppaction://media"/>
-            <a:extLst>
-              <a:ext uri="{FF2B5EF4-FFF2-40B4-BE49-F238E27FC236}">
-                <a16:creationId xmlns:a16="http://schemas.microsoft.com/office/drawing/2014/main" id="{BCE6E012-D9B2-4B83-A816-4924E05197B4}"/>
-              </a:ext>
-            </a:extLst>
-          </p:cNvPr>
-          <p:cNvPicPr>
-            <a:picLocks noChangeAspect="1"/>
-          </p:cNvPicPr>
-          <p:nvPr>
-            <a:audioFile r:link="rId2"/>
-            <p:extLst>
-              <p:ext uri="{DAA4B4D4-6D71-4841-9C94-3DE7FCFB9230}">
-                <p14:media xmlns:p14="http://schemas.microsoft.com/office/powerpoint/2010/main" r:embed="rId1"/>
-              </p:ext>
-            </p:extLst>
-          </p:nvPr>
-        </p:nvPicPr>
-        <p:blipFill>
-          <a:blip r:embed="rId7"/>
-          <a:stretch>
-            <a:fillRect/>
-          </a:stretch>
-        </p:blipFill>
-        <p:spPr>
-          <a:xfrm>
-            <a:off x="10134600" y="2246708"/>
-            <a:ext cx="609600" cy="609600"/>
-          </a:xfrm>
-          <a:prstGeom prst="rect">
-            <a:avLst/>
-          </a:prstGeom>
-        </p:spPr>
-      </p:pic>
-      <p:pic>
-        <p:nvPicPr>
-          <p:cNvPr id="13" name="Dec_Sunshine_1">
-            <a:hlinkClick r:id="" action="ppaction://media"/>
-            <a:extLst>
-              <a:ext uri="{FF2B5EF4-FFF2-40B4-BE49-F238E27FC236}">
-                <a16:creationId xmlns:a16="http://schemas.microsoft.com/office/drawing/2014/main" id="{F0021A22-4A53-4473-A84A-532AC783BB7C}"/>
-              </a:ext>
-            </a:extLst>
-          </p:cNvPr>
-          <p:cNvPicPr>
-            <a:picLocks noChangeAspect="1"/>
-          </p:cNvPicPr>
-          <p:nvPr>
-            <a:audioFile r:link="rId4"/>
-            <p:extLst>
-              <p:ext uri="{DAA4B4D4-6D71-4841-9C94-3DE7FCFB9230}">
-                <p14:media xmlns:p14="http://schemas.microsoft.com/office/powerpoint/2010/main" r:embed="rId3"/>
-              </p:ext>
-            </p:extLst>
-          </p:nvPr>
-        </p:nvPicPr>
-        <p:blipFill>
-          <a:blip r:embed="rId7"/>
-          <a:stretch>
-            <a:fillRect/>
-          </a:stretch>
-        </p:blipFill>
-        <p:spPr>
-          <a:xfrm>
-            <a:off x="10134600" y="3627784"/>
-            <a:ext cx="609600" cy="609600"/>
-          </a:xfrm>
-          <a:prstGeom prst="rect">
-            <a:avLst/>
-          </a:prstGeom>
-        </p:spPr>
-      </p:pic>
-      <p:sp>
-        <p:nvSpPr>
-          <p:cNvPr id="14" name="Content Placeholder 2">
-            <a:extLst>
-              <a:ext uri="{FF2B5EF4-FFF2-40B4-BE49-F238E27FC236}">
-                <a16:creationId xmlns:a16="http://schemas.microsoft.com/office/drawing/2014/main" id="{E8454749-71F7-4AE4-A6F5-97D48C799012}"/>
-              </a:ext>
-            </a:extLst>
-          </p:cNvPr>
-          <p:cNvSpPr txBox="1">
-            <a:spLocks/>
-          </p:cNvSpPr>
-          <p:nvPr/>
-        </p:nvSpPr>
-        <p:spPr>
-          <a:xfrm>
-            <a:off x="8441635" y="708991"/>
-            <a:ext cx="3259112" cy="1225826"/>
-          </a:xfrm>
-          <a:prstGeom prst="rect">
-            <a:avLst/>
-          </a:prstGeom>
-        </p:spPr>
-        <p:txBody>
-          <a:bodyPr vert="horz" lIns="45720" tIns="45720" rIns="45720" bIns="45720" rtlCol="0">
-            <a:normAutofit/>
-          </a:bodyPr>
-          <a:lstStyle>
-            <a:lvl1pPr marL="91440" indent="-91440" algn="l" defTabSz="914400" rtl="0" eaLnBrk="1" latinLnBrk="0" hangingPunct="1">
-              <a:lnSpc>
-                <a:spcPct val="90000"/>
-              </a:lnSpc>
-              <a:spcBef>
-                <a:spcPts val="1200"/>
-              </a:spcBef>
-              <a:spcAft>
-                <a:spcPts val="200"/>
-              </a:spcAft>
-              <a:buClr>
-                <a:schemeClr val="accent2"/>
-              </a:buClr>
-              <a:buSzPct val="100000"/>
-              <a:buFont typeface="Tw Cen MT" panose="020B0602020104020603" pitchFamily="34" charset="0"/>
-              <a:buChar char=" "/>
-              <a:defRPr sz="2200" kern="1200">
-                <a:solidFill>
-                  <a:schemeClr val="tx1"/>
-                </a:solidFill>
-                <a:latin typeface="+mn-lt"/>
-                <a:ea typeface="+mn-ea"/>
-                <a:cs typeface="+mn-cs"/>
-              </a:defRPr>
-            </a:lvl1pPr>
-            <a:lvl2pPr marL="265176" indent="-137160" algn="l" defTabSz="914400" rtl="0" eaLnBrk="1" latinLnBrk="0" hangingPunct="1">
-              <a:lnSpc>
-                <a:spcPct val="90000"/>
-              </a:lnSpc>
-              <a:spcBef>
-                <a:spcPts val="200"/>
-              </a:spcBef>
-              <a:spcAft>
-                <a:spcPts val="400"/>
-              </a:spcAft>
-              <a:buClr>
-                <a:schemeClr val="accent2"/>
-              </a:buClr>
-              <a:buFont typeface="Wingdings 3" pitchFamily="18" charset="2"/>
-              <a:buChar char=""/>
-              <a:defRPr sz="1800" kern="1200">
-                <a:solidFill>
-                  <a:schemeClr val="tx1"/>
-                </a:solidFill>
-                <a:latin typeface="+mn-lt"/>
-                <a:ea typeface="+mn-ea"/>
-                <a:cs typeface="+mn-cs"/>
-              </a:defRPr>
-            </a:lvl2pPr>
-            <a:lvl3pPr marL="448056" indent="-137160" algn="l" defTabSz="914400" rtl="0" eaLnBrk="1" latinLnBrk="0" hangingPunct="1">
-              <a:lnSpc>
-                <a:spcPct val="90000"/>
-              </a:lnSpc>
-              <a:spcBef>
-                <a:spcPts val="200"/>
-              </a:spcBef>
-              <a:spcAft>
-                <a:spcPts val="400"/>
-              </a:spcAft>
-              <a:buClr>
-                <a:schemeClr val="accent2"/>
-              </a:buClr>
-              <a:buFont typeface="Wingdings 3" pitchFamily="18" charset="2"/>
-              <a:buChar char=""/>
-              <a:defRPr sz="1400" kern="1200">
-                <a:solidFill>
-                  <a:schemeClr val="tx1"/>
-                </a:solidFill>
-                <a:latin typeface="+mn-lt"/>
-                <a:ea typeface="+mn-ea"/>
-                <a:cs typeface="+mn-cs"/>
-              </a:defRPr>
-            </a:lvl3pPr>
-            <a:lvl4pPr marL="594360" indent="-137160" algn="l" defTabSz="914400" rtl="0" eaLnBrk="1" latinLnBrk="0" hangingPunct="1">
-              <a:lnSpc>
-                <a:spcPct val="90000"/>
-              </a:lnSpc>
-              <a:spcBef>
-                <a:spcPts val="200"/>
-              </a:spcBef>
-              <a:spcAft>
-                <a:spcPts val="400"/>
-              </a:spcAft>
-              <a:buClr>
-                <a:schemeClr val="accent2"/>
-              </a:buClr>
-              <a:buFont typeface="Wingdings 3" pitchFamily="18" charset="2"/>
-              <a:buChar char=""/>
-              <a:defRPr sz="1400" kern="1200">
-                <a:solidFill>
-                  <a:schemeClr val="tx1"/>
-                </a:solidFill>
-                <a:latin typeface="+mn-lt"/>
-                <a:ea typeface="+mn-ea"/>
-                <a:cs typeface="+mn-cs"/>
-              </a:defRPr>
-            </a:lvl4pPr>
-            <a:lvl5pPr marL="777240" indent="-137160" algn="l" defTabSz="914400" rtl="0" eaLnBrk="1" latinLnBrk="0" hangingPunct="1">
-              <a:lnSpc>
-                <a:spcPct val="90000"/>
-              </a:lnSpc>
-              <a:spcBef>
-                <a:spcPts val="200"/>
-              </a:spcBef>
-              <a:spcAft>
-                <a:spcPts val="400"/>
-              </a:spcAft>
-              <a:buClr>
-                <a:schemeClr val="accent2"/>
-              </a:buClr>
-              <a:buFont typeface="Wingdings 3" pitchFamily="18" charset="2"/>
-              <a:buChar char=""/>
-              <a:defRPr sz="1400" kern="1200">
-                <a:solidFill>
-                  <a:schemeClr val="tx1"/>
-                </a:solidFill>
-                <a:latin typeface="+mn-lt"/>
-                <a:ea typeface="+mn-ea"/>
-                <a:cs typeface="+mn-cs"/>
-              </a:defRPr>
-            </a:lvl5pPr>
-            <a:lvl6pPr marL="914400" indent="-137160" algn="l" defTabSz="914400" rtl="0" eaLnBrk="1" latinLnBrk="0" hangingPunct="1">
-              <a:lnSpc>
-                <a:spcPct val="90000"/>
-              </a:lnSpc>
-              <a:spcBef>
-                <a:spcPts val="200"/>
-              </a:spcBef>
-              <a:spcAft>
-                <a:spcPts val="400"/>
-              </a:spcAft>
-              <a:buClr>
-                <a:schemeClr val="accent2"/>
-              </a:buClr>
-              <a:buFont typeface="Wingdings 3" pitchFamily="18" charset="2"/>
-              <a:buChar char=""/>
-              <a:defRPr sz="1400" kern="1200">
-                <a:solidFill>
-                  <a:schemeClr val="tx1"/>
-                </a:solidFill>
-                <a:latin typeface="+mn-lt"/>
-                <a:ea typeface="+mn-ea"/>
-                <a:cs typeface="+mn-cs"/>
-              </a:defRPr>
-            </a:lvl6pPr>
-            <a:lvl7pPr marL="1060704" indent="-137160" algn="l" defTabSz="914400" rtl="0" eaLnBrk="1" latinLnBrk="0" hangingPunct="1">
-              <a:lnSpc>
-                <a:spcPct val="90000"/>
-              </a:lnSpc>
-              <a:spcBef>
-                <a:spcPts val="200"/>
-              </a:spcBef>
-              <a:spcAft>
-                <a:spcPts val="400"/>
-              </a:spcAft>
-              <a:buClr>
-                <a:schemeClr val="accent2"/>
-              </a:buClr>
-              <a:buFont typeface="Wingdings 3" pitchFamily="18" charset="2"/>
-              <a:buChar char=""/>
-              <a:defRPr sz="1400" kern="1200">
-                <a:solidFill>
-                  <a:schemeClr val="tx1"/>
-                </a:solidFill>
-                <a:latin typeface="+mn-lt"/>
-                <a:ea typeface="+mn-ea"/>
-                <a:cs typeface="+mn-cs"/>
-              </a:defRPr>
-            </a:lvl7pPr>
-            <a:lvl8pPr marL="1216152" indent="-137160" algn="l" defTabSz="914400" rtl="0" eaLnBrk="1" latinLnBrk="0" hangingPunct="1">
-              <a:lnSpc>
-                <a:spcPct val="90000"/>
-              </a:lnSpc>
-              <a:spcBef>
-                <a:spcPts val="200"/>
-              </a:spcBef>
-              <a:spcAft>
-                <a:spcPts val="400"/>
-              </a:spcAft>
-              <a:buClr>
-                <a:schemeClr val="accent2"/>
-              </a:buClr>
-              <a:buFont typeface="Wingdings 3" pitchFamily="18" charset="2"/>
-              <a:buChar char=""/>
-              <a:defRPr sz="1400" kern="1200">
-                <a:solidFill>
-                  <a:schemeClr val="tx1"/>
-                </a:solidFill>
-                <a:latin typeface="+mn-lt"/>
-                <a:ea typeface="+mn-ea"/>
-                <a:cs typeface="+mn-cs"/>
-              </a:defRPr>
-            </a:lvl8pPr>
-            <a:lvl9pPr marL="1362456" indent="-137160" algn="l" defTabSz="914400" rtl="0" eaLnBrk="1" latinLnBrk="0" hangingPunct="1">
-              <a:lnSpc>
-                <a:spcPct val="90000"/>
-              </a:lnSpc>
-              <a:spcBef>
-                <a:spcPts val="200"/>
-              </a:spcBef>
-              <a:spcAft>
-                <a:spcPts val="400"/>
-              </a:spcAft>
-              <a:buClr>
-                <a:schemeClr val="accent2"/>
-              </a:buClr>
-              <a:buFont typeface="Wingdings 3" pitchFamily="18" charset="2"/>
-              <a:buChar char=""/>
-              <a:defRPr sz="1400" kern="1200">
-                <a:solidFill>
-                  <a:schemeClr val="tx1"/>
-                </a:solidFill>
-                <a:latin typeface="+mn-lt"/>
-                <a:ea typeface="+mn-ea"/>
-                <a:cs typeface="+mn-cs"/>
-              </a:defRPr>
-            </a:lvl9pPr>
-          </a:lstStyle>
-          <a:p>
-            <a:pPr marL="128016" lvl="1" indent="0">
-              <a:buNone/>
-            </a:pPr>
-            <a:r>
-              <a:rPr lang="en-GB" dirty="0"/>
-              <a:t>Fragment:</a:t>
-            </a:r>
-          </a:p>
-          <a:p>
-            <a:pPr marL="128016" lvl="1" indent="0" algn="r">
-              <a:buNone/>
-            </a:pPr>
-            <a:r>
-              <a:rPr lang="en-GB" sz="1600" dirty="0"/>
-              <a:t>You Are The Sunshine Of My Life </a:t>
-            </a:r>
-          </a:p>
-          <a:p>
-            <a:pPr marL="128016" lvl="1" indent="0" algn="r">
-              <a:buNone/>
-            </a:pPr>
-            <a:r>
-              <a:rPr lang="en-GB" sz="1600" dirty="0"/>
-              <a:t>Stevie Wonder</a:t>
-            </a:r>
-            <a:endParaRPr lang="ca-ES" dirty="0"/>
-          </a:p>
-          <a:p>
-            <a:pPr marL="128016" lvl="1" indent="0">
-              <a:buFont typeface="Wingdings 3" pitchFamily="18" charset="2"/>
-              <a:buNone/>
-            </a:pPr>
-            <a:endParaRPr lang="ca-ES" sz="2800" dirty="0"/>
-          </a:p>
-        </p:txBody>
-      </p:sp>
-    </p:spTree>
-    <p:extLst>
-      <p:ext uri="{BB962C8B-B14F-4D97-AF65-F5344CB8AC3E}">
-        <p14:creationId xmlns:p14="http://schemas.microsoft.com/office/powerpoint/2010/main" val="395292449"/>
-      </p:ext>
-    </p:extLst>
-  </p:cSld>
-  <p:clrMapOvr>
-    <a:masterClrMapping/>
-  </p:clrMapOvr>
-  <p:timing>
-    <p:tnLst>
-      <p:par>
-        <p:cTn id="1" dur="indefinite" restart="never" nodeType="tmRoot">
-          <p:childTnLst>
-            <p:seq concurrent="1" nextAc="seek">
-              <p:cTn id="2" dur="indefinite" nodeType="mainSeq">
-                <p:childTnLst>
-                  <p:par>
-                    <p:cTn id="3" fill="hold">
-                      <p:stCondLst>
-                        <p:cond delay="indefinite"/>
-                      </p:stCondLst>
-                      <p:childTnLst>
-                        <p:par>
-                          <p:cTn id="4" fill="hold">
-                            <p:stCondLst>
-                              <p:cond delay="0"/>
-                            </p:stCondLst>
-                            <p:childTnLst>
-                              <p:par>
-                                <p:cTn id="5" presetID="1" presetClass="mediacall" presetSubtype="0" fill="hold" nodeType="clickEffect">
-                                  <p:stCondLst>
-                                    <p:cond delay="0"/>
-                                  </p:stCondLst>
-                                  <p:childTnLst>
-                                    <p:cmd type="call" cmd="playFrom(0.0)">
-                                      <p:cBhvr>
-                                        <p:cTn id="6" dur="10000" fill="hold"/>
-                                        <p:tgtEl>
-                                          <p:spTgt spid="12"/>
-                                        </p:tgtEl>
-                                      </p:cBhvr>
-                                    </p:cmd>
-                                  </p:childTnLst>
-                                </p:cTn>
-                              </p:par>
-                            </p:childTnLst>
-                          </p:cTn>
-                        </p:par>
-                      </p:childTnLst>
-                    </p:cTn>
-                  </p:par>
-                  <p:par>
-                    <p:cTn id="7" fill="hold">
-                      <p:stCondLst>
-                        <p:cond delay="indefinite"/>
-                      </p:stCondLst>
-                      <p:childTnLst>
-                        <p:par>
-                          <p:cTn id="8" fill="hold">
-                            <p:stCondLst>
-                              <p:cond delay="0"/>
-                            </p:stCondLst>
-                            <p:childTnLst>
-                              <p:par>
-                                <p:cTn id="9" presetID="1" presetClass="mediacall" presetSubtype="0" fill="hold" nodeType="clickEffect">
-                                  <p:stCondLst>
-                                    <p:cond delay="0"/>
-                                  </p:stCondLst>
-                                  <p:childTnLst>
-                                    <p:cmd type="call" cmd="playFrom(0.0)">
-                                      <p:cBhvr>
-                                        <p:cTn id="10" dur="10000" fill="hold"/>
-                                        <p:tgtEl>
-                                          <p:spTgt spid="13"/>
-                                        </p:tgtEl>
-                                      </p:cBhvr>
-                                    </p:cmd>
-                                  </p:childTnLst>
-                                </p:cTn>
-                              </p:par>
-                            </p:childTnLst>
-                          </p:cTn>
-                        </p:par>
-                      </p:childTnLst>
-                    </p:cTn>
-                  </p:par>
-                </p:childTnLst>
-              </p:cTn>
-              <p:prevCondLst>
-                <p:cond evt="onPrev" delay="0">
-                  <p:tgtEl>
-                    <p:sldTgt/>
-                  </p:tgtEl>
-                </p:cond>
-              </p:prevCondLst>
-              <p:nextCondLst>
-                <p:cond evt="onNext" delay="0">
-                  <p:tgtEl>
-                    <p:sldTgt/>
-                  </p:tgtEl>
-                </p:cond>
-              </p:nextCondLst>
-            </p:seq>
-            <p:audio>
-              <p:cMediaNode vol="80000">
-                <p:cTn id="11" fill="hold" display="0">
-                  <p:stCondLst>
-                    <p:cond delay="indefinite"/>
-                  </p:stCondLst>
-                  <p:endCondLst>
-                    <p:cond evt="onStopAudio" delay="0">
-                      <p:tgtEl>
-                        <p:sldTgt/>
-                      </p:tgtEl>
-                    </p:cond>
-                  </p:endCondLst>
-                </p:cTn>
-                <p:tgtEl>
-                  <p:spTgt spid="12"/>
-                </p:tgtEl>
-              </p:cMediaNode>
-            </p:audio>
-            <p:audio>
-              <p:cMediaNode vol="80000">
-                <p:cTn id="12" fill="hold" display="0">
-                  <p:stCondLst>
-                    <p:cond delay="indefinite"/>
-                  </p:stCondLst>
-                  <p:endCondLst>
-                    <p:cond evt="onStopAudio" delay="0">
-                      <p:tgtEl>
-                        <p:sldTgt/>
-                      </p:tgtEl>
-                    </p:cond>
-                  </p:endCondLst>
-                </p:cTn>
-                <p:tgtEl>
-                  <p:spTgt spid="13"/>
-                </p:tgtEl>
-              </p:cMediaNode>
-            </p:audio>
-          </p:childTnLst>
-        </p:cTn>
-      </p:par>
-    </p:tnLst>
-  </p:timing>
-</p:sld>
-</file>
-
-<file path=ppt/slides/slide13.xml><?xml version="1.0" encoding="utf-8"?>
-<p:sld xmlns:a="http://schemas.openxmlformats.org/drawingml/2006/main" xmlns:r="http://schemas.openxmlformats.org/officeDocument/2006/relationships" xmlns:p="http://schemas.openxmlformats.org/presentationml/2006/main">
-  <p:cSld>
-    <p:spTree>
-      <p:nvGrpSpPr>
-        <p:cNvPr id="1" name=""/>
-        <p:cNvGrpSpPr/>
-        <p:nvPr/>
-      </p:nvGrpSpPr>
-      <p:grpSpPr>
-        <a:xfrm>
-          <a:off x="0" y="0"/>
-          <a:ext cx="0" cy="0"/>
-          <a:chOff x="0" y="0"/>
-          <a:chExt cx="0" cy="0"/>
-        </a:xfrm>
-      </p:grpSpPr>
-      <p:sp>
-        <p:nvSpPr>
-          <p:cNvPr id="2" name="Title 1">
-            <a:extLst>
-              <a:ext uri="{FF2B5EF4-FFF2-40B4-BE49-F238E27FC236}">
-                <a16:creationId xmlns:a16="http://schemas.microsoft.com/office/drawing/2014/main" id="{3DA715D8-12C8-4C95-A92A-3B0D4A376944}"/>
-              </a:ext>
-            </a:extLst>
-          </p:cNvPr>
-          <p:cNvSpPr>
-            <a:spLocks noGrp="1"/>
-          </p:cNvSpPr>
-          <p:nvPr>
-            <p:ph type="title"/>
-          </p:nvPr>
-        </p:nvSpPr>
-        <p:spPr/>
-        <p:txBody>
-          <a:bodyPr/>
-          <a:lstStyle/>
-          <a:p>
-            <a:r>
-              <a:rPr lang="en-GB" dirty="0"/>
-              <a:t>results</a:t>
-            </a:r>
-          </a:p>
-        </p:txBody>
-      </p:sp>
-      <mc:AlternateContent xmlns:mc="http://schemas.openxmlformats.org/markup-compatibility/2006" xmlns:a14="http://schemas.microsoft.com/office/drawing/2010/main">
-        <mc:Choice Requires="a14">
-          <p:sp>
-            <p:nvSpPr>
-              <p:cNvPr id="5" name="Content Placeholder 2">
-                <a:extLst>
-                  <a:ext uri="{FF2B5EF4-FFF2-40B4-BE49-F238E27FC236}">
-                    <a16:creationId xmlns:a16="http://schemas.microsoft.com/office/drawing/2014/main" id="{860B51A3-14A7-4AD7-88C7-2CBA107B6A94}"/>
-                  </a:ext>
-                </a:extLst>
-              </p:cNvPr>
-              <p:cNvSpPr>
-                <a:spLocks noGrp="1"/>
-              </p:cNvSpPr>
-              <p:nvPr>
-                <p:ph idx="1"/>
-              </p:nvPr>
-            </p:nvSpPr>
-            <p:spPr>
-              <a:xfrm>
-                <a:off x="5884164" y="708991"/>
-                <a:ext cx="5816583" cy="1133061"/>
-              </a:xfrm>
-            </p:spPr>
-            <p:txBody>
-              <a:bodyPr>
-                <a:normAutofit/>
-              </a:bodyPr>
-              <a:lstStyle/>
-              <a:p>
-                <a:pPr lvl="1"/>
-                <a:r>
-                  <a:rPr lang="en-GB" sz="2400" dirty="0"/>
-                  <a:t>Original audio: 44.1 kHz / 16-bit</a:t>
-                </a:r>
-              </a:p>
-              <a:p>
-                <a:pPr lvl="1"/>
-                <a:r>
-                  <a:rPr lang="en-GB" sz="2400" dirty="0"/>
-                  <a:t>Compression ratio </a:t>
-                </a:r>
-                <a:r>
-                  <a:rPr lang="en-GB" sz="2800" dirty="0"/>
-                  <a:t>→ </a:t>
-                </a:r>
-                <a14:m>
-                  <m:oMath xmlns:m="http://schemas.openxmlformats.org/officeDocument/2006/math">
-                    <m:r>
-                      <a:rPr lang="ca-ES" sz="2000" b="0" i="1" smtClean="0">
-                        <a:latin typeface="Cambria Math" panose="02040503050406030204" pitchFamily="18" charset="0"/>
-                      </a:rPr>
-                      <m:t>𝐶</m:t>
-                    </m:r>
-                    <m:r>
-                      <a:rPr lang="ca-ES" sz="2000" b="0" i="1" smtClean="0">
-                        <a:latin typeface="Cambria Math" panose="02040503050406030204" pitchFamily="18" charset="0"/>
-                      </a:rPr>
-                      <m:t>= </m:t>
-                    </m:r>
-                    <m:f>
-                      <m:fPr>
-                        <m:ctrlPr>
-                          <a:rPr lang="ca-ES" sz="2000" b="0" i="1" smtClean="0">
-                            <a:latin typeface="Cambria Math" panose="02040503050406030204" pitchFamily="18" charset="0"/>
-                          </a:rPr>
-                        </m:ctrlPr>
-                      </m:fPr>
-                      <m:num>
-                        <m:r>
-                          <a:rPr lang="ca-ES" sz="2000" b="0" i="1" smtClean="0">
-                            <a:latin typeface="Cambria Math" panose="02040503050406030204" pitchFamily="18" charset="0"/>
-                          </a:rPr>
-                          <m:t>𝐶𝑜𝑚𝑝𝑟𝑒𝑠𝑠𝑒𝑑</m:t>
-                        </m:r>
-                        <m:r>
-                          <a:rPr lang="ca-ES" sz="2000" b="0" i="1" smtClean="0">
-                            <a:latin typeface="Cambria Math" panose="02040503050406030204" pitchFamily="18" charset="0"/>
-                          </a:rPr>
-                          <m:t> </m:t>
-                        </m:r>
-                        <m:r>
-                          <a:rPr lang="ca-ES" sz="2000" b="0" i="1" smtClean="0">
-                            <a:latin typeface="Cambria Math" panose="02040503050406030204" pitchFamily="18" charset="0"/>
-                          </a:rPr>
-                          <m:t>𝐹𝑖𝑙𝑒</m:t>
-                        </m:r>
-                        <m:r>
-                          <a:rPr lang="ca-ES" sz="2000" b="0" i="1" smtClean="0">
-                            <a:latin typeface="Cambria Math" panose="02040503050406030204" pitchFamily="18" charset="0"/>
-                          </a:rPr>
-                          <m:t> </m:t>
-                        </m:r>
-                        <m:r>
-                          <a:rPr lang="ca-ES" sz="2000" b="0" i="1" smtClean="0">
-                            <a:latin typeface="Cambria Math" panose="02040503050406030204" pitchFamily="18" charset="0"/>
-                          </a:rPr>
-                          <m:t>𝑆𝑖𝑧𝑒</m:t>
-                        </m:r>
-                      </m:num>
-                      <m:den>
-                        <m:r>
-                          <a:rPr lang="ca-ES" sz="2000" b="0" i="1" smtClean="0">
-                            <a:latin typeface="Cambria Math" panose="02040503050406030204" pitchFamily="18" charset="0"/>
-                          </a:rPr>
-                          <m:t>𝑂𝑟𝑖𝑔𝑖𝑛𝑎𝑙</m:t>
-                        </m:r>
-                        <m:r>
-                          <a:rPr lang="ca-ES" sz="2000" b="0" i="1" smtClean="0">
-                            <a:latin typeface="Cambria Math" panose="02040503050406030204" pitchFamily="18" charset="0"/>
-                          </a:rPr>
-                          <m:t> </m:t>
-                        </m:r>
-                        <m:r>
-                          <a:rPr lang="ca-ES" sz="2000" b="0" i="1" smtClean="0">
-                            <a:latin typeface="Cambria Math" panose="02040503050406030204" pitchFamily="18" charset="0"/>
-                          </a:rPr>
-                          <m:t>𝐹𝑖𝑙𝑒</m:t>
-                        </m:r>
-                        <m:r>
-                          <a:rPr lang="ca-ES" sz="2000" b="0" i="1" smtClean="0">
-                            <a:latin typeface="Cambria Math" panose="02040503050406030204" pitchFamily="18" charset="0"/>
-                          </a:rPr>
-                          <m:t> </m:t>
-                        </m:r>
-                        <m:r>
-                          <a:rPr lang="ca-ES" sz="2000" b="0" i="1" smtClean="0">
-                            <a:latin typeface="Cambria Math" panose="02040503050406030204" pitchFamily="18" charset="0"/>
-                          </a:rPr>
-                          <m:t>𝑆𝑖𝑧𝑒</m:t>
-                        </m:r>
-                      </m:den>
-                    </m:f>
-                  </m:oMath>
-                </a14:m>
-                <a:endParaRPr lang="ca-ES" sz="2800" b="0" dirty="0"/>
-              </a:p>
-              <a:p>
-                <a:pPr marL="128016" lvl="1" indent="0">
-                  <a:buNone/>
-                </a:pPr>
-                <a:endParaRPr lang="ca-ES" sz="2800" b="0" dirty="0"/>
-              </a:p>
-              <a:p>
-                <a:pPr marL="128016" lvl="1" indent="0">
-                  <a:buNone/>
-                </a:pPr>
-                <a:endParaRPr lang="ca-ES" sz="2800" dirty="0"/>
-              </a:p>
-            </p:txBody>
-          </p:sp>
-        </mc:Choice>
-        <mc:Fallback xmlns="">
-          <p:sp>
-            <p:nvSpPr>
-              <p:cNvPr id="5" name="Content Placeholder 2">
-                <a:extLst>
-                  <a:ext uri="{FF2B5EF4-FFF2-40B4-BE49-F238E27FC236}">
-                    <a16:creationId xmlns:a16="http://schemas.microsoft.com/office/drawing/2014/main" id="{860B51A3-14A7-4AD7-88C7-2CBA107B6A94}"/>
-                  </a:ext>
-                </a:extLst>
-              </p:cNvPr>
-              <p:cNvSpPr>
-                <a:spLocks noGrp="1" noRot="1" noChangeAspect="1" noMove="1" noResize="1" noEditPoints="1" noAdjustHandles="1" noChangeArrowheads="1" noChangeShapeType="1" noTextEdit="1"/>
-              </p:cNvSpPr>
-              <p:nvPr>
-                <p:ph idx="1"/>
-              </p:nvPr>
-            </p:nvSpPr>
-            <p:spPr>
-              <a:xfrm>
-                <a:off x="5884164" y="708991"/>
-                <a:ext cx="5816583" cy="1133061"/>
-              </a:xfrm>
-              <a:blipFill>
-                <a:blip r:embed="rId2"/>
-                <a:stretch>
-                  <a:fillRect t="-7527"/>
-                </a:stretch>
-              </a:blipFill>
-            </p:spPr>
-            <p:txBody>
-              <a:bodyPr/>
-              <a:lstStyle/>
-              <a:p>
-                <a:r>
-                  <a:rPr lang="en-GB">
-                    <a:noFill/>
-                  </a:rPr>
-                  <a:t> </a:t>
-                </a:r>
-              </a:p>
-            </p:txBody>
-          </p:sp>
-        </mc:Fallback>
-      </mc:AlternateContent>
-      <p:graphicFrame>
-        <p:nvGraphicFramePr>
-          <p:cNvPr id="7" name="Chart 6">
-            <a:extLst>
-              <a:ext uri="{FF2B5EF4-FFF2-40B4-BE49-F238E27FC236}">
-                <a16:creationId xmlns:a16="http://schemas.microsoft.com/office/drawing/2014/main" id="{B0482D55-B2E7-4F9B-9235-A84044E57D12}"/>
-              </a:ext>
-            </a:extLst>
-          </p:cNvPr>
-          <p:cNvGraphicFramePr>
-            <a:graphicFrameLocks/>
-          </p:cNvGraphicFramePr>
-          <p:nvPr>
-            <p:extLst>
-              <p:ext uri="{D42A27DB-BD31-4B8C-83A1-F6EECF244321}">
-                <p14:modId xmlns:p14="http://schemas.microsoft.com/office/powerpoint/2010/main" val="1399999872"/>
-              </p:ext>
-            </p:extLst>
-          </p:nvPr>
-        </p:nvGraphicFramePr>
-        <p:xfrm>
-          <a:off x="1024128" y="1965827"/>
-          <a:ext cx="10143743" cy="4448225"/>
-        </p:xfrm>
-        <a:graphic>
-          <a:graphicData uri="http://schemas.openxmlformats.org/drawingml/2006/chart">
-            <c:chart xmlns:c="http://schemas.openxmlformats.org/drawingml/2006/chart" xmlns:r="http://schemas.openxmlformats.org/officeDocument/2006/relationships" r:id="rId3"/>
-          </a:graphicData>
-        </a:graphic>
-      </p:graphicFrame>
-    </p:spTree>
-    <p:extLst>
-      <p:ext uri="{BB962C8B-B14F-4D97-AF65-F5344CB8AC3E}">
-        <p14:creationId xmlns:p14="http://schemas.microsoft.com/office/powerpoint/2010/main" val="3893090786"/>
-      </p:ext>
-    </p:extLst>
-  </p:cSld>
-  <p:clrMapOvr>
-    <a:masterClrMapping/>
-  </p:clrMapOvr>
-</p:sld>
-</file>
-
-<file path=ppt/slides/slide2.xml><?xml version="1.0" encoding="utf-8"?>
-<p:sld xmlns:a="http://schemas.openxmlformats.org/drawingml/2006/main" xmlns:r="http://schemas.openxmlformats.org/officeDocument/2006/relationships" xmlns:p="http://schemas.openxmlformats.org/presentationml/2006/main">
-  <p:cSld>
-    <p:spTree>
-      <p:nvGrpSpPr>
-        <p:cNvPr id="1" name=""/>
-        <p:cNvGrpSpPr/>
-        <p:nvPr/>
-      </p:nvGrpSpPr>
-      <p:grpSpPr>
-        <a:xfrm>
-          <a:off x="0" y="0"/>
-          <a:ext cx="0" cy="0"/>
-          <a:chOff x="0" y="0"/>
-          <a:chExt cx="0" cy="0"/>
-        </a:xfrm>
-      </p:grpSpPr>
-      <p:sp>
-        <p:nvSpPr>
-          <p:cNvPr id="2" name="Title 1">
-            <a:extLst>
-              <a:ext uri="{FF2B5EF4-FFF2-40B4-BE49-F238E27FC236}">
-                <a16:creationId xmlns:a16="http://schemas.microsoft.com/office/drawing/2014/main" id="{3541F58A-8C3B-46CF-B13F-AC66D803CD70}"/>
-              </a:ext>
-            </a:extLst>
-          </p:cNvPr>
-          <p:cNvSpPr>
-            <a:spLocks noGrp="1"/>
-          </p:cNvSpPr>
-          <p:nvPr>
-            <p:ph type="title"/>
-          </p:nvPr>
-        </p:nvSpPr>
-        <p:spPr/>
-        <p:txBody>
-          <a:bodyPr/>
-          <a:lstStyle/>
-          <a:p>
-            <a:r>
-              <a:rPr lang="en-GB" dirty="0"/>
-              <a:t>INDEX</a:t>
-            </a:r>
-          </a:p>
-        </p:txBody>
-      </p:sp>
-      <p:sp>
-        <p:nvSpPr>
-          <p:cNvPr id="3" name="Content Placeholder 2">
-            <a:extLst>
-              <a:ext uri="{FF2B5EF4-FFF2-40B4-BE49-F238E27FC236}">
-                <a16:creationId xmlns:a16="http://schemas.microsoft.com/office/drawing/2014/main" id="{2521F32C-04DF-420A-8A8F-0876F7FC9835}"/>
-              </a:ext>
-            </a:extLst>
-          </p:cNvPr>
-          <p:cNvSpPr>
-            <a:spLocks noGrp="1"/>
-          </p:cNvSpPr>
-          <p:nvPr>
-            <p:ph idx="1"/>
-          </p:nvPr>
-        </p:nvSpPr>
-        <p:spPr/>
-        <p:txBody>
-          <a:bodyPr>
-            <a:normAutofit/>
-          </a:bodyPr>
-          <a:lstStyle/>
-          <a:p>
-            <a:pPr lvl="1"/>
-            <a:r>
-              <a:rPr lang="en-GB" sz="2400" dirty="0"/>
-              <a:t>Introduction</a:t>
-            </a:r>
-          </a:p>
-          <a:p>
-            <a:pPr lvl="1"/>
-            <a:r>
-              <a:rPr lang="en-GB" sz="2400" dirty="0"/>
-              <a:t>Encoder</a:t>
-            </a:r>
-          </a:p>
-          <a:p>
-            <a:pPr lvl="2"/>
-            <a:r>
-              <a:rPr lang="en-GB" sz="1800" dirty="0"/>
-              <a:t>Parcor Values</a:t>
-            </a:r>
-          </a:p>
-          <a:p>
-            <a:pPr lvl="2"/>
-            <a:r>
-              <a:rPr lang="en-GB" sz="1800" dirty="0"/>
-              <a:t>Quantify + </a:t>
-            </a:r>
-            <a:r>
-              <a:rPr lang="en-GB" sz="1800" dirty="0" err="1"/>
-              <a:t>Dequantify</a:t>
-            </a:r>
-            <a:endParaRPr lang="en-GB" sz="1800" dirty="0"/>
-          </a:p>
-          <a:p>
-            <a:pPr lvl="2"/>
-            <a:r>
-              <a:rPr lang="en-GB" sz="1800" dirty="0"/>
-              <a:t>Parcor to LPC + Predictor</a:t>
-            </a:r>
-          </a:p>
-          <a:p>
-            <a:pPr lvl="2"/>
-            <a:r>
-              <a:rPr lang="en-GB" sz="1800" dirty="0"/>
-              <a:t>Golomb Rice Coding</a:t>
-            </a:r>
-          </a:p>
-          <a:p>
-            <a:pPr lvl="1"/>
-            <a:r>
-              <a:rPr lang="en-GB" sz="2400" dirty="0"/>
-              <a:t>Decoder</a:t>
-            </a:r>
-          </a:p>
-          <a:p>
-            <a:pPr lvl="2"/>
-            <a:r>
-              <a:rPr lang="en-GB" sz="1800" dirty="0"/>
-              <a:t>Golomb Rice Decoder</a:t>
-            </a:r>
-          </a:p>
-          <a:p>
-            <a:pPr lvl="2"/>
-            <a:r>
-              <a:rPr lang="en-GB" sz="1800" dirty="0"/>
-              <a:t>Predictor</a:t>
-            </a:r>
-            <a:endParaRPr lang="en-GB" sz="2400" dirty="0"/>
-          </a:p>
-          <a:p>
-            <a:pPr lvl="1"/>
-            <a:r>
-              <a:rPr lang="en-GB" sz="2400" dirty="0"/>
-              <a:t>Results</a:t>
-            </a:r>
-          </a:p>
-          <a:p>
-            <a:pPr lvl="2"/>
-            <a:endParaRPr lang="ca-ES" dirty="0"/>
-          </a:p>
-        </p:txBody>
-      </p:sp>
-    </p:spTree>
-    <p:extLst>
-      <p:ext uri="{BB962C8B-B14F-4D97-AF65-F5344CB8AC3E}">
-        <p14:creationId xmlns:p14="http://schemas.microsoft.com/office/powerpoint/2010/main" val="381648147"/>
-      </p:ext>
-    </p:extLst>
-  </p:cSld>
-  <p:clrMapOvr>
-    <a:masterClrMapping/>
-  </p:clrMapOvr>
-</p:sld>
-</file>
-
-<file path=ppt/slides/slide3.xml><?xml version="1.0" encoding="utf-8"?>
-<p:sld xmlns:a="http://schemas.openxmlformats.org/drawingml/2006/main" xmlns:r="http://schemas.openxmlformats.org/officeDocument/2006/relationships" xmlns:p="http://schemas.openxmlformats.org/presentationml/2006/main">
-  <p:cSld>
-    <p:spTree>
-      <p:nvGrpSpPr>
-        <p:cNvPr id="1" name=""/>
-        <p:cNvGrpSpPr/>
-        <p:nvPr/>
-      </p:nvGrpSpPr>
-      <p:grpSpPr>
-        <a:xfrm>
-          <a:off x="0" y="0"/>
-          <a:ext cx="0" cy="0"/>
-          <a:chOff x="0" y="0"/>
-          <a:chExt cx="0" cy="0"/>
-        </a:xfrm>
-      </p:grpSpPr>
-      <p:sp>
-        <p:nvSpPr>
-          <p:cNvPr id="2" name="Title 1">
-            <a:extLst>
-              <a:ext uri="{FF2B5EF4-FFF2-40B4-BE49-F238E27FC236}">
-                <a16:creationId xmlns:a16="http://schemas.microsoft.com/office/drawing/2014/main" id="{BDF05BCB-8C28-431F-8751-12A464156207}"/>
-              </a:ext>
-            </a:extLst>
-          </p:cNvPr>
-          <p:cNvSpPr>
-            <a:spLocks noGrp="1"/>
-          </p:cNvSpPr>
-          <p:nvPr>
-            <p:ph type="title"/>
-          </p:nvPr>
-        </p:nvSpPr>
-        <p:spPr/>
-        <p:txBody>
-          <a:bodyPr/>
-          <a:lstStyle/>
-          <a:p>
-            <a:r>
-              <a:rPr lang="en-GB" dirty="0"/>
-              <a:t>introduction</a:t>
-            </a:r>
-          </a:p>
-        </p:txBody>
-      </p:sp>
-      <p:sp>
-        <p:nvSpPr>
-          <p:cNvPr id="3" name="Content Placeholder 2">
-            <a:extLst>
-              <a:ext uri="{FF2B5EF4-FFF2-40B4-BE49-F238E27FC236}">
-                <a16:creationId xmlns:a16="http://schemas.microsoft.com/office/drawing/2014/main" id="{F4F7F161-C12E-48B9-9B1D-4DF85E910D94}"/>
-              </a:ext>
-            </a:extLst>
-          </p:cNvPr>
-          <p:cNvSpPr>
-            <a:spLocks noGrp="1"/>
-          </p:cNvSpPr>
-          <p:nvPr>
-            <p:ph idx="1"/>
-          </p:nvPr>
-        </p:nvSpPr>
-        <p:spPr>
-          <a:xfrm>
-            <a:off x="550164" y="2249423"/>
-            <a:ext cx="10667999" cy="4217637"/>
-          </a:xfrm>
-        </p:spPr>
-        <p:txBody>
-          <a:bodyPr>
-            <a:normAutofit/>
-          </a:bodyPr>
-          <a:lstStyle/>
-          <a:p>
-            <a:pPr marL="128016" lvl="1" indent="0">
-              <a:buNone/>
-            </a:pPr>
-            <a:r>
-              <a:rPr lang="en-GB" sz="2800" dirty="0"/>
-              <a:t>MPEG-4 ALS: an Emerging Standard for Lossless Audio Coding by Tilman </a:t>
-            </a:r>
-            <a:r>
-              <a:rPr lang="en-GB" sz="2800" dirty="0" err="1"/>
-              <a:t>Liebchen</a:t>
-            </a:r>
-            <a:r>
-              <a:rPr lang="en-GB" sz="2800" dirty="0"/>
-              <a:t> and </a:t>
-            </a:r>
-            <a:r>
-              <a:rPr lang="en-GB" sz="2800" dirty="0" err="1"/>
-              <a:t>Yuriy</a:t>
-            </a:r>
-            <a:r>
-              <a:rPr lang="en-GB" sz="2800" dirty="0"/>
-              <a:t> A. Reznik.</a:t>
-            </a:r>
-          </a:p>
-          <a:p>
-            <a:pPr lvl="1"/>
-            <a:r>
-              <a:rPr lang="en-GB" sz="2400" dirty="0"/>
-              <a:t>Many applications in recording and distribution of audio → Studio operations, collaborative work or music distribution over the Internet, etc.</a:t>
-            </a:r>
-          </a:p>
-          <a:p>
-            <a:pPr lvl="1"/>
-            <a:r>
-              <a:rPr lang="en-GB" sz="2400" dirty="0"/>
-              <a:t>Standard introduced in March 2003 </a:t>
-            </a:r>
-            <a:endParaRPr lang="ca-ES" sz="2000" dirty="0"/>
-          </a:p>
-          <a:p>
-            <a:pPr marL="310896" lvl="2" indent="0">
-              <a:buNone/>
-            </a:pPr>
-            <a:endParaRPr lang="ca-ES" sz="2000" b="1" dirty="0"/>
-          </a:p>
-          <a:p>
-            <a:pPr marL="310896" lvl="2" indent="0">
-              <a:buNone/>
-            </a:pPr>
-            <a:r>
-              <a:rPr lang="ca-ES" sz="2000" b="1" dirty="0"/>
-              <a:t>Objectives: </a:t>
-            </a:r>
-          </a:p>
-          <a:p>
-            <a:pPr lvl="3"/>
-            <a:r>
-              <a:rPr lang="en-GB" sz="2000" dirty="0"/>
-              <a:t>Provide lossless reconstruction of PCM audio signals at different sampling rates and word lengths</a:t>
-            </a:r>
-            <a:endParaRPr lang="en-GB" sz="2000" dirty="0">
-              <a:solidFill>
-                <a:schemeClr val="accent2">
-                  <a:lumMod val="75000"/>
-                </a:schemeClr>
-              </a:solidFill>
-            </a:endParaRPr>
-          </a:p>
-          <a:p>
-            <a:pPr lvl="3"/>
-            <a:r>
-              <a:rPr lang="en-GB" sz="2000" dirty="0"/>
-              <a:t>Achieve superior compression efficiency to other algorithms</a:t>
-            </a:r>
-          </a:p>
-          <a:p>
-            <a:pPr lvl="3"/>
-            <a:r>
-              <a:rPr lang="en-GB" sz="2000" dirty="0"/>
-              <a:t>Provide means for editing, manipulation and random access to the compressed audio</a:t>
-            </a:r>
-          </a:p>
-          <a:p>
-            <a:pPr lvl="1"/>
-            <a:endParaRPr lang="en-GB" sz="2000" dirty="0"/>
-          </a:p>
-        </p:txBody>
-      </p:sp>
-    </p:spTree>
-    <p:extLst>
-      <p:ext uri="{BB962C8B-B14F-4D97-AF65-F5344CB8AC3E}">
-        <p14:creationId xmlns:p14="http://schemas.microsoft.com/office/powerpoint/2010/main" val="3935606045"/>
-      </p:ext>
-    </p:extLst>
-  </p:cSld>
-  <p:clrMapOvr>
-    <a:masterClrMapping/>
-  </p:clrMapOvr>
-</p:sld>
-</file>
-
-<file path=ppt/slides/slide4.xml><?xml version="1.0" encoding="utf-8"?>
-<p:sld xmlns:a="http://schemas.openxmlformats.org/drawingml/2006/main" xmlns:r="http://schemas.openxmlformats.org/officeDocument/2006/relationships" xmlns:p="http://schemas.openxmlformats.org/presentationml/2006/main">
-  <p:cSld>
-    <p:spTree>
-      <p:nvGrpSpPr>
-        <p:cNvPr id="1" name=""/>
-        <p:cNvGrpSpPr/>
-        <p:nvPr/>
-      </p:nvGrpSpPr>
-      <p:grpSpPr>
-        <a:xfrm>
-          <a:off x="0" y="0"/>
-          <a:ext cx="0" cy="0"/>
-          <a:chOff x="0" y="0"/>
-          <a:chExt cx="0" cy="0"/>
-        </a:xfrm>
-      </p:grpSpPr>
-      <p:sp>
-        <p:nvSpPr>
-          <p:cNvPr id="2" name="Title 1">
-            <a:extLst>
-              <a:ext uri="{FF2B5EF4-FFF2-40B4-BE49-F238E27FC236}">
-                <a16:creationId xmlns:a16="http://schemas.microsoft.com/office/drawing/2014/main" id="{33FE9B80-78B4-4969-AB92-0359BB9577B0}"/>
-              </a:ext>
-            </a:extLst>
-          </p:cNvPr>
-          <p:cNvSpPr>
-            <a:spLocks noGrp="1"/>
-          </p:cNvSpPr>
-          <p:nvPr>
-            <p:ph type="title"/>
-          </p:nvPr>
-        </p:nvSpPr>
-        <p:spPr/>
-        <p:txBody>
-          <a:bodyPr/>
-          <a:lstStyle/>
-          <a:p>
-            <a:r>
-              <a:rPr lang="ca-ES" dirty="0" err="1"/>
-              <a:t>encoder</a:t>
-            </a:r>
-            <a:endParaRPr lang="ca-ES" dirty="0"/>
-          </a:p>
-        </p:txBody>
-      </p:sp>
-      <p:pic>
-        <p:nvPicPr>
-          <p:cNvPr id="7" name="Content Placeholder 6">
-            <a:extLst>
-              <a:ext uri="{FF2B5EF4-FFF2-40B4-BE49-F238E27FC236}">
-                <a16:creationId xmlns:a16="http://schemas.microsoft.com/office/drawing/2014/main" id="{5D6D6E1E-F2BD-4291-8480-666594A54DD5}"/>
-              </a:ext>
-            </a:extLst>
-          </p:cNvPr>
-          <p:cNvPicPr>
-            <a:picLocks noGrp="1" noChangeAspect="1"/>
-          </p:cNvPicPr>
-          <p:nvPr>
-            <p:ph idx="1"/>
-          </p:nvPr>
-        </p:nvPicPr>
-        <p:blipFill>
-          <a:blip r:embed="rId2"/>
-          <a:stretch>
-            <a:fillRect/>
-          </a:stretch>
-        </p:blipFill>
-        <p:spPr>
-          <a:xfrm>
-            <a:off x="1024128" y="1711749"/>
-            <a:ext cx="10143744" cy="4561036"/>
-          </a:xfrm>
-        </p:spPr>
-      </p:pic>
-      <p:sp>
-        <p:nvSpPr>
-          <p:cNvPr id="8" name="Rectangle 7">
-            <a:extLst>
-              <a:ext uri="{FF2B5EF4-FFF2-40B4-BE49-F238E27FC236}">
-                <a16:creationId xmlns:a16="http://schemas.microsoft.com/office/drawing/2014/main" id="{B85305CA-06D9-4D08-A9D5-9BADCA8EFCD2}"/>
-              </a:ext>
-            </a:extLst>
-          </p:cNvPr>
-          <p:cNvSpPr/>
-          <p:nvPr/>
-        </p:nvSpPr>
-        <p:spPr>
-          <a:xfrm>
-            <a:off x="2405792" y="2476670"/>
-            <a:ext cx="1152939" cy="734695"/>
-          </a:xfrm>
-          <a:prstGeom prst="rect">
-            <a:avLst/>
-          </a:prstGeom>
-          <a:noFill/>
-          <a:ln w="76200">
-            <a:solidFill>
-              <a:schemeClr val="accent2">
-                <a:lumMod val="75000"/>
-              </a:schemeClr>
-            </a:solidFill>
-          </a:ln>
-        </p:spPr>
-        <p:style>
-          <a:lnRef idx="2">
-            <a:schemeClr val="accent1">
-              <a:shade val="50000"/>
-            </a:schemeClr>
-          </a:lnRef>
-          <a:fillRef idx="1">
-            <a:schemeClr val="accent1"/>
-          </a:fillRef>
-          <a:effectRef idx="0">
-            <a:schemeClr val="accent1"/>
-          </a:effectRef>
-          <a:fontRef idx="minor">
-            <a:schemeClr val="lt1"/>
-          </a:fontRef>
-        </p:style>
-        <p:txBody>
-          <a:bodyPr rtlCol="0" anchor="ctr"/>
-          <a:lstStyle/>
-          <a:p>
-            <a:pPr algn="ctr"/>
-            <a:endParaRPr lang="ca-ES"/>
-          </a:p>
-        </p:txBody>
-      </p:sp>
-    </p:spTree>
-    <p:extLst>
-      <p:ext uri="{BB962C8B-B14F-4D97-AF65-F5344CB8AC3E}">
-        <p14:creationId xmlns:p14="http://schemas.microsoft.com/office/powerpoint/2010/main" val="3402045135"/>
-      </p:ext>
-    </p:extLst>
-  </p:cSld>
-  <p:clrMapOvr>
-    <a:masterClrMapping/>
-  </p:clrMapOvr>
-  <p:timing>
-    <p:tnLst>
-      <p:par>
-        <p:cTn id="1" dur="indefinite" restart="never" nodeType="tmRoot">
-          <p:childTnLst>
-            <p:seq concurrent="1" nextAc="seek">
-              <p:cTn id="2" dur="indefinite" nodeType="mainSeq">
-                <p:childTnLst>
-                  <p:par>
-                    <p:cTn id="3" fill="hold">
-                      <p:stCondLst>
-                        <p:cond delay="indefinite"/>
-                      </p:stCondLst>
-                      <p:childTnLst>
-                        <p:par>
-                          <p:cTn id="4" fill="hold">
-                            <p:stCondLst>
-                              <p:cond delay="0"/>
-                            </p:stCondLst>
-                            <p:childTnLst>
-                              <p:par>
-                                <p:cTn id="5" presetID="1" presetClass="entr" presetSubtype="0" fill="hold" grpId="0" nodeType="clickEffect">
-                                  <p:stCondLst>
-                                    <p:cond delay="0"/>
-                                  </p:stCondLst>
-                                  <p:childTnLst>
-                                    <p:set>
-                                      <p:cBhvr>
-                                        <p:cTn id="6" dur="1" fill="hold">
-                                          <p:stCondLst>
-                                            <p:cond delay="0"/>
-                                          </p:stCondLst>
-                                        </p:cTn>
-                                        <p:tgtEl>
-                                          <p:spTgt spid="8"/>
-                                        </p:tgtEl>
-                                        <p:attrNameLst>
-                                          <p:attrName>style.visibility</p:attrName>
-                                        </p:attrNameLst>
-                                      </p:cBhvr>
-                                      <p:to>
-                                        <p:strVal val="visible"/>
-                                      </p:to>
-                                    </p:set>
-                                  </p:childTnLst>
-                                </p:cTn>
-                              </p:par>
-                            </p:childTnLst>
-                          </p:cTn>
-                        </p:par>
-                      </p:childTnLst>
-                    </p:cTn>
-                  </p:par>
-                </p:childTnLst>
-              </p:cTn>
-              <p:prevCondLst>
-                <p:cond evt="onPrev" delay="0">
-                  <p:tgtEl>
-                    <p:sldTgt/>
-                  </p:tgtEl>
-                </p:cond>
-              </p:prevCondLst>
-              <p:nextCondLst>
-                <p:cond evt="onNext" delay="0">
-                  <p:tgtEl>
-                    <p:sldTgt/>
-                  </p:tgtEl>
-                </p:cond>
-              </p:nextCondLst>
-            </p:seq>
-          </p:childTnLst>
-        </p:cTn>
-      </p:par>
-    </p:tnLst>
-    <p:bldLst>
-      <p:bldP spid="8" grpId="0" animBg="1"/>
-    </p:bldLst>
-  </p:timing>
-</p:sld>
-</file>
-
-<file path=ppt/slides/slide5.xml><?xml version="1.0" encoding="utf-8"?>
-<p:sld xmlns:a="http://schemas.openxmlformats.org/drawingml/2006/main" xmlns:r="http://schemas.openxmlformats.org/officeDocument/2006/relationships" xmlns:p="http://schemas.openxmlformats.org/presentationml/2006/main">
-  <p:cSld>
-    <p:spTree>
-      <p:nvGrpSpPr>
-        <p:cNvPr id="1" name=""/>
-        <p:cNvGrpSpPr/>
-        <p:nvPr/>
-      </p:nvGrpSpPr>
-      <p:grpSpPr>
-        <a:xfrm>
-          <a:off x="0" y="0"/>
-          <a:ext cx="0" cy="0"/>
-          <a:chOff x="0" y="0"/>
-          <a:chExt cx="0" cy="0"/>
-        </a:xfrm>
-      </p:grpSpPr>
-      <p:sp>
-        <p:nvSpPr>
-          <p:cNvPr id="2" name="Title 1">
-            <a:extLst>
-              <a:ext uri="{FF2B5EF4-FFF2-40B4-BE49-F238E27FC236}">
-                <a16:creationId xmlns:a16="http://schemas.microsoft.com/office/drawing/2014/main" id="{33FE9B80-78B4-4969-AB92-0359BB9577B0}"/>
-              </a:ext>
-            </a:extLst>
-          </p:cNvPr>
-          <p:cNvSpPr>
-            <a:spLocks noGrp="1"/>
-          </p:cNvSpPr>
-          <p:nvPr>
-            <p:ph type="title"/>
-          </p:nvPr>
-        </p:nvSpPr>
-        <p:spPr/>
-        <p:txBody>
-          <a:bodyPr/>
-          <a:lstStyle/>
-          <a:p>
-            <a:r>
-              <a:rPr lang="en-GB" dirty="0"/>
-              <a:t>Parcor values</a:t>
-            </a:r>
-          </a:p>
-        </p:txBody>
-      </p:sp>
-      <p:pic>
-        <p:nvPicPr>
-          <p:cNvPr id="7" name="Content Placeholder 6">
-            <a:extLst>
-              <a:ext uri="{FF2B5EF4-FFF2-40B4-BE49-F238E27FC236}">
-                <a16:creationId xmlns:a16="http://schemas.microsoft.com/office/drawing/2014/main" id="{5D6D6E1E-F2BD-4291-8480-666594A54DD5}"/>
-              </a:ext>
-            </a:extLst>
-          </p:cNvPr>
-          <p:cNvPicPr>
-            <a:picLocks noGrp="1" noChangeAspect="1"/>
-          </p:cNvPicPr>
-          <p:nvPr>
-            <p:ph idx="1"/>
-          </p:nvPr>
-        </p:nvPicPr>
-        <p:blipFill>
-          <a:blip r:embed="rId2"/>
-          <a:stretch>
-            <a:fillRect/>
-          </a:stretch>
-        </p:blipFill>
-        <p:spPr>
-          <a:xfrm>
-            <a:off x="8054992" y="351778"/>
-            <a:ext cx="3854311" cy="1733053"/>
-          </a:xfrm>
-        </p:spPr>
-      </p:pic>
-      <p:sp>
-        <p:nvSpPr>
-          <p:cNvPr id="8" name="Rectangle 7">
-            <a:extLst>
-              <a:ext uri="{FF2B5EF4-FFF2-40B4-BE49-F238E27FC236}">
-                <a16:creationId xmlns:a16="http://schemas.microsoft.com/office/drawing/2014/main" id="{B85305CA-06D9-4D08-A9D5-9BADCA8EFCD2}"/>
-              </a:ext>
-            </a:extLst>
-          </p:cNvPr>
-          <p:cNvSpPr/>
-          <p:nvPr/>
-        </p:nvSpPr>
-        <p:spPr>
-          <a:xfrm>
-            <a:off x="8554453" y="1378226"/>
-            <a:ext cx="478452" cy="516835"/>
-          </a:xfrm>
-          <a:prstGeom prst="rect">
-            <a:avLst/>
-          </a:prstGeom>
-          <a:noFill/>
-          <a:ln w="76200">
-            <a:solidFill>
-              <a:schemeClr val="accent2">
-                <a:lumMod val="75000"/>
-              </a:schemeClr>
-            </a:solidFill>
-          </a:ln>
-        </p:spPr>
-        <p:style>
-          <a:lnRef idx="2">
-            <a:schemeClr val="accent1">
-              <a:shade val="50000"/>
-            </a:schemeClr>
-          </a:lnRef>
-          <a:fillRef idx="1">
-            <a:schemeClr val="accent1"/>
-          </a:fillRef>
-          <a:effectRef idx="0">
-            <a:schemeClr val="accent1"/>
-          </a:effectRef>
-          <a:fontRef idx="minor">
-            <a:schemeClr val="lt1"/>
-          </a:fontRef>
-        </p:style>
-        <p:txBody>
-          <a:bodyPr rtlCol="0" anchor="ctr"/>
-          <a:lstStyle/>
-          <a:p>
-            <a:pPr algn="ctr"/>
-            <a:endParaRPr lang="ca-ES"/>
-          </a:p>
-        </p:txBody>
-      </p:sp>
-      <p:sp>
-        <p:nvSpPr>
-          <p:cNvPr id="6" name="Content Placeholder 2">
-            <a:extLst>
-              <a:ext uri="{FF2B5EF4-FFF2-40B4-BE49-F238E27FC236}">
-                <a16:creationId xmlns:a16="http://schemas.microsoft.com/office/drawing/2014/main" id="{280D7611-59B8-4D6F-8021-4840898BD047}"/>
-              </a:ext>
-            </a:extLst>
-          </p:cNvPr>
-          <p:cNvSpPr txBox="1">
-            <a:spLocks/>
-          </p:cNvSpPr>
-          <p:nvPr/>
-        </p:nvSpPr>
-        <p:spPr>
-          <a:xfrm>
-            <a:off x="1024128" y="2286000"/>
-            <a:ext cx="9720071" cy="4023360"/>
-          </a:xfrm>
-          <a:prstGeom prst="rect">
-            <a:avLst/>
-          </a:prstGeom>
-        </p:spPr>
-        <p:txBody>
-          <a:bodyPr vert="horz" lIns="45720" tIns="45720" rIns="45720" bIns="45720" rtlCol="0">
-            <a:normAutofit/>
-          </a:bodyPr>
-          <a:lstStyle>
-            <a:lvl1pPr marL="91440" indent="-91440" algn="l" defTabSz="914400" rtl="0" eaLnBrk="1" latinLnBrk="0" hangingPunct="1">
-              <a:lnSpc>
-                <a:spcPct val="90000"/>
-              </a:lnSpc>
-              <a:spcBef>
-                <a:spcPts val="1200"/>
-              </a:spcBef>
-              <a:spcAft>
-                <a:spcPts val="200"/>
-              </a:spcAft>
-              <a:buClr>
-                <a:schemeClr val="accent2"/>
-              </a:buClr>
-              <a:buSzPct val="100000"/>
-              <a:buFont typeface="Tw Cen MT" panose="020B0602020104020603" pitchFamily="34" charset="0"/>
-              <a:buChar char=" "/>
-              <a:defRPr sz="2200" kern="1200">
-                <a:solidFill>
-                  <a:schemeClr val="tx1"/>
-                </a:solidFill>
-                <a:latin typeface="+mn-lt"/>
-                <a:ea typeface="+mn-ea"/>
-                <a:cs typeface="+mn-cs"/>
-              </a:defRPr>
-            </a:lvl1pPr>
-            <a:lvl2pPr marL="265176" indent="-137160" algn="l" defTabSz="914400" rtl="0" eaLnBrk="1" latinLnBrk="0" hangingPunct="1">
-              <a:lnSpc>
-                <a:spcPct val="90000"/>
-              </a:lnSpc>
-              <a:spcBef>
-                <a:spcPts val="200"/>
-              </a:spcBef>
-              <a:spcAft>
-                <a:spcPts val="400"/>
-              </a:spcAft>
-              <a:buClr>
-                <a:schemeClr val="accent2"/>
-              </a:buClr>
-              <a:buFont typeface="Wingdings 3" pitchFamily="18" charset="2"/>
-              <a:buChar char=""/>
-              <a:defRPr sz="1800" kern="1200">
-                <a:solidFill>
-                  <a:schemeClr val="tx1"/>
-                </a:solidFill>
-                <a:latin typeface="+mn-lt"/>
-                <a:ea typeface="+mn-ea"/>
-                <a:cs typeface="+mn-cs"/>
-              </a:defRPr>
-            </a:lvl2pPr>
-            <a:lvl3pPr marL="448056" indent="-137160" algn="l" defTabSz="914400" rtl="0" eaLnBrk="1" latinLnBrk="0" hangingPunct="1">
-              <a:lnSpc>
-                <a:spcPct val="90000"/>
-              </a:lnSpc>
-              <a:spcBef>
-                <a:spcPts val="200"/>
-              </a:spcBef>
-              <a:spcAft>
-                <a:spcPts val="400"/>
-              </a:spcAft>
-              <a:buClr>
-                <a:schemeClr val="accent2"/>
-              </a:buClr>
-              <a:buFont typeface="Wingdings 3" pitchFamily="18" charset="2"/>
-              <a:buChar char=""/>
-              <a:defRPr sz="1400" kern="1200">
-                <a:solidFill>
-                  <a:schemeClr val="tx1"/>
-                </a:solidFill>
-                <a:latin typeface="+mn-lt"/>
-                <a:ea typeface="+mn-ea"/>
-                <a:cs typeface="+mn-cs"/>
-              </a:defRPr>
-            </a:lvl3pPr>
-            <a:lvl4pPr marL="594360" indent="-137160" algn="l" defTabSz="914400" rtl="0" eaLnBrk="1" latinLnBrk="0" hangingPunct="1">
-              <a:lnSpc>
-                <a:spcPct val="90000"/>
-              </a:lnSpc>
-              <a:spcBef>
-                <a:spcPts val="200"/>
-              </a:spcBef>
-              <a:spcAft>
-                <a:spcPts val="400"/>
-              </a:spcAft>
-              <a:buClr>
-                <a:schemeClr val="accent2"/>
-              </a:buClr>
-              <a:buFont typeface="Wingdings 3" pitchFamily="18" charset="2"/>
-              <a:buChar char=""/>
-              <a:defRPr sz="1400" kern="1200">
-                <a:solidFill>
-                  <a:schemeClr val="tx1"/>
-                </a:solidFill>
-                <a:latin typeface="+mn-lt"/>
-                <a:ea typeface="+mn-ea"/>
-                <a:cs typeface="+mn-cs"/>
-              </a:defRPr>
-            </a:lvl4pPr>
-            <a:lvl5pPr marL="777240" indent="-137160" algn="l" defTabSz="914400" rtl="0" eaLnBrk="1" latinLnBrk="0" hangingPunct="1">
-              <a:lnSpc>
-                <a:spcPct val="90000"/>
-              </a:lnSpc>
-              <a:spcBef>
-                <a:spcPts val="200"/>
-              </a:spcBef>
-              <a:spcAft>
-                <a:spcPts val="400"/>
-              </a:spcAft>
-              <a:buClr>
-                <a:schemeClr val="accent2"/>
-              </a:buClr>
-              <a:buFont typeface="Wingdings 3" pitchFamily="18" charset="2"/>
-              <a:buChar char=""/>
-              <a:defRPr sz="1400" kern="1200">
-                <a:solidFill>
-                  <a:schemeClr val="tx1"/>
-                </a:solidFill>
-                <a:latin typeface="+mn-lt"/>
-                <a:ea typeface="+mn-ea"/>
-                <a:cs typeface="+mn-cs"/>
-              </a:defRPr>
-            </a:lvl5pPr>
-            <a:lvl6pPr marL="914400" indent="-137160" algn="l" defTabSz="914400" rtl="0" eaLnBrk="1" latinLnBrk="0" hangingPunct="1">
-              <a:lnSpc>
-                <a:spcPct val="90000"/>
-              </a:lnSpc>
-              <a:spcBef>
-                <a:spcPts val="200"/>
-              </a:spcBef>
-              <a:spcAft>
-                <a:spcPts val="400"/>
-              </a:spcAft>
-              <a:buClr>
-                <a:schemeClr val="accent2"/>
-              </a:buClr>
-              <a:buFont typeface="Wingdings 3" pitchFamily="18" charset="2"/>
-              <a:buChar char=""/>
-              <a:defRPr sz="1400" kern="1200">
-                <a:solidFill>
-                  <a:schemeClr val="tx1"/>
-                </a:solidFill>
-                <a:latin typeface="+mn-lt"/>
-                <a:ea typeface="+mn-ea"/>
-                <a:cs typeface="+mn-cs"/>
-              </a:defRPr>
-            </a:lvl6pPr>
-            <a:lvl7pPr marL="1060704" indent="-137160" algn="l" defTabSz="914400" rtl="0" eaLnBrk="1" latinLnBrk="0" hangingPunct="1">
-              <a:lnSpc>
-                <a:spcPct val="90000"/>
-              </a:lnSpc>
-              <a:spcBef>
-                <a:spcPts val="200"/>
-              </a:spcBef>
-              <a:spcAft>
-                <a:spcPts val="400"/>
-              </a:spcAft>
-              <a:buClr>
-                <a:schemeClr val="accent2"/>
-              </a:buClr>
-              <a:buFont typeface="Wingdings 3" pitchFamily="18" charset="2"/>
-              <a:buChar char=""/>
-              <a:defRPr sz="1400" kern="1200">
-                <a:solidFill>
-                  <a:schemeClr val="tx1"/>
-                </a:solidFill>
-                <a:latin typeface="+mn-lt"/>
-                <a:ea typeface="+mn-ea"/>
-                <a:cs typeface="+mn-cs"/>
-              </a:defRPr>
-            </a:lvl7pPr>
-            <a:lvl8pPr marL="1216152" indent="-137160" algn="l" defTabSz="914400" rtl="0" eaLnBrk="1" latinLnBrk="0" hangingPunct="1">
-              <a:lnSpc>
-                <a:spcPct val="90000"/>
-              </a:lnSpc>
-              <a:spcBef>
-                <a:spcPts val="200"/>
-              </a:spcBef>
-              <a:spcAft>
-                <a:spcPts val="400"/>
-              </a:spcAft>
-              <a:buClr>
-                <a:schemeClr val="accent2"/>
-              </a:buClr>
-              <a:buFont typeface="Wingdings 3" pitchFamily="18" charset="2"/>
-              <a:buChar char=""/>
-              <a:defRPr sz="1400" kern="1200">
-                <a:solidFill>
-                  <a:schemeClr val="tx1"/>
-                </a:solidFill>
-                <a:latin typeface="+mn-lt"/>
-                <a:ea typeface="+mn-ea"/>
-                <a:cs typeface="+mn-cs"/>
-              </a:defRPr>
-            </a:lvl8pPr>
-            <a:lvl9pPr marL="1362456" indent="-137160" algn="l" defTabSz="914400" rtl="0" eaLnBrk="1" latinLnBrk="0" hangingPunct="1">
-              <a:lnSpc>
-                <a:spcPct val="90000"/>
-              </a:lnSpc>
-              <a:spcBef>
-                <a:spcPts val="200"/>
-              </a:spcBef>
-              <a:spcAft>
-                <a:spcPts val="400"/>
-              </a:spcAft>
-              <a:buClr>
-                <a:schemeClr val="accent2"/>
-              </a:buClr>
-              <a:buFont typeface="Wingdings 3" pitchFamily="18" charset="2"/>
-              <a:buChar char=""/>
-              <a:defRPr sz="1400" kern="1200">
-                <a:solidFill>
-                  <a:schemeClr val="tx1"/>
-                </a:solidFill>
-                <a:latin typeface="+mn-lt"/>
-                <a:ea typeface="+mn-ea"/>
-                <a:cs typeface="+mn-cs"/>
-              </a:defRPr>
-            </a:lvl9pPr>
-          </a:lstStyle>
-          <a:p>
-            <a:pPr lvl="1"/>
-            <a:r>
-              <a:rPr lang="en-GB" sz="2400" dirty="0"/>
-              <a:t>Apply</a:t>
-            </a:r>
-            <a:r>
-              <a:rPr lang="ca-ES" sz="2400" dirty="0"/>
-              <a:t> Hamming </a:t>
-            </a:r>
-            <a:r>
-              <a:rPr lang="en-GB" sz="2400" dirty="0"/>
-              <a:t>window to each frame</a:t>
-            </a:r>
-          </a:p>
-          <a:p>
-            <a:pPr lvl="1"/>
-            <a:r>
-              <a:rPr lang="en-GB" sz="2400" dirty="0">
-                <a:sym typeface="Wingdings" panose="05000000000000000000" pitchFamily="2" charset="2"/>
-              </a:rPr>
-              <a:t>Calculate the autocorrelation order p</a:t>
-            </a:r>
-          </a:p>
-          <a:p>
-            <a:pPr lvl="1"/>
-            <a:r>
-              <a:rPr lang="en-GB" sz="2400" dirty="0">
-                <a:sym typeface="Wingdings" panose="05000000000000000000" pitchFamily="2" charset="2"/>
-              </a:rPr>
-              <a:t>Levinson – Durbin algorithm to estimate </a:t>
-            </a:r>
-            <a:r>
-              <a:rPr lang="en-GB" sz="2400" dirty="0">
-                <a:solidFill>
-                  <a:schemeClr val="accent2">
-                    <a:lumMod val="75000"/>
-                  </a:schemeClr>
-                </a:solidFill>
-                <a:sym typeface="Wingdings" panose="05000000000000000000" pitchFamily="2" charset="2"/>
-              </a:rPr>
-              <a:t>PARCOR VALUES </a:t>
-            </a:r>
-            <a:r>
-              <a:rPr lang="en-GB" sz="2400" i="1" dirty="0">
-                <a:solidFill>
-                  <a:schemeClr val="accent2">
-                    <a:lumMod val="75000"/>
-                  </a:schemeClr>
-                </a:solidFill>
-                <a:sym typeface="Wingdings" panose="05000000000000000000" pitchFamily="2" charset="2"/>
-              </a:rPr>
-              <a:t>(k)</a:t>
-            </a:r>
-            <a:r>
-              <a:rPr lang="en-GB" sz="2400" dirty="0">
-                <a:solidFill>
-                  <a:schemeClr val="accent2">
-                    <a:lumMod val="75000"/>
-                  </a:schemeClr>
-                </a:solidFill>
-                <a:sym typeface="Wingdings" panose="05000000000000000000" pitchFamily="2" charset="2"/>
-              </a:rPr>
-              <a:t> </a:t>
-            </a:r>
-            <a:r>
-              <a:rPr lang="en-GB" sz="2400" dirty="0">
-                <a:sym typeface="Wingdings" panose="05000000000000000000" pitchFamily="2" charset="2"/>
-              </a:rPr>
-              <a:t>using windowed frame</a:t>
-            </a:r>
-          </a:p>
-          <a:p>
-            <a:pPr lvl="2"/>
-            <a:r>
-              <a:rPr lang="en-GB" sz="2000" dirty="0">
-                <a:sym typeface="Wingdings" panose="05000000000000000000" pitchFamily="2" charset="2"/>
-              </a:rPr>
-              <a:t>Initialization</a:t>
-            </a:r>
-          </a:p>
-          <a:p>
-            <a:pPr marL="310896" lvl="2" indent="0">
-              <a:buNone/>
-            </a:pPr>
-            <a:r>
-              <a:rPr lang="en-GB" sz="2000" dirty="0">
-                <a:sym typeface="Wingdings" panose="05000000000000000000" pitchFamily="2" charset="2"/>
-              </a:rPr>
-              <a:t>	R(0) = R(0)*257/256 </a:t>
-            </a:r>
-            <a:r>
-              <a:rPr lang="ca-ES" sz="2000" dirty="0"/>
-              <a:t>→</a:t>
-            </a:r>
-            <a:r>
-              <a:rPr lang="en-GB" sz="2000" dirty="0">
-                <a:sym typeface="Wingdings" panose="05000000000000000000" pitchFamily="2" charset="2"/>
-              </a:rPr>
-              <a:t> to stabilize the predicted values</a:t>
-            </a:r>
-          </a:p>
-          <a:p>
-            <a:pPr lvl="2"/>
-            <a:r>
-              <a:rPr lang="en-GB" sz="2000" dirty="0">
-                <a:sym typeface="Wingdings" panose="05000000000000000000" pitchFamily="2" charset="2"/>
-              </a:rPr>
-              <a:t>Iterate</a:t>
-            </a:r>
-          </a:p>
-          <a:p>
-            <a:pPr marL="640080" lvl="4" indent="0">
-              <a:buNone/>
-            </a:pPr>
-            <a:r>
-              <a:rPr lang="en-GB" sz="1800" dirty="0">
-                <a:sym typeface="Wingdings" panose="05000000000000000000" pitchFamily="2" charset="2"/>
-              </a:rPr>
-              <a:t>	</a:t>
-            </a:r>
-          </a:p>
-          <a:p>
-            <a:pPr lvl="2"/>
-            <a:endParaRPr lang="en-GB" dirty="0">
-              <a:sym typeface="Wingdings" panose="05000000000000000000" pitchFamily="2" charset="2"/>
-            </a:endParaRPr>
-          </a:p>
-        </p:txBody>
-      </p:sp>
-    </p:spTree>
-    <p:extLst>
-      <p:ext uri="{BB962C8B-B14F-4D97-AF65-F5344CB8AC3E}">
-        <p14:creationId xmlns:p14="http://schemas.microsoft.com/office/powerpoint/2010/main" val="639567669"/>
-      </p:ext>
-    </p:extLst>
-  </p:cSld>
-  <p:clrMapOvr>
-    <a:masterClrMapping/>
-  </p:clrMapOvr>
-</p:sld>
-</file>
-
-<file path=ppt/slides/slide6.xml><?xml version="1.0" encoding="utf-8"?>
-<p:sld xmlns:a="http://schemas.openxmlformats.org/drawingml/2006/main" xmlns:r="http://schemas.openxmlformats.org/officeDocument/2006/relationships" xmlns:p="http://schemas.openxmlformats.org/presentationml/2006/main">
-  <p:cSld>
-    <p:spTree>
-      <p:nvGrpSpPr>
-        <p:cNvPr id="1" name=""/>
-        <p:cNvGrpSpPr/>
-        <p:nvPr/>
-      </p:nvGrpSpPr>
-      <p:grpSpPr>
-        <a:xfrm>
-          <a:off x="0" y="0"/>
-          <a:ext cx="0" cy="0"/>
-          <a:chOff x="0" y="0"/>
-          <a:chExt cx="0" cy="0"/>
-        </a:xfrm>
-      </p:grpSpPr>
-      <p:sp>
-        <p:nvSpPr>
-          <p:cNvPr id="2" name="Title 1">
-            <a:extLst>
-              <a:ext uri="{FF2B5EF4-FFF2-40B4-BE49-F238E27FC236}">
-                <a16:creationId xmlns:a16="http://schemas.microsoft.com/office/drawing/2014/main" id="{33FE9B80-78B4-4969-AB92-0359BB9577B0}"/>
-              </a:ext>
-            </a:extLst>
-          </p:cNvPr>
-          <p:cNvSpPr>
-            <a:spLocks noGrp="1"/>
-          </p:cNvSpPr>
-          <p:nvPr>
-            <p:ph type="title"/>
-          </p:nvPr>
-        </p:nvSpPr>
-        <p:spPr/>
-        <p:txBody>
-          <a:bodyPr/>
-          <a:lstStyle/>
-          <a:p>
-            <a:r>
-              <a:rPr lang="en-GB" dirty="0"/>
-              <a:t>QUANTIFY + DEQUANTIFY</a:t>
-            </a:r>
-            <a:endParaRPr lang="ca-ES" dirty="0"/>
-          </a:p>
-        </p:txBody>
-      </p:sp>
-      <p:pic>
-        <p:nvPicPr>
-          <p:cNvPr id="8" name="Content Placeholder 6">
-            <a:extLst>
-              <a:ext uri="{FF2B5EF4-FFF2-40B4-BE49-F238E27FC236}">
-                <a16:creationId xmlns:a16="http://schemas.microsoft.com/office/drawing/2014/main" id="{3F1D38FC-50D1-4ABA-8C78-329A25E0C75F}"/>
-              </a:ext>
-            </a:extLst>
-          </p:cNvPr>
-          <p:cNvPicPr>
-            <a:picLocks noChangeAspect="1"/>
-          </p:cNvPicPr>
-          <p:nvPr/>
-        </p:nvPicPr>
-        <p:blipFill>
-          <a:blip r:embed="rId2"/>
-          <a:stretch>
-            <a:fillRect/>
-          </a:stretch>
-        </p:blipFill>
-        <p:spPr>
-          <a:xfrm>
-            <a:off x="8054992" y="312022"/>
-            <a:ext cx="3854311" cy="1733053"/>
-          </a:xfrm>
-          <a:prstGeom prst="rect">
-            <a:avLst/>
-          </a:prstGeom>
-        </p:spPr>
-      </p:pic>
-      <mc:AlternateContent xmlns:mc="http://schemas.openxmlformats.org/markup-compatibility/2006" xmlns:a14="http://schemas.microsoft.com/office/drawing/2010/main">
-        <mc:Choice Requires="a14">
-          <p:sp>
-            <p:nvSpPr>
-              <p:cNvPr id="4" name="Content Placeholder 3">
-                <a:extLst>
-                  <a:ext uri="{FF2B5EF4-FFF2-40B4-BE49-F238E27FC236}">
-                    <a16:creationId xmlns:a16="http://schemas.microsoft.com/office/drawing/2014/main" id="{2DA04549-CFFD-4842-87AF-834F6871D608}"/>
-                  </a:ext>
-                </a:extLst>
-              </p:cNvPr>
-              <p:cNvSpPr>
-                <a:spLocks noGrp="1"/>
-              </p:cNvSpPr>
-              <p:nvPr>
-                <p:ph idx="1"/>
-              </p:nvPr>
-            </p:nvSpPr>
-            <p:spPr/>
-            <p:txBody>
-              <a:bodyPr/>
-              <a:lstStyle/>
-              <a:p>
-                <a:pPr lvl="1"/>
-                <a:r>
-                  <a:rPr lang="en-GB" sz="2400" dirty="0"/>
-                  <a:t> Mapping using </a:t>
-                </a:r>
-                <a14:m>
-                  <m:oMath xmlns:m="http://schemas.openxmlformats.org/officeDocument/2006/math">
-                    <m:r>
-                      <a:rPr lang="ca-ES" sz="2400" b="0" i="1" smtClean="0">
-                        <a:latin typeface="Cambria Math" panose="02040503050406030204" pitchFamily="18" charset="0"/>
-                      </a:rPr>
-                      <m:t>⁡</m:t>
-                    </m:r>
-                    <m:r>
-                      <a:rPr lang="ca-ES" sz="2400" b="0" i="1" smtClean="0">
-                        <a:latin typeface="Cambria Math" panose="02040503050406030204" pitchFamily="18" charset="0"/>
-                      </a:rPr>
-                      <m:t>𝑎𝑟𝑐𝑠𝑖𝑛</m:t>
-                    </m:r>
-                    <m:r>
-                      <a:rPr lang="ca-ES" sz="2400" b="0" i="1" smtClean="0">
-                        <a:latin typeface="Cambria Math" panose="02040503050406030204" pitchFamily="18" charset="0"/>
-                      </a:rPr>
-                      <m:t>(</m:t>
-                    </m:r>
-                    <m:r>
-                      <a:rPr lang="ca-ES" sz="2400" b="0" i="1" smtClean="0">
-                        <a:latin typeface="Cambria Math" panose="02040503050406030204" pitchFamily="18" charset="0"/>
-                      </a:rPr>
-                      <m:t>𝑘</m:t>
-                    </m:r>
-                    <m:r>
-                      <a:rPr lang="ca-ES" sz="2400" b="0" i="1" smtClean="0">
-                        <a:latin typeface="Cambria Math" panose="02040503050406030204" pitchFamily="18" charset="0"/>
-                      </a:rPr>
-                      <m:t>)</m:t>
-                    </m:r>
-                  </m:oMath>
-                </a14:m>
-                <a:r>
-                  <a:rPr lang="ca-ES" sz="2400" dirty="0"/>
-                  <a:t> → </a:t>
-                </a:r>
-                <a:r>
-                  <a:rPr lang="en-GB" sz="2400" dirty="0"/>
-                  <a:t>allows us to use uniform quantization</a:t>
-                </a:r>
-              </a:p>
-              <a:p>
-                <a:pPr lvl="2"/>
-                <a:r>
-                  <a:rPr lang="en-GB" sz="2000" dirty="0"/>
-                  <a:t>Range </a:t>
-                </a:r>
-                <a:r>
-                  <a:rPr lang="ca-ES" sz="2000" dirty="0"/>
-                  <a:t>→ </a:t>
-                </a:r>
-                <a14:m>
-                  <m:oMath xmlns:m="http://schemas.openxmlformats.org/officeDocument/2006/math">
-                    <m:d>
-                      <m:dPr>
-                        <m:begChr m:val="["/>
-                        <m:endChr m:val="]"/>
-                        <m:ctrlPr>
-                          <a:rPr lang="ca-ES" sz="2000" i="1" smtClean="0">
-                            <a:latin typeface="Cambria Math" panose="02040503050406030204" pitchFamily="18" charset="0"/>
-                          </a:rPr>
-                        </m:ctrlPr>
-                      </m:dPr>
-                      <m:e>
-                        <m:r>
-                          <a:rPr lang="ca-ES" sz="2000" b="0" i="1" smtClean="0">
-                            <a:latin typeface="Cambria Math" panose="02040503050406030204" pitchFamily="18" charset="0"/>
-                          </a:rPr>
-                          <m:t>−</m:t>
-                        </m:r>
-                        <m:f>
-                          <m:fPr>
-                            <m:type m:val="lin"/>
-                            <m:ctrlPr>
-                              <a:rPr lang="ca-ES" sz="2000" b="0" i="1" smtClean="0">
-                                <a:latin typeface="Cambria Math" panose="02040503050406030204" pitchFamily="18" charset="0"/>
-                              </a:rPr>
-                            </m:ctrlPr>
-                          </m:fPr>
-                          <m:num>
-                            <m:r>
-                              <a:rPr lang="ca-ES" sz="2000" b="0" i="1" smtClean="0">
-                                <a:latin typeface="Cambria Math" panose="02040503050406030204" pitchFamily="18" charset="0"/>
-                                <a:ea typeface="Cambria Math" panose="02040503050406030204" pitchFamily="18" charset="0"/>
-                              </a:rPr>
-                              <m:t>𝜋</m:t>
-                            </m:r>
-                          </m:num>
-                          <m:den>
-                            <m:r>
-                              <a:rPr lang="ca-ES" sz="2000" b="0" i="1" smtClean="0">
-                                <a:latin typeface="Cambria Math" panose="02040503050406030204" pitchFamily="18" charset="0"/>
-                              </a:rPr>
-                              <m:t>2</m:t>
-                            </m:r>
-                          </m:den>
-                        </m:f>
-                        <m:r>
-                          <a:rPr lang="ca-ES" sz="2000" b="0" i="1" smtClean="0">
-                            <a:latin typeface="Cambria Math" panose="02040503050406030204" pitchFamily="18" charset="0"/>
-                          </a:rPr>
-                          <m:t>,</m:t>
-                        </m:r>
-                        <m:f>
-                          <m:fPr>
-                            <m:type m:val="lin"/>
-                            <m:ctrlPr>
-                              <a:rPr lang="ca-ES" sz="2000" i="1">
-                                <a:latin typeface="Cambria Math" panose="02040503050406030204" pitchFamily="18" charset="0"/>
-                              </a:rPr>
-                            </m:ctrlPr>
-                          </m:fPr>
-                          <m:num>
-                            <m:r>
-                              <a:rPr lang="ca-ES" sz="2000" i="1">
-                                <a:latin typeface="Cambria Math" panose="02040503050406030204" pitchFamily="18" charset="0"/>
-                                <a:ea typeface="Cambria Math" panose="02040503050406030204" pitchFamily="18" charset="0"/>
-                              </a:rPr>
-                              <m:t>𝜋</m:t>
-                            </m:r>
-                          </m:num>
-                          <m:den>
-                            <m:r>
-                              <a:rPr lang="ca-ES" sz="2000" i="1">
-                                <a:latin typeface="Cambria Math" panose="02040503050406030204" pitchFamily="18" charset="0"/>
-                              </a:rPr>
-                              <m:t>2</m:t>
-                            </m:r>
-                          </m:den>
-                        </m:f>
-                      </m:e>
-                    </m:d>
-                  </m:oMath>
-                </a14:m>
-                <a:endParaRPr lang="en-GB" sz="2000" dirty="0"/>
-              </a:p>
-              <a:p>
-                <a:pPr lvl="1"/>
-                <a:r>
-                  <a:rPr lang="en-GB" sz="2400" dirty="0"/>
-                  <a:t> Uniform quantifier</a:t>
-                </a:r>
-              </a:p>
-              <a:p>
-                <a:pPr lvl="2"/>
-                <a:r>
-                  <a:rPr lang="ca-ES" sz="2000" dirty="0"/>
-                  <a:t>MID-RISER </a:t>
-                </a:r>
-              </a:p>
-              <a:p>
-                <a:pPr lvl="3"/>
-                <a14:m>
-                  <m:oMath xmlns:m="http://schemas.openxmlformats.org/officeDocument/2006/math">
-                    <m:r>
-                      <a:rPr lang="ca-ES" sz="2000" i="1">
-                        <a:latin typeface="Cambria Math" panose="02040503050406030204" pitchFamily="18" charset="0"/>
-                      </a:rPr>
-                      <m:t>𝑏</m:t>
-                    </m:r>
-                    <m:r>
-                      <a:rPr lang="ca-ES" sz="2000" i="1">
-                        <a:latin typeface="Cambria Math" panose="02040503050406030204" pitchFamily="18" charset="0"/>
-                      </a:rPr>
-                      <m:t>=7</m:t>
-                    </m:r>
-                  </m:oMath>
-                </a14:m>
-                <a:endParaRPr lang="en-GB" sz="2000" dirty="0"/>
-              </a:p>
-              <a:p>
-                <a:pPr lvl="1"/>
-                <a:r>
-                  <a:rPr lang="en-GB" sz="2400" dirty="0"/>
-                  <a:t> Send to the multiplexer </a:t>
-                </a:r>
-                <a:r>
-                  <a:rPr lang="ca-ES" sz="2400" dirty="0"/>
-                  <a:t>→</a:t>
-                </a:r>
-                <a:r>
-                  <a:rPr lang="en-GB" sz="2400" dirty="0"/>
-                  <a:t> fixed-length coding using </a:t>
-                </a:r>
-                <a14:m>
-                  <m:oMath xmlns:m="http://schemas.openxmlformats.org/officeDocument/2006/math">
-                    <m:r>
-                      <a:rPr lang="ca-ES" sz="2400" i="1">
-                        <a:latin typeface="Cambria Math" panose="02040503050406030204" pitchFamily="18" charset="0"/>
-                      </a:rPr>
-                      <m:t>𝑏</m:t>
-                    </m:r>
-                  </m:oMath>
-                </a14:m>
-                <a:r>
-                  <a:rPr lang="en-GB" sz="2400" dirty="0"/>
-                  <a:t> bits</a:t>
-                </a:r>
-              </a:p>
-              <a:p>
-                <a:endParaRPr lang="en-GB" dirty="0"/>
-              </a:p>
-            </p:txBody>
-          </p:sp>
-        </mc:Choice>
-        <mc:Fallback xmlns="">
-          <p:sp>
-            <p:nvSpPr>
-              <p:cNvPr id="4" name="Content Placeholder 3">
-                <a:extLst>
-                  <a:ext uri="{FF2B5EF4-FFF2-40B4-BE49-F238E27FC236}">
-                    <a16:creationId xmlns:a16="http://schemas.microsoft.com/office/drawing/2014/main" id="{2DA04549-CFFD-4842-87AF-834F6871D608}"/>
-                  </a:ext>
-                </a:extLst>
-              </p:cNvPr>
-              <p:cNvSpPr>
-                <a:spLocks noGrp="1" noRot="1" noChangeAspect="1" noMove="1" noResize="1" noEditPoints="1" noAdjustHandles="1" noChangeArrowheads="1" noChangeShapeType="1" noTextEdit="1"/>
-              </p:cNvSpPr>
-              <p:nvPr>
-                <p:ph idx="1"/>
-              </p:nvPr>
-            </p:nvSpPr>
-            <p:spPr>
-              <a:blipFill>
-                <a:blip r:embed="rId3"/>
-                <a:stretch>
-                  <a:fillRect t="-2273"/>
-                </a:stretch>
-              </a:blipFill>
-            </p:spPr>
-            <p:txBody>
-              <a:bodyPr/>
-              <a:lstStyle/>
-              <a:p>
-                <a:r>
-                  <a:rPr lang="en-GB">
-                    <a:noFill/>
-                  </a:rPr>
-                  <a:t> </a:t>
-                </a:r>
-              </a:p>
-            </p:txBody>
-          </p:sp>
-        </mc:Fallback>
-      </mc:AlternateContent>
-      <p:sp>
-        <p:nvSpPr>
-          <p:cNvPr id="9" name="Rectangle 8">
-            <a:extLst>
-              <a:ext uri="{FF2B5EF4-FFF2-40B4-BE49-F238E27FC236}">
-                <a16:creationId xmlns:a16="http://schemas.microsoft.com/office/drawing/2014/main" id="{879AA0F0-0976-4641-9CEE-F318896BAB32}"/>
-              </a:ext>
-            </a:extLst>
-          </p:cNvPr>
-          <p:cNvSpPr/>
-          <p:nvPr/>
-        </p:nvSpPr>
-        <p:spPr>
-          <a:xfrm>
-            <a:off x="9015140" y="1404731"/>
-            <a:ext cx="1359569" cy="490330"/>
-          </a:xfrm>
-          <a:prstGeom prst="rect">
-            <a:avLst/>
-          </a:prstGeom>
-          <a:noFill/>
-          <a:ln w="76200">
-            <a:solidFill>
-              <a:schemeClr val="accent2">
-                <a:lumMod val="75000"/>
-              </a:schemeClr>
-            </a:solidFill>
-          </a:ln>
-        </p:spPr>
-        <p:style>
-          <a:lnRef idx="2">
-            <a:schemeClr val="accent1">
-              <a:shade val="50000"/>
-            </a:schemeClr>
-          </a:lnRef>
-          <a:fillRef idx="1">
-            <a:schemeClr val="accent1"/>
-          </a:fillRef>
-          <a:effectRef idx="0">
-            <a:schemeClr val="accent1"/>
-          </a:effectRef>
-          <a:fontRef idx="minor">
-            <a:schemeClr val="lt1"/>
-          </a:fontRef>
-        </p:style>
-        <p:txBody>
-          <a:bodyPr rtlCol="0" anchor="ctr"/>
-          <a:lstStyle/>
-          <a:p>
-            <a:pPr algn="ctr"/>
-            <a:endParaRPr lang="ca-ES"/>
-          </a:p>
-        </p:txBody>
-      </p:sp>
-    </p:spTree>
-    <p:extLst>
-      <p:ext uri="{BB962C8B-B14F-4D97-AF65-F5344CB8AC3E}">
-        <p14:creationId xmlns:p14="http://schemas.microsoft.com/office/powerpoint/2010/main" val="3497219331"/>
-      </p:ext>
-    </p:extLst>
-  </p:cSld>
-  <p:clrMapOvr>
-    <a:masterClrMapping/>
-  </p:clrMapOvr>
-</p:sld>
-</file>
-
-<file path=ppt/slides/slide7.xml><?xml version="1.0" encoding="utf-8"?>
-<p:sld xmlns:a="http://schemas.openxmlformats.org/drawingml/2006/main" xmlns:r="http://schemas.openxmlformats.org/officeDocument/2006/relationships" xmlns:p="http://schemas.openxmlformats.org/presentationml/2006/main">
-  <p:cSld>
-    <p:spTree>
-      <p:nvGrpSpPr>
-        <p:cNvPr id="1" name=""/>
-        <p:cNvGrpSpPr/>
-        <p:nvPr/>
-      </p:nvGrpSpPr>
-      <p:grpSpPr>
-        <a:xfrm>
-          <a:off x="0" y="0"/>
-          <a:ext cx="0" cy="0"/>
-          <a:chOff x="0" y="0"/>
-          <a:chExt cx="0" cy="0"/>
-        </a:xfrm>
-      </p:grpSpPr>
-      <p:sp>
-        <p:nvSpPr>
-          <p:cNvPr id="2" name="Title 1">
-            <a:extLst>
-              <a:ext uri="{FF2B5EF4-FFF2-40B4-BE49-F238E27FC236}">
-                <a16:creationId xmlns:a16="http://schemas.microsoft.com/office/drawing/2014/main" id="{CB198841-4CC7-482F-AB3D-233D9497D615}"/>
-              </a:ext>
-            </a:extLst>
-          </p:cNvPr>
-          <p:cNvSpPr>
-            <a:spLocks noGrp="1"/>
-          </p:cNvSpPr>
-          <p:nvPr>
-            <p:ph type="title"/>
-          </p:nvPr>
-        </p:nvSpPr>
-        <p:spPr/>
-        <p:txBody>
-          <a:bodyPr/>
-          <a:lstStyle/>
-          <a:p>
-            <a:r>
-              <a:rPr lang="en-GB" dirty="0"/>
-              <a:t>Parcor to </a:t>
-            </a:r>
-            <a:r>
-              <a:rPr lang="en-GB" dirty="0" err="1"/>
-              <a:t>lpc</a:t>
-            </a:r>
-            <a:r>
-              <a:rPr lang="en-GB" dirty="0"/>
-              <a:t> + predictor</a:t>
-            </a:r>
-          </a:p>
-        </p:txBody>
-      </p:sp>
-      <mc:AlternateContent xmlns:mc="http://schemas.openxmlformats.org/markup-compatibility/2006" xmlns:a14="http://schemas.microsoft.com/office/drawing/2010/main">
-        <mc:Choice Requires="a14">
-          <p:sp>
-            <p:nvSpPr>
-              <p:cNvPr id="3" name="Content Placeholder 2">
-                <a:extLst>
-                  <a:ext uri="{FF2B5EF4-FFF2-40B4-BE49-F238E27FC236}">
-                    <a16:creationId xmlns:a16="http://schemas.microsoft.com/office/drawing/2014/main" id="{BD554C32-E509-409B-B4A7-BD245A709222}"/>
-                  </a:ext>
-                </a:extLst>
-              </p:cNvPr>
-              <p:cNvSpPr>
-                <a:spLocks noGrp="1"/>
-              </p:cNvSpPr>
-              <p:nvPr>
-                <p:ph idx="1"/>
-              </p:nvPr>
-            </p:nvSpPr>
-            <p:spPr>
-              <a:xfrm>
-                <a:off x="1024128" y="2286000"/>
-                <a:ext cx="10598377" cy="4023360"/>
-              </a:xfrm>
-            </p:spPr>
-            <p:txBody>
-              <a:bodyPr>
-                <a:normAutofit/>
-              </a:bodyPr>
-              <a:lstStyle/>
-              <a:p>
-                <a:pPr lvl="1"/>
-                <a:r>
-                  <a:rPr lang="en-GB" sz="2800" dirty="0"/>
-                  <a:t> To get </a:t>
-                </a:r>
-                <a:r>
-                  <a:rPr lang="en-GB" sz="2800" dirty="0">
-                    <a:solidFill>
-                      <a:schemeClr val="accent2">
-                        <a:lumMod val="75000"/>
-                      </a:schemeClr>
-                    </a:solidFill>
-                  </a:rPr>
-                  <a:t>LPC coefficients </a:t>
-                </a:r>
-                <a:r>
-                  <a:rPr lang="en-GB" sz="2800" dirty="0"/>
-                  <a:t>(</a:t>
-                </a:r>
-                <a14:m>
-                  <m:oMath xmlns:m="http://schemas.openxmlformats.org/officeDocument/2006/math">
-                    <m:sSub>
-                      <m:sSubPr>
-                        <m:ctrlPr>
-                          <a:rPr lang="ca-ES" sz="2800" i="1">
-                            <a:latin typeface="Cambria Math" panose="02040503050406030204" pitchFamily="18" charset="0"/>
-                          </a:rPr>
-                        </m:ctrlPr>
-                      </m:sSubPr>
-                      <m:e>
-                        <m:r>
-                          <a:rPr lang="ca-ES" sz="2800" i="1">
-                            <a:latin typeface="Cambria Math" panose="02040503050406030204" pitchFamily="18" charset="0"/>
-                          </a:rPr>
-                          <m:t>𝑎</m:t>
-                        </m:r>
-                      </m:e>
-                      <m:sub>
-                        <m:r>
-                          <a:rPr lang="ca-ES" sz="2800" i="1">
-                            <a:latin typeface="Cambria Math" panose="02040503050406030204" pitchFamily="18" charset="0"/>
-                          </a:rPr>
-                          <m:t>𝑘</m:t>
-                        </m:r>
-                      </m:sub>
-                    </m:sSub>
-                  </m:oMath>
-                </a14:m>
-                <a:r>
-                  <a:rPr lang="en-GB" sz="2800" dirty="0"/>
-                  <a:t>)</a:t>
-                </a:r>
-                <a:r>
-                  <a:rPr lang="en-GB" sz="2800" dirty="0">
-                    <a:solidFill>
-                      <a:schemeClr val="accent2">
-                        <a:lumMod val="75000"/>
-                      </a:schemeClr>
-                    </a:solidFill>
-                  </a:rPr>
-                  <a:t> </a:t>
-                </a:r>
-                <a:r>
-                  <a:rPr lang="en-GB" dirty="0"/>
-                  <a:t>→ </a:t>
-                </a:r>
-                <a:r>
-                  <a:rPr lang="en-GB" sz="2800" dirty="0"/>
-                  <a:t>Repeat Levinson – Durbin algorithm</a:t>
-                </a:r>
-              </a:p>
-              <a:p>
-                <a:pPr lvl="1"/>
-                <a:r>
-                  <a:rPr lang="en-GB" sz="2800" dirty="0"/>
-                  <a:t> </a:t>
-                </a:r>
-                <a:r>
-                  <a:rPr lang="en-GB" sz="2800" dirty="0">
-                    <a:solidFill>
-                      <a:schemeClr val="accent2">
-                        <a:lumMod val="75000"/>
-                      </a:schemeClr>
-                    </a:solidFill>
-                  </a:rPr>
-                  <a:t>Predictor</a:t>
-                </a:r>
-                <a:r>
-                  <a:rPr lang="ca-ES" sz="2800" dirty="0"/>
-                  <a:t> → </a:t>
-                </a:r>
-                <a:r>
-                  <a:rPr lang="en-GB" sz="2800" dirty="0"/>
-                  <a:t>Filters frame using coefficients:</a:t>
-                </a:r>
-              </a:p>
-              <a:p>
-                <a:pPr marL="128016" lvl="1" indent="0">
-                  <a:buNone/>
-                </a:pPr>
-                <a:r>
-                  <a:rPr lang="en-GB" sz="2800" dirty="0"/>
-                  <a:t> </a:t>
-                </a:r>
-              </a:p>
-              <a:p>
-                <a:pPr marL="128016" lvl="1" indent="0" algn="ctr">
-                  <a:buNone/>
-                </a:pPr>
-                <a14:m>
-                  <m:oMathPara xmlns:m="http://schemas.openxmlformats.org/officeDocument/2006/math">
-                    <m:oMathParaPr>
-                      <m:jc m:val="centerGroup"/>
-                    </m:oMathParaPr>
-                    <m:oMath xmlns:m="http://schemas.openxmlformats.org/officeDocument/2006/math">
-                      <m:sSub>
-                        <m:sSubPr>
-                          <m:ctrlPr>
-                            <a:rPr lang="ca-ES" sz="2800" i="1" smtClean="0">
-                              <a:latin typeface="Cambria Math" panose="02040503050406030204" pitchFamily="18" charset="0"/>
-                            </a:rPr>
-                          </m:ctrlPr>
-                        </m:sSubPr>
-                        <m:e>
-                          <m:acc>
-                            <m:accPr>
-                              <m:chr m:val="̂"/>
-                              <m:ctrlPr>
-                                <a:rPr lang="ca-ES" sz="2800" i="1" smtClean="0">
-                                  <a:latin typeface="Cambria Math" panose="02040503050406030204" pitchFamily="18" charset="0"/>
-                                </a:rPr>
-                              </m:ctrlPr>
-                            </m:accPr>
-                            <m:e>
-                              <m:r>
-                                <a:rPr lang="ca-ES" sz="2800" b="0" i="1" smtClean="0">
-                                  <a:latin typeface="Cambria Math" panose="02040503050406030204" pitchFamily="18" charset="0"/>
-                                </a:rPr>
-                                <m:t>𝑥</m:t>
-                              </m:r>
-                            </m:e>
-                          </m:acc>
-                        </m:e>
-                        <m:sub>
-                          <m:r>
-                            <a:rPr lang="ca-ES" sz="2800" i="1">
-                              <a:latin typeface="Cambria Math" panose="02040503050406030204" pitchFamily="18" charset="0"/>
-                            </a:rPr>
-                            <m:t>𝑖</m:t>
-                          </m:r>
-                        </m:sub>
-                      </m:sSub>
-                      <m:r>
-                        <a:rPr lang="pt-BR" sz="2800" i="1">
-                          <a:latin typeface="Cambria Math" panose="02040503050406030204" pitchFamily="18" charset="0"/>
-                        </a:rPr>
-                        <m:t>=</m:t>
-                      </m:r>
-                      <m:d>
-                        <m:dPr>
-                          <m:begChr m:val="⌊"/>
-                          <m:endChr m:val="⌋"/>
-                          <m:ctrlPr>
-                            <a:rPr lang="pt-BR" sz="2800" i="1" smtClean="0">
-                              <a:latin typeface="Cambria Math" panose="02040503050406030204" pitchFamily="18" charset="0"/>
-                            </a:rPr>
-                          </m:ctrlPr>
-                        </m:dPr>
-                        <m:e>
-                          <m:nary>
-                            <m:naryPr>
-                              <m:chr m:val="∑"/>
-                              <m:ctrlPr>
-                                <a:rPr lang="pt-BR" sz="2800" i="1">
-                                  <a:latin typeface="Cambria Math" panose="02040503050406030204" pitchFamily="18" charset="0"/>
-                                </a:rPr>
-                              </m:ctrlPr>
-                            </m:naryPr>
-                            <m:sub>
-                              <m:r>
-                                <a:rPr lang="pt-BR" sz="2800" i="1">
-                                  <a:latin typeface="Cambria Math" panose="02040503050406030204" pitchFamily="18" charset="0"/>
-                                </a:rPr>
-                                <m:t>𝑘</m:t>
-                              </m:r>
-                              <m:r>
-                                <a:rPr lang="pt-BR" sz="2800" i="1">
-                                  <a:latin typeface="Cambria Math" panose="02040503050406030204" pitchFamily="18" charset="0"/>
-                                </a:rPr>
-                                <m:t>=1</m:t>
-                              </m:r>
-                            </m:sub>
-                            <m:sup>
-                              <m:r>
-                                <a:rPr lang="ca-ES" sz="2800" i="1">
-                                  <a:latin typeface="Cambria Math" panose="02040503050406030204" pitchFamily="18" charset="0"/>
-                                </a:rPr>
-                                <m:t>𝑝</m:t>
-                              </m:r>
-                            </m:sup>
-                            <m:e>
-                              <m:sSub>
-                                <m:sSubPr>
-                                  <m:ctrlPr>
-                                    <a:rPr lang="ca-ES" sz="2800" i="1">
-                                      <a:latin typeface="Cambria Math" panose="02040503050406030204" pitchFamily="18" charset="0"/>
-                                    </a:rPr>
-                                  </m:ctrlPr>
-                                </m:sSubPr>
-                                <m:e>
-                                  <m:r>
-                                    <a:rPr lang="ca-ES" sz="2800" i="1">
-                                      <a:latin typeface="Cambria Math" panose="02040503050406030204" pitchFamily="18" charset="0"/>
-                                    </a:rPr>
-                                    <m:t>𝑎</m:t>
-                                  </m:r>
-                                </m:e>
-                                <m:sub>
-                                  <m:r>
-                                    <a:rPr lang="ca-ES" sz="2800" i="1">
-                                      <a:latin typeface="Cambria Math" panose="02040503050406030204" pitchFamily="18" charset="0"/>
-                                    </a:rPr>
-                                    <m:t>𝑘</m:t>
-                                  </m:r>
-                                </m:sub>
-                              </m:sSub>
-                              <m:sSub>
-                                <m:sSubPr>
-                                  <m:ctrlPr>
-                                    <a:rPr lang="ca-ES" sz="2800" i="1">
-                                      <a:latin typeface="Cambria Math" panose="02040503050406030204" pitchFamily="18" charset="0"/>
-                                    </a:rPr>
-                                  </m:ctrlPr>
-                                </m:sSubPr>
-                                <m:e>
-                                  <m:r>
-                                    <a:rPr lang="ca-ES" sz="2800" i="1">
-                                      <a:latin typeface="Cambria Math" panose="02040503050406030204" pitchFamily="18" charset="0"/>
-                                    </a:rPr>
-                                    <m:t>𝑥</m:t>
-                                  </m:r>
-                                </m:e>
-                                <m:sub>
-                                  <m:r>
-                                    <a:rPr lang="ca-ES" sz="2800" i="1">
-                                      <a:latin typeface="Cambria Math" panose="02040503050406030204" pitchFamily="18" charset="0"/>
-                                    </a:rPr>
-                                    <m:t>𝑖</m:t>
-                                  </m:r>
-                                  <m:r>
-                                    <a:rPr lang="ca-ES" sz="2800" i="1">
-                                      <a:latin typeface="Cambria Math" panose="02040503050406030204" pitchFamily="18" charset="0"/>
-                                    </a:rPr>
-                                    <m:t>−</m:t>
-                                  </m:r>
-                                  <m:r>
-                                    <a:rPr lang="ca-ES" sz="2800" i="1">
-                                      <a:latin typeface="Cambria Math" panose="02040503050406030204" pitchFamily="18" charset="0"/>
-                                    </a:rPr>
-                                    <m:t>𝑘</m:t>
-                                  </m:r>
-                                </m:sub>
-                              </m:sSub>
-                            </m:e>
-                          </m:nary>
-                        </m:e>
-                      </m:d>
-                    </m:oMath>
-                  </m:oMathPara>
-                </a14:m>
-                <a:endParaRPr lang="en-GB" sz="2800" dirty="0">
-                  <a:solidFill>
-                    <a:schemeClr val="accent2">
-                      <a:lumMod val="75000"/>
-                    </a:schemeClr>
-                  </a:solidFill>
-                </a:endParaRPr>
-              </a:p>
-              <a:p>
-                <a:pPr lvl="1"/>
-                <a:r>
-                  <a:rPr lang="en-GB" sz="2800" dirty="0"/>
-                  <a:t> </a:t>
-                </a:r>
-                <a:r>
-                  <a:rPr lang="en-GB" sz="2800" dirty="0">
-                    <a:solidFill>
-                      <a:schemeClr val="accent2">
-                        <a:lumMod val="75000"/>
-                      </a:schemeClr>
-                    </a:solidFill>
-                  </a:rPr>
-                  <a:t>Residual </a:t>
-                </a:r>
-                <a:endParaRPr lang="en-GB" dirty="0"/>
-              </a:p>
-              <a:p>
-                <a:pPr marL="128016" lvl="1" indent="0">
-                  <a:buNone/>
-                </a:pPr>
-                <a:endParaRPr lang="en-GB" dirty="0"/>
-              </a:p>
-              <a:p>
-                <a:pPr marL="128016" lvl="1" indent="0">
-                  <a:buNone/>
-                </a:pPr>
-                <a14:m>
-                  <m:oMathPara xmlns:m="http://schemas.openxmlformats.org/officeDocument/2006/math">
-                    <m:oMathParaPr>
-                      <m:jc m:val="centerGroup"/>
-                    </m:oMathParaPr>
-                    <m:oMath xmlns:m="http://schemas.openxmlformats.org/officeDocument/2006/math">
-                      <m:r>
-                        <a:rPr lang="ca-ES" sz="2800" i="1">
-                          <a:latin typeface="Cambria Math" panose="02040503050406030204" pitchFamily="18" charset="0"/>
-                        </a:rPr>
-                        <m:t>𝑟</m:t>
-                      </m:r>
-                      <m:r>
-                        <a:rPr lang="ca-ES" sz="2800" b="0" i="1" smtClean="0">
-                          <a:latin typeface="Cambria Math" panose="02040503050406030204" pitchFamily="18" charset="0"/>
-                        </a:rPr>
-                        <m:t>𝑒𝑠𝑖𝑑𝑢𝑎</m:t>
-                      </m:r>
-                      <m:sSub>
-                        <m:sSubPr>
-                          <m:ctrlPr>
-                            <a:rPr lang="ca-ES" sz="2800" b="0" i="1" smtClean="0">
-                              <a:latin typeface="Cambria Math" panose="02040503050406030204" pitchFamily="18" charset="0"/>
-                            </a:rPr>
-                          </m:ctrlPr>
-                        </m:sSubPr>
-                        <m:e>
-                          <m:r>
-                            <a:rPr lang="ca-ES" sz="2800" b="0" i="1" smtClean="0">
-                              <a:latin typeface="Cambria Math" panose="02040503050406030204" pitchFamily="18" charset="0"/>
-                            </a:rPr>
-                            <m:t>𝑙</m:t>
-                          </m:r>
-                        </m:e>
-                        <m:sub>
-                          <m:r>
-                            <a:rPr lang="ca-ES" sz="2800" b="0" i="1" smtClean="0">
-                              <a:latin typeface="Cambria Math" panose="02040503050406030204" pitchFamily="18" charset="0"/>
-                            </a:rPr>
-                            <m:t>𝑖</m:t>
-                          </m:r>
-                        </m:sub>
-                      </m:sSub>
-                      <m:r>
-                        <a:rPr lang="pt-BR" sz="2800" i="1">
-                          <a:latin typeface="Cambria Math" panose="02040503050406030204" pitchFamily="18" charset="0"/>
-                        </a:rPr>
-                        <m:t>=</m:t>
-                      </m:r>
-                      <m:sSub>
-                        <m:sSubPr>
-                          <m:ctrlPr>
-                            <a:rPr lang="ca-ES" sz="2800" b="0" i="1" smtClean="0">
-                              <a:latin typeface="Cambria Math" panose="02040503050406030204" pitchFamily="18" charset="0"/>
-                            </a:rPr>
-                          </m:ctrlPr>
-                        </m:sSubPr>
-                        <m:e>
-                          <m:r>
-                            <a:rPr lang="ca-ES" sz="2800" b="0" i="1" smtClean="0">
-                              <a:latin typeface="Cambria Math" panose="02040503050406030204" pitchFamily="18" charset="0"/>
-                            </a:rPr>
-                            <m:t>𝑥</m:t>
-                          </m:r>
-                        </m:e>
-                        <m:sub>
-                          <m:r>
-                            <a:rPr lang="ca-ES" sz="2800" b="0" i="1" smtClean="0">
-                              <a:latin typeface="Cambria Math" panose="02040503050406030204" pitchFamily="18" charset="0"/>
-                            </a:rPr>
-                            <m:t>𝑖</m:t>
-                          </m:r>
-                        </m:sub>
-                      </m:sSub>
-                      <m:r>
-                        <a:rPr lang="ca-ES" sz="2800" b="0" i="1" smtClean="0">
-                          <a:latin typeface="Cambria Math" panose="02040503050406030204" pitchFamily="18" charset="0"/>
-                        </a:rPr>
-                        <m:t>+</m:t>
-                      </m:r>
-                      <m:sSub>
-                        <m:sSubPr>
-                          <m:ctrlPr>
-                            <a:rPr lang="ca-ES" sz="2800" b="0" i="1" smtClean="0">
-                              <a:latin typeface="Cambria Math" panose="02040503050406030204" pitchFamily="18" charset="0"/>
-                            </a:rPr>
-                          </m:ctrlPr>
-                        </m:sSubPr>
-                        <m:e>
-                          <m:acc>
-                            <m:accPr>
-                              <m:chr m:val="̂"/>
-                              <m:ctrlPr>
-                                <a:rPr lang="ca-ES" sz="2800" i="1">
-                                  <a:latin typeface="Cambria Math" panose="02040503050406030204" pitchFamily="18" charset="0"/>
-                                </a:rPr>
-                              </m:ctrlPr>
-                            </m:accPr>
-                            <m:e>
-                              <m:r>
-                                <a:rPr lang="ca-ES" sz="2800" i="1">
-                                  <a:latin typeface="Cambria Math" panose="02040503050406030204" pitchFamily="18" charset="0"/>
-                                </a:rPr>
-                                <m:t>𝑥</m:t>
-                              </m:r>
-                            </m:e>
-                          </m:acc>
-                        </m:e>
-                        <m:sub>
-                          <m:r>
-                            <a:rPr lang="ca-ES" sz="2800" b="0" i="1" smtClean="0">
-                              <a:latin typeface="Cambria Math" panose="02040503050406030204" pitchFamily="18" charset="0"/>
-                            </a:rPr>
-                            <m:t>𝑖</m:t>
-                          </m:r>
-                        </m:sub>
-                      </m:sSub>
-                    </m:oMath>
-                  </m:oMathPara>
-                </a14:m>
-                <a:endParaRPr lang="ca-ES" sz="2800" b="0" dirty="0"/>
-              </a:p>
-              <a:p>
-                <a:pPr marL="128016" lvl="1" indent="0">
-                  <a:buNone/>
-                </a:pPr>
-                <a:endParaRPr lang="ca-ES" sz="2800" dirty="0"/>
-              </a:p>
-            </p:txBody>
-          </p:sp>
-        </mc:Choice>
-        <mc:Fallback xmlns="">
-          <p:sp>
-            <p:nvSpPr>
-              <p:cNvPr id="3" name="Content Placeholder 2">
-                <a:extLst>
-                  <a:ext uri="{FF2B5EF4-FFF2-40B4-BE49-F238E27FC236}">
-                    <a16:creationId xmlns:a16="http://schemas.microsoft.com/office/drawing/2014/main" id="{BD554C32-E509-409B-B4A7-BD245A709222}"/>
-                  </a:ext>
-                </a:extLst>
-              </p:cNvPr>
-              <p:cNvSpPr>
-                <a:spLocks noGrp="1" noRot="1" noChangeAspect="1" noMove="1" noResize="1" noEditPoints="1" noAdjustHandles="1" noChangeArrowheads="1" noChangeShapeType="1" noTextEdit="1"/>
-              </p:cNvSpPr>
-              <p:nvPr>
-                <p:ph idx="1"/>
-              </p:nvPr>
-            </p:nvSpPr>
-            <p:spPr>
-              <a:xfrm>
-                <a:off x="1024128" y="2286000"/>
-                <a:ext cx="10598377" cy="4023360"/>
-              </a:xfrm>
-              <a:blipFill>
-                <a:blip r:embed="rId2"/>
-                <a:stretch>
-                  <a:fillRect l="-288" t="-2576"/>
-                </a:stretch>
-              </a:blipFill>
-            </p:spPr>
-            <p:txBody>
-              <a:bodyPr/>
-              <a:lstStyle/>
-              <a:p>
-                <a:r>
-                  <a:rPr lang="en-GB">
-                    <a:noFill/>
-                  </a:rPr>
-                  <a:t> </a:t>
-                </a:r>
-              </a:p>
-            </p:txBody>
-          </p:sp>
-        </mc:Fallback>
-      </mc:AlternateContent>
-      <p:pic>
-        <p:nvPicPr>
-          <p:cNvPr id="4" name="Content Placeholder 6">
-            <a:extLst>
-              <a:ext uri="{FF2B5EF4-FFF2-40B4-BE49-F238E27FC236}">
-                <a16:creationId xmlns:a16="http://schemas.microsoft.com/office/drawing/2014/main" id="{0225C262-0708-47BE-9AB0-0400CED7F198}"/>
-              </a:ext>
-            </a:extLst>
-          </p:cNvPr>
-          <p:cNvPicPr>
-            <a:picLocks noChangeAspect="1"/>
-          </p:cNvPicPr>
-          <p:nvPr/>
-        </p:nvPicPr>
-        <p:blipFill>
-          <a:blip r:embed="rId3"/>
-          <a:stretch>
-            <a:fillRect/>
-          </a:stretch>
-        </p:blipFill>
-        <p:spPr>
-          <a:xfrm>
-            <a:off x="8054992" y="351778"/>
-            <a:ext cx="3854311" cy="1733053"/>
-          </a:xfrm>
-          <a:prstGeom prst="rect">
-            <a:avLst/>
-          </a:prstGeom>
-        </p:spPr>
-      </p:pic>
-      <p:sp>
-        <p:nvSpPr>
-          <p:cNvPr id="5" name="Rectangle 4">
-            <a:extLst>
-              <a:ext uri="{FF2B5EF4-FFF2-40B4-BE49-F238E27FC236}">
-                <a16:creationId xmlns:a16="http://schemas.microsoft.com/office/drawing/2014/main" id="{BF50461C-7FE5-44C4-9180-5E7A35AA1E64}"/>
-              </a:ext>
-            </a:extLst>
-          </p:cNvPr>
-          <p:cNvSpPr/>
-          <p:nvPr/>
-        </p:nvSpPr>
-        <p:spPr>
-          <a:xfrm>
-            <a:off x="9107905" y="585215"/>
-            <a:ext cx="1359569" cy="978890"/>
-          </a:xfrm>
-          <a:prstGeom prst="rect">
-            <a:avLst/>
-          </a:prstGeom>
-          <a:noFill/>
-          <a:ln w="76200">
-            <a:solidFill>
-              <a:schemeClr val="accent2">
-                <a:lumMod val="75000"/>
-              </a:schemeClr>
-            </a:solidFill>
-          </a:ln>
-        </p:spPr>
-        <p:style>
-          <a:lnRef idx="2">
-            <a:schemeClr val="accent1">
-              <a:shade val="50000"/>
-            </a:schemeClr>
-          </a:lnRef>
-          <a:fillRef idx="1">
-            <a:schemeClr val="accent1"/>
-          </a:fillRef>
-          <a:effectRef idx="0">
-            <a:schemeClr val="accent1"/>
-          </a:effectRef>
-          <a:fontRef idx="minor">
-            <a:schemeClr val="lt1"/>
-          </a:fontRef>
-        </p:style>
-        <p:txBody>
-          <a:bodyPr rtlCol="0" anchor="ctr"/>
-          <a:lstStyle/>
-          <a:p>
-            <a:pPr algn="ctr"/>
-            <a:endParaRPr lang="ca-ES"/>
-          </a:p>
-        </p:txBody>
-      </p:sp>
-    </p:spTree>
-    <p:extLst>
-      <p:ext uri="{BB962C8B-B14F-4D97-AF65-F5344CB8AC3E}">
-        <p14:creationId xmlns:p14="http://schemas.microsoft.com/office/powerpoint/2010/main" val="2778688152"/>
-      </p:ext>
-    </p:extLst>
-  </p:cSld>
-  <p:clrMapOvr>
-    <a:masterClrMapping/>
-  </p:clrMapOvr>
-</p:sld>
-</file>
-
-<file path=ppt/slides/slide8.xml><?xml version="1.0" encoding="utf-8"?>
 <p:sld xmlns:a="http://schemas.openxmlformats.org/drawingml/2006/main" xmlns:r="http://schemas.openxmlformats.org/officeDocument/2006/relationships" xmlns:p="http://schemas.openxmlformats.org/presentationml/2006/main">
   <p:cSld>
     <p:spTree>
@@ -9766,6 +6131,35 @@
           </a:p>
         </p:txBody>
       </p:sp>
+      <p:pic>
+        <p:nvPicPr>
+          <p:cNvPr id="7" name="Picture 6">
+            <a:extLst>
+              <a:ext uri="{FF2B5EF4-FFF2-40B4-BE49-F238E27FC236}">
+                <a16:creationId xmlns:a16="http://schemas.microsoft.com/office/drawing/2014/main" id="{928E749F-CD08-47CC-9E31-2DA00B89BEE8}"/>
+              </a:ext>
+            </a:extLst>
+          </p:cNvPr>
+          <p:cNvPicPr>
+            <a:picLocks noChangeAspect="1"/>
+          </p:cNvPicPr>
+          <p:nvPr/>
+        </p:nvPicPr>
+        <p:blipFill rotWithShape="1">
+          <a:blip r:embed="rId4"/>
+          <a:srcRect l="8557" t="4828" r="6890" b="7468"/>
+          <a:stretch/>
+        </p:blipFill>
+        <p:spPr>
+          <a:xfrm>
+            <a:off x="8344617" y="4681267"/>
+            <a:ext cx="3305555" cy="2058838"/>
+          </a:xfrm>
+          <a:prstGeom prst="rect">
+            <a:avLst/>
+          </a:prstGeom>
+        </p:spPr>
+      </p:pic>
     </p:spTree>
     <p:extLst>
       <p:ext uri="{BB962C8B-B14F-4D97-AF65-F5344CB8AC3E}">
@@ -9779,7 +6173,7 @@
 </p:sld>
 </file>
 
-<file path=ppt/slides/slide9.xml><?xml version="1.0" encoding="utf-8"?>
+<file path=ppt/slides/slide13.xml><?xml version="1.0" encoding="utf-8"?>
 <p:sld xmlns:a="http://schemas.openxmlformats.org/drawingml/2006/main" xmlns:r="http://schemas.openxmlformats.org/officeDocument/2006/relationships" xmlns:p="http://schemas.openxmlformats.org/presentationml/2006/main">
   <p:cSld>
     <p:spTree>
@@ -9857,6 +6251,4538 @@
     <p:extLst>
       <p:ext uri="{BB962C8B-B14F-4D97-AF65-F5344CB8AC3E}">
         <p14:creationId xmlns:p14="http://schemas.microsoft.com/office/powerpoint/2010/main" val="434309592"/>
+      </p:ext>
+    </p:extLst>
+  </p:cSld>
+  <p:clrMapOvr>
+    <a:masterClrMapping/>
+  </p:clrMapOvr>
+</p:sld>
+</file>
+
+<file path=ppt/slides/slide14.xml><?xml version="1.0" encoding="utf-8"?>
+<p:sld xmlns:a="http://schemas.openxmlformats.org/drawingml/2006/main" xmlns:r="http://schemas.openxmlformats.org/officeDocument/2006/relationships" xmlns:p="http://schemas.openxmlformats.org/presentationml/2006/main">
+  <p:cSld>
+    <p:spTree>
+      <p:nvGrpSpPr>
+        <p:cNvPr id="1" name=""/>
+        <p:cNvGrpSpPr/>
+        <p:nvPr/>
+      </p:nvGrpSpPr>
+      <p:grpSpPr>
+        <a:xfrm>
+          <a:off x="0" y="0"/>
+          <a:ext cx="0" cy="0"/>
+          <a:chOff x="0" y="0"/>
+          <a:chExt cx="0" cy="0"/>
+        </a:xfrm>
+      </p:grpSpPr>
+      <p:sp>
+        <p:nvSpPr>
+          <p:cNvPr id="2" name="Title 1">
+            <a:extLst>
+              <a:ext uri="{FF2B5EF4-FFF2-40B4-BE49-F238E27FC236}">
+                <a16:creationId xmlns:a16="http://schemas.microsoft.com/office/drawing/2014/main" id="{F2C63845-C16E-450C-AE50-D535830C19F4}"/>
+              </a:ext>
+            </a:extLst>
+          </p:cNvPr>
+          <p:cNvSpPr>
+            <a:spLocks noGrp="1"/>
+          </p:cNvSpPr>
+          <p:nvPr>
+            <p:ph type="title"/>
+          </p:nvPr>
+        </p:nvSpPr>
+        <p:spPr/>
+        <p:txBody>
+          <a:bodyPr/>
+          <a:lstStyle/>
+          <a:p>
+            <a:r>
+              <a:rPr lang="en-GB" dirty="0"/>
+              <a:t>GOLOMB-RICE DECODER</a:t>
+            </a:r>
+          </a:p>
+        </p:txBody>
+      </p:sp>
+      <p:pic>
+        <p:nvPicPr>
+          <p:cNvPr id="4" name="Content Placeholder 6">
+            <a:extLst>
+              <a:ext uri="{FF2B5EF4-FFF2-40B4-BE49-F238E27FC236}">
+                <a16:creationId xmlns:a16="http://schemas.microsoft.com/office/drawing/2014/main" id="{E196837F-04CC-4507-9C5B-F448640F20DB}"/>
+              </a:ext>
+            </a:extLst>
+          </p:cNvPr>
+          <p:cNvPicPr>
+            <a:picLocks noChangeAspect="1"/>
+          </p:cNvPicPr>
+          <p:nvPr/>
+        </p:nvPicPr>
+        <p:blipFill>
+          <a:blip r:embed="rId2"/>
+          <a:stretch>
+            <a:fillRect/>
+          </a:stretch>
+        </p:blipFill>
+        <p:spPr>
+          <a:xfrm>
+            <a:off x="8054992" y="232033"/>
+            <a:ext cx="3854311" cy="1654488"/>
+          </a:xfrm>
+          <a:prstGeom prst="rect">
+            <a:avLst/>
+          </a:prstGeom>
+        </p:spPr>
+      </p:pic>
+      <p:sp>
+        <p:nvSpPr>
+          <p:cNvPr id="5" name="Rectangle 4">
+            <a:extLst>
+              <a:ext uri="{FF2B5EF4-FFF2-40B4-BE49-F238E27FC236}">
+                <a16:creationId xmlns:a16="http://schemas.microsoft.com/office/drawing/2014/main" id="{BF9BD0FF-FF06-419F-A129-9AD80E83CBDF}"/>
+              </a:ext>
+            </a:extLst>
+          </p:cNvPr>
+          <p:cNvSpPr/>
+          <p:nvPr/>
+        </p:nvSpPr>
+        <p:spPr>
+          <a:xfrm>
+            <a:off x="8966316" y="548640"/>
+            <a:ext cx="664304" cy="710317"/>
+          </a:xfrm>
+          <a:prstGeom prst="rect">
+            <a:avLst/>
+          </a:prstGeom>
+          <a:noFill/>
+          <a:ln w="76200">
+            <a:solidFill>
+              <a:schemeClr val="accent2">
+                <a:lumMod val="75000"/>
+              </a:schemeClr>
+            </a:solidFill>
+          </a:ln>
+        </p:spPr>
+        <p:style>
+          <a:lnRef idx="2">
+            <a:schemeClr val="accent1">
+              <a:shade val="50000"/>
+            </a:schemeClr>
+          </a:lnRef>
+          <a:fillRef idx="1">
+            <a:schemeClr val="accent1"/>
+          </a:fillRef>
+          <a:effectRef idx="0">
+            <a:schemeClr val="accent1"/>
+          </a:effectRef>
+          <a:fontRef idx="minor">
+            <a:schemeClr val="lt1"/>
+          </a:fontRef>
+        </p:style>
+        <p:txBody>
+          <a:bodyPr rtlCol="0" anchor="ctr"/>
+          <a:lstStyle/>
+          <a:p>
+            <a:pPr algn="ctr"/>
+            <a:endParaRPr lang="ca-ES"/>
+          </a:p>
+        </p:txBody>
+      </p:sp>
+      <mc:AlternateContent xmlns:mc="http://schemas.openxmlformats.org/markup-compatibility/2006" xmlns:a14="http://schemas.microsoft.com/office/drawing/2010/main">
+        <mc:Choice Requires="a14">
+          <p:sp>
+            <p:nvSpPr>
+              <p:cNvPr id="6" name="Content Placeholder 2">
+                <a:extLst>
+                  <a:ext uri="{FF2B5EF4-FFF2-40B4-BE49-F238E27FC236}">
+                    <a16:creationId xmlns:a16="http://schemas.microsoft.com/office/drawing/2014/main" id="{34D22F2E-B3E5-4FDF-82FC-99E31FBEFC0D}"/>
+                  </a:ext>
+                </a:extLst>
+              </p:cNvPr>
+              <p:cNvSpPr>
+                <a:spLocks noGrp="1"/>
+              </p:cNvSpPr>
+              <p:nvPr>
+                <p:ph idx="1"/>
+              </p:nvPr>
+            </p:nvSpPr>
+            <p:spPr>
+              <a:xfrm>
+                <a:off x="1024128" y="2286000"/>
+                <a:ext cx="10598377" cy="4023360"/>
+              </a:xfrm>
+            </p:spPr>
+            <p:txBody>
+              <a:bodyPr>
+                <a:normAutofit/>
+              </a:bodyPr>
+              <a:lstStyle/>
+              <a:p>
+                <a:pPr lvl="1"/>
+                <a:r>
+                  <a:rPr lang="en-GB" sz="2800" dirty="0"/>
+                  <a:t> Get </a:t>
+                </a:r>
+                <a:r>
+                  <a:rPr lang="en-GB" sz="2800" i="1" dirty="0">
+                    <a:solidFill>
+                      <a:schemeClr val="accent2">
+                        <a:lumMod val="75000"/>
+                      </a:schemeClr>
+                    </a:solidFill>
+                  </a:rPr>
+                  <a:t>m</a:t>
+                </a:r>
+                <a:r>
+                  <a:rPr lang="en-GB" sz="2800" dirty="0"/>
+                  <a:t> as side information</a:t>
+                </a:r>
+              </a:p>
+              <a:p>
+                <a:pPr lvl="1"/>
+                <a:r>
+                  <a:rPr lang="en-GB" sz="2800" dirty="0"/>
+                  <a:t> Splits codeword getting </a:t>
+                </a:r>
+                <a:r>
+                  <a:rPr lang="en-GB" sz="2800" i="1" dirty="0">
+                    <a:solidFill>
+                      <a:schemeClr val="accent2">
+                        <a:lumMod val="75000"/>
+                      </a:schemeClr>
+                    </a:solidFill>
+                  </a:rPr>
+                  <a:t>q</a:t>
+                </a:r>
+                <a:r>
+                  <a:rPr lang="en-GB" sz="2800" dirty="0"/>
+                  <a:t> and</a:t>
+                </a:r>
+                <a:r>
+                  <a:rPr lang="en-GB" sz="2800" i="1" dirty="0"/>
+                  <a:t> </a:t>
+                </a:r>
+                <a:r>
+                  <a:rPr lang="en-GB" sz="2800" i="1" dirty="0">
+                    <a:solidFill>
+                      <a:schemeClr val="accent2">
+                        <a:lumMod val="75000"/>
+                      </a:schemeClr>
+                    </a:solidFill>
+                  </a:rPr>
+                  <a:t>rem</a:t>
+                </a:r>
+                <a:r>
+                  <a:rPr lang="en-GB" sz="2800" i="1" dirty="0"/>
+                  <a:t>.</a:t>
+                </a:r>
+              </a:p>
+              <a:p>
+                <a:pPr lvl="2"/>
+                <a:r>
+                  <a:rPr lang="en-GB" sz="2400" dirty="0"/>
+                  <a:t>As we know </a:t>
+                </a:r>
+                <a:r>
+                  <a:rPr lang="en-GB" sz="2400" i="1" dirty="0">
+                    <a:solidFill>
+                      <a:schemeClr val="accent2">
+                        <a:lumMod val="75000"/>
+                      </a:schemeClr>
+                    </a:solidFill>
+                  </a:rPr>
+                  <a:t>m</a:t>
+                </a:r>
+                <a:r>
+                  <a:rPr lang="en-GB" sz="2400" dirty="0"/>
+                  <a:t> we know how many bits </a:t>
+                </a:r>
+                <a:r>
+                  <a:rPr lang="en-GB" sz="2400" i="1" dirty="0">
+                    <a:solidFill>
+                      <a:schemeClr val="accent2">
+                        <a:lumMod val="75000"/>
+                      </a:schemeClr>
+                    </a:solidFill>
+                  </a:rPr>
+                  <a:t>rem</a:t>
+                </a:r>
+                <a:r>
+                  <a:rPr lang="en-GB" sz="2400" dirty="0"/>
+                  <a:t> has.</a:t>
+                </a:r>
+              </a:p>
+              <a:p>
+                <a:pPr lvl="2"/>
+                <a:r>
+                  <a:rPr lang="en-GB" sz="2400" dirty="0"/>
+                  <a:t>We get </a:t>
+                </a:r>
+                <a:r>
+                  <a:rPr lang="en-GB" sz="2400" i="1" dirty="0">
+                    <a:solidFill>
+                      <a:schemeClr val="accent2">
+                        <a:lumMod val="75000"/>
+                      </a:schemeClr>
+                    </a:solidFill>
+                  </a:rPr>
+                  <a:t>q</a:t>
+                </a:r>
+                <a:r>
+                  <a:rPr lang="en-GB" sz="2400" dirty="0"/>
+                  <a:t> counting 1 until we find a 0.  </a:t>
+                </a:r>
+              </a:p>
+              <a:p>
+                <a:pPr lvl="1"/>
+                <a:r>
+                  <a:rPr lang="en-GB" sz="2800" i="1" dirty="0"/>
+                  <a:t> </a:t>
+                </a:r>
+                <a:r>
+                  <a:rPr lang="en-GB" sz="2800" dirty="0"/>
+                  <a:t>Calculate residual → </a:t>
+                </a:r>
+                <a14:m>
+                  <m:oMath xmlns:m="http://schemas.openxmlformats.org/officeDocument/2006/math">
+                    <m:r>
+                      <a:rPr lang="ca-ES" sz="2000" b="0" i="1" smtClean="0">
+                        <a:latin typeface="Cambria Math" panose="02040503050406030204" pitchFamily="18" charset="0"/>
+                      </a:rPr>
+                      <m:t>𝑟𝑒𝑠</m:t>
+                    </m:r>
+                    <m:r>
+                      <a:rPr lang="ca-ES" sz="2000" b="0" i="1" smtClean="0">
+                        <a:latin typeface="Cambria Math" panose="02040503050406030204" pitchFamily="18" charset="0"/>
+                      </a:rPr>
+                      <m:t>=</m:t>
+                    </m:r>
+                    <m:r>
+                      <a:rPr lang="ca-ES" sz="2000" b="0" i="1" smtClean="0">
+                        <a:latin typeface="Cambria Math" panose="02040503050406030204" pitchFamily="18" charset="0"/>
+                      </a:rPr>
+                      <m:t>𝑞</m:t>
+                    </m:r>
+                    <m:r>
+                      <a:rPr lang="ca-ES" sz="2000" b="0" i="1" smtClean="0">
+                        <a:latin typeface="Cambria Math" panose="02040503050406030204" pitchFamily="18" charset="0"/>
+                      </a:rPr>
+                      <m:t>+</m:t>
+                    </m:r>
+                    <m:r>
+                      <a:rPr lang="ca-ES" sz="2000" b="0" i="1" smtClean="0">
+                        <a:latin typeface="Cambria Math" panose="02040503050406030204" pitchFamily="18" charset="0"/>
+                      </a:rPr>
+                      <m:t>𝑟𝑒𝑚</m:t>
+                    </m:r>
+                    <m:r>
+                      <a:rPr lang="ca-ES" sz="2000" b="0" i="1" smtClean="0">
+                        <a:latin typeface="Cambria Math" panose="02040503050406030204" pitchFamily="18" charset="0"/>
+                      </a:rPr>
+                      <m:t> ∙</m:t>
+                    </m:r>
+                    <m:r>
+                      <a:rPr lang="ca-ES" sz="2000" b="0" i="1" smtClean="0">
+                        <a:latin typeface="Cambria Math" panose="02040503050406030204" pitchFamily="18" charset="0"/>
+                        <a:ea typeface="Cambria Math" panose="02040503050406030204" pitchFamily="18" charset="0"/>
+                      </a:rPr>
+                      <m:t>𝑚</m:t>
+                    </m:r>
+                  </m:oMath>
+                </a14:m>
+                <a:endParaRPr lang="ca-ES" sz="2000" b="0" dirty="0">
+                  <a:ea typeface="Cambria Math" panose="02040503050406030204" pitchFamily="18" charset="0"/>
+                </a:endParaRPr>
+              </a:p>
+              <a:p>
+                <a:pPr lvl="1"/>
+                <a:r>
+                  <a:rPr lang="en-GB" sz="2800" dirty="0"/>
+                  <a:t> Split negative and positive values. </a:t>
+                </a:r>
+              </a:p>
+              <a:p>
+                <a:pPr lvl="1"/>
+                <a:endParaRPr lang="ca-ES" sz="2800" dirty="0"/>
+              </a:p>
+            </p:txBody>
+          </p:sp>
+        </mc:Choice>
+        <mc:Fallback xmlns="">
+          <p:sp>
+            <p:nvSpPr>
+              <p:cNvPr id="6" name="Content Placeholder 2">
+                <a:extLst>
+                  <a:ext uri="{FF2B5EF4-FFF2-40B4-BE49-F238E27FC236}">
+                    <a16:creationId xmlns:a16="http://schemas.microsoft.com/office/drawing/2014/main" id="{34D22F2E-B3E5-4FDF-82FC-99E31FBEFC0D}"/>
+                  </a:ext>
+                </a:extLst>
+              </p:cNvPr>
+              <p:cNvSpPr>
+                <a:spLocks noGrp="1" noRot="1" noChangeAspect="1" noMove="1" noResize="1" noEditPoints="1" noAdjustHandles="1" noChangeArrowheads="1" noChangeShapeType="1" noTextEdit="1"/>
+              </p:cNvSpPr>
+              <p:nvPr>
+                <p:ph idx="1"/>
+              </p:nvPr>
+            </p:nvSpPr>
+            <p:spPr>
+              <a:xfrm>
+                <a:off x="1024128" y="2286000"/>
+                <a:ext cx="10598377" cy="4023360"/>
+              </a:xfrm>
+              <a:blipFill>
+                <a:blip r:embed="rId3"/>
+                <a:stretch>
+                  <a:fillRect l="-288" t="-2576"/>
+                </a:stretch>
+              </a:blipFill>
+            </p:spPr>
+            <p:txBody>
+              <a:bodyPr/>
+              <a:lstStyle/>
+              <a:p>
+                <a:r>
+                  <a:rPr lang="en-GB">
+                    <a:noFill/>
+                  </a:rPr>
+                  <a:t> </a:t>
+                </a:r>
+              </a:p>
+            </p:txBody>
+          </p:sp>
+        </mc:Fallback>
+      </mc:AlternateContent>
+    </p:spTree>
+    <p:extLst>
+      <p:ext uri="{BB962C8B-B14F-4D97-AF65-F5344CB8AC3E}">
+        <p14:creationId xmlns:p14="http://schemas.microsoft.com/office/powerpoint/2010/main" val="1500930611"/>
+      </p:ext>
+    </p:extLst>
+  </p:cSld>
+  <p:clrMapOvr>
+    <a:masterClrMapping/>
+  </p:clrMapOvr>
+</p:sld>
+</file>
+
+<file path=ppt/slides/slide15.xml><?xml version="1.0" encoding="utf-8"?>
+<p:sld xmlns:a="http://schemas.openxmlformats.org/drawingml/2006/main" xmlns:r="http://schemas.openxmlformats.org/officeDocument/2006/relationships" xmlns:p="http://schemas.openxmlformats.org/presentationml/2006/main">
+  <p:cSld>
+    <p:spTree>
+      <p:nvGrpSpPr>
+        <p:cNvPr id="1" name=""/>
+        <p:cNvGrpSpPr/>
+        <p:nvPr/>
+      </p:nvGrpSpPr>
+      <p:grpSpPr>
+        <a:xfrm>
+          <a:off x="0" y="0"/>
+          <a:ext cx="0" cy="0"/>
+          <a:chOff x="0" y="0"/>
+          <a:chExt cx="0" cy="0"/>
+        </a:xfrm>
+      </p:grpSpPr>
+      <p:sp>
+        <p:nvSpPr>
+          <p:cNvPr id="2" name="Title 1">
+            <a:extLst>
+              <a:ext uri="{FF2B5EF4-FFF2-40B4-BE49-F238E27FC236}">
+                <a16:creationId xmlns:a16="http://schemas.microsoft.com/office/drawing/2014/main" id="{8998864A-4002-4E24-A186-2EBA4AA121D2}"/>
+              </a:ext>
+            </a:extLst>
+          </p:cNvPr>
+          <p:cNvSpPr>
+            <a:spLocks noGrp="1"/>
+          </p:cNvSpPr>
+          <p:nvPr>
+            <p:ph type="title"/>
+          </p:nvPr>
+        </p:nvSpPr>
+        <p:spPr/>
+        <p:txBody>
+          <a:bodyPr/>
+          <a:lstStyle/>
+          <a:p>
+            <a:r>
+              <a:rPr lang="en-GB" dirty="0"/>
+              <a:t>Predictor</a:t>
+            </a:r>
+          </a:p>
+        </p:txBody>
+      </p:sp>
+      <p:pic>
+        <p:nvPicPr>
+          <p:cNvPr id="4" name="Content Placeholder 6">
+            <a:extLst>
+              <a:ext uri="{FF2B5EF4-FFF2-40B4-BE49-F238E27FC236}">
+                <a16:creationId xmlns:a16="http://schemas.microsoft.com/office/drawing/2014/main" id="{18A5E99D-37A2-470B-9145-B8CBF29CB88D}"/>
+              </a:ext>
+            </a:extLst>
+          </p:cNvPr>
+          <p:cNvPicPr>
+            <a:picLocks noChangeAspect="1"/>
+          </p:cNvPicPr>
+          <p:nvPr/>
+        </p:nvPicPr>
+        <p:blipFill>
+          <a:blip r:embed="rId2"/>
+          <a:stretch>
+            <a:fillRect/>
+          </a:stretch>
+        </p:blipFill>
+        <p:spPr>
+          <a:xfrm>
+            <a:off x="8054992" y="271790"/>
+            <a:ext cx="3854311" cy="1654488"/>
+          </a:xfrm>
+          <a:prstGeom prst="rect">
+            <a:avLst/>
+          </a:prstGeom>
+        </p:spPr>
+      </p:pic>
+      <p:sp>
+        <p:nvSpPr>
+          <p:cNvPr id="5" name="Rectangle 4">
+            <a:extLst>
+              <a:ext uri="{FF2B5EF4-FFF2-40B4-BE49-F238E27FC236}">
+                <a16:creationId xmlns:a16="http://schemas.microsoft.com/office/drawing/2014/main" id="{2FAEDA04-500D-4ABF-91FD-06931A50CCAA}"/>
+              </a:ext>
+            </a:extLst>
+          </p:cNvPr>
+          <p:cNvSpPr/>
+          <p:nvPr/>
+        </p:nvSpPr>
+        <p:spPr>
+          <a:xfrm>
+            <a:off x="9672642" y="548640"/>
+            <a:ext cx="1976019" cy="710317"/>
+          </a:xfrm>
+          <a:prstGeom prst="rect">
+            <a:avLst/>
+          </a:prstGeom>
+          <a:noFill/>
+          <a:ln w="76200">
+            <a:solidFill>
+              <a:schemeClr val="accent2">
+                <a:lumMod val="75000"/>
+              </a:schemeClr>
+            </a:solidFill>
+          </a:ln>
+        </p:spPr>
+        <p:style>
+          <a:lnRef idx="2">
+            <a:schemeClr val="accent1">
+              <a:shade val="50000"/>
+            </a:schemeClr>
+          </a:lnRef>
+          <a:fillRef idx="1">
+            <a:schemeClr val="accent1"/>
+          </a:fillRef>
+          <a:effectRef idx="0">
+            <a:schemeClr val="accent1"/>
+          </a:effectRef>
+          <a:fontRef idx="minor">
+            <a:schemeClr val="lt1"/>
+          </a:fontRef>
+        </p:style>
+        <p:txBody>
+          <a:bodyPr rtlCol="0" anchor="ctr"/>
+          <a:lstStyle/>
+          <a:p>
+            <a:pPr algn="ctr"/>
+            <a:endParaRPr lang="ca-ES"/>
+          </a:p>
+        </p:txBody>
+      </p:sp>
+      <mc:AlternateContent xmlns:mc="http://schemas.openxmlformats.org/markup-compatibility/2006" xmlns:a14="http://schemas.microsoft.com/office/drawing/2010/main">
+        <mc:Choice Requires="a14">
+          <p:sp>
+            <p:nvSpPr>
+              <p:cNvPr id="6" name="Content Placeholder 2">
+                <a:extLst>
+                  <a:ext uri="{FF2B5EF4-FFF2-40B4-BE49-F238E27FC236}">
+                    <a16:creationId xmlns:a16="http://schemas.microsoft.com/office/drawing/2014/main" id="{95338637-33D7-4F5E-AE9E-33C6E170C18F}"/>
+                  </a:ext>
+                </a:extLst>
+              </p:cNvPr>
+              <p:cNvSpPr>
+                <a:spLocks noGrp="1"/>
+              </p:cNvSpPr>
+              <p:nvPr>
+                <p:ph idx="1"/>
+              </p:nvPr>
+            </p:nvSpPr>
+            <p:spPr>
+              <a:xfrm>
+                <a:off x="1024128" y="2286000"/>
+                <a:ext cx="10598377" cy="4023360"/>
+              </a:xfrm>
+            </p:spPr>
+            <p:txBody>
+              <a:bodyPr>
+                <a:normAutofit/>
+              </a:bodyPr>
+              <a:lstStyle/>
+              <a:p>
+                <a:pPr lvl="1"/>
+                <a:r>
+                  <a:rPr lang="en-GB" sz="2800" dirty="0"/>
+                  <a:t> It does the same as the predictor in the coder but with the main difference that input values update for each iteration. </a:t>
+                </a:r>
+              </a:p>
+              <a:p>
+                <a:pPr lvl="1"/>
+                <a:endParaRPr lang="en-GB" sz="2800" dirty="0"/>
+              </a:p>
+              <a:p>
+                <a:pPr marL="128016" lvl="1" indent="0">
+                  <a:buNone/>
+                </a:pPr>
+                <a14:m>
+                  <m:oMathPara xmlns:m="http://schemas.openxmlformats.org/officeDocument/2006/math">
+                    <m:oMathParaPr>
+                      <m:jc m:val="centerGroup"/>
+                    </m:oMathParaPr>
+                    <m:oMath xmlns:m="http://schemas.openxmlformats.org/officeDocument/2006/math">
+                      <m:sSub>
+                        <m:sSubPr>
+                          <m:ctrlPr>
+                            <a:rPr lang="ca-ES" sz="2800" b="0" i="1" smtClean="0">
+                              <a:latin typeface="Cambria Math" panose="02040503050406030204" pitchFamily="18" charset="0"/>
+                            </a:rPr>
+                          </m:ctrlPr>
+                        </m:sSubPr>
+                        <m:e>
+                          <m:acc>
+                            <m:accPr>
+                              <m:chr m:val="̂"/>
+                              <m:ctrlPr>
+                                <a:rPr lang="ca-ES" sz="2800" b="0" i="1" smtClean="0">
+                                  <a:latin typeface="Cambria Math" panose="02040503050406030204" pitchFamily="18" charset="0"/>
+                                </a:rPr>
+                              </m:ctrlPr>
+                            </m:accPr>
+                            <m:e>
+                              <m:r>
+                                <a:rPr lang="ca-ES" sz="2800" b="0" i="1" smtClean="0">
+                                  <a:latin typeface="Cambria Math" panose="02040503050406030204" pitchFamily="18" charset="0"/>
+                                </a:rPr>
+                                <m:t>𝑥</m:t>
+                              </m:r>
+                            </m:e>
+                          </m:acc>
+                        </m:e>
+                        <m:sub>
+                          <m:r>
+                            <a:rPr lang="ca-ES" sz="2800" b="0" i="1" smtClean="0">
+                              <a:latin typeface="Cambria Math" panose="02040503050406030204" pitchFamily="18" charset="0"/>
+                            </a:rPr>
+                            <m:t>𝑖</m:t>
+                          </m:r>
+                        </m:sub>
+                      </m:sSub>
+                      <m:r>
+                        <a:rPr lang="ca-ES" sz="2800" b="0" i="1" smtClean="0">
+                          <a:latin typeface="Cambria Math" panose="02040503050406030204" pitchFamily="18" charset="0"/>
+                        </a:rPr>
+                        <m:t>=</m:t>
+                      </m:r>
+                      <m:sSub>
+                        <m:sSubPr>
+                          <m:ctrlPr>
+                            <a:rPr lang="ca-ES" sz="2800" b="0" i="1" smtClean="0">
+                              <a:latin typeface="Cambria Math" panose="02040503050406030204" pitchFamily="18" charset="0"/>
+                            </a:rPr>
+                          </m:ctrlPr>
+                        </m:sSubPr>
+                        <m:e>
+                          <m:r>
+                            <a:rPr lang="ca-ES" sz="2800" b="0" i="1" smtClean="0">
+                              <a:latin typeface="Cambria Math" panose="02040503050406030204" pitchFamily="18" charset="0"/>
+                            </a:rPr>
+                            <m:t>𝑟</m:t>
+                          </m:r>
+                        </m:e>
+                        <m:sub>
+                          <m:r>
+                            <a:rPr lang="ca-ES" sz="2800" b="0" i="1" smtClean="0">
+                              <a:latin typeface="Cambria Math" panose="02040503050406030204" pitchFamily="18" charset="0"/>
+                            </a:rPr>
+                            <m:t>𝑖</m:t>
+                          </m:r>
+                        </m:sub>
+                      </m:sSub>
+                      <m:r>
+                        <a:rPr lang="ca-ES" sz="2800" b="0" i="1" smtClean="0">
+                          <a:latin typeface="Cambria Math" panose="02040503050406030204" pitchFamily="18" charset="0"/>
+                        </a:rPr>
+                        <m:t> −</m:t>
+                      </m:r>
+                      <m:d>
+                        <m:dPr>
+                          <m:begChr m:val="⌊"/>
+                          <m:endChr m:val="⌋"/>
+                          <m:ctrlPr>
+                            <a:rPr lang="pt-BR" sz="2800" i="1">
+                              <a:latin typeface="Cambria Math" panose="02040503050406030204" pitchFamily="18" charset="0"/>
+                            </a:rPr>
+                          </m:ctrlPr>
+                        </m:dPr>
+                        <m:e>
+                          <m:nary>
+                            <m:naryPr>
+                              <m:chr m:val="∑"/>
+                              <m:ctrlPr>
+                                <a:rPr lang="pt-BR" sz="2800" i="1">
+                                  <a:latin typeface="Cambria Math" panose="02040503050406030204" pitchFamily="18" charset="0"/>
+                                </a:rPr>
+                              </m:ctrlPr>
+                            </m:naryPr>
+                            <m:sub>
+                              <m:r>
+                                <a:rPr lang="pt-BR" sz="2800" i="1">
+                                  <a:latin typeface="Cambria Math" panose="02040503050406030204" pitchFamily="18" charset="0"/>
+                                </a:rPr>
+                                <m:t>𝑘</m:t>
+                              </m:r>
+                              <m:r>
+                                <a:rPr lang="pt-BR" sz="2800" i="1">
+                                  <a:latin typeface="Cambria Math" panose="02040503050406030204" pitchFamily="18" charset="0"/>
+                                </a:rPr>
+                                <m:t>=1</m:t>
+                              </m:r>
+                            </m:sub>
+                            <m:sup>
+                              <m:r>
+                                <a:rPr lang="ca-ES" sz="2800" i="1">
+                                  <a:latin typeface="Cambria Math" panose="02040503050406030204" pitchFamily="18" charset="0"/>
+                                </a:rPr>
+                                <m:t>𝑝</m:t>
+                              </m:r>
+                            </m:sup>
+                            <m:e>
+                              <m:sSub>
+                                <m:sSubPr>
+                                  <m:ctrlPr>
+                                    <a:rPr lang="ca-ES" sz="2800" i="1">
+                                      <a:latin typeface="Cambria Math" panose="02040503050406030204" pitchFamily="18" charset="0"/>
+                                    </a:rPr>
+                                  </m:ctrlPr>
+                                </m:sSubPr>
+                                <m:e>
+                                  <m:r>
+                                    <a:rPr lang="ca-ES" sz="2800" i="1">
+                                      <a:latin typeface="Cambria Math" panose="02040503050406030204" pitchFamily="18" charset="0"/>
+                                    </a:rPr>
+                                    <m:t>𝑎</m:t>
+                                  </m:r>
+                                </m:e>
+                                <m:sub>
+                                  <m:r>
+                                    <a:rPr lang="ca-ES" sz="2800" i="1">
+                                      <a:latin typeface="Cambria Math" panose="02040503050406030204" pitchFamily="18" charset="0"/>
+                                    </a:rPr>
+                                    <m:t>𝑘</m:t>
+                                  </m:r>
+                                </m:sub>
+                              </m:sSub>
+                              <m:sSub>
+                                <m:sSubPr>
+                                  <m:ctrlPr>
+                                    <a:rPr lang="ca-ES" sz="2800" i="1">
+                                      <a:latin typeface="Cambria Math" panose="02040503050406030204" pitchFamily="18" charset="0"/>
+                                    </a:rPr>
+                                  </m:ctrlPr>
+                                </m:sSubPr>
+                                <m:e>
+                                  <m:r>
+                                    <a:rPr lang="ca-ES" sz="2800" b="0" i="1" smtClean="0">
+                                      <a:latin typeface="Cambria Math" panose="02040503050406030204" pitchFamily="18" charset="0"/>
+                                    </a:rPr>
+                                    <m:t>𝑥</m:t>
+                                  </m:r>
+                                </m:e>
+                                <m:sub>
+                                  <m:r>
+                                    <a:rPr lang="ca-ES" sz="2800" i="1">
+                                      <a:latin typeface="Cambria Math" panose="02040503050406030204" pitchFamily="18" charset="0"/>
+                                    </a:rPr>
+                                    <m:t>𝑖</m:t>
+                                  </m:r>
+                                  <m:r>
+                                    <a:rPr lang="ca-ES" sz="2800" i="1">
+                                      <a:latin typeface="Cambria Math" panose="02040503050406030204" pitchFamily="18" charset="0"/>
+                                    </a:rPr>
+                                    <m:t>−</m:t>
+                                  </m:r>
+                                  <m:r>
+                                    <a:rPr lang="ca-ES" sz="2800" i="1">
+                                      <a:latin typeface="Cambria Math" panose="02040503050406030204" pitchFamily="18" charset="0"/>
+                                    </a:rPr>
+                                    <m:t>𝑘</m:t>
+                                  </m:r>
+                                </m:sub>
+                              </m:sSub>
+                            </m:e>
+                          </m:nary>
+                        </m:e>
+                      </m:d>
+                    </m:oMath>
+                  </m:oMathPara>
+                </a14:m>
+                <a:endParaRPr lang="ca-ES" sz="2800" dirty="0"/>
+              </a:p>
+              <a:p>
+                <a:pPr marL="128016" lvl="1" indent="0">
+                  <a:buNone/>
+                </a:pPr>
+                <a:r>
+                  <a:rPr lang="ca-ES" sz="2800" dirty="0"/>
+                  <a:t>As </a:t>
+                </a:r>
+                <a:r>
+                  <a:rPr lang="ca-ES" sz="2800" dirty="0" err="1"/>
+                  <a:t>it</a:t>
+                </a:r>
+                <a:r>
+                  <a:rPr lang="ca-ES" sz="2800" dirty="0"/>
+                  <a:t> is </a:t>
+                </a:r>
+                <a:r>
+                  <a:rPr lang="ca-ES" sz="2800" dirty="0">
+                    <a:solidFill>
+                      <a:schemeClr val="accent2">
+                        <a:lumMod val="75000"/>
+                      </a:schemeClr>
+                    </a:solidFill>
+                  </a:rPr>
+                  <a:t>LOSSELESS</a:t>
+                </a:r>
+                <a:r>
+                  <a:rPr lang="ca-ES" sz="2800" dirty="0"/>
+                  <a:t>: </a:t>
+                </a:r>
+              </a:p>
+              <a:p>
+                <a:pPr marL="128016" lvl="1" indent="0">
+                  <a:buNone/>
+                </a:pPr>
+                <a14:m>
+                  <m:oMathPara xmlns:m="http://schemas.openxmlformats.org/officeDocument/2006/math">
+                    <m:oMathParaPr>
+                      <m:jc m:val="centerGroup"/>
+                    </m:oMathParaPr>
+                    <m:oMath xmlns:m="http://schemas.openxmlformats.org/officeDocument/2006/math">
+                      <m:sSub>
+                        <m:sSubPr>
+                          <m:ctrlPr>
+                            <a:rPr lang="ca-ES" sz="2800" b="0" i="1" smtClean="0">
+                              <a:latin typeface="Cambria Math" panose="02040503050406030204" pitchFamily="18" charset="0"/>
+                            </a:rPr>
+                          </m:ctrlPr>
+                        </m:sSubPr>
+                        <m:e>
+                          <m:acc>
+                            <m:accPr>
+                              <m:chr m:val="̂"/>
+                              <m:ctrlPr>
+                                <a:rPr lang="ca-ES" sz="2800" i="1" smtClean="0">
+                                  <a:latin typeface="Cambria Math" panose="02040503050406030204" pitchFamily="18" charset="0"/>
+                                </a:rPr>
+                              </m:ctrlPr>
+                            </m:accPr>
+                            <m:e>
+                              <m:r>
+                                <a:rPr lang="ca-ES" sz="2800" b="0" i="1" smtClean="0">
+                                  <a:latin typeface="Cambria Math" panose="02040503050406030204" pitchFamily="18" charset="0"/>
+                                </a:rPr>
+                                <m:t>𝑥</m:t>
+                              </m:r>
+                            </m:e>
+                          </m:acc>
+                        </m:e>
+                        <m:sub>
+                          <m:r>
+                            <a:rPr lang="ca-ES" sz="2800" b="0" i="1" smtClean="0">
+                              <a:latin typeface="Cambria Math" panose="02040503050406030204" pitchFamily="18" charset="0"/>
+                            </a:rPr>
+                            <m:t>𝑖</m:t>
+                          </m:r>
+                        </m:sub>
+                      </m:sSub>
+                      <m:r>
+                        <a:rPr lang="ca-ES" sz="2800" b="0" i="1" smtClean="0">
+                          <a:latin typeface="Cambria Math" panose="02040503050406030204" pitchFamily="18" charset="0"/>
+                        </a:rPr>
+                        <m:t>=</m:t>
+                      </m:r>
+                      <m:sSub>
+                        <m:sSubPr>
+                          <m:ctrlPr>
+                            <a:rPr lang="ca-ES" sz="2800" b="0" i="1" smtClean="0">
+                              <a:latin typeface="Cambria Math" panose="02040503050406030204" pitchFamily="18" charset="0"/>
+                            </a:rPr>
+                          </m:ctrlPr>
+                        </m:sSubPr>
+                        <m:e>
+                          <m:r>
+                            <a:rPr lang="ca-ES" sz="2800" b="0" i="1" smtClean="0">
+                              <a:latin typeface="Cambria Math" panose="02040503050406030204" pitchFamily="18" charset="0"/>
+                            </a:rPr>
+                            <m:t>𝑥</m:t>
+                          </m:r>
+                        </m:e>
+                        <m:sub>
+                          <m:r>
+                            <a:rPr lang="ca-ES" sz="2800" b="0" i="1" smtClean="0">
+                              <a:latin typeface="Cambria Math" panose="02040503050406030204" pitchFamily="18" charset="0"/>
+                            </a:rPr>
+                            <m:t>𝑖</m:t>
+                          </m:r>
+                        </m:sub>
+                      </m:sSub>
+                    </m:oMath>
+                  </m:oMathPara>
+                </a14:m>
+                <a:endParaRPr lang="ca-ES" sz="2800" b="0" dirty="0"/>
+              </a:p>
+              <a:p>
+                <a:pPr marL="128016" lvl="1" indent="0">
+                  <a:buNone/>
+                </a:pPr>
+                <a:endParaRPr lang="ca-ES" sz="2800" b="0" dirty="0"/>
+              </a:p>
+              <a:p>
+                <a:pPr marL="128016" lvl="1" indent="0">
+                  <a:buNone/>
+                </a:pPr>
+                <a:endParaRPr lang="ca-ES" sz="2800" dirty="0"/>
+              </a:p>
+            </p:txBody>
+          </p:sp>
+        </mc:Choice>
+        <mc:Fallback xmlns="">
+          <p:sp>
+            <p:nvSpPr>
+              <p:cNvPr id="6" name="Content Placeholder 2">
+                <a:extLst>
+                  <a:ext uri="{FF2B5EF4-FFF2-40B4-BE49-F238E27FC236}">
+                    <a16:creationId xmlns:a16="http://schemas.microsoft.com/office/drawing/2014/main" id="{95338637-33D7-4F5E-AE9E-33C6E170C18F}"/>
+                  </a:ext>
+                </a:extLst>
+              </p:cNvPr>
+              <p:cNvSpPr>
+                <a:spLocks noGrp="1" noRot="1" noChangeAspect="1" noMove="1" noResize="1" noEditPoints="1" noAdjustHandles="1" noChangeArrowheads="1" noChangeShapeType="1" noTextEdit="1"/>
+              </p:cNvSpPr>
+              <p:nvPr>
+                <p:ph idx="1"/>
+              </p:nvPr>
+            </p:nvSpPr>
+            <p:spPr>
+              <a:xfrm>
+                <a:off x="1024128" y="2286000"/>
+                <a:ext cx="10598377" cy="4023360"/>
+              </a:xfrm>
+              <a:blipFill>
+                <a:blip r:embed="rId3"/>
+                <a:stretch>
+                  <a:fillRect l="-403" t="-2576"/>
+                </a:stretch>
+              </a:blipFill>
+            </p:spPr>
+            <p:txBody>
+              <a:bodyPr/>
+              <a:lstStyle/>
+              <a:p>
+                <a:r>
+                  <a:rPr lang="en-GB">
+                    <a:noFill/>
+                  </a:rPr>
+                  <a:t> </a:t>
+                </a:r>
+              </a:p>
+            </p:txBody>
+          </p:sp>
+        </mc:Fallback>
+      </mc:AlternateContent>
+    </p:spTree>
+    <p:extLst>
+      <p:ext uri="{BB962C8B-B14F-4D97-AF65-F5344CB8AC3E}">
+        <p14:creationId xmlns:p14="http://schemas.microsoft.com/office/powerpoint/2010/main" val="3115773046"/>
+      </p:ext>
+    </p:extLst>
+  </p:cSld>
+  <p:clrMapOvr>
+    <a:masterClrMapping/>
+  </p:clrMapOvr>
+</p:sld>
+</file>
+
+<file path=ppt/slides/slide16.xml><?xml version="1.0" encoding="utf-8"?>
+<p:sld xmlns:a="http://schemas.openxmlformats.org/drawingml/2006/main" xmlns:r="http://schemas.openxmlformats.org/officeDocument/2006/relationships" xmlns:p="http://schemas.openxmlformats.org/presentationml/2006/main">
+  <p:cSld>
+    <p:spTree>
+      <p:nvGrpSpPr>
+        <p:cNvPr id="1" name=""/>
+        <p:cNvGrpSpPr/>
+        <p:nvPr/>
+      </p:nvGrpSpPr>
+      <p:grpSpPr>
+        <a:xfrm>
+          <a:off x="0" y="0"/>
+          <a:ext cx="0" cy="0"/>
+          <a:chOff x="0" y="0"/>
+          <a:chExt cx="0" cy="0"/>
+        </a:xfrm>
+      </p:grpSpPr>
+      <p:sp>
+        <p:nvSpPr>
+          <p:cNvPr id="2" name="Title 1">
+            <a:extLst>
+              <a:ext uri="{FF2B5EF4-FFF2-40B4-BE49-F238E27FC236}">
+                <a16:creationId xmlns:a16="http://schemas.microsoft.com/office/drawing/2014/main" id="{3DA715D8-12C8-4C95-A92A-3B0D4A376944}"/>
+              </a:ext>
+            </a:extLst>
+          </p:cNvPr>
+          <p:cNvSpPr>
+            <a:spLocks noGrp="1"/>
+          </p:cNvSpPr>
+          <p:nvPr>
+            <p:ph type="title"/>
+          </p:nvPr>
+        </p:nvSpPr>
+        <p:spPr/>
+        <p:txBody>
+          <a:bodyPr/>
+          <a:lstStyle/>
+          <a:p>
+            <a:r>
+              <a:rPr lang="en-GB" dirty="0"/>
+              <a:t>results</a:t>
+            </a:r>
+          </a:p>
+        </p:txBody>
+      </p:sp>
+      <p:pic>
+        <p:nvPicPr>
+          <p:cNvPr id="10" name="Content Placeholder 9">
+            <a:extLst>
+              <a:ext uri="{FF2B5EF4-FFF2-40B4-BE49-F238E27FC236}">
+                <a16:creationId xmlns:a16="http://schemas.microsoft.com/office/drawing/2014/main" id="{7EB2189D-2E06-4B59-838A-98A8034FB9E2}"/>
+              </a:ext>
+            </a:extLst>
+          </p:cNvPr>
+          <p:cNvPicPr>
+            <a:picLocks noGrp="1" noChangeAspect="1"/>
+          </p:cNvPicPr>
+          <p:nvPr>
+            <p:ph idx="1"/>
+          </p:nvPr>
+        </p:nvPicPr>
+        <p:blipFill>
+          <a:blip r:embed="rId6"/>
+          <a:stretch>
+            <a:fillRect/>
+          </a:stretch>
+        </p:blipFill>
+        <p:spPr>
+          <a:xfrm>
+            <a:off x="1024128" y="1718277"/>
+            <a:ext cx="7796908" cy="4554507"/>
+          </a:xfrm>
+          <a:prstGeom prst="rect">
+            <a:avLst/>
+          </a:prstGeom>
+        </p:spPr>
+      </p:pic>
+      <p:pic>
+        <p:nvPicPr>
+          <p:cNvPr id="12" name="Sunshine_1">
+            <a:hlinkClick r:id="" action="ppaction://media"/>
+            <a:extLst>
+              <a:ext uri="{FF2B5EF4-FFF2-40B4-BE49-F238E27FC236}">
+                <a16:creationId xmlns:a16="http://schemas.microsoft.com/office/drawing/2014/main" id="{BCE6E012-D9B2-4B83-A816-4924E05197B4}"/>
+              </a:ext>
+            </a:extLst>
+          </p:cNvPr>
+          <p:cNvPicPr>
+            <a:picLocks noChangeAspect="1"/>
+          </p:cNvPicPr>
+          <p:nvPr>
+            <a:audioFile r:link="rId2"/>
+            <p:extLst>
+              <p:ext uri="{DAA4B4D4-6D71-4841-9C94-3DE7FCFB9230}">
+                <p14:media xmlns:p14="http://schemas.microsoft.com/office/powerpoint/2010/main" r:embed="rId1"/>
+              </p:ext>
+            </p:extLst>
+          </p:nvPr>
+        </p:nvPicPr>
+        <p:blipFill>
+          <a:blip r:embed="rId7"/>
+          <a:stretch>
+            <a:fillRect/>
+          </a:stretch>
+        </p:blipFill>
+        <p:spPr>
+          <a:xfrm>
+            <a:off x="10134600" y="2246708"/>
+            <a:ext cx="609600" cy="609600"/>
+          </a:xfrm>
+          <a:prstGeom prst="rect">
+            <a:avLst/>
+          </a:prstGeom>
+        </p:spPr>
+      </p:pic>
+      <p:pic>
+        <p:nvPicPr>
+          <p:cNvPr id="13" name="Dec_Sunshine_1">
+            <a:hlinkClick r:id="" action="ppaction://media"/>
+            <a:extLst>
+              <a:ext uri="{FF2B5EF4-FFF2-40B4-BE49-F238E27FC236}">
+                <a16:creationId xmlns:a16="http://schemas.microsoft.com/office/drawing/2014/main" id="{F0021A22-4A53-4473-A84A-532AC783BB7C}"/>
+              </a:ext>
+            </a:extLst>
+          </p:cNvPr>
+          <p:cNvPicPr>
+            <a:picLocks noChangeAspect="1"/>
+          </p:cNvPicPr>
+          <p:nvPr>
+            <a:audioFile r:link="rId4"/>
+            <p:extLst>
+              <p:ext uri="{DAA4B4D4-6D71-4841-9C94-3DE7FCFB9230}">
+                <p14:media xmlns:p14="http://schemas.microsoft.com/office/powerpoint/2010/main" r:embed="rId3"/>
+              </p:ext>
+            </p:extLst>
+          </p:nvPr>
+        </p:nvPicPr>
+        <p:blipFill>
+          <a:blip r:embed="rId7"/>
+          <a:stretch>
+            <a:fillRect/>
+          </a:stretch>
+        </p:blipFill>
+        <p:spPr>
+          <a:xfrm>
+            <a:off x="10134600" y="3627784"/>
+            <a:ext cx="609600" cy="609600"/>
+          </a:xfrm>
+          <a:prstGeom prst="rect">
+            <a:avLst/>
+          </a:prstGeom>
+        </p:spPr>
+      </p:pic>
+      <p:sp>
+        <p:nvSpPr>
+          <p:cNvPr id="14" name="Content Placeholder 2">
+            <a:extLst>
+              <a:ext uri="{FF2B5EF4-FFF2-40B4-BE49-F238E27FC236}">
+                <a16:creationId xmlns:a16="http://schemas.microsoft.com/office/drawing/2014/main" id="{E8454749-71F7-4AE4-A6F5-97D48C799012}"/>
+              </a:ext>
+            </a:extLst>
+          </p:cNvPr>
+          <p:cNvSpPr txBox="1">
+            <a:spLocks/>
+          </p:cNvSpPr>
+          <p:nvPr/>
+        </p:nvSpPr>
+        <p:spPr>
+          <a:xfrm>
+            <a:off x="8441635" y="708991"/>
+            <a:ext cx="3259112" cy="1225826"/>
+          </a:xfrm>
+          <a:prstGeom prst="rect">
+            <a:avLst/>
+          </a:prstGeom>
+        </p:spPr>
+        <p:txBody>
+          <a:bodyPr vert="horz" lIns="45720" tIns="45720" rIns="45720" bIns="45720" rtlCol="0">
+            <a:normAutofit/>
+          </a:bodyPr>
+          <a:lstStyle>
+            <a:lvl1pPr marL="91440" indent="-91440" algn="l" defTabSz="914400" rtl="0" eaLnBrk="1" latinLnBrk="0" hangingPunct="1">
+              <a:lnSpc>
+                <a:spcPct val="90000"/>
+              </a:lnSpc>
+              <a:spcBef>
+                <a:spcPts val="1200"/>
+              </a:spcBef>
+              <a:spcAft>
+                <a:spcPts val="200"/>
+              </a:spcAft>
+              <a:buClr>
+                <a:schemeClr val="accent2"/>
+              </a:buClr>
+              <a:buSzPct val="100000"/>
+              <a:buFont typeface="Tw Cen MT" panose="020B0602020104020603" pitchFamily="34" charset="0"/>
+              <a:buChar char=" "/>
+              <a:defRPr sz="2200" kern="1200">
+                <a:solidFill>
+                  <a:schemeClr val="tx1"/>
+                </a:solidFill>
+                <a:latin typeface="+mn-lt"/>
+                <a:ea typeface="+mn-ea"/>
+                <a:cs typeface="+mn-cs"/>
+              </a:defRPr>
+            </a:lvl1pPr>
+            <a:lvl2pPr marL="265176" indent="-137160" algn="l" defTabSz="914400" rtl="0" eaLnBrk="1" latinLnBrk="0" hangingPunct="1">
+              <a:lnSpc>
+                <a:spcPct val="90000"/>
+              </a:lnSpc>
+              <a:spcBef>
+                <a:spcPts val="200"/>
+              </a:spcBef>
+              <a:spcAft>
+                <a:spcPts val="400"/>
+              </a:spcAft>
+              <a:buClr>
+                <a:schemeClr val="accent2"/>
+              </a:buClr>
+              <a:buFont typeface="Wingdings 3" pitchFamily="18" charset="2"/>
+              <a:buChar char=""/>
+              <a:defRPr sz="1800" kern="1200">
+                <a:solidFill>
+                  <a:schemeClr val="tx1"/>
+                </a:solidFill>
+                <a:latin typeface="+mn-lt"/>
+                <a:ea typeface="+mn-ea"/>
+                <a:cs typeface="+mn-cs"/>
+              </a:defRPr>
+            </a:lvl2pPr>
+            <a:lvl3pPr marL="448056" indent="-137160" algn="l" defTabSz="914400" rtl="0" eaLnBrk="1" latinLnBrk="0" hangingPunct="1">
+              <a:lnSpc>
+                <a:spcPct val="90000"/>
+              </a:lnSpc>
+              <a:spcBef>
+                <a:spcPts val="200"/>
+              </a:spcBef>
+              <a:spcAft>
+                <a:spcPts val="400"/>
+              </a:spcAft>
+              <a:buClr>
+                <a:schemeClr val="accent2"/>
+              </a:buClr>
+              <a:buFont typeface="Wingdings 3" pitchFamily="18" charset="2"/>
+              <a:buChar char=""/>
+              <a:defRPr sz="1400" kern="1200">
+                <a:solidFill>
+                  <a:schemeClr val="tx1"/>
+                </a:solidFill>
+                <a:latin typeface="+mn-lt"/>
+                <a:ea typeface="+mn-ea"/>
+                <a:cs typeface="+mn-cs"/>
+              </a:defRPr>
+            </a:lvl3pPr>
+            <a:lvl4pPr marL="594360" indent="-137160" algn="l" defTabSz="914400" rtl="0" eaLnBrk="1" latinLnBrk="0" hangingPunct="1">
+              <a:lnSpc>
+                <a:spcPct val="90000"/>
+              </a:lnSpc>
+              <a:spcBef>
+                <a:spcPts val="200"/>
+              </a:spcBef>
+              <a:spcAft>
+                <a:spcPts val="400"/>
+              </a:spcAft>
+              <a:buClr>
+                <a:schemeClr val="accent2"/>
+              </a:buClr>
+              <a:buFont typeface="Wingdings 3" pitchFamily="18" charset="2"/>
+              <a:buChar char=""/>
+              <a:defRPr sz="1400" kern="1200">
+                <a:solidFill>
+                  <a:schemeClr val="tx1"/>
+                </a:solidFill>
+                <a:latin typeface="+mn-lt"/>
+                <a:ea typeface="+mn-ea"/>
+                <a:cs typeface="+mn-cs"/>
+              </a:defRPr>
+            </a:lvl4pPr>
+            <a:lvl5pPr marL="777240" indent="-137160" algn="l" defTabSz="914400" rtl="0" eaLnBrk="1" latinLnBrk="0" hangingPunct="1">
+              <a:lnSpc>
+                <a:spcPct val="90000"/>
+              </a:lnSpc>
+              <a:spcBef>
+                <a:spcPts val="200"/>
+              </a:spcBef>
+              <a:spcAft>
+                <a:spcPts val="400"/>
+              </a:spcAft>
+              <a:buClr>
+                <a:schemeClr val="accent2"/>
+              </a:buClr>
+              <a:buFont typeface="Wingdings 3" pitchFamily="18" charset="2"/>
+              <a:buChar char=""/>
+              <a:defRPr sz="1400" kern="1200">
+                <a:solidFill>
+                  <a:schemeClr val="tx1"/>
+                </a:solidFill>
+                <a:latin typeface="+mn-lt"/>
+                <a:ea typeface="+mn-ea"/>
+                <a:cs typeface="+mn-cs"/>
+              </a:defRPr>
+            </a:lvl5pPr>
+            <a:lvl6pPr marL="914400" indent="-137160" algn="l" defTabSz="914400" rtl="0" eaLnBrk="1" latinLnBrk="0" hangingPunct="1">
+              <a:lnSpc>
+                <a:spcPct val="90000"/>
+              </a:lnSpc>
+              <a:spcBef>
+                <a:spcPts val="200"/>
+              </a:spcBef>
+              <a:spcAft>
+                <a:spcPts val="400"/>
+              </a:spcAft>
+              <a:buClr>
+                <a:schemeClr val="accent2"/>
+              </a:buClr>
+              <a:buFont typeface="Wingdings 3" pitchFamily="18" charset="2"/>
+              <a:buChar char=""/>
+              <a:defRPr sz="1400" kern="1200">
+                <a:solidFill>
+                  <a:schemeClr val="tx1"/>
+                </a:solidFill>
+                <a:latin typeface="+mn-lt"/>
+                <a:ea typeface="+mn-ea"/>
+                <a:cs typeface="+mn-cs"/>
+              </a:defRPr>
+            </a:lvl6pPr>
+            <a:lvl7pPr marL="1060704" indent="-137160" algn="l" defTabSz="914400" rtl="0" eaLnBrk="1" latinLnBrk="0" hangingPunct="1">
+              <a:lnSpc>
+                <a:spcPct val="90000"/>
+              </a:lnSpc>
+              <a:spcBef>
+                <a:spcPts val="200"/>
+              </a:spcBef>
+              <a:spcAft>
+                <a:spcPts val="400"/>
+              </a:spcAft>
+              <a:buClr>
+                <a:schemeClr val="accent2"/>
+              </a:buClr>
+              <a:buFont typeface="Wingdings 3" pitchFamily="18" charset="2"/>
+              <a:buChar char=""/>
+              <a:defRPr sz="1400" kern="1200">
+                <a:solidFill>
+                  <a:schemeClr val="tx1"/>
+                </a:solidFill>
+                <a:latin typeface="+mn-lt"/>
+                <a:ea typeface="+mn-ea"/>
+                <a:cs typeface="+mn-cs"/>
+              </a:defRPr>
+            </a:lvl7pPr>
+            <a:lvl8pPr marL="1216152" indent="-137160" algn="l" defTabSz="914400" rtl="0" eaLnBrk="1" latinLnBrk="0" hangingPunct="1">
+              <a:lnSpc>
+                <a:spcPct val="90000"/>
+              </a:lnSpc>
+              <a:spcBef>
+                <a:spcPts val="200"/>
+              </a:spcBef>
+              <a:spcAft>
+                <a:spcPts val="400"/>
+              </a:spcAft>
+              <a:buClr>
+                <a:schemeClr val="accent2"/>
+              </a:buClr>
+              <a:buFont typeface="Wingdings 3" pitchFamily="18" charset="2"/>
+              <a:buChar char=""/>
+              <a:defRPr sz="1400" kern="1200">
+                <a:solidFill>
+                  <a:schemeClr val="tx1"/>
+                </a:solidFill>
+                <a:latin typeface="+mn-lt"/>
+                <a:ea typeface="+mn-ea"/>
+                <a:cs typeface="+mn-cs"/>
+              </a:defRPr>
+            </a:lvl8pPr>
+            <a:lvl9pPr marL="1362456" indent="-137160" algn="l" defTabSz="914400" rtl="0" eaLnBrk="1" latinLnBrk="0" hangingPunct="1">
+              <a:lnSpc>
+                <a:spcPct val="90000"/>
+              </a:lnSpc>
+              <a:spcBef>
+                <a:spcPts val="200"/>
+              </a:spcBef>
+              <a:spcAft>
+                <a:spcPts val="400"/>
+              </a:spcAft>
+              <a:buClr>
+                <a:schemeClr val="accent2"/>
+              </a:buClr>
+              <a:buFont typeface="Wingdings 3" pitchFamily="18" charset="2"/>
+              <a:buChar char=""/>
+              <a:defRPr sz="1400" kern="1200">
+                <a:solidFill>
+                  <a:schemeClr val="tx1"/>
+                </a:solidFill>
+                <a:latin typeface="+mn-lt"/>
+                <a:ea typeface="+mn-ea"/>
+                <a:cs typeface="+mn-cs"/>
+              </a:defRPr>
+            </a:lvl9pPr>
+          </a:lstStyle>
+          <a:p>
+            <a:pPr marL="128016" lvl="1" indent="0">
+              <a:buNone/>
+            </a:pPr>
+            <a:r>
+              <a:rPr lang="en-GB" dirty="0"/>
+              <a:t>Fragment:</a:t>
+            </a:r>
+          </a:p>
+          <a:p>
+            <a:pPr marL="128016" lvl="1" indent="0" algn="r">
+              <a:buNone/>
+            </a:pPr>
+            <a:r>
+              <a:rPr lang="en-GB" sz="1600" dirty="0"/>
+              <a:t>You Are The Sunshine Of My Life </a:t>
+            </a:r>
+          </a:p>
+          <a:p>
+            <a:pPr marL="128016" lvl="1" indent="0" algn="r">
+              <a:buNone/>
+            </a:pPr>
+            <a:r>
+              <a:rPr lang="en-GB" sz="1600" dirty="0"/>
+              <a:t>Stevie Wonder</a:t>
+            </a:r>
+            <a:endParaRPr lang="ca-ES" dirty="0"/>
+          </a:p>
+          <a:p>
+            <a:pPr marL="128016" lvl="1" indent="0">
+              <a:buFont typeface="Wingdings 3" pitchFamily="18" charset="2"/>
+              <a:buNone/>
+            </a:pPr>
+            <a:endParaRPr lang="ca-ES" sz="2800" dirty="0"/>
+          </a:p>
+        </p:txBody>
+      </p:sp>
+    </p:spTree>
+    <p:extLst>
+      <p:ext uri="{BB962C8B-B14F-4D97-AF65-F5344CB8AC3E}">
+        <p14:creationId xmlns:p14="http://schemas.microsoft.com/office/powerpoint/2010/main" val="395292449"/>
+      </p:ext>
+    </p:extLst>
+  </p:cSld>
+  <p:clrMapOvr>
+    <a:masterClrMapping/>
+  </p:clrMapOvr>
+  <p:timing>
+    <p:tnLst>
+      <p:par>
+        <p:cTn id="1" dur="indefinite" restart="never" nodeType="tmRoot">
+          <p:childTnLst>
+            <p:seq concurrent="1" nextAc="seek">
+              <p:cTn id="2" dur="indefinite" nodeType="mainSeq">
+                <p:childTnLst>
+                  <p:par>
+                    <p:cTn id="3" fill="hold">
+                      <p:stCondLst>
+                        <p:cond delay="indefinite"/>
+                      </p:stCondLst>
+                      <p:childTnLst>
+                        <p:par>
+                          <p:cTn id="4" fill="hold">
+                            <p:stCondLst>
+                              <p:cond delay="0"/>
+                            </p:stCondLst>
+                            <p:childTnLst>
+                              <p:par>
+                                <p:cTn id="5" presetID="1" presetClass="mediacall" presetSubtype="0" fill="hold" nodeType="clickEffect">
+                                  <p:stCondLst>
+                                    <p:cond delay="0"/>
+                                  </p:stCondLst>
+                                  <p:childTnLst>
+                                    <p:cmd type="call" cmd="playFrom(0.0)">
+                                      <p:cBhvr>
+                                        <p:cTn id="6" dur="10000" fill="hold"/>
+                                        <p:tgtEl>
+                                          <p:spTgt spid="12"/>
+                                        </p:tgtEl>
+                                      </p:cBhvr>
+                                    </p:cmd>
+                                  </p:childTnLst>
+                                </p:cTn>
+                              </p:par>
+                            </p:childTnLst>
+                          </p:cTn>
+                        </p:par>
+                      </p:childTnLst>
+                    </p:cTn>
+                  </p:par>
+                  <p:par>
+                    <p:cTn id="7" fill="hold">
+                      <p:stCondLst>
+                        <p:cond delay="indefinite"/>
+                      </p:stCondLst>
+                      <p:childTnLst>
+                        <p:par>
+                          <p:cTn id="8" fill="hold">
+                            <p:stCondLst>
+                              <p:cond delay="0"/>
+                            </p:stCondLst>
+                            <p:childTnLst>
+                              <p:par>
+                                <p:cTn id="9" presetID="1" presetClass="mediacall" presetSubtype="0" fill="hold" nodeType="clickEffect">
+                                  <p:stCondLst>
+                                    <p:cond delay="0"/>
+                                  </p:stCondLst>
+                                  <p:childTnLst>
+                                    <p:cmd type="call" cmd="playFrom(0.0)">
+                                      <p:cBhvr>
+                                        <p:cTn id="10" dur="10000" fill="hold"/>
+                                        <p:tgtEl>
+                                          <p:spTgt spid="13"/>
+                                        </p:tgtEl>
+                                      </p:cBhvr>
+                                    </p:cmd>
+                                  </p:childTnLst>
+                                </p:cTn>
+                              </p:par>
+                            </p:childTnLst>
+                          </p:cTn>
+                        </p:par>
+                      </p:childTnLst>
+                    </p:cTn>
+                  </p:par>
+                </p:childTnLst>
+              </p:cTn>
+              <p:prevCondLst>
+                <p:cond evt="onPrev" delay="0">
+                  <p:tgtEl>
+                    <p:sldTgt/>
+                  </p:tgtEl>
+                </p:cond>
+              </p:prevCondLst>
+              <p:nextCondLst>
+                <p:cond evt="onNext" delay="0">
+                  <p:tgtEl>
+                    <p:sldTgt/>
+                  </p:tgtEl>
+                </p:cond>
+              </p:nextCondLst>
+            </p:seq>
+            <p:audio>
+              <p:cMediaNode vol="80000">
+                <p:cTn id="11" fill="hold" display="0">
+                  <p:stCondLst>
+                    <p:cond delay="indefinite"/>
+                  </p:stCondLst>
+                  <p:endCondLst>
+                    <p:cond evt="onStopAudio" delay="0">
+                      <p:tgtEl>
+                        <p:sldTgt/>
+                      </p:tgtEl>
+                    </p:cond>
+                  </p:endCondLst>
+                </p:cTn>
+                <p:tgtEl>
+                  <p:spTgt spid="12"/>
+                </p:tgtEl>
+              </p:cMediaNode>
+            </p:audio>
+            <p:audio>
+              <p:cMediaNode vol="80000">
+                <p:cTn id="12" fill="hold" display="0">
+                  <p:stCondLst>
+                    <p:cond delay="indefinite"/>
+                  </p:stCondLst>
+                  <p:endCondLst>
+                    <p:cond evt="onStopAudio" delay="0">
+                      <p:tgtEl>
+                        <p:sldTgt/>
+                      </p:tgtEl>
+                    </p:cond>
+                  </p:endCondLst>
+                </p:cTn>
+                <p:tgtEl>
+                  <p:spTgt spid="13"/>
+                </p:tgtEl>
+              </p:cMediaNode>
+            </p:audio>
+          </p:childTnLst>
+        </p:cTn>
+      </p:par>
+    </p:tnLst>
+  </p:timing>
+</p:sld>
+</file>
+
+<file path=ppt/slides/slide17.xml><?xml version="1.0" encoding="utf-8"?>
+<p:sld xmlns:a="http://schemas.openxmlformats.org/drawingml/2006/main" xmlns:r="http://schemas.openxmlformats.org/officeDocument/2006/relationships" xmlns:p="http://schemas.openxmlformats.org/presentationml/2006/main">
+  <p:cSld>
+    <p:spTree>
+      <p:nvGrpSpPr>
+        <p:cNvPr id="1" name=""/>
+        <p:cNvGrpSpPr/>
+        <p:nvPr/>
+      </p:nvGrpSpPr>
+      <p:grpSpPr>
+        <a:xfrm>
+          <a:off x="0" y="0"/>
+          <a:ext cx="0" cy="0"/>
+          <a:chOff x="0" y="0"/>
+          <a:chExt cx="0" cy="0"/>
+        </a:xfrm>
+      </p:grpSpPr>
+      <p:sp>
+        <p:nvSpPr>
+          <p:cNvPr id="2" name="Title 1">
+            <a:extLst>
+              <a:ext uri="{FF2B5EF4-FFF2-40B4-BE49-F238E27FC236}">
+                <a16:creationId xmlns:a16="http://schemas.microsoft.com/office/drawing/2014/main" id="{3DA715D8-12C8-4C95-A92A-3B0D4A376944}"/>
+              </a:ext>
+            </a:extLst>
+          </p:cNvPr>
+          <p:cNvSpPr>
+            <a:spLocks noGrp="1"/>
+          </p:cNvSpPr>
+          <p:nvPr>
+            <p:ph type="title"/>
+          </p:nvPr>
+        </p:nvSpPr>
+        <p:spPr/>
+        <p:txBody>
+          <a:bodyPr/>
+          <a:lstStyle/>
+          <a:p>
+            <a:r>
+              <a:rPr lang="en-GB" dirty="0"/>
+              <a:t>results</a:t>
+            </a:r>
+          </a:p>
+        </p:txBody>
+      </p:sp>
+      <mc:AlternateContent xmlns:mc="http://schemas.openxmlformats.org/markup-compatibility/2006" xmlns:a14="http://schemas.microsoft.com/office/drawing/2010/main">
+        <mc:Choice Requires="a14">
+          <p:sp>
+            <p:nvSpPr>
+              <p:cNvPr id="5" name="Content Placeholder 2">
+                <a:extLst>
+                  <a:ext uri="{FF2B5EF4-FFF2-40B4-BE49-F238E27FC236}">
+                    <a16:creationId xmlns:a16="http://schemas.microsoft.com/office/drawing/2014/main" id="{860B51A3-14A7-4AD7-88C7-2CBA107B6A94}"/>
+                  </a:ext>
+                </a:extLst>
+              </p:cNvPr>
+              <p:cNvSpPr>
+                <a:spLocks noGrp="1"/>
+              </p:cNvSpPr>
+              <p:nvPr>
+                <p:ph idx="1"/>
+              </p:nvPr>
+            </p:nvSpPr>
+            <p:spPr>
+              <a:xfrm>
+                <a:off x="5884164" y="708991"/>
+                <a:ext cx="5816583" cy="1133061"/>
+              </a:xfrm>
+            </p:spPr>
+            <p:txBody>
+              <a:bodyPr>
+                <a:normAutofit/>
+              </a:bodyPr>
+              <a:lstStyle/>
+              <a:p>
+                <a:pPr lvl="1"/>
+                <a:r>
+                  <a:rPr lang="en-GB" sz="2400" dirty="0"/>
+                  <a:t>Original audio: 44.1 kHz / 16-bit</a:t>
+                </a:r>
+              </a:p>
+              <a:p>
+                <a:pPr lvl="1"/>
+                <a:r>
+                  <a:rPr lang="en-GB" sz="2400" dirty="0"/>
+                  <a:t>Compression ratio </a:t>
+                </a:r>
+                <a:r>
+                  <a:rPr lang="en-GB" sz="2800" dirty="0"/>
+                  <a:t>→ </a:t>
+                </a:r>
+                <a14:m>
+                  <m:oMath xmlns:m="http://schemas.openxmlformats.org/officeDocument/2006/math">
+                    <m:r>
+                      <a:rPr lang="ca-ES" sz="2000" b="0" i="1" smtClean="0">
+                        <a:latin typeface="Cambria Math" panose="02040503050406030204" pitchFamily="18" charset="0"/>
+                      </a:rPr>
+                      <m:t>𝐶</m:t>
+                    </m:r>
+                    <m:r>
+                      <a:rPr lang="ca-ES" sz="2000" b="0" i="1" smtClean="0">
+                        <a:latin typeface="Cambria Math" panose="02040503050406030204" pitchFamily="18" charset="0"/>
+                      </a:rPr>
+                      <m:t>= </m:t>
+                    </m:r>
+                    <m:f>
+                      <m:fPr>
+                        <m:ctrlPr>
+                          <a:rPr lang="ca-ES" sz="2000" b="0" i="1" smtClean="0">
+                            <a:latin typeface="Cambria Math" panose="02040503050406030204" pitchFamily="18" charset="0"/>
+                          </a:rPr>
+                        </m:ctrlPr>
+                      </m:fPr>
+                      <m:num>
+                        <m:r>
+                          <a:rPr lang="ca-ES" sz="2000" b="0" i="1" smtClean="0">
+                            <a:latin typeface="Cambria Math" panose="02040503050406030204" pitchFamily="18" charset="0"/>
+                          </a:rPr>
+                          <m:t>𝐶𝑜𝑚𝑝𝑟𝑒𝑠𝑠𝑒𝑑</m:t>
+                        </m:r>
+                        <m:r>
+                          <a:rPr lang="ca-ES" sz="2000" b="0" i="1" smtClean="0">
+                            <a:latin typeface="Cambria Math" panose="02040503050406030204" pitchFamily="18" charset="0"/>
+                          </a:rPr>
+                          <m:t> </m:t>
+                        </m:r>
+                        <m:r>
+                          <a:rPr lang="ca-ES" sz="2000" b="0" i="1" smtClean="0">
+                            <a:latin typeface="Cambria Math" panose="02040503050406030204" pitchFamily="18" charset="0"/>
+                          </a:rPr>
+                          <m:t>𝐹𝑖𝑙𝑒</m:t>
+                        </m:r>
+                        <m:r>
+                          <a:rPr lang="ca-ES" sz="2000" b="0" i="1" smtClean="0">
+                            <a:latin typeface="Cambria Math" panose="02040503050406030204" pitchFamily="18" charset="0"/>
+                          </a:rPr>
+                          <m:t> </m:t>
+                        </m:r>
+                        <m:r>
+                          <a:rPr lang="ca-ES" sz="2000" b="0" i="1" smtClean="0">
+                            <a:latin typeface="Cambria Math" panose="02040503050406030204" pitchFamily="18" charset="0"/>
+                          </a:rPr>
+                          <m:t>𝑆𝑖𝑧𝑒</m:t>
+                        </m:r>
+                      </m:num>
+                      <m:den>
+                        <m:r>
+                          <a:rPr lang="ca-ES" sz="2000" b="0" i="1" smtClean="0">
+                            <a:latin typeface="Cambria Math" panose="02040503050406030204" pitchFamily="18" charset="0"/>
+                          </a:rPr>
+                          <m:t>𝑂𝑟𝑖𝑔𝑖𝑛𝑎𝑙</m:t>
+                        </m:r>
+                        <m:r>
+                          <a:rPr lang="ca-ES" sz="2000" b="0" i="1" smtClean="0">
+                            <a:latin typeface="Cambria Math" panose="02040503050406030204" pitchFamily="18" charset="0"/>
+                          </a:rPr>
+                          <m:t> </m:t>
+                        </m:r>
+                        <m:r>
+                          <a:rPr lang="ca-ES" sz="2000" b="0" i="1" smtClean="0">
+                            <a:latin typeface="Cambria Math" panose="02040503050406030204" pitchFamily="18" charset="0"/>
+                          </a:rPr>
+                          <m:t>𝐹𝑖𝑙𝑒</m:t>
+                        </m:r>
+                        <m:r>
+                          <a:rPr lang="ca-ES" sz="2000" b="0" i="1" smtClean="0">
+                            <a:latin typeface="Cambria Math" panose="02040503050406030204" pitchFamily="18" charset="0"/>
+                          </a:rPr>
+                          <m:t> </m:t>
+                        </m:r>
+                        <m:r>
+                          <a:rPr lang="ca-ES" sz="2000" b="0" i="1" smtClean="0">
+                            <a:latin typeface="Cambria Math" panose="02040503050406030204" pitchFamily="18" charset="0"/>
+                          </a:rPr>
+                          <m:t>𝑆𝑖𝑧𝑒</m:t>
+                        </m:r>
+                      </m:den>
+                    </m:f>
+                  </m:oMath>
+                </a14:m>
+                <a:endParaRPr lang="ca-ES" sz="2800" b="0" dirty="0"/>
+              </a:p>
+              <a:p>
+                <a:pPr marL="128016" lvl="1" indent="0">
+                  <a:buNone/>
+                </a:pPr>
+                <a:endParaRPr lang="ca-ES" sz="2800" b="0" dirty="0"/>
+              </a:p>
+              <a:p>
+                <a:pPr marL="128016" lvl="1" indent="0">
+                  <a:buNone/>
+                </a:pPr>
+                <a:endParaRPr lang="ca-ES" sz="2800" dirty="0"/>
+              </a:p>
+            </p:txBody>
+          </p:sp>
+        </mc:Choice>
+        <mc:Fallback xmlns="">
+          <p:sp>
+            <p:nvSpPr>
+              <p:cNvPr id="5" name="Content Placeholder 2">
+                <a:extLst>
+                  <a:ext uri="{FF2B5EF4-FFF2-40B4-BE49-F238E27FC236}">
+                    <a16:creationId xmlns:a16="http://schemas.microsoft.com/office/drawing/2014/main" id="{860B51A3-14A7-4AD7-88C7-2CBA107B6A94}"/>
+                  </a:ext>
+                </a:extLst>
+              </p:cNvPr>
+              <p:cNvSpPr>
+                <a:spLocks noGrp="1" noRot="1" noChangeAspect="1" noMove="1" noResize="1" noEditPoints="1" noAdjustHandles="1" noChangeArrowheads="1" noChangeShapeType="1" noTextEdit="1"/>
+              </p:cNvSpPr>
+              <p:nvPr>
+                <p:ph idx="1"/>
+              </p:nvPr>
+            </p:nvSpPr>
+            <p:spPr>
+              <a:xfrm>
+                <a:off x="5884164" y="708991"/>
+                <a:ext cx="5816583" cy="1133061"/>
+              </a:xfrm>
+              <a:blipFill>
+                <a:blip r:embed="rId2"/>
+                <a:stretch>
+                  <a:fillRect t="-7527"/>
+                </a:stretch>
+              </a:blipFill>
+            </p:spPr>
+            <p:txBody>
+              <a:bodyPr/>
+              <a:lstStyle/>
+              <a:p>
+                <a:r>
+                  <a:rPr lang="en-GB">
+                    <a:noFill/>
+                  </a:rPr>
+                  <a:t> </a:t>
+                </a:r>
+              </a:p>
+            </p:txBody>
+          </p:sp>
+        </mc:Fallback>
+      </mc:AlternateContent>
+      <p:graphicFrame>
+        <p:nvGraphicFramePr>
+          <p:cNvPr id="7" name="Chart 6">
+            <a:extLst>
+              <a:ext uri="{FF2B5EF4-FFF2-40B4-BE49-F238E27FC236}">
+                <a16:creationId xmlns:a16="http://schemas.microsoft.com/office/drawing/2014/main" id="{B0482D55-B2E7-4F9B-9235-A84044E57D12}"/>
+              </a:ext>
+            </a:extLst>
+          </p:cNvPr>
+          <p:cNvGraphicFramePr>
+            <a:graphicFrameLocks/>
+          </p:cNvGraphicFramePr>
+          <p:nvPr>
+            <p:extLst>
+              <p:ext uri="{D42A27DB-BD31-4B8C-83A1-F6EECF244321}">
+                <p14:modId xmlns:p14="http://schemas.microsoft.com/office/powerpoint/2010/main" val="1399999872"/>
+              </p:ext>
+            </p:extLst>
+          </p:nvPr>
+        </p:nvGraphicFramePr>
+        <p:xfrm>
+          <a:off x="1024128" y="1965827"/>
+          <a:ext cx="10143743" cy="4448225"/>
+        </p:xfrm>
+        <a:graphic>
+          <a:graphicData uri="http://schemas.openxmlformats.org/drawingml/2006/chart">
+            <c:chart xmlns:c="http://schemas.openxmlformats.org/drawingml/2006/chart" xmlns:r="http://schemas.openxmlformats.org/officeDocument/2006/relationships" r:id="rId3"/>
+          </a:graphicData>
+        </a:graphic>
+      </p:graphicFrame>
+    </p:spTree>
+    <p:extLst>
+      <p:ext uri="{BB962C8B-B14F-4D97-AF65-F5344CB8AC3E}">
+        <p14:creationId xmlns:p14="http://schemas.microsoft.com/office/powerpoint/2010/main" val="3893090786"/>
+      </p:ext>
+    </p:extLst>
+  </p:cSld>
+  <p:clrMapOvr>
+    <a:masterClrMapping/>
+  </p:clrMapOvr>
+</p:sld>
+</file>
+
+<file path=ppt/slides/slide18.xml><?xml version="1.0" encoding="utf-8"?>
+<p:sld xmlns:a="http://schemas.openxmlformats.org/drawingml/2006/main" xmlns:r="http://schemas.openxmlformats.org/officeDocument/2006/relationships" xmlns:p="http://schemas.openxmlformats.org/presentationml/2006/main">
+  <p:cSld>
+    <p:spTree>
+      <p:nvGrpSpPr>
+        <p:cNvPr id="1" name=""/>
+        <p:cNvGrpSpPr/>
+        <p:nvPr/>
+      </p:nvGrpSpPr>
+      <p:grpSpPr>
+        <a:xfrm>
+          <a:off x="0" y="0"/>
+          <a:ext cx="0" cy="0"/>
+          <a:chOff x="0" y="0"/>
+          <a:chExt cx="0" cy="0"/>
+        </a:xfrm>
+      </p:grpSpPr>
+      <p:sp>
+        <p:nvSpPr>
+          <p:cNvPr id="6" name="Title 5">
+            <a:extLst>
+              <a:ext uri="{FF2B5EF4-FFF2-40B4-BE49-F238E27FC236}">
+                <a16:creationId xmlns:a16="http://schemas.microsoft.com/office/drawing/2014/main" id="{4A45E909-B122-4DEE-9149-9E9087963A9D}"/>
+              </a:ext>
+            </a:extLst>
+          </p:cNvPr>
+          <p:cNvSpPr>
+            <a:spLocks noGrp="1"/>
+          </p:cNvSpPr>
+          <p:nvPr>
+            <p:ph type="title"/>
+          </p:nvPr>
+        </p:nvSpPr>
+        <p:spPr/>
+        <p:txBody>
+          <a:bodyPr/>
+          <a:lstStyle/>
+          <a:p>
+            <a:r>
+              <a:rPr lang="en-GB" dirty="0"/>
+              <a:t>Any questions?</a:t>
+            </a:r>
+          </a:p>
+        </p:txBody>
+      </p:sp>
+      <p:sp>
+        <p:nvSpPr>
+          <p:cNvPr id="7" name="Picture Placeholder 6">
+            <a:extLst>
+              <a:ext uri="{FF2B5EF4-FFF2-40B4-BE49-F238E27FC236}">
+                <a16:creationId xmlns:a16="http://schemas.microsoft.com/office/drawing/2014/main" id="{58FA88C1-3EB0-4CB9-A837-FD661E049242}"/>
+              </a:ext>
+            </a:extLst>
+          </p:cNvPr>
+          <p:cNvSpPr>
+            <a:spLocks noGrp="1"/>
+          </p:cNvSpPr>
+          <p:nvPr>
+            <p:ph type="pic" idx="1"/>
+          </p:nvPr>
+        </p:nvSpPr>
+        <p:spPr>
+          <a:xfrm>
+            <a:off x="0" y="-39757"/>
+            <a:ext cx="12188952" cy="4572000"/>
+          </a:xfrm>
+        </p:spPr>
+      </p:sp>
+      <p:sp>
+        <p:nvSpPr>
+          <p:cNvPr id="8" name="Text Placeholder 7">
+            <a:extLst>
+              <a:ext uri="{FF2B5EF4-FFF2-40B4-BE49-F238E27FC236}">
+                <a16:creationId xmlns:a16="http://schemas.microsoft.com/office/drawing/2014/main" id="{BE48C8CF-8587-43AA-A060-9DC74D91A0D8}"/>
+              </a:ext>
+            </a:extLst>
+          </p:cNvPr>
+          <p:cNvSpPr>
+            <a:spLocks noGrp="1"/>
+          </p:cNvSpPr>
+          <p:nvPr>
+            <p:ph type="body" sz="half" idx="2"/>
+          </p:nvPr>
+        </p:nvSpPr>
+        <p:spPr/>
+        <p:txBody>
+          <a:bodyPr/>
+          <a:lstStyle/>
+          <a:p>
+            <a:r>
+              <a:rPr lang="en-GB" dirty="0"/>
+              <a:t>Thank you</a:t>
+            </a:r>
+          </a:p>
+        </p:txBody>
+      </p:sp>
+    </p:spTree>
+    <p:extLst>
+      <p:ext uri="{BB962C8B-B14F-4D97-AF65-F5344CB8AC3E}">
+        <p14:creationId xmlns:p14="http://schemas.microsoft.com/office/powerpoint/2010/main" val="4029817874"/>
+      </p:ext>
+    </p:extLst>
+  </p:cSld>
+  <p:clrMapOvr>
+    <a:masterClrMapping/>
+  </p:clrMapOvr>
+</p:sld>
+</file>
+
+<file path=ppt/slides/slide2.xml><?xml version="1.0" encoding="utf-8"?>
+<p:sld xmlns:a="http://schemas.openxmlformats.org/drawingml/2006/main" xmlns:r="http://schemas.openxmlformats.org/officeDocument/2006/relationships" xmlns:p="http://schemas.openxmlformats.org/presentationml/2006/main">
+  <p:cSld>
+    <p:spTree>
+      <p:nvGrpSpPr>
+        <p:cNvPr id="1" name=""/>
+        <p:cNvGrpSpPr/>
+        <p:nvPr/>
+      </p:nvGrpSpPr>
+      <p:grpSpPr>
+        <a:xfrm>
+          <a:off x="0" y="0"/>
+          <a:ext cx="0" cy="0"/>
+          <a:chOff x="0" y="0"/>
+          <a:chExt cx="0" cy="0"/>
+        </a:xfrm>
+      </p:grpSpPr>
+      <p:sp>
+        <p:nvSpPr>
+          <p:cNvPr id="2" name="Title 1">
+            <a:extLst>
+              <a:ext uri="{FF2B5EF4-FFF2-40B4-BE49-F238E27FC236}">
+                <a16:creationId xmlns:a16="http://schemas.microsoft.com/office/drawing/2014/main" id="{3541F58A-8C3B-46CF-B13F-AC66D803CD70}"/>
+              </a:ext>
+            </a:extLst>
+          </p:cNvPr>
+          <p:cNvSpPr>
+            <a:spLocks noGrp="1"/>
+          </p:cNvSpPr>
+          <p:nvPr>
+            <p:ph type="title"/>
+          </p:nvPr>
+        </p:nvSpPr>
+        <p:spPr/>
+        <p:txBody>
+          <a:bodyPr/>
+          <a:lstStyle/>
+          <a:p>
+            <a:r>
+              <a:rPr lang="en-GB" dirty="0"/>
+              <a:t>INDEX</a:t>
+            </a:r>
+          </a:p>
+        </p:txBody>
+      </p:sp>
+      <p:sp>
+        <p:nvSpPr>
+          <p:cNvPr id="3" name="Content Placeholder 2">
+            <a:extLst>
+              <a:ext uri="{FF2B5EF4-FFF2-40B4-BE49-F238E27FC236}">
+                <a16:creationId xmlns:a16="http://schemas.microsoft.com/office/drawing/2014/main" id="{2521F32C-04DF-420A-8A8F-0876F7FC9835}"/>
+              </a:ext>
+            </a:extLst>
+          </p:cNvPr>
+          <p:cNvSpPr>
+            <a:spLocks noGrp="1"/>
+          </p:cNvSpPr>
+          <p:nvPr>
+            <p:ph idx="1"/>
+          </p:nvPr>
+        </p:nvSpPr>
+        <p:spPr/>
+        <p:txBody>
+          <a:bodyPr>
+            <a:normAutofit lnSpcReduction="10000"/>
+          </a:bodyPr>
+          <a:lstStyle/>
+          <a:p>
+            <a:pPr lvl="1"/>
+            <a:r>
+              <a:rPr lang="en-GB" sz="2400" dirty="0"/>
+              <a:t>Introduction</a:t>
+            </a:r>
+          </a:p>
+          <a:p>
+            <a:pPr lvl="1"/>
+            <a:r>
+              <a:rPr lang="en-GB" sz="2400" dirty="0"/>
+              <a:t>Encoder</a:t>
+            </a:r>
+          </a:p>
+          <a:p>
+            <a:pPr lvl="2"/>
+            <a:r>
+              <a:rPr lang="en-GB" sz="1800" dirty="0"/>
+              <a:t>Parcor Values</a:t>
+            </a:r>
+          </a:p>
+          <a:p>
+            <a:pPr lvl="2"/>
+            <a:r>
+              <a:rPr lang="en-GB" sz="1800" dirty="0"/>
+              <a:t>Zero-pole unit circle diagram</a:t>
+            </a:r>
+          </a:p>
+          <a:p>
+            <a:pPr lvl="2"/>
+            <a:r>
+              <a:rPr lang="en-GB" sz="1800" dirty="0"/>
+              <a:t>Quantify + </a:t>
+            </a:r>
+            <a:r>
+              <a:rPr lang="en-GB" sz="1800" dirty="0" err="1"/>
+              <a:t>Dequantify</a:t>
+            </a:r>
+            <a:endParaRPr lang="en-GB" sz="1800" dirty="0"/>
+          </a:p>
+          <a:p>
+            <a:pPr lvl="2"/>
+            <a:r>
+              <a:rPr lang="en-GB" sz="1800" dirty="0"/>
+              <a:t>Parcor to LPC + Predictor </a:t>
+            </a:r>
+          </a:p>
+          <a:p>
+            <a:pPr lvl="2"/>
+            <a:r>
+              <a:rPr lang="en-GB" sz="1800" dirty="0"/>
+              <a:t>Predicted waveform order 2, 8 and 12</a:t>
+            </a:r>
+          </a:p>
+          <a:p>
+            <a:pPr lvl="2"/>
+            <a:r>
+              <a:rPr lang="en-GB" sz="1800" dirty="0"/>
+              <a:t>Golomb Rice Coding</a:t>
+            </a:r>
+          </a:p>
+          <a:p>
+            <a:pPr lvl="1"/>
+            <a:r>
+              <a:rPr lang="en-GB" sz="2400" dirty="0"/>
+              <a:t>Decoder</a:t>
+            </a:r>
+          </a:p>
+          <a:p>
+            <a:pPr lvl="2"/>
+            <a:r>
+              <a:rPr lang="en-GB" sz="1800" dirty="0"/>
+              <a:t>Golomb Rice Decoder</a:t>
+            </a:r>
+          </a:p>
+          <a:p>
+            <a:pPr lvl="2"/>
+            <a:r>
+              <a:rPr lang="en-GB" sz="1800" dirty="0"/>
+              <a:t>Predictor</a:t>
+            </a:r>
+            <a:endParaRPr lang="en-GB" sz="2400" dirty="0"/>
+          </a:p>
+          <a:p>
+            <a:pPr lvl="1"/>
+            <a:r>
+              <a:rPr lang="en-GB" sz="2400" dirty="0"/>
+              <a:t>Results</a:t>
+            </a:r>
+          </a:p>
+          <a:p>
+            <a:pPr lvl="2"/>
+            <a:endParaRPr lang="ca-ES" dirty="0"/>
+          </a:p>
+        </p:txBody>
+      </p:sp>
+    </p:spTree>
+    <p:extLst>
+      <p:ext uri="{BB962C8B-B14F-4D97-AF65-F5344CB8AC3E}">
+        <p14:creationId xmlns:p14="http://schemas.microsoft.com/office/powerpoint/2010/main" val="381648147"/>
+      </p:ext>
+    </p:extLst>
+  </p:cSld>
+  <p:clrMapOvr>
+    <a:masterClrMapping/>
+  </p:clrMapOvr>
+</p:sld>
+</file>
+
+<file path=ppt/slides/slide3.xml><?xml version="1.0" encoding="utf-8"?>
+<p:sld xmlns:a="http://schemas.openxmlformats.org/drawingml/2006/main" xmlns:r="http://schemas.openxmlformats.org/officeDocument/2006/relationships" xmlns:p="http://schemas.openxmlformats.org/presentationml/2006/main">
+  <p:cSld>
+    <p:spTree>
+      <p:nvGrpSpPr>
+        <p:cNvPr id="1" name=""/>
+        <p:cNvGrpSpPr/>
+        <p:nvPr/>
+      </p:nvGrpSpPr>
+      <p:grpSpPr>
+        <a:xfrm>
+          <a:off x="0" y="0"/>
+          <a:ext cx="0" cy="0"/>
+          <a:chOff x="0" y="0"/>
+          <a:chExt cx="0" cy="0"/>
+        </a:xfrm>
+      </p:grpSpPr>
+      <p:sp>
+        <p:nvSpPr>
+          <p:cNvPr id="2" name="Title 1">
+            <a:extLst>
+              <a:ext uri="{FF2B5EF4-FFF2-40B4-BE49-F238E27FC236}">
+                <a16:creationId xmlns:a16="http://schemas.microsoft.com/office/drawing/2014/main" id="{BDF05BCB-8C28-431F-8751-12A464156207}"/>
+              </a:ext>
+            </a:extLst>
+          </p:cNvPr>
+          <p:cNvSpPr>
+            <a:spLocks noGrp="1"/>
+          </p:cNvSpPr>
+          <p:nvPr>
+            <p:ph type="title"/>
+          </p:nvPr>
+        </p:nvSpPr>
+        <p:spPr/>
+        <p:txBody>
+          <a:bodyPr/>
+          <a:lstStyle/>
+          <a:p>
+            <a:r>
+              <a:rPr lang="en-GB" dirty="0"/>
+              <a:t>introduction</a:t>
+            </a:r>
+          </a:p>
+        </p:txBody>
+      </p:sp>
+      <p:sp>
+        <p:nvSpPr>
+          <p:cNvPr id="3" name="Content Placeholder 2">
+            <a:extLst>
+              <a:ext uri="{FF2B5EF4-FFF2-40B4-BE49-F238E27FC236}">
+                <a16:creationId xmlns:a16="http://schemas.microsoft.com/office/drawing/2014/main" id="{F4F7F161-C12E-48B9-9B1D-4DF85E910D94}"/>
+              </a:ext>
+            </a:extLst>
+          </p:cNvPr>
+          <p:cNvSpPr>
+            <a:spLocks noGrp="1"/>
+          </p:cNvSpPr>
+          <p:nvPr>
+            <p:ph idx="1"/>
+          </p:nvPr>
+        </p:nvSpPr>
+        <p:spPr>
+          <a:xfrm>
+            <a:off x="550164" y="2249423"/>
+            <a:ext cx="10667999" cy="4217637"/>
+          </a:xfrm>
+        </p:spPr>
+        <p:txBody>
+          <a:bodyPr>
+            <a:normAutofit/>
+          </a:bodyPr>
+          <a:lstStyle/>
+          <a:p>
+            <a:pPr marL="128016" lvl="1" indent="0">
+              <a:buNone/>
+            </a:pPr>
+            <a:r>
+              <a:rPr lang="en-GB" sz="2800" dirty="0"/>
+              <a:t>MPEG-4 ALS: an Emerging Standard for Lossless Audio Coding by Tilman </a:t>
+            </a:r>
+            <a:r>
+              <a:rPr lang="en-GB" sz="2800" dirty="0" err="1"/>
+              <a:t>Liebchen</a:t>
+            </a:r>
+            <a:r>
+              <a:rPr lang="en-GB" sz="2800" dirty="0"/>
+              <a:t> and </a:t>
+            </a:r>
+            <a:r>
+              <a:rPr lang="en-GB" sz="2800" dirty="0" err="1"/>
+              <a:t>Yuriy</a:t>
+            </a:r>
+            <a:r>
+              <a:rPr lang="en-GB" sz="2800" dirty="0"/>
+              <a:t> A. Reznik.</a:t>
+            </a:r>
+          </a:p>
+          <a:p>
+            <a:pPr lvl="1"/>
+            <a:r>
+              <a:rPr lang="en-GB" sz="2400" dirty="0"/>
+              <a:t>Many applications in recording and distribution of audio → Studio operations, collaborative work or music distribution over the Internet, etc.</a:t>
+            </a:r>
+          </a:p>
+          <a:p>
+            <a:pPr lvl="1"/>
+            <a:r>
+              <a:rPr lang="en-GB" sz="2400" dirty="0"/>
+              <a:t>Standard introduced in March 2003 </a:t>
+            </a:r>
+            <a:endParaRPr lang="ca-ES" sz="2000" dirty="0"/>
+          </a:p>
+          <a:p>
+            <a:pPr marL="310896" lvl="2" indent="0">
+              <a:buNone/>
+            </a:pPr>
+            <a:endParaRPr lang="ca-ES" sz="2000" b="1" dirty="0"/>
+          </a:p>
+          <a:p>
+            <a:pPr marL="310896" lvl="2" indent="0">
+              <a:buNone/>
+            </a:pPr>
+            <a:r>
+              <a:rPr lang="ca-ES" sz="2000" b="1" dirty="0"/>
+              <a:t>Objectives: </a:t>
+            </a:r>
+          </a:p>
+          <a:p>
+            <a:pPr lvl="3"/>
+            <a:r>
+              <a:rPr lang="en-GB" sz="2000" dirty="0"/>
+              <a:t>Provide lossless reconstruction of PCM audio signals at different sampling rates and word lengths</a:t>
+            </a:r>
+            <a:endParaRPr lang="en-GB" sz="2000" dirty="0">
+              <a:solidFill>
+                <a:schemeClr val="accent2">
+                  <a:lumMod val="75000"/>
+                </a:schemeClr>
+              </a:solidFill>
+            </a:endParaRPr>
+          </a:p>
+          <a:p>
+            <a:pPr lvl="3"/>
+            <a:r>
+              <a:rPr lang="en-GB" sz="2000" dirty="0"/>
+              <a:t>Achieve superior compression efficiency to other algorithms</a:t>
+            </a:r>
+          </a:p>
+          <a:p>
+            <a:pPr lvl="3"/>
+            <a:r>
+              <a:rPr lang="en-GB" sz="2000" dirty="0"/>
+              <a:t>Provide means for editing, manipulation and random access to the compressed audio</a:t>
+            </a:r>
+          </a:p>
+          <a:p>
+            <a:pPr lvl="1"/>
+            <a:endParaRPr lang="en-GB" sz="2000" dirty="0"/>
+          </a:p>
+        </p:txBody>
+      </p:sp>
+    </p:spTree>
+    <p:extLst>
+      <p:ext uri="{BB962C8B-B14F-4D97-AF65-F5344CB8AC3E}">
+        <p14:creationId xmlns:p14="http://schemas.microsoft.com/office/powerpoint/2010/main" val="3935606045"/>
+      </p:ext>
+    </p:extLst>
+  </p:cSld>
+  <p:clrMapOvr>
+    <a:masterClrMapping/>
+  </p:clrMapOvr>
+</p:sld>
+</file>
+
+<file path=ppt/slides/slide4.xml><?xml version="1.0" encoding="utf-8"?>
+<p:sld xmlns:a="http://schemas.openxmlformats.org/drawingml/2006/main" xmlns:r="http://schemas.openxmlformats.org/officeDocument/2006/relationships" xmlns:p="http://schemas.openxmlformats.org/presentationml/2006/main">
+  <p:cSld>
+    <p:spTree>
+      <p:nvGrpSpPr>
+        <p:cNvPr id="1" name=""/>
+        <p:cNvGrpSpPr/>
+        <p:nvPr/>
+      </p:nvGrpSpPr>
+      <p:grpSpPr>
+        <a:xfrm>
+          <a:off x="0" y="0"/>
+          <a:ext cx="0" cy="0"/>
+          <a:chOff x="0" y="0"/>
+          <a:chExt cx="0" cy="0"/>
+        </a:xfrm>
+      </p:grpSpPr>
+      <p:sp>
+        <p:nvSpPr>
+          <p:cNvPr id="2" name="Title 1">
+            <a:extLst>
+              <a:ext uri="{FF2B5EF4-FFF2-40B4-BE49-F238E27FC236}">
+                <a16:creationId xmlns:a16="http://schemas.microsoft.com/office/drawing/2014/main" id="{33FE9B80-78B4-4969-AB92-0359BB9577B0}"/>
+              </a:ext>
+            </a:extLst>
+          </p:cNvPr>
+          <p:cNvSpPr>
+            <a:spLocks noGrp="1"/>
+          </p:cNvSpPr>
+          <p:nvPr>
+            <p:ph type="title"/>
+          </p:nvPr>
+        </p:nvSpPr>
+        <p:spPr/>
+        <p:txBody>
+          <a:bodyPr/>
+          <a:lstStyle/>
+          <a:p>
+            <a:r>
+              <a:rPr lang="ca-ES" dirty="0" err="1"/>
+              <a:t>encoder</a:t>
+            </a:r>
+            <a:endParaRPr lang="ca-ES" dirty="0"/>
+          </a:p>
+        </p:txBody>
+      </p:sp>
+      <p:pic>
+        <p:nvPicPr>
+          <p:cNvPr id="7" name="Content Placeholder 6">
+            <a:extLst>
+              <a:ext uri="{FF2B5EF4-FFF2-40B4-BE49-F238E27FC236}">
+                <a16:creationId xmlns:a16="http://schemas.microsoft.com/office/drawing/2014/main" id="{5D6D6E1E-F2BD-4291-8480-666594A54DD5}"/>
+              </a:ext>
+            </a:extLst>
+          </p:cNvPr>
+          <p:cNvPicPr>
+            <a:picLocks noGrp="1" noChangeAspect="1"/>
+          </p:cNvPicPr>
+          <p:nvPr>
+            <p:ph idx="1"/>
+          </p:nvPr>
+        </p:nvPicPr>
+        <p:blipFill>
+          <a:blip r:embed="rId2"/>
+          <a:stretch>
+            <a:fillRect/>
+          </a:stretch>
+        </p:blipFill>
+        <p:spPr>
+          <a:xfrm>
+            <a:off x="1024128" y="1711749"/>
+            <a:ext cx="10143744" cy="4561036"/>
+          </a:xfrm>
+        </p:spPr>
+      </p:pic>
+      <p:sp>
+        <p:nvSpPr>
+          <p:cNvPr id="8" name="Rectangle 7">
+            <a:extLst>
+              <a:ext uri="{FF2B5EF4-FFF2-40B4-BE49-F238E27FC236}">
+                <a16:creationId xmlns:a16="http://schemas.microsoft.com/office/drawing/2014/main" id="{B85305CA-06D9-4D08-A9D5-9BADCA8EFCD2}"/>
+              </a:ext>
+            </a:extLst>
+          </p:cNvPr>
+          <p:cNvSpPr/>
+          <p:nvPr/>
+        </p:nvSpPr>
+        <p:spPr>
+          <a:xfrm>
+            <a:off x="2405792" y="2476670"/>
+            <a:ext cx="1152939" cy="734695"/>
+          </a:xfrm>
+          <a:prstGeom prst="rect">
+            <a:avLst/>
+          </a:prstGeom>
+          <a:noFill/>
+          <a:ln w="76200">
+            <a:solidFill>
+              <a:schemeClr val="accent2">
+                <a:lumMod val="75000"/>
+              </a:schemeClr>
+            </a:solidFill>
+          </a:ln>
+        </p:spPr>
+        <p:style>
+          <a:lnRef idx="2">
+            <a:schemeClr val="accent1">
+              <a:shade val="50000"/>
+            </a:schemeClr>
+          </a:lnRef>
+          <a:fillRef idx="1">
+            <a:schemeClr val="accent1"/>
+          </a:fillRef>
+          <a:effectRef idx="0">
+            <a:schemeClr val="accent1"/>
+          </a:effectRef>
+          <a:fontRef idx="minor">
+            <a:schemeClr val="lt1"/>
+          </a:fontRef>
+        </p:style>
+        <p:txBody>
+          <a:bodyPr rtlCol="0" anchor="ctr"/>
+          <a:lstStyle/>
+          <a:p>
+            <a:pPr algn="ctr"/>
+            <a:endParaRPr lang="ca-ES"/>
+          </a:p>
+        </p:txBody>
+      </p:sp>
+    </p:spTree>
+    <p:extLst>
+      <p:ext uri="{BB962C8B-B14F-4D97-AF65-F5344CB8AC3E}">
+        <p14:creationId xmlns:p14="http://schemas.microsoft.com/office/powerpoint/2010/main" val="3402045135"/>
+      </p:ext>
+    </p:extLst>
+  </p:cSld>
+  <p:clrMapOvr>
+    <a:masterClrMapping/>
+  </p:clrMapOvr>
+  <p:timing>
+    <p:tnLst>
+      <p:par>
+        <p:cTn id="1" dur="indefinite" restart="never" nodeType="tmRoot">
+          <p:childTnLst>
+            <p:seq concurrent="1" nextAc="seek">
+              <p:cTn id="2" dur="indefinite" nodeType="mainSeq">
+                <p:childTnLst>
+                  <p:par>
+                    <p:cTn id="3" fill="hold">
+                      <p:stCondLst>
+                        <p:cond delay="indefinite"/>
+                      </p:stCondLst>
+                      <p:childTnLst>
+                        <p:par>
+                          <p:cTn id="4" fill="hold">
+                            <p:stCondLst>
+                              <p:cond delay="0"/>
+                            </p:stCondLst>
+                            <p:childTnLst>
+                              <p:par>
+                                <p:cTn id="5" presetID="1" presetClass="entr" presetSubtype="0" fill="hold" grpId="0" nodeType="clickEffect">
+                                  <p:stCondLst>
+                                    <p:cond delay="0"/>
+                                  </p:stCondLst>
+                                  <p:childTnLst>
+                                    <p:set>
+                                      <p:cBhvr>
+                                        <p:cTn id="6" dur="1" fill="hold">
+                                          <p:stCondLst>
+                                            <p:cond delay="0"/>
+                                          </p:stCondLst>
+                                        </p:cTn>
+                                        <p:tgtEl>
+                                          <p:spTgt spid="8"/>
+                                        </p:tgtEl>
+                                        <p:attrNameLst>
+                                          <p:attrName>style.visibility</p:attrName>
+                                        </p:attrNameLst>
+                                      </p:cBhvr>
+                                      <p:to>
+                                        <p:strVal val="visible"/>
+                                      </p:to>
+                                    </p:set>
+                                  </p:childTnLst>
+                                </p:cTn>
+                              </p:par>
+                            </p:childTnLst>
+                          </p:cTn>
+                        </p:par>
+                      </p:childTnLst>
+                    </p:cTn>
+                  </p:par>
+                </p:childTnLst>
+              </p:cTn>
+              <p:prevCondLst>
+                <p:cond evt="onPrev" delay="0">
+                  <p:tgtEl>
+                    <p:sldTgt/>
+                  </p:tgtEl>
+                </p:cond>
+              </p:prevCondLst>
+              <p:nextCondLst>
+                <p:cond evt="onNext" delay="0">
+                  <p:tgtEl>
+                    <p:sldTgt/>
+                  </p:tgtEl>
+                </p:cond>
+              </p:nextCondLst>
+            </p:seq>
+          </p:childTnLst>
+        </p:cTn>
+      </p:par>
+    </p:tnLst>
+    <p:bldLst>
+      <p:bldP spid="8" grpId="0" animBg="1"/>
+    </p:bldLst>
+  </p:timing>
+</p:sld>
+</file>
+
+<file path=ppt/slides/slide5.xml><?xml version="1.0" encoding="utf-8"?>
+<p:sld xmlns:a="http://schemas.openxmlformats.org/drawingml/2006/main" xmlns:r="http://schemas.openxmlformats.org/officeDocument/2006/relationships" xmlns:p="http://schemas.openxmlformats.org/presentationml/2006/main">
+  <p:cSld>
+    <p:spTree>
+      <p:nvGrpSpPr>
+        <p:cNvPr id="1" name=""/>
+        <p:cNvGrpSpPr/>
+        <p:nvPr/>
+      </p:nvGrpSpPr>
+      <p:grpSpPr>
+        <a:xfrm>
+          <a:off x="0" y="0"/>
+          <a:ext cx="0" cy="0"/>
+          <a:chOff x="0" y="0"/>
+          <a:chExt cx="0" cy="0"/>
+        </a:xfrm>
+      </p:grpSpPr>
+      <p:pic>
+        <p:nvPicPr>
+          <p:cNvPr id="9" name="Picture 8">
+            <a:extLst>
+              <a:ext uri="{FF2B5EF4-FFF2-40B4-BE49-F238E27FC236}">
+                <a16:creationId xmlns:a16="http://schemas.microsoft.com/office/drawing/2014/main" id="{E0750272-9537-425A-9986-119595D6435A}"/>
+              </a:ext>
+            </a:extLst>
+          </p:cNvPr>
+          <p:cNvPicPr>
+            <a:picLocks noChangeAspect="1"/>
+          </p:cNvPicPr>
+          <p:nvPr/>
+        </p:nvPicPr>
+        <p:blipFill>
+          <a:blip r:embed="rId2"/>
+          <a:stretch>
+            <a:fillRect/>
+          </a:stretch>
+        </p:blipFill>
+        <p:spPr>
+          <a:xfrm>
+            <a:off x="6750424" y="3673219"/>
+            <a:ext cx="4843085" cy="3065806"/>
+          </a:xfrm>
+          <a:prstGeom prst="rect">
+            <a:avLst/>
+          </a:prstGeom>
+        </p:spPr>
+      </p:pic>
+      <p:sp>
+        <p:nvSpPr>
+          <p:cNvPr id="2" name="Title 1">
+            <a:extLst>
+              <a:ext uri="{FF2B5EF4-FFF2-40B4-BE49-F238E27FC236}">
+                <a16:creationId xmlns:a16="http://schemas.microsoft.com/office/drawing/2014/main" id="{33FE9B80-78B4-4969-AB92-0359BB9577B0}"/>
+              </a:ext>
+            </a:extLst>
+          </p:cNvPr>
+          <p:cNvSpPr>
+            <a:spLocks noGrp="1"/>
+          </p:cNvSpPr>
+          <p:nvPr>
+            <p:ph type="title"/>
+          </p:nvPr>
+        </p:nvSpPr>
+        <p:spPr/>
+        <p:txBody>
+          <a:bodyPr/>
+          <a:lstStyle/>
+          <a:p>
+            <a:r>
+              <a:rPr lang="en-GB" dirty="0"/>
+              <a:t>Parcor values</a:t>
+            </a:r>
+          </a:p>
+        </p:txBody>
+      </p:sp>
+      <p:pic>
+        <p:nvPicPr>
+          <p:cNvPr id="7" name="Content Placeholder 6">
+            <a:extLst>
+              <a:ext uri="{FF2B5EF4-FFF2-40B4-BE49-F238E27FC236}">
+                <a16:creationId xmlns:a16="http://schemas.microsoft.com/office/drawing/2014/main" id="{5D6D6E1E-F2BD-4291-8480-666594A54DD5}"/>
+              </a:ext>
+            </a:extLst>
+          </p:cNvPr>
+          <p:cNvPicPr>
+            <a:picLocks noGrp="1" noChangeAspect="1"/>
+          </p:cNvPicPr>
+          <p:nvPr>
+            <p:ph idx="1"/>
+          </p:nvPr>
+        </p:nvPicPr>
+        <p:blipFill>
+          <a:blip r:embed="rId3"/>
+          <a:stretch>
+            <a:fillRect/>
+          </a:stretch>
+        </p:blipFill>
+        <p:spPr>
+          <a:xfrm>
+            <a:off x="8054992" y="351778"/>
+            <a:ext cx="3854311" cy="1733053"/>
+          </a:xfrm>
+        </p:spPr>
+      </p:pic>
+      <p:sp>
+        <p:nvSpPr>
+          <p:cNvPr id="8" name="Rectangle 7">
+            <a:extLst>
+              <a:ext uri="{FF2B5EF4-FFF2-40B4-BE49-F238E27FC236}">
+                <a16:creationId xmlns:a16="http://schemas.microsoft.com/office/drawing/2014/main" id="{B85305CA-06D9-4D08-A9D5-9BADCA8EFCD2}"/>
+              </a:ext>
+            </a:extLst>
+          </p:cNvPr>
+          <p:cNvSpPr/>
+          <p:nvPr/>
+        </p:nvSpPr>
+        <p:spPr>
+          <a:xfrm>
+            <a:off x="8554453" y="1378226"/>
+            <a:ext cx="478452" cy="516835"/>
+          </a:xfrm>
+          <a:prstGeom prst="rect">
+            <a:avLst/>
+          </a:prstGeom>
+          <a:noFill/>
+          <a:ln w="76200">
+            <a:solidFill>
+              <a:schemeClr val="accent2">
+                <a:lumMod val="75000"/>
+              </a:schemeClr>
+            </a:solidFill>
+          </a:ln>
+        </p:spPr>
+        <p:style>
+          <a:lnRef idx="2">
+            <a:schemeClr val="accent1">
+              <a:shade val="50000"/>
+            </a:schemeClr>
+          </a:lnRef>
+          <a:fillRef idx="1">
+            <a:schemeClr val="accent1"/>
+          </a:fillRef>
+          <a:effectRef idx="0">
+            <a:schemeClr val="accent1"/>
+          </a:effectRef>
+          <a:fontRef idx="minor">
+            <a:schemeClr val="lt1"/>
+          </a:fontRef>
+        </p:style>
+        <p:txBody>
+          <a:bodyPr rtlCol="0" anchor="ctr"/>
+          <a:lstStyle/>
+          <a:p>
+            <a:pPr algn="ctr"/>
+            <a:endParaRPr lang="ca-ES"/>
+          </a:p>
+        </p:txBody>
+      </p:sp>
+      <p:sp>
+        <p:nvSpPr>
+          <p:cNvPr id="6" name="Content Placeholder 2">
+            <a:extLst>
+              <a:ext uri="{FF2B5EF4-FFF2-40B4-BE49-F238E27FC236}">
+                <a16:creationId xmlns:a16="http://schemas.microsoft.com/office/drawing/2014/main" id="{280D7611-59B8-4D6F-8021-4840898BD047}"/>
+              </a:ext>
+            </a:extLst>
+          </p:cNvPr>
+          <p:cNvSpPr txBox="1">
+            <a:spLocks/>
+          </p:cNvSpPr>
+          <p:nvPr/>
+        </p:nvSpPr>
+        <p:spPr>
+          <a:xfrm>
+            <a:off x="1024128" y="2286000"/>
+            <a:ext cx="9720071" cy="4023360"/>
+          </a:xfrm>
+          <a:prstGeom prst="rect">
+            <a:avLst/>
+          </a:prstGeom>
+        </p:spPr>
+        <p:txBody>
+          <a:bodyPr vert="horz" lIns="45720" tIns="45720" rIns="45720" bIns="45720" rtlCol="0">
+            <a:normAutofit/>
+          </a:bodyPr>
+          <a:lstStyle>
+            <a:lvl1pPr marL="91440" indent="-91440" algn="l" defTabSz="914400" rtl="0" eaLnBrk="1" latinLnBrk="0" hangingPunct="1">
+              <a:lnSpc>
+                <a:spcPct val="90000"/>
+              </a:lnSpc>
+              <a:spcBef>
+                <a:spcPts val="1200"/>
+              </a:spcBef>
+              <a:spcAft>
+                <a:spcPts val="200"/>
+              </a:spcAft>
+              <a:buClr>
+                <a:schemeClr val="accent2"/>
+              </a:buClr>
+              <a:buSzPct val="100000"/>
+              <a:buFont typeface="Tw Cen MT" panose="020B0602020104020603" pitchFamily="34" charset="0"/>
+              <a:buChar char=" "/>
+              <a:defRPr sz="2200" kern="1200">
+                <a:solidFill>
+                  <a:schemeClr val="tx1"/>
+                </a:solidFill>
+                <a:latin typeface="+mn-lt"/>
+                <a:ea typeface="+mn-ea"/>
+                <a:cs typeface="+mn-cs"/>
+              </a:defRPr>
+            </a:lvl1pPr>
+            <a:lvl2pPr marL="265176" indent="-137160" algn="l" defTabSz="914400" rtl="0" eaLnBrk="1" latinLnBrk="0" hangingPunct="1">
+              <a:lnSpc>
+                <a:spcPct val="90000"/>
+              </a:lnSpc>
+              <a:spcBef>
+                <a:spcPts val="200"/>
+              </a:spcBef>
+              <a:spcAft>
+                <a:spcPts val="400"/>
+              </a:spcAft>
+              <a:buClr>
+                <a:schemeClr val="accent2"/>
+              </a:buClr>
+              <a:buFont typeface="Wingdings 3" pitchFamily="18" charset="2"/>
+              <a:buChar char=""/>
+              <a:defRPr sz="1800" kern="1200">
+                <a:solidFill>
+                  <a:schemeClr val="tx1"/>
+                </a:solidFill>
+                <a:latin typeface="+mn-lt"/>
+                <a:ea typeface="+mn-ea"/>
+                <a:cs typeface="+mn-cs"/>
+              </a:defRPr>
+            </a:lvl2pPr>
+            <a:lvl3pPr marL="448056" indent="-137160" algn="l" defTabSz="914400" rtl="0" eaLnBrk="1" latinLnBrk="0" hangingPunct="1">
+              <a:lnSpc>
+                <a:spcPct val="90000"/>
+              </a:lnSpc>
+              <a:spcBef>
+                <a:spcPts val="200"/>
+              </a:spcBef>
+              <a:spcAft>
+                <a:spcPts val="400"/>
+              </a:spcAft>
+              <a:buClr>
+                <a:schemeClr val="accent2"/>
+              </a:buClr>
+              <a:buFont typeface="Wingdings 3" pitchFamily="18" charset="2"/>
+              <a:buChar char=""/>
+              <a:defRPr sz="1400" kern="1200">
+                <a:solidFill>
+                  <a:schemeClr val="tx1"/>
+                </a:solidFill>
+                <a:latin typeface="+mn-lt"/>
+                <a:ea typeface="+mn-ea"/>
+                <a:cs typeface="+mn-cs"/>
+              </a:defRPr>
+            </a:lvl3pPr>
+            <a:lvl4pPr marL="594360" indent="-137160" algn="l" defTabSz="914400" rtl="0" eaLnBrk="1" latinLnBrk="0" hangingPunct="1">
+              <a:lnSpc>
+                <a:spcPct val="90000"/>
+              </a:lnSpc>
+              <a:spcBef>
+                <a:spcPts val="200"/>
+              </a:spcBef>
+              <a:spcAft>
+                <a:spcPts val="400"/>
+              </a:spcAft>
+              <a:buClr>
+                <a:schemeClr val="accent2"/>
+              </a:buClr>
+              <a:buFont typeface="Wingdings 3" pitchFamily="18" charset="2"/>
+              <a:buChar char=""/>
+              <a:defRPr sz="1400" kern="1200">
+                <a:solidFill>
+                  <a:schemeClr val="tx1"/>
+                </a:solidFill>
+                <a:latin typeface="+mn-lt"/>
+                <a:ea typeface="+mn-ea"/>
+                <a:cs typeface="+mn-cs"/>
+              </a:defRPr>
+            </a:lvl4pPr>
+            <a:lvl5pPr marL="777240" indent="-137160" algn="l" defTabSz="914400" rtl="0" eaLnBrk="1" latinLnBrk="0" hangingPunct="1">
+              <a:lnSpc>
+                <a:spcPct val="90000"/>
+              </a:lnSpc>
+              <a:spcBef>
+                <a:spcPts val="200"/>
+              </a:spcBef>
+              <a:spcAft>
+                <a:spcPts val="400"/>
+              </a:spcAft>
+              <a:buClr>
+                <a:schemeClr val="accent2"/>
+              </a:buClr>
+              <a:buFont typeface="Wingdings 3" pitchFamily="18" charset="2"/>
+              <a:buChar char=""/>
+              <a:defRPr sz="1400" kern="1200">
+                <a:solidFill>
+                  <a:schemeClr val="tx1"/>
+                </a:solidFill>
+                <a:latin typeface="+mn-lt"/>
+                <a:ea typeface="+mn-ea"/>
+                <a:cs typeface="+mn-cs"/>
+              </a:defRPr>
+            </a:lvl5pPr>
+            <a:lvl6pPr marL="914400" indent="-137160" algn="l" defTabSz="914400" rtl="0" eaLnBrk="1" latinLnBrk="0" hangingPunct="1">
+              <a:lnSpc>
+                <a:spcPct val="90000"/>
+              </a:lnSpc>
+              <a:spcBef>
+                <a:spcPts val="200"/>
+              </a:spcBef>
+              <a:spcAft>
+                <a:spcPts val="400"/>
+              </a:spcAft>
+              <a:buClr>
+                <a:schemeClr val="accent2"/>
+              </a:buClr>
+              <a:buFont typeface="Wingdings 3" pitchFamily="18" charset="2"/>
+              <a:buChar char=""/>
+              <a:defRPr sz="1400" kern="1200">
+                <a:solidFill>
+                  <a:schemeClr val="tx1"/>
+                </a:solidFill>
+                <a:latin typeface="+mn-lt"/>
+                <a:ea typeface="+mn-ea"/>
+                <a:cs typeface="+mn-cs"/>
+              </a:defRPr>
+            </a:lvl6pPr>
+            <a:lvl7pPr marL="1060704" indent="-137160" algn="l" defTabSz="914400" rtl="0" eaLnBrk="1" latinLnBrk="0" hangingPunct="1">
+              <a:lnSpc>
+                <a:spcPct val="90000"/>
+              </a:lnSpc>
+              <a:spcBef>
+                <a:spcPts val="200"/>
+              </a:spcBef>
+              <a:spcAft>
+                <a:spcPts val="400"/>
+              </a:spcAft>
+              <a:buClr>
+                <a:schemeClr val="accent2"/>
+              </a:buClr>
+              <a:buFont typeface="Wingdings 3" pitchFamily="18" charset="2"/>
+              <a:buChar char=""/>
+              <a:defRPr sz="1400" kern="1200">
+                <a:solidFill>
+                  <a:schemeClr val="tx1"/>
+                </a:solidFill>
+                <a:latin typeface="+mn-lt"/>
+                <a:ea typeface="+mn-ea"/>
+                <a:cs typeface="+mn-cs"/>
+              </a:defRPr>
+            </a:lvl7pPr>
+            <a:lvl8pPr marL="1216152" indent="-137160" algn="l" defTabSz="914400" rtl="0" eaLnBrk="1" latinLnBrk="0" hangingPunct="1">
+              <a:lnSpc>
+                <a:spcPct val="90000"/>
+              </a:lnSpc>
+              <a:spcBef>
+                <a:spcPts val="200"/>
+              </a:spcBef>
+              <a:spcAft>
+                <a:spcPts val="400"/>
+              </a:spcAft>
+              <a:buClr>
+                <a:schemeClr val="accent2"/>
+              </a:buClr>
+              <a:buFont typeface="Wingdings 3" pitchFamily="18" charset="2"/>
+              <a:buChar char=""/>
+              <a:defRPr sz="1400" kern="1200">
+                <a:solidFill>
+                  <a:schemeClr val="tx1"/>
+                </a:solidFill>
+                <a:latin typeface="+mn-lt"/>
+                <a:ea typeface="+mn-ea"/>
+                <a:cs typeface="+mn-cs"/>
+              </a:defRPr>
+            </a:lvl8pPr>
+            <a:lvl9pPr marL="1362456" indent="-137160" algn="l" defTabSz="914400" rtl="0" eaLnBrk="1" latinLnBrk="0" hangingPunct="1">
+              <a:lnSpc>
+                <a:spcPct val="90000"/>
+              </a:lnSpc>
+              <a:spcBef>
+                <a:spcPts val="200"/>
+              </a:spcBef>
+              <a:spcAft>
+                <a:spcPts val="400"/>
+              </a:spcAft>
+              <a:buClr>
+                <a:schemeClr val="accent2"/>
+              </a:buClr>
+              <a:buFont typeface="Wingdings 3" pitchFamily="18" charset="2"/>
+              <a:buChar char=""/>
+              <a:defRPr sz="1400" kern="1200">
+                <a:solidFill>
+                  <a:schemeClr val="tx1"/>
+                </a:solidFill>
+                <a:latin typeface="+mn-lt"/>
+                <a:ea typeface="+mn-ea"/>
+                <a:cs typeface="+mn-cs"/>
+              </a:defRPr>
+            </a:lvl9pPr>
+          </a:lstStyle>
+          <a:p>
+            <a:pPr lvl="1"/>
+            <a:r>
+              <a:rPr lang="en-GB" sz="2400" dirty="0"/>
+              <a:t>Apply</a:t>
+            </a:r>
+            <a:r>
+              <a:rPr lang="ca-ES" sz="2400" dirty="0"/>
+              <a:t> Hamming </a:t>
+            </a:r>
+            <a:r>
+              <a:rPr lang="en-GB" sz="2400" dirty="0"/>
+              <a:t>window to each frame</a:t>
+            </a:r>
+          </a:p>
+          <a:p>
+            <a:pPr lvl="1"/>
+            <a:r>
+              <a:rPr lang="en-GB" sz="2400" dirty="0">
+                <a:sym typeface="Wingdings" panose="05000000000000000000" pitchFamily="2" charset="2"/>
+              </a:rPr>
+              <a:t>Calculate the autocorrelation order p</a:t>
+            </a:r>
+          </a:p>
+          <a:p>
+            <a:pPr lvl="1"/>
+            <a:r>
+              <a:rPr lang="en-GB" sz="2400" dirty="0">
+                <a:sym typeface="Wingdings" panose="05000000000000000000" pitchFamily="2" charset="2"/>
+              </a:rPr>
+              <a:t>Levinson – Durbin algorithm to estimate </a:t>
+            </a:r>
+            <a:r>
+              <a:rPr lang="en-GB" sz="2400" dirty="0">
+                <a:solidFill>
+                  <a:schemeClr val="accent2">
+                    <a:lumMod val="75000"/>
+                  </a:schemeClr>
+                </a:solidFill>
+                <a:sym typeface="Wingdings" panose="05000000000000000000" pitchFamily="2" charset="2"/>
+              </a:rPr>
+              <a:t>PARCOR VALUES </a:t>
+            </a:r>
+            <a:r>
+              <a:rPr lang="en-GB" sz="2400" i="1" dirty="0">
+                <a:solidFill>
+                  <a:schemeClr val="accent2">
+                    <a:lumMod val="75000"/>
+                  </a:schemeClr>
+                </a:solidFill>
+                <a:sym typeface="Wingdings" panose="05000000000000000000" pitchFamily="2" charset="2"/>
+              </a:rPr>
+              <a:t>(k)</a:t>
+            </a:r>
+            <a:r>
+              <a:rPr lang="en-GB" sz="2400" dirty="0">
+                <a:solidFill>
+                  <a:schemeClr val="accent2">
+                    <a:lumMod val="75000"/>
+                  </a:schemeClr>
+                </a:solidFill>
+                <a:sym typeface="Wingdings" panose="05000000000000000000" pitchFamily="2" charset="2"/>
+              </a:rPr>
+              <a:t> </a:t>
+            </a:r>
+            <a:r>
+              <a:rPr lang="en-GB" sz="2400" dirty="0">
+                <a:sym typeface="Wingdings" panose="05000000000000000000" pitchFamily="2" charset="2"/>
+              </a:rPr>
+              <a:t>using windowed frame</a:t>
+            </a:r>
+          </a:p>
+          <a:p>
+            <a:pPr lvl="2"/>
+            <a:r>
+              <a:rPr lang="en-GB" sz="2000" dirty="0">
+                <a:sym typeface="Wingdings" panose="05000000000000000000" pitchFamily="2" charset="2"/>
+              </a:rPr>
+              <a:t>Initialization</a:t>
+            </a:r>
+          </a:p>
+          <a:p>
+            <a:pPr marL="310896" lvl="2" indent="0">
+              <a:buNone/>
+            </a:pPr>
+            <a:r>
+              <a:rPr lang="en-GB" sz="2000" dirty="0">
+                <a:sym typeface="Wingdings" panose="05000000000000000000" pitchFamily="2" charset="2"/>
+              </a:rPr>
+              <a:t>	R(0) = R(0)*257/256 </a:t>
+            </a:r>
+            <a:r>
+              <a:rPr lang="ca-ES" sz="2000" dirty="0"/>
+              <a:t>→</a:t>
+            </a:r>
+            <a:r>
+              <a:rPr lang="en-GB" sz="2000" dirty="0">
+                <a:sym typeface="Wingdings" panose="05000000000000000000" pitchFamily="2" charset="2"/>
+              </a:rPr>
+              <a:t> to stabilize the predicted values</a:t>
+            </a:r>
+          </a:p>
+          <a:p>
+            <a:pPr lvl="2"/>
+            <a:r>
+              <a:rPr lang="en-GB" sz="2000" dirty="0">
+                <a:sym typeface="Wingdings" panose="05000000000000000000" pitchFamily="2" charset="2"/>
+              </a:rPr>
+              <a:t>Iterate</a:t>
+            </a:r>
+          </a:p>
+          <a:p>
+            <a:pPr marL="640080" lvl="4" indent="0">
+              <a:buNone/>
+            </a:pPr>
+            <a:r>
+              <a:rPr lang="en-GB" sz="1800" dirty="0">
+                <a:sym typeface="Wingdings" panose="05000000000000000000" pitchFamily="2" charset="2"/>
+              </a:rPr>
+              <a:t>	</a:t>
+            </a:r>
+          </a:p>
+          <a:p>
+            <a:pPr lvl="2"/>
+            <a:endParaRPr lang="en-GB" dirty="0">
+              <a:sym typeface="Wingdings" panose="05000000000000000000" pitchFamily="2" charset="2"/>
+            </a:endParaRPr>
+          </a:p>
+        </p:txBody>
+      </p:sp>
+    </p:spTree>
+    <p:extLst>
+      <p:ext uri="{BB962C8B-B14F-4D97-AF65-F5344CB8AC3E}">
+        <p14:creationId xmlns:p14="http://schemas.microsoft.com/office/powerpoint/2010/main" val="639567669"/>
+      </p:ext>
+    </p:extLst>
+  </p:cSld>
+  <p:clrMapOvr>
+    <a:masterClrMapping/>
+  </p:clrMapOvr>
+</p:sld>
+</file>
+
+<file path=ppt/slides/slide6.xml><?xml version="1.0" encoding="utf-8"?>
+<p:sld xmlns:a="http://schemas.openxmlformats.org/drawingml/2006/main" xmlns:r="http://schemas.openxmlformats.org/officeDocument/2006/relationships" xmlns:p="http://schemas.openxmlformats.org/presentationml/2006/main">
+  <p:cSld>
+    <p:spTree>
+      <p:nvGrpSpPr>
+        <p:cNvPr id="1" name=""/>
+        <p:cNvGrpSpPr/>
+        <p:nvPr/>
+      </p:nvGrpSpPr>
+      <p:grpSpPr>
+        <a:xfrm>
+          <a:off x="0" y="0"/>
+          <a:ext cx="0" cy="0"/>
+          <a:chOff x="0" y="0"/>
+          <a:chExt cx="0" cy="0"/>
+        </a:xfrm>
+      </p:grpSpPr>
+      <p:sp>
+        <p:nvSpPr>
+          <p:cNvPr id="2" name="Title 1">
+            <a:extLst>
+              <a:ext uri="{FF2B5EF4-FFF2-40B4-BE49-F238E27FC236}">
+                <a16:creationId xmlns:a16="http://schemas.microsoft.com/office/drawing/2014/main" id="{FCCA8840-4381-46B4-9BE5-564ECD40BA0D}"/>
+              </a:ext>
+            </a:extLst>
+          </p:cNvPr>
+          <p:cNvSpPr>
+            <a:spLocks noGrp="1"/>
+          </p:cNvSpPr>
+          <p:nvPr>
+            <p:ph type="title"/>
+          </p:nvPr>
+        </p:nvSpPr>
+        <p:spPr/>
+        <p:txBody>
+          <a:bodyPr/>
+          <a:lstStyle/>
+          <a:p>
+            <a:r>
+              <a:rPr lang="en-GB" dirty="0"/>
+              <a:t>Zero-pole unit circle diagram</a:t>
+            </a:r>
+          </a:p>
+        </p:txBody>
+      </p:sp>
+      <p:pic>
+        <p:nvPicPr>
+          <p:cNvPr id="11" name="Content Placeholder 10">
+            <a:extLst>
+              <a:ext uri="{FF2B5EF4-FFF2-40B4-BE49-F238E27FC236}">
+                <a16:creationId xmlns:a16="http://schemas.microsoft.com/office/drawing/2014/main" id="{952ED053-520D-4E7F-97B7-61DA8E8EAAB0}"/>
+              </a:ext>
+            </a:extLst>
+          </p:cNvPr>
+          <p:cNvPicPr>
+            <a:picLocks noGrp="1" noChangeAspect="1"/>
+          </p:cNvPicPr>
+          <p:nvPr>
+            <p:ph idx="1"/>
+          </p:nvPr>
+        </p:nvPicPr>
+        <p:blipFill rotWithShape="1">
+          <a:blip r:embed="rId2">
+            <a:extLst>
+              <a:ext uri="{BEBA8EAE-BF5A-486C-A8C5-ECC9F3942E4B}">
+                <a14:imgProps xmlns:a14="http://schemas.microsoft.com/office/drawing/2010/main">
+                  <a14:imgLayer r:embed="rId3">
+                    <a14:imgEffect>
+                      <a14:sharpenSoften amount="50000"/>
+                    </a14:imgEffect>
+                  </a14:imgLayer>
+                </a14:imgProps>
+              </a:ext>
+            </a:extLst>
+          </a:blip>
+          <a:srcRect l="16183" r="13540"/>
+          <a:stretch/>
+        </p:blipFill>
+        <p:spPr>
+          <a:xfrm>
+            <a:off x="1133259" y="1842459"/>
+            <a:ext cx="4750905" cy="4022725"/>
+          </a:xfrm>
+        </p:spPr>
+      </p:pic>
+      <p:pic>
+        <p:nvPicPr>
+          <p:cNvPr id="13" name="Picture 12">
+            <a:extLst>
+              <a:ext uri="{FF2B5EF4-FFF2-40B4-BE49-F238E27FC236}">
+                <a16:creationId xmlns:a16="http://schemas.microsoft.com/office/drawing/2014/main" id="{4A6063D4-E272-4A61-8A5F-E69060EEEE76}"/>
+              </a:ext>
+            </a:extLst>
+          </p:cNvPr>
+          <p:cNvPicPr>
+            <a:picLocks noChangeAspect="1"/>
+          </p:cNvPicPr>
+          <p:nvPr/>
+        </p:nvPicPr>
+        <p:blipFill rotWithShape="1">
+          <a:blip r:embed="rId4">
+            <a:extLst>
+              <a:ext uri="{BEBA8EAE-BF5A-486C-A8C5-ECC9F3942E4B}">
+                <a14:imgProps xmlns:a14="http://schemas.microsoft.com/office/drawing/2010/main">
+                  <a14:imgLayer r:embed="rId5">
+                    <a14:imgEffect>
+                      <a14:sharpenSoften amount="50000"/>
+                    </a14:imgEffect>
+                  </a14:imgLayer>
+                </a14:imgProps>
+              </a:ext>
+            </a:extLst>
+          </a:blip>
+          <a:srcRect l="10489" t="3479" r="8916" b="4928"/>
+          <a:stretch/>
+        </p:blipFill>
+        <p:spPr>
+          <a:xfrm>
+            <a:off x="6307836" y="1943787"/>
+            <a:ext cx="4750905" cy="3820067"/>
+          </a:xfrm>
+          <a:prstGeom prst="rect">
+            <a:avLst/>
+          </a:prstGeom>
+        </p:spPr>
+      </p:pic>
+      <p:sp>
+        <p:nvSpPr>
+          <p:cNvPr id="14" name="TextBox 13">
+            <a:extLst>
+              <a:ext uri="{FF2B5EF4-FFF2-40B4-BE49-F238E27FC236}">
+                <a16:creationId xmlns:a16="http://schemas.microsoft.com/office/drawing/2014/main" id="{32F75863-C93E-4A2A-B8F0-726F49A47CC4}"/>
+              </a:ext>
+            </a:extLst>
+          </p:cNvPr>
+          <p:cNvSpPr txBox="1"/>
+          <p:nvPr/>
+        </p:nvSpPr>
+        <p:spPr>
+          <a:xfrm>
+            <a:off x="2197704" y="5922891"/>
+            <a:ext cx="2622014" cy="369332"/>
+          </a:xfrm>
+          <a:prstGeom prst="rect">
+            <a:avLst/>
+          </a:prstGeom>
+          <a:noFill/>
+        </p:spPr>
+        <p:txBody>
+          <a:bodyPr wrap="square" rtlCol="0">
+            <a:spAutoFit/>
+          </a:bodyPr>
+          <a:lstStyle/>
+          <a:p>
+            <a:r>
+              <a:rPr lang="en-GB" dirty="0"/>
+              <a:t>Non </a:t>
+            </a:r>
+            <a:r>
+              <a:rPr lang="en-GB" dirty="0">
+                <a:sym typeface="Wingdings" panose="05000000000000000000" pitchFamily="2" charset="2"/>
+              </a:rPr>
+              <a:t>stabilized coefficients</a:t>
+            </a:r>
+            <a:r>
+              <a:rPr lang="en-GB" dirty="0"/>
+              <a:t> </a:t>
+            </a:r>
+          </a:p>
+        </p:txBody>
+      </p:sp>
+      <p:sp>
+        <p:nvSpPr>
+          <p:cNvPr id="15" name="TextBox 14">
+            <a:extLst>
+              <a:ext uri="{FF2B5EF4-FFF2-40B4-BE49-F238E27FC236}">
+                <a16:creationId xmlns:a16="http://schemas.microsoft.com/office/drawing/2014/main" id="{87369EAE-F8E1-435F-93E7-7CF9E908FDF1}"/>
+              </a:ext>
+            </a:extLst>
+          </p:cNvPr>
+          <p:cNvSpPr txBox="1"/>
+          <p:nvPr/>
+        </p:nvSpPr>
+        <p:spPr>
+          <a:xfrm>
+            <a:off x="7588111" y="5927077"/>
+            <a:ext cx="2190357" cy="369332"/>
+          </a:xfrm>
+          <a:prstGeom prst="rect">
+            <a:avLst/>
+          </a:prstGeom>
+          <a:noFill/>
+        </p:spPr>
+        <p:txBody>
+          <a:bodyPr wrap="square" rtlCol="0">
+            <a:spAutoFit/>
+          </a:bodyPr>
+          <a:lstStyle/>
+          <a:p>
+            <a:r>
+              <a:rPr lang="en-GB" dirty="0">
+                <a:sym typeface="Wingdings" panose="05000000000000000000" pitchFamily="2" charset="2"/>
+              </a:rPr>
+              <a:t>Stabilized coefficients</a:t>
+            </a:r>
+            <a:r>
+              <a:rPr lang="en-GB" dirty="0"/>
+              <a:t> </a:t>
+            </a:r>
+          </a:p>
+        </p:txBody>
+      </p:sp>
+    </p:spTree>
+    <p:extLst>
+      <p:ext uri="{BB962C8B-B14F-4D97-AF65-F5344CB8AC3E}">
+        <p14:creationId xmlns:p14="http://schemas.microsoft.com/office/powerpoint/2010/main" val="3907632613"/>
+      </p:ext>
+    </p:extLst>
+  </p:cSld>
+  <p:clrMapOvr>
+    <a:masterClrMapping/>
+  </p:clrMapOvr>
+</p:sld>
+</file>
+
+<file path=ppt/slides/slide7.xml><?xml version="1.0" encoding="utf-8"?>
+<p:sld xmlns:a="http://schemas.openxmlformats.org/drawingml/2006/main" xmlns:r="http://schemas.openxmlformats.org/officeDocument/2006/relationships" xmlns:p="http://schemas.openxmlformats.org/presentationml/2006/main">
+  <p:cSld>
+    <p:spTree>
+      <p:nvGrpSpPr>
+        <p:cNvPr id="1" name=""/>
+        <p:cNvGrpSpPr/>
+        <p:nvPr/>
+      </p:nvGrpSpPr>
+      <p:grpSpPr>
+        <a:xfrm>
+          <a:off x="0" y="0"/>
+          <a:ext cx="0" cy="0"/>
+          <a:chOff x="0" y="0"/>
+          <a:chExt cx="0" cy="0"/>
+        </a:xfrm>
+      </p:grpSpPr>
+      <p:sp>
+        <p:nvSpPr>
+          <p:cNvPr id="2" name="Title 1">
+            <a:extLst>
+              <a:ext uri="{FF2B5EF4-FFF2-40B4-BE49-F238E27FC236}">
+                <a16:creationId xmlns:a16="http://schemas.microsoft.com/office/drawing/2014/main" id="{33FE9B80-78B4-4969-AB92-0359BB9577B0}"/>
+              </a:ext>
+            </a:extLst>
+          </p:cNvPr>
+          <p:cNvSpPr>
+            <a:spLocks noGrp="1"/>
+          </p:cNvSpPr>
+          <p:nvPr>
+            <p:ph type="title"/>
+          </p:nvPr>
+        </p:nvSpPr>
+        <p:spPr/>
+        <p:txBody>
+          <a:bodyPr/>
+          <a:lstStyle/>
+          <a:p>
+            <a:r>
+              <a:rPr lang="en-GB" dirty="0"/>
+              <a:t>QUANTIFY + DEQUANTIFY</a:t>
+            </a:r>
+            <a:endParaRPr lang="ca-ES" dirty="0"/>
+          </a:p>
+        </p:txBody>
+      </p:sp>
+      <p:pic>
+        <p:nvPicPr>
+          <p:cNvPr id="8" name="Content Placeholder 6">
+            <a:extLst>
+              <a:ext uri="{FF2B5EF4-FFF2-40B4-BE49-F238E27FC236}">
+                <a16:creationId xmlns:a16="http://schemas.microsoft.com/office/drawing/2014/main" id="{3F1D38FC-50D1-4ABA-8C78-329A25E0C75F}"/>
+              </a:ext>
+            </a:extLst>
+          </p:cNvPr>
+          <p:cNvPicPr>
+            <a:picLocks noChangeAspect="1"/>
+          </p:cNvPicPr>
+          <p:nvPr/>
+        </p:nvPicPr>
+        <p:blipFill>
+          <a:blip r:embed="rId2"/>
+          <a:stretch>
+            <a:fillRect/>
+          </a:stretch>
+        </p:blipFill>
+        <p:spPr>
+          <a:xfrm>
+            <a:off x="8054992" y="312022"/>
+            <a:ext cx="3854311" cy="1733053"/>
+          </a:xfrm>
+          <a:prstGeom prst="rect">
+            <a:avLst/>
+          </a:prstGeom>
+        </p:spPr>
+      </p:pic>
+      <mc:AlternateContent xmlns:mc="http://schemas.openxmlformats.org/markup-compatibility/2006" xmlns:a14="http://schemas.microsoft.com/office/drawing/2010/main">
+        <mc:Choice Requires="a14">
+          <p:sp>
+            <p:nvSpPr>
+              <p:cNvPr id="4" name="Content Placeholder 3">
+                <a:extLst>
+                  <a:ext uri="{FF2B5EF4-FFF2-40B4-BE49-F238E27FC236}">
+                    <a16:creationId xmlns:a16="http://schemas.microsoft.com/office/drawing/2014/main" id="{2DA04549-CFFD-4842-87AF-834F6871D608}"/>
+                  </a:ext>
+                </a:extLst>
+              </p:cNvPr>
+              <p:cNvSpPr>
+                <a:spLocks noGrp="1"/>
+              </p:cNvSpPr>
+              <p:nvPr>
+                <p:ph idx="1"/>
+              </p:nvPr>
+            </p:nvSpPr>
+            <p:spPr/>
+            <p:txBody>
+              <a:bodyPr/>
+              <a:lstStyle/>
+              <a:p>
+                <a:pPr lvl="1"/>
+                <a:r>
+                  <a:rPr lang="en-GB" sz="2400" dirty="0"/>
+                  <a:t> Mapping using </a:t>
+                </a:r>
+                <a14:m>
+                  <m:oMath xmlns:m="http://schemas.openxmlformats.org/officeDocument/2006/math">
+                    <m:r>
+                      <a:rPr lang="ca-ES" sz="2400" b="0" i="1" smtClean="0">
+                        <a:latin typeface="Cambria Math" panose="02040503050406030204" pitchFamily="18" charset="0"/>
+                      </a:rPr>
+                      <m:t>⁡</m:t>
+                    </m:r>
+                    <m:r>
+                      <a:rPr lang="ca-ES" sz="2400" b="0" i="1" smtClean="0">
+                        <a:latin typeface="Cambria Math" panose="02040503050406030204" pitchFamily="18" charset="0"/>
+                      </a:rPr>
+                      <m:t>𝑎𝑟𝑐𝑠𝑖𝑛</m:t>
+                    </m:r>
+                    <m:r>
+                      <a:rPr lang="ca-ES" sz="2400" b="0" i="1" smtClean="0">
+                        <a:latin typeface="Cambria Math" panose="02040503050406030204" pitchFamily="18" charset="0"/>
+                      </a:rPr>
+                      <m:t>(</m:t>
+                    </m:r>
+                    <m:r>
+                      <a:rPr lang="ca-ES" sz="2400" b="0" i="1" smtClean="0">
+                        <a:latin typeface="Cambria Math" panose="02040503050406030204" pitchFamily="18" charset="0"/>
+                      </a:rPr>
+                      <m:t>𝑘</m:t>
+                    </m:r>
+                    <m:r>
+                      <a:rPr lang="ca-ES" sz="2400" b="0" i="1" smtClean="0">
+                        <a:latin typeface="Cambria Math" panose="02040503050406030204" pitchFamily="18" charset="0"/>
+                      </a:rPr>
+                      <m:t>)</m:t>
+                    </m:r>
+                  </m:oMath>
+                </a14:m>
+                <a:r>
+                  <a:rPr lang="ca-ES" sz="2400" dirty="0"/>
+                  <a:t> → </a:t>
+                </a:r>
+                <a:r>
+                  <a:rPr lang="en-GB" sz="2400" dirty="0"/>
+                  <a:t>allows us to use uniform quantization</a:t>
+                </a:r>
+              </a:p>
+              <a:p>
+                <a:pPr lvl="2"/>
+                <a:r>
+                  <a:rPr lang="en-GB" sz="2000" dirty="0"/>
+                  <a:t>Range </a:t>
+                </a:r>
+                <a:r>
+                  <a:rPr lang="ca-ES" sz="2000" dirty="0"/>
+                  <a:t>→ </a:t>
+                </a:r>
+                <a14:m>
+                  <m:oMath xmlns:m="http://schemas.openxmlformats.org/officeDocument/2006/math">
+                    <m:d>
+                      <m:dPr>
+                        <m:begChr m:val="["/>
+                        <m:endChr m:val="]"/>
+                        <m:ctrlPr>
+                          <a:rPr lang="ca-ES" sz="2000" i="1" smtClean="0">
+                            <a:latin typeface="Cambria Math" panose="02040503050406030204" pitchFamily="18" charset="0"/>
+                          </a:rPr>
+                        </m:ctrlPr>
+                      </m:dPr>
+                      <m:e>
+                        <m:r>
+                          <a:rPr lang="ca-ES" sz="2000" b="0" i="1" smtClean="0">
+                            <a:latin typeface="Cambria Math" panose="02040503050406030204" pitchFamily="18" charset="0"/>
+                          </a:rPr>
+                          <m:t>−</m:t>
+                        </m:r>
+                        <m:f>
+                          <m:fPr>
+                            <m:type m:val="lin"/>
+                            <m:ctrlPr>
+                              <a:rPr lang="ca-ES" sz="2000" b="0" i="1" smtClean="0">
+                                <a:latin typeface="Cambria Math" panose="02040503050406030204" pitchFamily="18" charset="0"/>
+                              </a:rPr>
+                            </m:ctrlPr>
+                          </m:fPr>
+                          <m:num>
+                            <m:r>
+                              <a:rPr lang="ca-ES" sz="2000" b="0" i="1" smtClean="0">
+                                <a:latin typeface="Cambria Math" panose="02040503050406030204" pitchFamily="18" charset="0"/>
+                                <a:ea typeface="Cambria Math" panose="02040503050406030204" pitchFamily="18" charset="0"/>
+                              </a:rPr>
+                              <m:t>𝜋</m:t>
+                            </m:r>
+                          </m:num>
+                          <m:den>
+                            <m:r>
+                              <a:rPr lang="ca-ES" sz="2000" b="0" i="1" smtClean="0">
+                                <a:latin typeface="Cambria Math" panose="02040503050406030204" pitchFamily="18" charset="0"/>
+                              </a:rPr>
+                              <m:t>2</m:t>
+                            </m:r>
+                          </m:den>
+                        </m:f>
+                        <m:r>
+                          <a:rPr lang="ca-ES" sz="2000" b="0" i="1" smtClean="0">
+                            <a:latin typeface="Cambria Math" panose="02040503050406030204" pitchFamily="18" charset="0"/>
+                          </a:rPr>
+                          <m:t>,</m:t>
+                        </m:r>
+                        <m:f>
+                          <m:fPr>
+                            <m:type m:val="lin"/>
+                            <m:ctrlPr>
+                              <a:rPr lang="ca-ES" sz="2000" i="1">
+                                <a:latin typeface="Cambria Math" panose="02040503050406030204" pitchFamily="18" charset="0"/>
+                              </a:rPr>
+                            </m:ctrlPr>
+                          </m:fPr>
+                          <m:num>
+                            <m:r>
+                              <a:rPr lang="ca-ES" sz="2000" i="1">
+                                <a:latin typeface="Cambria Math" panose="02040503050406030204" pitchFamily="18" charset="0"/>
+                                <a:ea typeface="Cambria Math" panose="02040503050406030204" pitchFamily="18" charset="0"/>
+                              </a:rPr>
+                              <m:t>𝜋</m:t>
+                            </m:r>
+                          </m:num>
+                          <m:den>
+                            <m:r>
+                              <a:rPr lang="ca-ES" sz="2000" i="1">
+                                <a:latin typeface="Cambria Math" panose="02040503050406030204" pitchFamily="18" charset="0"/>
+                              </a:rPr>
+                              <m:t>2</m:t>
+                            </m:r>
+                          </m:den>
+                        </m:f>
+                      </m:e>
+                    </m:d>
+                  </m:oMath>
+                </a14:m>
+                <a:endParaRPr lang="en-GB" sz="2000" dirty="0"/>
+              </a:p>
+              <a:p>
+                <a:pPr lvl="1"/>
+                <a:r>
+                  <a:rPr lang="en-GB" sz="2400" dirty="0"/>
+                  <a:t> Uniform quantifier</a:t>
+                </a:r>
+              </a:p>
+              <a:p>
+                <a:pPr lvl="2"/>
+                <a:r>
+                  <a:rPr lang="ca-ES" sz="2000" dirty="0"/>
+                  <a:t>MID-RISER </a:t>
+                </a:r>
+              </a:p>
+              <a:p>
+                <a:pPr lvl="3"/>
+                <a14:m>
+                  <m:oMath xmlns:m="http://schemas.openxmlformats.org/officeDocument/2006/math">
+                    <m:r>
+                      <a:rPr lang="ca-ES" sz="2000" i="1">
+                        <a:latin typeface="Cambria Math" panose="02040503050406030204" pitchFamily="18" charset="0"/>
+                      </a:rPr>
+                      <m:t>𝑏</m:t>
+                    </m:r>
+                    <m:r>
+                      <a:rPr lang="ca-ES" sz="2000" i="1">
+                        <a:latin typeface="Cambria Math" panose="02040503050406030204" pitchFamily="18" charset="0"/>
+                      </a:rPr>
+                      <m:t>=7</m:t>
+                    </m:r>
+                  </m:oMath>
+                </a14:m>
+                <a:endParaRPr lang="en-GB" sz="2000" dirty="0"/>
+              </a:p>
+              <a:p>
+                <a:pPr lvl="1"/>
+                <a:r>
+                  <a:rPr lang="en-GB" sz="2400" dirty="0"/>
+                  <a:t> Send to the multiplexer </a:t>
+                </a:r>
+                <a:r>
+                  <a:rPr lang="ca-ES" sz="2400" dirty="0"/>
+                  <a:t>→</a:t>
+                </a:r>
+                <a:r>
+                  <a:rPr lang="en-GB" sz="2400" dirty="0"/>
+                  <a:t> fixed-length coding using </a:t>
+                </a:r>
+                <a14:m>
+                  <m:oMath xmlns:m="http://schemas.openxmlformats.org/officeDocument/2006/math">
+                    <m:r>
+                      <a:rPr lang="ca-ES" sz="2400" i="1">
+                        <a:latin typeface="Cambria Math" panose="02040503050406030204" pitchFamily="18" charset="0"/>
+                      </a:rPr>
+                      <m:t>𝑏</m:t>
+                    </m:r>
+                  </m:oMath>
+                </a14:m>
+                <a:r>
+                  <a:rPr lang="en-GB" sz="2400" dirty="0"/>
+                  <a:t> bits</a:t>
+                </a:r>
+              </a:p>
+              <a:p>
+                <a:endParaRPr lang="en-GB" dirty="0"/>
+              </a:p>
+            </p:txBody>
+          </p:sp>
+        </mc:Choice>
+        <mc:Fallback xmlns="">
+          <p:sp>
+            <p:nvSpPr>
+              <p:cNvPr id="4" name="Content Placeholder 3">
+                <a:extLst>
+                  <a:ext uri="{FF2B5EF4-FFF2-40B4-BE49-F238E27FC236}">
+                    <a16:creationId xmlns:a16="http://schemas.microsoft.com/office/drawing/2014/main" id="{2DA04549-CFFD-4842-87AF-834F6871D608}"/>
+                  </a:ext>
+                </a:extLst>
+              </p:cNvPr>
+              <p:cNvSpPr>
+                <a:spLocks noGrp="1" noRot="1" noChangeAspect="1" noMove="1" noResize="1" noEditPoints="1" noAdjustHandles="1" noChangeArrowheads="1" noChangeShapeType="1" noTextEdit="1"/>
+              </p:cNvSpPr>
+              <p:nvPr>
+                <p:ph idx="1"/>
+              </p:nvPr>
+            </p:nvSpPr>
+            <p:spPr>
+              <a:blipFill>
+                <a:blip r:embed="rId3"/>
+                <a:stretch>
+                  <a:fillRect t="-2273"/>
+                </a:stretch>
+              </a:blipFill>
+            </p:spPr>
+            <p:txBody>
+              <a:bodyPr/>
+              <a:lstStyle/>
+              <a:p>
+                <a:r>
+                  <a:rPr lang="en-GB">
+                    <a:noFill/>
+                  </a:rPr>
+                  <a:t> </a:t>
+                </a:r>
+              </a:p>
+            </p:txBody>
+          </p:sp>
+        </mc:Fallback>
+      </mc:AlternateContent>
+      <p:sp>
+        <p:nvSpPr>
+          <p:cNvPr id="9" name="Rectangle 8">
+            <a:extLst>
+              <a:ext uri="{FF2B5EF4-FFF2-40B4-BE49-F238E27FC236}">
+                <a16:creationId xmlns:a16="http://schemas.microsoft.com/office/drawing/2014/main" id="{879AA0F0-0976-4641-9CEE-F318896BAB32}"/>
+              </a:ext>
+            </a:extLst>
+          </p:cNvPr>
+          <p:cNvSpPr/>
+          <p:nvPr/>
+        </p:nvSpPr>
+        <p:spPr>
+          <a:xfrm>
+            <a:off x="9015140" y="1404731"/>
+            <a:ext cx="1359569" cy="490330"/>
+          </a:xfrm>
+          <a:prstGeom prst="rect">
+            <a:avLst/>
+          </a:prstGeom>
+          <a:noFill/>
+          <a:ln w="76200">
+            <a:solidFill>
+              <a:schemeClr val="accent2">
+                <a:lumMod val="75000"/>
+              </a:schemeClr>
+            </a:solidFill>
+          </a:ln>
+        </p:spPr>
+        <p:style>
+          <a:lnRef idx="2">
+            <a:schemeClr val="accent1">
+              <a:shade val="50000"/>
+            </a:schemeClr>
+          </a:lnRef>
+          <a:fillRef idx="1">
+            <a:schemeClr val="accent1"/>
+          </a:fillRef>
+          <a:effectRef idx="0">
+            <a:schemeClr val="accent1"/>
+          </a:effectRef>
+          <a:fontRef idx="minor">
+            <a:schemeClr val="lt1"/>
+          </a:fontRef>
+        </p:style>
+        <p:txBody>
+          <a:bodyPr rtlCol="0" anchor="ctr"/>
+          <a:lstStyle/>
+          <a:p>
+            <a:pPr algn="ctr"/>
+            <a:endParaRPr lang="ca-ES"/>
+          </a:p>
+        </p:txBody>
+      </p:sp>
+    </p:spTree>
+    <p:extLst>
+      <p:ext uri="{BB962C8B-B14F-4D97-AF65-F5344CB8AC3E}">
+        <p14:creationId xmlns:p14="http://schemas.microsoft.com/office/powerpoint/2010/main" val="3497219331"/>
+      </p:ext>
+    </p:extLst>
+  </p:cSld>
+  <p:clrMapOvr>
+    <a:masterClrMapping/>
+  </p:clrMapOvr>
+</p:sld>
+</file>
+
+<file path=ppt/slides/slide8.xml><?xml version="1.0" encoding="utf-8"?>
+<p:sld xmlns:a="http://schemas.openxmlformats.org/drawingml/2006/main" xmlns:r="http://schemas.openxmlformats.org/officeDocument/2006/relationships" xmlns:p="http://schemas.openxmlformats.org/presentationml/2006/main">
+  <p:cSld>
+    <p:spTree>
+      <p:nvGrpSpPr>
+        <p:cNvPr id="1" name=""/>
+        <p:cNvGrpSpPr/>
+        <p:nvPr/>
+      </p:nvGrpSpPr>
+      <p:grpSpPr>
+        <a:xfrm>
+          <a:off x="0" y="0"/>
+          <a:ext cx="0" cy="0"/>
+          <a:chOff x="0" y="0"/>
+          <a:chExt cx="0" cy="0"/>
+        </a:xfrm>
+      </p:grpSpPr>
+      <p:sp>
+        <p:nvSpPr>
+          <p:cNvPr id="2" name="Title 1">
+            <a:extLst>
+              <a:ext uri="{FF2B5EF4-FFF2-40B4-BE49-F238E27FC236}">
+                <a16:creationId xmlns:a16="http://schemas.microsoft.com/office/drawing/2014/main" id="{CB198841-4CC7-482F-AB3D-233D9497D615}"/>
+              </a:ext>
+            </a:extLst>
+          </p:cNvPr>
+          <p:cNvSpPr>
+            <a:spLocks noGrp="1"/>
+          </p:cNvSpPr>
+          <p:nvPr>
+            <p:ph type="title"/>
+          </p:nvPr>
+        </p:nvSpPr>
+        <p:spPr/>
+        <p:txBody>
+          <a:bodyPr/>
+          <a:lstStyle/>
+          <a:p>
+            <a:r>
+              <a:rPr lang="en-GB" dirty="0"/>
+              <a:t>Parcor to </a:t>
+            </a:r>
+            <a:r>
+              <a:rPr lang="en-GB" dirty="0" err="1"/>
+              <a:t>lpc</a:t>
+            </a:r>
+            <a:r>
+              <a:rPr lang="en-GB" dirty="0"/>
+              <a:t> + predictor</a:t>
+            </a:r>
+          </a:p>
+        </p:txBody>
+      </p:sp>
+      <mc:AlternateContent xmlns:mc="http://schemas.openxmlformats.org/markup-compatibility/2006" xmlns:a14="http://schemas.microsoft.com/office/drawing/2010/main">
+        <mc:Choice Requires="a14">
+          <p:sp>
+            <p:nvSpPr>
+              <p:cNvPr id="3" name="Content Placeholder 2">
+                <a:extLst>
+                  <a:ext uri="{FF2B5EF4-FFF2-40B4-BE49-F238E27FC236}">
+                    <a16:creationId xmlns:a16="http://schemas.microsoft.com/office/drawing/2014/main" id="{BD554C32-E509-409B-B4A7-BD245A709222}"/>
+                  </a:ext>
+                </a:extLst>
+              </p:cNvPr>
+              <p:cNvSpPr>
+                <a:spLocks noGrp="1"/>
+              </p:cNvSpPr>
+              <p:nvPr>
+                <p:ph idx="1"/>
+              </p:nvPr>
+            </p:nvSpPr>
+            <p:spPr>
+              <a:xfrm>
+                <a:off x="1024128" y="2286000"/>
+                <a:ext cx="10598377" cy="4023360"/>
+              </a:xfrm>
+            </p:spPr>
+            <p:txBody>
+              <a:bodyPr>
+                <a:normAutofit/>
+              </a:bodyPr>
+              <a:lstStyle/>
+              <a:p>
+                <a:pPr lvl="1"/>
+                <a:r>
+                  <a:rPr lang="en-GB" sz="2800" dirty="0"/>
+                  <a:t> To get </a:t>
+                </a:r>
+                <a:r>
+                  <a:rPr lang="en-GB" sz="2800" dirty="0">
+                    <a:solidFill>
+                      <a:schemeClr val="accent2">
+                        <a:lumMod val="75000"/>
+                      </a:schemeClr>
+                    </a:solidFill>
+                  </a:rPr>
+                  <a:t>LPC coefficients </a:t>
+                </a:r>
+                <a:r>
+                  <a:rPr lang="en-GB" sz="2800" dirty="0"/>
+                  <a:t>(</a:t>
+                </a:r>
+                <a14:m>
+                  <m:oMath xmlns:m="http://schemas.openxmlformats.org/officeDocument/2006/math">
+                    <m:sSub>
+                      <m:sSubPr>
+                        <m:ctrlPr>
+                          <a:rPr lang="ca-ES" sz="2800" i="1">
+                            <a:latin typeface="Cambria Math" panose="02040503050406030204" pitchFamily="18" charset="0"/>
+                          </a:rPr>
+                        </m:ctrlPr>
+                      </m:sSubPr>
+                      <m:e>
+                        <m:r>
+                          <a:rPr lang="ca-ES" sz="2800" i="1">
+                            <a:latin typeface="Cambria Math" panose="02040503050406030204" pitchFamily="18" charset="0"/>
+                          </a:rPr>
+                          <m:t>𝑎</m:t>
+                        </m:r>
+                      </m:e>
+                      <m:sub>
+                        <m:r>
+                          <a:rPr lang="ca-ES" sz="2800" i="1">
+                            <a:latin typeface="Cambria Math" panose="02040503050406030204" pitchFamily="18" charset="0"/>
+                          </a:rPr>
+                          <m:t>𝑘</m:t>
+                        </m:r>
+                      </m:sub>
+                    </m:sSub>
+                  </m:oMath>
+                </a14:m>
+                <a:r>
+                  <a:rPr lang="en-GB" sz="2800" dirty="0"/>
+                  <a:t>)</a:t>
+                </a:r>
+                <a:r>
+                  <a:rPr lang="en-GB" sz="2800" dirty="0">
+                    <a:solidFill>
+                      <a:schemeClr val="accent2">
+                        <a:lumMod val="75000"/>
+                      </a:schemeClr>
+                    </a:solidFill>
+                  </a:rPr>
+                  <a:t> </a:t>
+                </a:r>
+                <a:r>
+                  <a:rPr lang="en-GB" dirty="0"/>
+                  <a:t>→ </a:t>
+                </a:r>
+                <a:r>
+                  <a:rPr lang="en-GB" sz="2800" dirty="0"/>
+                  <a:t>Repeat Levinson – Durbin algorithm</a:t>
+                </a:r>
+              </a:p>
+              <a:p>
+                <a:pPr lvl="1"/>
+                <a:r>
+                  <a:rPr lang="en-GB" sz="2800" dirty="0"/>
+                  <a:t> </a:t>
+                </a:r>
+                <a:r>
+                  <a:rPr lang="en-GB" sz="2800" dirty="0">
+                    <a:solidFill>
+                      <a:schemeClr val="accent2">
+                        <a:lumMod val="75000"/>
+                      </a:schemeClr>
+                    </a:solidFill>
+                  </a:rPr>
+                  <a:t>Predictor</a:t>
+                </a:r>
+                <a:r>
+                  <a:rPr lang="ca-ES" sz="2800" dirty="0"/>
+                  <a:t> → </a:t>
+                </a:r>
+                <a:r>
+                  <a:rPr lang="en-GB" sz="2800" dirty="0"/>
+                  <a:t>Filters frame using coefficients:</a:t>
+                </a:r>
+              </a:p>
+              <a:p>
+                <a:pPr marL="128016" lvl="1" indent="0">
+                  <a:buNone/>
+                </a:pPr>
+                <a:r>
+                  <a:rPr lang="en-GB" sz="2800" dirty="0"/>
+                  <a:t> </a:t>
+                </a:r>
+              </a:p>
+              <a:p>
+                <a:pPr marL="128016" lvl="1" indent="0" algn="ctr">
+                  <a:buNone/>
+                </a:pPr>
+                <a14:m>
+                  <m:oMathPara xmlns:m="http://schemas.openxmlformats.org/officeDocument/2006/math">
+                    <m:oMathParaPr>
+                      <m:jc m:val="centerGroup"/>
+                    </m:oMathParaPr>
+                    <m:oMath xmlns:m="http://schemas.openxmlformats.org/officeDocument/2006/math">
+                      <m:sSub>
+                        <m:sSubPr>
+                          <m:ctrlPr>
+                            <a:rPr lang="ca-ES" sz="2800" i="1" smtClean="0">
+                              <a:latin typeface="Cambria Math" panose="02040503050406030204" pitchFamily="18" charset="0"/>
+                            </a:rPr>
+                          </m:ctrlPr>
+                        </m:sSubPr>
+                        <m:e>
+                          <m:acc>
+                            <m:accPr>
+                              <m:chr m:val="̂"/>
+                              <m:ctrlPr>
+                                <a:rPr lang="ca-ES" sz="2800" i="1" smtClean="0">
+                                  <a:latin typeface="Cambria Math" panose="02040503050406030204" pitchFamily="18" charset="0"/>
+                                </a:rPr>
+                              </m:ctrlPr>
+                            </m:accPr>
+                            <m:e>
+                              <m:r>
+                                <a:rPr lang="ca-ES" sz="2800" b="0" i="1" smtClean="0">
+                                  <a:latin typeface="Cambria Math" panose="02040503050406030204" pitchFamily="18" charset="0"/>
+                                </a:rPr>
+                                <m:t>𝑥</m:t>
+                              </m:r>
+                            </m:e>
+                          </m:acc>
+                        </m:e>
+                        <m:sub>
+                          <m:r>
+                            <a:rPr lang="ca-ES" sz="2800" i="1">
+                              <a:latin typeface="Cambria Math" panose="02040503050406030204" pitchFamily="18" charset="0"/>
+                            </a:rPr>
+                            <m:t>𝑖</m:t>
+                          </m:r>
+                        </m:sub>
+                      </m:sSub>
+                      <m:r>
+                        <a:rPr lang="pt-BR" sz="2800" i="1">
+                          <a:latin typeface="Cambria Math" panose="02040503050406030204" pitchFamily="18" charset="0"/>
+                        </a:rPr>
+                        <m:t>=</m:t>
+                      </m:r>
+                      <m:d>
+                        <m:dPr>
+                          <m:begChr m:val="⌊"/>
+                          <m:endChr m:val="⌋"/>
+                          <m:ctrlPr>
+                            <a:rPr lang="pt-BR" sz="2800" i="1" smtClean="0">
+                              <a:latin typeface="Cambria Math" panose="02040503050406030204" pitchFamily="18" charset="0"/>
+                            </a:rPr>
+                          </m:ctrlPr>
+                        </m:dPr>
+                        <m:e>
+                          <m:nary>
+                            <m:naryPr>
+                              <m:chr m:val="∑"/>
+                              <m:ctrlPr>
+                                <a:rPr lang="pt-BR" sz="2800" i="1">
+                                  <a:latin typeface="Cambria Math" panose="02040503050406030204" pitchFamily="18" charset="0"/>
+                                </a:rPr>
+                              </m:ctrlPr>
+                            </m:naryPr>
+                            <m:sub>
+                              <m:r>
+                                <a:rPr lang="pt-BR" sz="2800" i="1">
+                                  <a:latin typeface="Cambria Math" panose="02040503050406030204" pitchFamily="18" charset="0"/>
+                                </a:rPr>
+                                <m:t>𝑘</m:t>
+                              </m:r>
+                              <m:r>
+                                <a:rPr lang="pt-BR" sz="2800" i="1">
+                                  <a:latin typeface="Cambria Math" panose="02040503050406030204" pitchFamily="18" charset="0"/>
+                                </a:rPr>
+                                <m:t>=1</m:t>
+                              </m:r>
+                            </m:sub>
+                            <m:sup>
+                              <m:r>
+                                <a:rPr lang="ca-ES" sz="2800" i="1">
+                                  <a:latin typeface="Cambria Math" panose="02040503050406030204" pitchFamily="18" charset="0"/>
+                                </a:rPr>
+                                <m:t>𝑝</m:t>
+                              </m:r>
+                            </m:sup>
+                            <m:e>
+                              <m:sSub>
+                                <m:sSubPr>
+                                  <m:ctrlPr>
+                                    <a:rPr lang="ca-ES" sz="2800" i="1">
+                                      <a:latin typeface="Cambria Math" panose="02040503050406030204" pitchFamily="18" charset="0"/>
+                                    </a:rPr>
+                                  </m:ctrlPr>
+                                </m:sSubPr>
+                                <m:e>
+                                  <m:r>
+                                    <a:rPr lang="ca-ES" sz="2800" i="1">
+                                      <a:latin typeface="Cambria Math" panose="02040503050406030204" pitchFamily="18" charset="0"/>
+                                    </a:rPr>
+                                    <m:t>𝑎</m:t>
+                                  </m:r>
+                                </m:e>
+                                <m:sub>
+                                  <m:r>
+                                    <a:rPr lang="ca-ES" sz="2800" i="1">
+                                      <a:latin typeface="Cambria Math" panose="02040503050406030204" pitchFamily="18" charset="0"/>
+                                    </a:rPr>
+                                    <m:t>𝑘</m:t>
+                                  </m:r>
+                                </m:sub>
+                              </m:sSub>
+                              <m:sSub>
+                                <m:sSubPr>
+                                  <m:ctrlPr>
+                                    <a:rPr lang="ca-ES" sz="2800" i="1">
+                                      <a:latin typeface="Cambria Math" panose="02040503050406030204" pitchFamily="18" charset="0"/>
+                                    </a:rPr>
+                                  </m:ctrlPr>
+                                </m:sSubPr>
+                                <m:e>
+                                  <m:r>
+                                    <a:rPr lang="ca-ES" sz="2800" i="1">
+                                      <a:latin typeface="Cambria Math" panose="02040503050406030204" pitchFamily="18" charset="0"/>
+                                    </a:rPr>
+                                    <m:t>𝑥</m:t>
+                                  </m:r>
+                                </m:e>
+                                <m:sub>
+                                  <m:r>
+                                    <a:rPr lang="ca-ES" sz="2800" i="1">
+                                      <a:latin typeface="Cambria Math" panose="02040503050406030204" pitchFamily="18" charset="0"/>
+                                    </a:rPr>
+                                    <m:t>𝑖</m:t>
+                                  </m:r>
+                                  <m:r>
+                                    <a:rPr lang="ca-ES" sz="2800" i="1">
+                                      <a:latin typeface="Cambria Math" panose="02040503050406030204" pitchFamily="18" charset="0"/>
+                                    </a:rPr>
+                                    <m:t>−</m:t>
+                                  </m:r>
+                                  <m:r>
+                                    <a:rPr lang="ca-ES" sz="2800" i="1">
+                                      <a:latin typeface="Cambria Math" panose="02040503050406030204" pitchFamily="18" charset="0"/>
+                                    </a:rPr>
+                                    <m:t>𝑘</m:t>
+                                  </m:r>
+                                </m:sub>
+                              </m:sSub>
+                            </m:e>
+                          </m:nary>
+                        </m:e>
+                      </m:d>
+                    </m:oMath>
+                  </m:oMathPara>
+                </a14:m>
+                <a:endParaRPr lang="en-GB" sz="2800" dirty="0">
+                  <a:solidFill>
+                    <a:schemeClr val="accent2">
+                      <a:lumMod val="75000"/>
+                    </a:schemeClr>
+                  </a:solidFill>
+                </a:endParaRPr>
+              </a:p>
+              <a:p>
+                <a:pPr lvl="1"/>
+                <a:r>
+                  <a:rPr lang="en-GB" sz="2800" dirty="0"/>
+                  <a:t> </a:t>
+                </a:r>
+                <a:r>
+                  <a:rPr lang="en-GB" sz="2800" dirty="0">
+                    <a:solidFill>
+                      <a:schemeClr val="accent2">
+                        <a:lumMod val="75000"/>
+                      </a:schemeClr>
+                    </a:solidFill>
+                  </a:rPr>
+                  <a:t>Residual </a:t>
+                </a:r>
+                <a:endParaRPr lang="en-GB" dirty="0"/>
+              </a:p>
+              <a:p>
+                <a:pPr marL="128016" lvl="1" indent="0">
+                  <a:buNone/>
+                </a:pPr>
+                <a:endParaRPr lang="en-GB" dirty="0"/>
+              </a:p>
+              <a:p>
+                <a:pPr marL="128016" lvl="1" indent="0">
+                  <a:buNone/>
+                </a:pPr>
+                <a14:m>
+                  <m:oMathPara xmlns:m="http://schemas.openxmlformats.org/officeDocument/2006/math">
+                    <m:oMathParaPr>
+                      <m:jc m:val="centerGroup"/>
+                    </m:oMathParaPr>
+                    <m:oMath xmlns:m="http://schemas.openxmlformats.org/officeDocument/2006/math">
+                      <m:r>
+                        <a:rPr lang="ca-ES" sz="2800" i="1">
+                          <a:latin typeface="Cambria Math" panose="02040503050406030204" pitchFamily="18" charset="0"/>
+                        </a:rPr>
+                        <m:t>𝑟</m:t>
+                      </m:r>
+                      <m:r>
+                        <a:rPr lang="ca-ES" sz="2800" b="0" i="1" smtClean="0">
+                          <a:latin typeface="Cambria Math" panose="02040503050406030204" pitchFamily="18" charset="0"/>
+                        </a:rPr>
+                        <m:t>𝑒𝑠𝑖𝑑𝑢𝑎</m:t>
+                      </m:r>
+                      <m:sSub>
+                        <m:sSubPr>
+                          <m:ctrlPr>
+                            <a:rPr lang="ca-ES" sz="2800" b="0" i="1" smtClean="0">
+                              <a:latin typeface="Cambria Math" panose="02040503050406030204" pitchFamily="18" charset="0"/>
+                            </a:rPr>
+                          </m:ctrlPr>
+                        </m:sSubPr>
+                        <m:e>
+                          <m:r>
+                            <a:rPr lang="ca-ES" sz="2800" b="0" i="1" smtClean="0">
+                              <a:latin typeface="Cambria Math" panose="02040503050406030204" pitchFamily="18" charset="0"/>
+                            </a:rPr>
+                            <m:t>𝑙</m:t>
+                          </m:r>
+                        </m:e>
+                        <m:sub>
+                          <m:r>
+                            <a:rPr lang="ca-ES" sz="2800" b="0" i="1" smtClean="0">
+                              <a:latin typeface="Cambria Math" panose="02040503050406030204" pitchFamily="18" charset="0"/>
+                            </a:rPr>
+                            <m:t>𝑖</m:t>
+                          </m:r>
+                        </m:sub>
+                      </m:sSub>
+                      <m:r>
+                        <a:rPr lang="pt-BR" sz="2800" i="1">
+                          <a:latin typeface="Cambria Math" panose="02040503050406030204" pitchFamily="18" charset="0"/>
+                        </a:rPr>
+                        <m:t>=</m:t>
+                      </m:r>
+                      <m:sSub>
+                        <m:sSubPr>
+                          <m:ctrlPr>
+                            <a:rPr lang="ca-ES" sz="2800" b="0" i="1" smtClean="0">
+                              <a:latin typeface="Cambria Math" panose="02040503050406030204" pitchFamily="18" charset="0"/>
+                            </a:rPr>
+                          </m:ctrlPr>
+                        </m:sSubPr>
+                        <m:e>
+                          <m:r>
+                            <a:rPr lang="ca-ES" sz="2800" b="0" i="1" smtClean="0">
+                              <a:latin typeface="Cambria Math" panose="02040503050406030204" pitchFamily="18" charset="0"/>
+                            </a:rPr>
+                            <m:t>𝑥</m:t>
+                          </m:r>
+                        </m:e>
+                        <m:sub>
+                          <m:r>
+                            <a:rPr lang="ca-ES" sz="2800" b="0" i="1" smtClean="0">
+                              <a:latin typeface="Cambria Math" panose="02040503050406030204" pitchFamily="18" charset="0"/>
+                            </a:rPr>
+                            <m:t>𝑖</m:t>
+                          </m:r>
+                        </m:sub>
+                      </m:sSub>
+                      <m:r>
+                        <a:rPr lang="ca-ES" sz="2800" b="0" i="1" smtClean="0">
+                          <a:latin typeface="Cambria Math" panose="02040503050406030204" pitchFamily="18" charset="0"/>
+                        </a:rPr>
+                        <m:t>+</m:t>
+                      </m:r>
+                      <m:sSub>
+                        <m:sSubPr>
+                          <m:ctrlPr>
+                            <a:rPr lang="ca-ES" sz="2800" b="0" i="1" smtClean="0">
+                              <a:latin typeface="Cambria Math" panose="02040503050406030204" pitchFamily="18" charset="0"/>
+                            </a:rPr>
+                          </m:ctrlPr>
+                        </m:sSubPr>
+                        <m:e>
+                          <m:acc>
+                            <m:accPr>
+                              <m:chr m:val="̂"/>
+                              <m:ctrlPr>
+                                <a:rPr lang="ca-ES" sz="2800" i="1">
+                                  <a:latin typeface="Cambria Math" panose="02040503050406030204" pitchFamily="18" charset="0"/>
+                                </a:rPr>
+                              </m:ctrlPr>
+                            </m:accPr>
+                            <m:e>
+                              <m:r>
+                                <a:rPr lang="ca-ES" sz="2800" i="1">
+                                  <a:latin typeface="Cambria Math" panose="02040503050406030204" pitchFamily="18" charset="0"/>
+                                </a:rPr>
+                                <m:t>𝑥</m:t>
+                              </m:r>
+                            </m:e>
+                          </m:acc>
+                        </m:e>
+                        <m:sub>
+                          <m:r>
+                            <a:rPr lang="ca-ES" sz="2800" b="0" i="1" smtClean="0">
+                              <a:latin typeface="Cambria Math" panose="02040503050406030204" pitchFamily="18" charset="0"/>
+                            </a:rPr>
+                            <m:t>𝑖</m:t>
+                          </m:r>
+                        </m:sub>
+                      </m:sSub>
+                    </m:oMath>
+                  </m:oMathPara>
+                </a14:m>
+                <a:endParaRPr lang="ca-ES" sz="2800" b="0" dirty="0"/>
+              </a:p>
+              <a:p>
+                <a:pPr marL="128016" lvl="1" indent="0">
+                  <a:buNone/>
+                </a:pPr>
+                <a:endParaRPr lang="ca-ES" sz="2800" dirty="0"/>
+              </a:p>
+            </p:txBody>
+          </p:sp>
+        </mc:Choice>
+        <mc:Fallback xmlns="">
+          <p:sp>
+            <p:nvSpPr>
+              <p:cNvPr id="3" name="Content Placeholder 2">
+                <a:extLst>
+                  <a:ext uri="{FF2B5EF4-FFF2-40B4-BE49-F238E27FC236}">
+                    <a16:creationId xmlns:a16="http://schemas.microsoft.com/office/drawing/2014/main" id="{BD554C32-E509-409B-B4A7-BD245A709222}"/>
+                  </a:ext>
+                </a:extLst>
+              </p:cNvPr>
+              <p:cNvSpPr>
+                <a:spLocks noGrp="1" noRot="1" noChangeAspect="1" noMove="1" noResize="1" noEditPoints="1" noAdjustHandles="1" noChangeArrowheads="1" noChangeShapeType="1" noTextEdit="1"/>
+              </p:cNvSpPr>
+              <p:nvPr>
+                <p:ph idx="1"/>
+              </p:nvPr>
+            </p:nvSpPr>
+            <p:spPr>
+              <a:xfrm>
+                <a:off x="1024128" y="2286000"/>
+                <a:ext cx="10598377" cy="4023360"/>
+              </a:xfrm>
+              <a:blipFill>
+                <a:blip r:embed="rId2"/>
+                <a:stretch>
+                  <a:fillRect l="-288" t="-2576"/>
+                </a:stretch>
+              </a:blipFill>
+            </p:spPr>
+            <p:txBody>
+              <a:bodyPr/>
+              <a:lstStyle/>
+              <a:p>
+                <a:r>
+                  <a:rPr lang="en-GB">
+                    <a:noFill/>
+                  </a:rPr>
+                  <a:t> </a:t>
+                </a:r>
+              </a:p>
+            </p:txBody>
+          </p:sp>
+        </mc:Fallback>
+      </mc:AlternateContent>
+      <p:pic>
+        <p:nvPicPr>
+          <p:cNvPr id="4" name="Content Placeholder 6">
+            <a:extLst>
+              <a:ext uri="{FF2B5EF4-FFF2-40B4-BE49-F238E27FC236}">
+                <a16:creationId xmlns:a16="http://schemas.microsoft.com/office/drawing/2014/main" id="{0225C262-0708-47BE-9AB0-0400CED7F198}"/>
+              </a:ext>
+            </a:extLst>
+          </p:cNvPr>
+          <p:cNvPicPr>
+            <a:picLocks noChangeAspect="1"/>
+          </p:cNvPicPr>
+          <p:nvPr/>
+        </p:nvPicPr>
+        <p:blipFill>
+          <a:blip r:embed="rId3"/>
+          <a:stretch>
+            <a:fillRect/>
+          </a:stretch>
+        </p:blipFill>
+        <p:spPr>
+          <a:xfrm>
+            <a:off x="8054992" y="351778"/>
+            <a:ext cx="3854311" cy="1733053"/>
+          </a:xfrm>
+          <a:prstGeom prst="rect">
+            <a:avLst/>
+          </a:prstGeom>
+        </p:spPr>
+      </p:pic>
+      <p:sp>
+        <p:nvSpPr>
+          <p:cNvPr id="5" name="Rectangle 4">
+            <a:extLst>
+              <a:ext uri="{FF2B5EF4-FFF2-40B4-BE49-F238E27FC236}">
+                <a16:creationId xmlns:a16="http://schemas.microsoft.com/office/drawing/2014/main" id="{BF50461C-7FE5-44C4-9180-5E7A35AA1E64}"/>
+              </a:ext>
+            </a:extLst>
+          </p:cNvPr>
+          <p:cNvSpPr/>
+          <p:nvPr/>
+        </p:nvSpPr>
+        <p:spPr>
+          <a:xfrm>
+            <a:off x="9107905" y="585215"/>
+            <a:ext cx="1359569" cy="978890"/>
+          </a:xfrm>
+          <a:prstGeom prst="rect">
+            <a:avLst/>
+          </a:prstGeom>
+          <a:noFill/>
+          <a:ln w="76200">
+            <a:solidFill>
+              <a:schemeClr val="accent2">
+                <a:lumMod val="75000"/>
+              </a:schemeClr>
+            </a:solidFill>
+          </a:ln>
+        </p:spPr>
+        <p:style>
+          <a:lnRef idx="2">
+            <a:schemeClr val="accent1">
+              <a:shade val="50000"/>
+            </a:schemeClr>
+          </a:lnRef>
+          <a:fillRef idx="1">
+            <a:schemeClr val="accent1"/>
+          </a:fillRef>
+          <a:effectRef idx="0">
+            <a:schemeClr val="accent1"/>
+          </a:effectRef>
+          <a:fontRef idx="minor">
+            <a:schemeClr val="lt1"/>
+          </a:fontRef>
+        </p:style>
+        <p:txBody>
+          <a:bodyPr rtlCol="0" anchor="ctr"/>
+          <a:lstStyle/>
+          <a:p>
+            <a:pPr algn="ctr"/>
+            <a:endParaRPr lang="ca-ES"/>
+          </a:p>
+        </p:txBody>
+      </p:sp>
+    </p:spTree>
+    <p:extLst>
+      <p:ext uri="{BB962C8B-B14F-4D97-AF65-F5344CB8AC3E}">
+        <p14:creationId xmlns:p14="http://schemas.microsoft.com/office/powerpoint/2010/main" val="2778688152"/>
+      </p:ext>
+    </p:extLst>
+  </p:cSld>
+  <p:clrMapOvr>
+    <a:masterClrMapping/>
+  </p:clrMapOvr>
+</p:sld>
+</file>
+
+<file path=ppt/slides/slide9.xml><?xml version="1.0" encoding="utf-8"?>
+<p:sld xmlns:a="http://schemas.openxmlformats.org/drawingml/2006/main" xmlns:r="http://schemas.openxmlformats.org/officeDocument/2006/relationships" xmlns:p="http://schemas.openxmlformats.org/presentationml/2006/main">
+  <p:cSld>
+    <p:spTree>
+      <p:nvGrpSpPr>
+        <p:cNvPr id="1" name=""/>
+        <p:cNvGrpSpPr/>
+        <p:nvPr/>
+      </p:nvGrpSpPr>
+      <p:grpSpPr>
+        <a:xfrm>
+          <a:off x="0" y="0"/>
+          <a:ext cx="0" cy="0"/>
+          <a:chOff x="0" y="0"/>
+          <a:chExt cx="0" cy="0"/>
+        </a:xfrm>
+      </p:grpSpPr>
+      <p:pic>
+        <p:nvPicPr>
+          <p:cNvPr id="10" name="Picture 9">
+            <a:extLst>
+              <a:ext uri="{FF2B5EF4-FFF2-40B4-BE49-F238E27FC236}">
+                <a16:creationId xmlns:a16="http://schemas.microsoft.com/office/drawing/2014/main" id="{499E46A4-720D-4143-98BF-ECCD01E58FAA}"/>
+              </a:ext>
+            </a:extLst>
+          </p:cNvPr>
+          <p:cNvPicPr>
+            <a:picLocks noChangeAspect="1"/>
+          </p:cNvPicPr>
+          <p:nvPr/>
+        </p:nvPicPr>
+        <p:blipFill>
+          <a:blip r:embed="rId2"/>
+          <a:stretch>
+            <a:fillRect/>
+          </a:stretch>
+        </p:blipFill>
+        <p:spPr>
+          <a:xfrm>
+            <a:off x="18974" y="1701942"/>
+            <a:ext cx="7960659" cy="5156058"/>
+          </a:xfrm>
+          <a:prstGeom prst="rect">
+            <a:avLst/>
+          </a:prstGeom>
+        </p:spPr>
+      </p:pic>
+      <p:sp>
+        <p:nvSpPr>
+          <p:cNvPr id="2" name="Title 1">
+            <a:extLst>
+              <a:ext uri="{FF2B5EF4-FFF2-40B4-BE49-F238E27FC236}">
+                <a16:creationId xmlns:a16="http://schemas.microsoft.com/office/drawing/2014/main" id="{E8F36247-F1C5-480D-B46E-5E015BFF9167}"/>
+              </a:ext>
+            </a:extLst>
+          </p:cNvPr>
+          <p:cNvSpPr>
+            <a:spLocks noGrp="1"/>
+          </p:cNvSpPr>
+          <p:nvPr>
+            <p:ph type="title"/>
+          </p:nvPr>
+        </p:nvSpPr>
+        <p:spPr/>
+        <p:txBody>
+          <a:bodyPr/>
+          <a:lstStyle/>
+          <a:p>
+            <a:r>
+              <a:rPr lang="en-GB" dirty="0"/>
+              <a:t>Predicted waveform – ORDER 2</a:t>
+            </a:r>
+          </a:p>
+        </p:txBody>
+      </p:sp>
+      <p:sp>
+        <p:nvSpPr>
+          <p:cNvPr id="6" name="Rectangle 5">
+            <a:extLst>
+              <a:ext uri="{FF2B5EF4-FFF2-40B4-BE49-F238E27FC236}">
+                <a16:creationId xmlns:a16="http://schemas.microsoft.com/office/drawing/2014/main" id="{4E6B999D-8A81-40AA-BD95-3029AD5F0A0F}"/>
+              </a:ext>
+            </a:extLst>
+          </p:cNvPr>
+          <p:cNvSpPr/>
+          <p:nvPr/>
+        </p:nvSpPr>
+        <p:spPr>
+          <a:xfrm>
+            <a:off x="5405718" y="2756646"/>
+            <a:ext cx="1855694" cy="1264024"/>
+          </a:xfrm>
+          <a:prstGeom prst="rect">
+            <a:avLst/>
+          </a:prstGeom>
+          <a:noFill/>
+          <a:ln w="57150">
+            <a:solidFill>
+              <a:schemeClr val="accent2">
+                <a:lumMod val="75000"/>
+              </a:schemeClr>
+            </a:solidFill>
+          </a:ln>
+        </p:spPr>
+        <p:style>
+          <a:lnRef idx="2">
+            <a:schemeClr val="accent1">
+              <a:shade val="50000"/>
+            </a:schemeClr>
+          </a:lnRef>
+          <a:fillRef idx="1">
+            <a:schemeClr val="accent1"/>
+          </a:fillRef>
+          <a:effectRef idx="0">
+            <a:schemeClr val="accent1"/>
+          </a:effectRef>
+          <a:fontRef idx="minor">
+            <a:schemeClr val="lt1"/>
+          </a:fontRef>
+        </p:style>
+        <p:txBody>
+          <a:bodyPr rtlCol="0" anchor="ctr"/>
+          <a:lstStyle/>
+          <a:p>
+            <a:pPr algn="ctr"/>
+            <a:endParaRPr lang="en-GB" dirty="0"/>
+          </a:p>
+        </p:txBody>
+      </p:sp>
+      <p:pic>
+        <p:nvPicPr>
+          <p:cNvPr id="8" name="Picture 7">
+            <a:extLst>
+              <a:ext uri="{FF2B5EF4-FFF2-40B4-BE49-F238E27FC236}">
+                <a16:creationId xmlns:a16="http://schemas.microsoft.com/office/drawing/2014/main" id="{7B220D2D-B084-469A-96D8-AA8E738792E3}"/>
+              </a:ext>
+            </a:extLst>
+          </p:cNvPr>
+          <p:cNvPicPr>
+            <a:picLocks noChangeAspect="1"/>
+          </p:cNvPicPr>
+          <p:nvPr/>
+        </p:nvPicPr>
+        <p:blipFill>
+          <a:blip r:embed="rId3"/>
+          <a:stretch>
+            <a:fillRect/>
+          </a:stretch>
+        </p:blipFill>
+        <p:spPr>
+          <a:xfrm>
+            <a:off x="7549327" y="2467534"/>
+            <a:ext cx="4285869" cy="3106271"/>
+          </a:xfrm>
+          <a:prstGeom prst="rect">
+            <a:avLst/>
+          </a:prstGeom>
+        </p:spPr>
+      </p:pic>
+    </p:spTree>
+    <p:extLst>
+      <p:ext uri="{BB962C8B-B14F-4D97-AF65-F5344CB8AC3E}">
+        <p14:creationId xmlns:p14="http://schemas.microsoft.com/office/powerpoint/2010/main" val="1646095989"/>
       </p:ext>
     </p:extLst>
   </p:cSld>
